--- a/report SVM handcrafted and PCA/AUTHENTICATION(all features).pptx
+++ b/report SVM handcrafted and PCA/AUTHENTICATION(all features).pptx
@@ -260,7 +260,7 @@
           <a:p>
             <a:fld id="{553A844F-FF5C-934C-B225-48B8FD889570}" type="datetimeFigureOut">
               <a:rPr lang="en-US" smtClean="0"/>
-              <a:t>10/17/2017</a:t>
+              <a:t>11/2/2017</a:t>
             </a:fld>
             <a:endParaRPr lang="en-US"/>
           </a:p>
@@ -430,7 +430,7 @@
           <a:p>
             <a:fld id="{553A844F-FF5C-934C-B225-48B8FD889570}" type="datetimeFigureOut">
               <a:rPr lang="en-US" smtClean="0"/>
-              <a:t>10/17/2017</a:t>
+              <a:t>11/2/2017</a:t>
             </a:fld>
             <a:endParaRPr lang="en-US"/>
           </a:p>
@@ -610,7 +610,7 @@
           <a:p>
             <a:fld id="{553A844F-FF5C-934C-B225-48B8FD889570}" type="datetimeFigureOut">
               <a:rPr lang="en-US" smtClean="0"/>
-              <a:t>10/17/2017</a:t>
+              <a:t>11/2/2017</a:t>
             </a:fld>
             <a:endParaRPr lang="en-US"/>
           </a:p>
@@ -780,7 +780,7 @@
           <a:p>
             <a:fld id="{553A844F-FF5C-934C-B225-48B8FD889570}" type="datetimeFigureOut">
               <a:rPr lang="en-US" smtClean="0"/>
-              <a:t>10/17/2017</a:t>
+              <a:t>11/2/2017</a:t>
             </a:fld>
             <a:endParaRPr lang="en-US"/>
           </a:p>
@@ -1026,7 +1026,7 @@
           <a:p>
             <a:fld id="{553A844F-FF5C-934C-B225-48B8FD889570}" type="datetimeFigureOut">
               <a:rPr lang="en-US" smtClean="0"/>
-              <a:t>10/17/2017</a:t>
+              <a:t>11/2/2017</a:t>
             </a:fld>
             <a:endParaRPr lang="en-US"/>
           </a:p>
@@ -1258,7 +1258,7 @@
           <a:p>
             <a:fld id="{553A844F-FF5C-934C-B225-48B8FD889570}" type="datetimeFigureOut">
               <a:rPr lang="en-US" smtClean="0"/>
-              <a:t>10/17/2017</a:t>
+              <a:t>11/2/2017</a:t>
             </a:fld>
             <a:endParaRPr lang="en-US"/>
           </a:p>
@@ -1625,7 +1625,7 @@
           <a:p>
             <a:fld id="{553A844F-FF5C-934C-B225-48B8FD889570}" type="datetimeFigureOut">
               <a:rPr lang="en-US" smtClean="0"/>
-              <a:t>10/17/2017</a:t>
+              <a:t>11/2/2017</a:t>
             </a:fld>
             <a:endParaRPr lang="en-US"/>
           </a:p>
@@ -1743,7 +1743,7 @@
           <a:p>
             <a:fld id="{553A844F-FF5C-934C-B225-48B8FD889570}" type="datetimeFigureOut">
               <a:rPr lang="en-US" smtClean="0"/>
-              <a:t>10/17/2017</a:t>
+              <a:t>11/2/2017</a:t>
             </a:fld>
             <a:endParaRPr lang="en-US"/>
           </a:p>
@@ -1838,7 +1838,7 @@
           <a:p>
             <a:fld id="{553A844F-FF5C-934C-B225-48B8FD889570}" type="datetimeFigureOut">
               <a:rPr lang="en-US" smtClean="0"/>
-              <a:t>10/17/2017</a:t>
+              <a:t>11/2/2017</a:t>
             </a:fld>
             <a:endParaRPr lang="en-US"/>
           </a:p>
@@ -2115,7 +2115,7 @@
           <a:p>
             <a:fld id="{553A844F-FF5C-934C-B225-48B8FD889570}" type="datetimeFigureOut">
               <a:rPr lang="en-US" smtClean="0"/>
-              <a:t>10/17/2017</a:t>
+              <a:t>11/2/2017</a:t>
             </a:fld>
             <a:endParaRPr lang="en-US"/>
           </a:p>
@@ -2368,7 +2368,7 @@
           <a:p>
             <a:fld id="{553A844F-FF5C-934C-B225-48B8FD889570}" type="datetimeFigureOut">
               <a:rPr lang="en-US" smtClean="0"/>
-              <a:t>10/17/2017</a:t>
+              <a:t>11/2/2017</a:t>
             </a:fld>
             <a:endParaRPr lang="en-US"/>
           </a:p>
@@ -2581,7 +2581,7 @@
           <a:p>
             <a:fld id="{553A844F-FF5C-934C-B225-48B8FD889570}" type="datetimeFigureOut">
               <a:rPr lang="en-US" smtClean="0"/>
-              <a:t>10/17/2017</a:t>
+              <a:t>11/2/2017</a:t>
             </a:fld>
             <a:endParaRPr lang="en-US"/>
           </a:p>
@@ -4394,11 +4394,7 @@
           <a:p>
             <a:r>
               <a:rPr lang="en-US" dirty="0" smtClean="0"/>
-              <a:t>Title: Average FAR and FRR for all Activities for all users using original features from filtered data with One-class </a:t>
-            </a:r>
-            <a:r>
-              <a:rPr lang="en-US" dirty="0" smtClean="0"/>
-              <a:t>SVMs</a:t>
+              <a:t>Title: Average FAR and FRR for all Activities for all users using original features from filtered data with One-class SVMs</a:t>
             </a:r>
           </a:p>
         </p:txBody>
@@ -4648,14 +4644,79 @@
                         <a:rPr lang="en-US" dirty="0" smtClean="0">
                           <a:latin typeface="+mn-lt"/>
                         </a:rPr>
+                        <a:t>FRR: 0.46351 FAR:</a:t>
+                      </a:r>
+                      <a:r>
+                        <a:rPr lang="en-US" baseline="0" dirty="0" smtClean="0">
+                          <a:latin typeface="+mn-lt"/>
+                        </a:rPr>
+                        <a:t> </a:t>
+                      </a:r>
+                      <a:r>
+                        <a:rPr lang="en-US" dirty="0" smtClean="0">
+                          <a:latin typeface="+mn-lt"/>
+                        </a:rPr>
+                        <a:t>0.49039</a:t>
+                      </a:r>
+                      <a:endParaRPr lang="en-US" dirty="0">
+                        <a:latin typeface="+mn-lt"/>
+                      </a:endParaRPr>
+                    </a:p>
+                  </a:txBody>
+                  <a:tcPr/>
+                </a:tc>
+                <a:tc>
+                  <a:txBody>
+                    <a:bodyPr/>
+                    <a:lstStyle/>
+                    <a:p>
+                      <a:r>
+                        <a:rPr lang="en-US" dirty="0" smtClean="0">
+                          <a:latin typeface="+mn-lt"/>
+                        </a:rPr>
+                        <a:t>FRR: 0.54320 FAR:</a:t>
+                      </a:r>
+                      <a:r>
+                        <a:rPr lang="en-US" baseline="0" dirty="0" smtClean="0">
+                          <a:latin typeface="+mn-lt"/>
+                        </a:rPr>
+                        <a:t> </a:t>
+                      </a:r>
+                      <a:r>
+                        <a:rPr lang="en-US" dirty="0" smtClean="0">
+                          <a:latin typeface="+mn-lt"/>
+                        </a:rPr>
+                        <a:t>0.52333</a:t>
+                      </a:r>
+                      <a:endParaRPr lang="en-US" dirty="0">
+                        <a:latin typeface="+mn-lt"/>
+                      </a:endParaRPr>
+                    </a:p>
+                  </a:txBody>
+                  <a:tcPr/>
+                </a:tc>
+                <a:tc>
+                  <a:txBody>
+                    <a:bodyPr/>
+                    <a:lstStyle/>
+                    <a:p>
+                      <a:r>
+                        <a:rPr lang="en-US" dirty="0" smtClean="0">
+                          <a:latin typeface="+mn-lt"/>
+                        </a:rPr>
                         <a:t>FRR: </a:t>
                       </a:r>
                       <a:r>
-                        <a:rPr lang="en-US" dirty="0" smtClean="0">
-                          <a:latin typeface="+mn-lt"/>
-                        </a:rPr>
-                        <a:t>0.46351 </a:t>
-                      </a:r>
+                        <a:rPr lang="mr-IN" dirty="0" smtClean="0">
+                          <a:latin typeface="+mn-lt"/>
+                        </a:rPr>
+                        <a:t>0.375 </a:t>
+                      </a:r>
+                      <a:endParaRPr lang="en-US" dirty="0" smtClean="0">
+                        <a:latin typeface="+mn-lt"/>
+                      </a:endParaRPr>
+                    </a:p>
+                    <a:p>
                       <a:r>
                         <a:rPr lang="en-US" dirty="0" smtClean="0">
                           <a:latin typeface="+mn-lt"/>
@@ -4669,13 +4730,13 @@
                         <a:t> </a:t>
                       </a:r>
                       <a:r>
-                        <a:rPr lang="en-US" dirty="0" smtClean="0">
-                          <a:latin typeface="+mn-lt"/>
-                        </a:rPr>
-                        <a:t>0.49039</a:t>
-                      </a:r>
-                      <a:endParaRPr lang="en-US" dirty="0">
-                        <a:latin typeface="+mn-lt"/>
+                        <a:rPr lang="mr-IN" dirty="0" smtClean="0">
+                          <a:latin typeface="+mn-lt"/>
+                        </a:rPr>
+                        <a:t>0.57351</a:t>
+                      </a:r>
+                      <a:endParaRPr lang="en-US" dirty="0">
+                        <a:latin typeface="Mangal (Основной текст)"/>
                       </a:endParaRPr>
                     </a:p>
                   </a:txBody>
@@ -4693,16 +4754,21 @@
                         <a:t>FRR: </a:t>
                       </a:r>
                       <a:r>
-                        <a:rPr lang="en-US" dirty="0" smtClean="0">
-                          <a:latin typeface="+mn-lt"/>
-                        </a:rPr>
-                        <a:t>0.54320 FAR</a:t>
-                      </a:r>
-                      <a:r>
-                        <a:rPr lang="en-US" dirty="0" smtClean="0">
-                          <a:latin typeface="+mn-lt"/>
-                        </a:rPr>
-                        <a:t>:</a:t>
+                        <a:rPr lang="mr-IN" dirty="0" smtClean="0">
+                          <a:latin typeface="+mn-lt"/>
+                        </a:rPr>
+                        <a:t>0.49425 </a:t>
+                      </a:r>
+                      <a:endParaRPr lang="en-US" dirty="0" smtClean="0">
+                        <a:latin typeface="+mn-lt"/>
+                      </a:endParaRPr>
+                    </a:p>
+                    <a:p>
+                      <a:r>
+                        <a:rPr lang="en-US" dirty="0" smtClean="0">
+                          <a:latin typeface="+mn-lt"/>
+                        </a:rPr>
+                        <a:t>FAR:</a:t>
                       </a:r>
                       <a:r>
                         <a:rPr lang="en-US" baseline="0" dirty="0" smtClean="0">
@@ -4711,63 +4777,10 @@
                         <a:t> </a:t>
                       </a:r>
                       <a:r>
-                        <a:rPr lang="en-US" dirty="0" smtClean="0">
-                          <a:latin typeface="+mn-lt"/>
-                        </a:rPr>
-                        <a:t>0.52333</a:t>
-                      </a:r>
-                      <a:endParaRPr lang="en-US" dirty="0">
-                        <a:latin typeface="+mn-lt"/>
-                      </a:endParaRPr>
-                    </a:p>
-                  </a:txBody>
-                  <a:tcPr/>
-                </a:tc>
-                <a:tc>
-                  <a:txBody>
-                    <a:bodyPr/>
-                    <a:lstStyle/>
-                    <a:p>
-                      <a:r>
-                        <a:rPr lang="en-US" dirty="0" smtClean="0">
-                          <a:latin typeface="+mn-lt"/>
-                        </a:rPr>
-                        <a:t>FRR: </a:t>
-                      </a:r>
-                      <a:r>
                         <a:rPr lang="mr-IN" dirty="0" smtClean="0">
                           <a:latin typeface="+mn-lt"/>
                         </a:rPr>
-                        <a:t>0.375 </a:t>
-                      </a:r>
-                      <a:endParaRPr lang="en-US" dirty="0" smtClean="0">
-                        <a:latin typeface="+mn-lt"/>
-                      </a:endParaRPr>
-                    </a:p>
-                    <a:p>
-                      <a:r>
-                        <a:rPr lang="en-US" dirty="0" smtClean="0">
-                          <a:latin typeface="+mn-lt"/>
-                        </a:rPr>
-                        <a:t>FAR</a:t>
-                      </a:r>
-                      <a:r>
-                        <a:rPr lang="en-US" dirty="0" smtClean="0">
-                          <a:latin typeface="+mn-lt"/>
-                        </a:rPr>
-                        <a:t>:</a:t>
-                      </a:r>
-                      <a:r>
-                        <a:rPr lang="en-US" baseline="0" dirty="0" smtClean="0">
-                          <a:latin typeface="+mn-lt"/>
-                        </a:rPr>
-                        <a:t> </a:t>
-                      </a:r>
-                      <a:r>
-                        <a:rPr lang="mr-IN" dirty="0" smtClean="0">
-                          <a:latin typeface="+mn-lt"/>
-                        </a:rPr>
-                        <a:t>0.57351</a:t>
+                        <a:t>0.43080</a:t>
                       </a:r>
                       <a:endParaRPr lang="en-US" dirty="0">
                         <a:latin typeface="Mangal (Основной текст)"/>
@@ -4785,72 +4798,7 @@
                         <a:rPr lang="en-US" dirty="0" smtClean="0">
                           <a:latin typeface="+mn-lt"/>
                         </a:rPr>
-                        <a:t>FRR: </a:t>
-                      </a:r>
-                      <a:r>
-                        <a:rPr lang="mr-IN" dirty="0" smtClean="0">
-                          <a:latin typeface="+mn-lt"/>
-                        </a:rPr>
-                        <a:t>0.49425 </a:t>
-                      </a:r>
-                      <a:endParaRPr lang="en-US" dirty="0" smtClean="0">
-                        <a:latin typeface="+mn-lt"/>
-                      </a:endParaRPr>
-                    </a:p>
-                    <a:p>
-                      <a:r>
-                        <a:rPr lang="en-US" dirty="0" smtClean="0">
-                          <a:latin typeface="+mn-lt"/>
-                        </a:rPr>
-                        <a:t>FAR:</a:t>
-                      </a:r>
-                      <a:r>
-                        <a:rPr lang="en-US" baseline="0" dirty="0" smtClean="0">
-                          <a:latin typeface="+mn-lt"/>
-                        </a:rPr>
-                        <a:t> </a:t>
-                      </a:r>
-                      <a:r>
-                        <a:rPr lang="mr-IN" dirty="0" smtClean="0">
-                          <a:latin typeface="+mn-lt"/>
-                        </a:rPr>
-                        <a:t>0.43080</a:t>
-                      </a:r>
-                      <a:endParaRPr lang="en-US" dirty="0">
-                        <a:latin typeface="Mangal (Основной текст)"/>
-                      </a:endParaRPr>
-                    </a:p>
-                  </a:txBody>
-                  <a:tcPr/>
-                </a:tc>
-                <a:tc>
-                  <a:txBody>
-                    <a:bodyPr/>
-                    <a:lstStyle/>
-                    <a:p>
-                      <a:r>
-                        <a:rPr lang="en-US" dirty="0" smtClean="0">
-                          <a:latin typeface="+mn-lt"/>
-                        </a:rPr>
-                        <a:t>FRR: </a:t>
-                      </a:r>
-                      <a:r>
-                        <a:rPr lang="en-US" dirty="0" smtClean="0">
-                          <a:latin typeface="+mn-lt"/>
-                        </a:rPr>
-                        <a:t>0.52230 </a:t>
-                      </a:r>
-                      <a:r>
-                        <a:rPr lang="en-US" dirty="0" smtClean="0">
-                          <a:latin typeface="+mn-lt"/>
-                        </a:rPr>
-                        <a:t>FAR: </a:t>
-                      </a:r>
-                      <a:r>
-                        <a:rPr lang="en-US" dirty="0" smtClean="0">
-                          <a:latin typeface="+mn-lt"/>
-                        </a:rPr>
-                        <a:t>0.50966</a:t>
+                        <a:t>FRR: 0.52230 FAR: 0.50966</a:t>
                       </a:r>
                       <a:endParaRPr lang="en-US" dirty="0">
                         <a:latin typeface="+mn-lt"/>
@@ -4888,33 +4836,50 @@
                         <a:rPr lang="en-US" dirty="0" smtClean="0">
                           <a:latin typeface="+mn-lt"/>
                         </a:rPr>
-                        <a:t>FRR: </a:t>
-                      </a:r>
-                      <a:r>
-                        <a:rPr lang="en-US" dirty="0" smtClean="0">
-                          <a:latin typeface="+mn-lt"/>
-                        </a:rPr>
-                        <a:t>0.44871</a:t>
-                      </a:r>
-                    </a:p>
-                    <a:p>
-                      <a:r>
-                        <a:rPr lang="en-US" dirty="0" smtClean="0">
-                          <a:latin typeface="+mn-lt"/>
-                        </a:rPr>
-                        <a:t>FAR</a:t>
-                      </a:r>
-                      <a:r>
-                        <a:rPr lang="en-US" dirty="0" smtClean="0">
-                          <a:latin typeface="+mn-lt"/>
-                        </a:rPr>
-                        <a:t>: </a:t>
-                      </a:r>
-                      <a:r>
-                        <a:rPr lang="en-US" dirty="0" smtClean="0">
-                          <a:latin typeface="+mn-lt"/>
-                        </a:rPr>
-                        <a:t>0.54381</a:t>
+                        <a:t>FRR: 0.44871</a:t>
+                      </a:r>
+                    </a:p>
+                    <a:p>
+                      <a:r>
+                        <a:rPr lang="en-US" dirty="0" smtClean="0">
+                          <a:latin typeface="+mn-lt"/>
+                        </a:rPr>
+                        <a:t>FAR: 0.54381</a:t>
+                      </a:r>
+                    </a:p>
+                  </a:txBody>
+                  <a:tcPr/>
+                </a:tc>
+                <a:tc>
+                  <a:txBody>
+                    <a:bodyPr/>
+                    <a:lstStyle/>
+                    <a:p>
+                      <a:r>
+                        <a:rPr lang="en-US" dirty="0" smtClean="0">
+                          <a:latin typeface="+mn-lt"/>
+                        </a:rPr>
+                        <a:t>FRR:</a:t>
+                      </a:r>
+                      <a:r>
+                        <a:rPr lang="en-US" baseline="0" dirty="0">
+                          <a:latin typeface="+mn-lt"/>
+                        </a:rPr>
+                        <a:t> </a:t>
+                      </a:r>
+                      <a:r>
+                        <a:rPr lang="en-US" baseline="0" dirty="0" smtClean="0">
+                          <a:latin typeface="+mn-lt"/>
+                        </a:rPr>
+                        <a:t>0.45070</a:t>
+                      </a:r>
+                    </a:p>
+                    <a:p>
+                      <a:r>
+                        <a:rPr lang="en-US" baseline="0" dirty="0" smtClean="0">
+                          <a:latin typeface="+mn-lt"/>
+                        </a:rPr>
+                        <a:t>FAR: 0.55885</a:t>
                       </a:r>
                       <a:endParaRPr lang="en-US" dirty="0" smtClean="0">
                         <a:latin typeface="+mn-lt"/>
@@ -4932,7 +4897,15 @@
                         <a:rPr lang="en-US" dirty="0" smtClean="0">
                           <a:latin typeface="+mn-lt"/>
                         </a:rPr>
-                        <a:t>FRR:</a:t>
+                        <a:t>FRR: 0.39795</a:t>
+                      </a:r>
+                    </a:p>
+                    <a:p>
+                      <a:r>
+                        <a:rPr lang="en-US" dirty="0" smtClean="0">
+                          <a:latin typeface="+mn-lt"/>
+                        </a:rPr>
+                        <a:t>FAR:</a:t>
                       </a:r>
                       <a:r>
                         <a:rPr lang="en-US" baseline="0" dirty="0">
@@ -4944,27 +4917,7 @@
                         <a:rPr lang="en-US" baseline="0" dirty="0" smtClean="0">
                           <a:latin typeface="+mn-lt"/>
                         </a:rPr>
-                        <a:t>0.45070</a:t>
-                      </a:r>
-                    </a:p>
-                    <a:p>
-                      <a:r>
-                        <a:rPr lang="en-US" baseline="0" dirty="0" smtClean="0">
-                          <a:latin typeface="+mn-lt"/>
-                        </a:rPr>
-                        <a:t>FAR</a:t>
-                      </a:r>
-                      <a:r>
-                        <a:rPr lang="en-US" baseline="0" dirty="0" smtClean="0">
-                          <a:latin typeface="+mn-lt"/>
-                        </a:rPr>
-                        <a:t>: </a:t>
-                      </a:r>
-                      <a:r>
-                        <a:rPr lang="en-US" baseline="0" dirty="0" smtClean="0">
-                          <a:latin typeface="+mn-lt"/>
-                        </a:rPr>
-                        <a:t>0.55885</a:t>
+                        <a:t>0.47158</a:t>
                       </a:r>
                       <a:endParaRPr lang="en-US" dirty="0" smtClean="0">
                         <a:latin typeface="+mn-lt"/>
@@ -4982,127 +4935,41 @@
                         <a:rPr lang="en-US" dirty="0" smtClean="0">
                           <a:latin typeface="+mn-lt"/>
                         </a:rPr>
-                        <a:t>FRR: </a:t>
-                      </a:r>
-                      <a:r>
-                        <a:rPr lang="en-US" dirty="0" smtClean="0">
-                          <a:latin typeface="+mn-lt"/>
-                        </a:rPr>
-                        <a:t>0.39795</a:t>
-                      </a:r>
-                    </a:p>
-                    <a:p>
-                      <a:r>
-                        <a:rPr lang="en-US" dirty="0" smtClean="0">
-                          <a:latin typeface="+mn-lt"/>
-                        </a:rPr>
-                        <a:t>FAR</a:t>
-                      </a:r>
-                      <a:r>
-                        <a:rPr lang="en-US" dirty="0" smtClean="0">
-                          <a:latin typeface="+mn-lt"/>
-                        </a:rPr>
-                        <a:t>:</a:t>
-                      </a:r>
-                      <a:r>
-                        <a:rPr lang="en-US" baseline="0" dirty="0">
-                          <a:latin typeface="+mn-lt"/>
-                        </a:rPr>
-                        <a:t> </a:t>
-                      </a:r>
-                      <a:r>
-                        <a:rPr lang="en-US" baseline="0" dirty="0" smtClean="0">
-                          <a:latin typeface="+mn-lt"/>
-                        </a:rPr>
-                        <a:t>0.47158</a:t>
-                      </a:r>
-                      <a:endParaRPr lang="en-US" dirty="0" smtClean="0">
-                        <a:latin typeface="+mn-lt"/>
-                      </a:endParaRPr>
-                    </a:p>
-                  </a:txBody>
-                  <a:tcPr/>
-                </a:tc>
-                <a:tc>
-                  <a:txBody>
-                    <a:bodyPr/>
-                    <a:lstStyle/>
-                    <a:p>
-                      <a:r>
-                        <a:rPr lang="en-US" dirty="0" smtClean="0">
-                          <a:latin typeface="+mn-lt"/>
-                        </a:rPr>
-                        <a:t>FRR: </a:t>
-                      </a:r>
-                      <a:r>
-                        <a:rPr lang="en-US" dirty="0" smtClean="0">
-                          <a:latin typeface="+mn-lt"/>
-                        </a:rPr>
-                        <a:t>0.38775</a:t>
-                      </a:r>
-                    </a:p>
-                    <a:p>
-                      <a:r>
-                        <a:rPr lang="en-US" dirty="0" smtClean="0">
-                          <a:latin typeface="+mn-lt"/>
-                        </a:rPr>
-                        <a:t>FAR</a:t>
-                      </a:r>
-                      <a:r>
-                        <a:rPr lang="en-US" dirty="0" smtClean="0">
-                          <a:latin typeface="+mn-lt"/>
-                        </a:rPr>
-                        <a:t>: </a:t>
-                      </a:r>
-                      <a:r>
-                        <a:rPr lang="en-US" dirty="0" smtClean="0">
-                          <a:latin typeface="+mn-lt"/>
-                        </a:rPr>
-                        <a:t>0.51441 </a:t>
-                      </a:r>
-                      <a:endParaRPr lang="en-US" dirty="0">
-                        <a:latin typeface="+mn-lt"/>
-                      </a:endParaRPr>
-                    </a:p>
-                  </a:txBody>
-                  <a:tcPr/>
-                </a:tc>
-                <a:tc>
-                  <a:txBody>
-                    <a:bodyPr/>
-                    <a:lstStyle/>
-                    <a:p>
-                      <a:r>
-                        <a:rPr lang="en-US" dirty="0" smtClean="0">
-                          <a:latin typeface="+mn-lt"/>
-                        </a:rPr>
-                        <a:t>FRR: </a:t>
-                      </a:r>
-                      <a:r>
-                        <a:rPr lang="en-US" dirty="0" smtClean="0">
-                          <a:latin typeface="+mn-lt"/>
-                        </a:rPr>
-                        <a:t>0.47235</a:t>
-                      </a:r>
-                    </a:p>
-                    <a:p>
-                      <a:r>
-                        <a:rPr lang="en-US" dirty="0" smtClean="0">
-                          <a:latin typeface="+mn-lt"/>
-                        </a:rPr>
-                        <a:t>FAR</a:t>
-                      </a:r>
-                      <a:r>
-                        <a:rPr lang="en-US" dirty="0" smtClean="0">
-                          <a:latin typeface="+mn-lt"/>
-                        </a:rPr>
-                        <a:t>: </a:t>
-                      </a:r>
-                      <a:r>
-                        <a:rPr lang="en-US" dirty="0" smtClean="0">
-                          <a:latin typeface="+mn-lt"/>
-                        </a:rPr>
-                        <a:t>0.50194</a:t>
+                        <a:t>FRR: 0.38775</a:t>
+                      </a:r>
+                    </a:p>
+                    <a:p>
+                      <a:r>
+                        <a:rPr lang="en-US" dirty="0" smtClean="0">
+                          <a:latin typeface="+mn-lt"/>
+                        </a:rPr>
+                        <a:t>FAR: 0.51441 </a:t>
+                      </a:r>
+                      <a:endParaRPr lang="en-US" dirty="0">
+                        <a:latin typeface="+mn-lt"/>
+                      </a:endParaRPr>
+                    </a:p>
+                  </a:txBody>
+                  <a:tcPr/>
+                </a:tc>
+                <a:tc>
+                  <a:txBody>
+                    <a:bodyPr/>
+                    <a:lstStyle/>
+                    <a:p>
+                      <a:r>
+                        <a:rPr lang="en-US" dirty="0" smtClean="0">
+                          <a:latin typeface="+mn-lt"/>
+                        </a:rPr>
+                        <a:t>FRR: 0.47235</a:t>
+                      </a:r>
+                    </a:p>
+                    <a:p>
+                      <a:r>
+                        <a:rPr lang="en-US" dirty="0" smtClean="0">
+                          <a:latin typeface="+mn-lt"/>
+                        </a:rPr>
+                        <a:t>FAR: 0.50194</a:t>
                       </a:r>
                       <a:endParaRPr lang="en-US" dirty="0">
                         <a:latin typeface="+mn-lt"/>
@@ -5140,210 +5007,120 @@
                         <a:rPr lang="en-US" dirty="0" smtClean="0">
                           <a:latin typeface="+mn-lt"/>
                         </a:rPr>
-                        <a:t>FRR: </a:t>
-                      </a:r>
-                      <a:r>
-                        <a:rPr lang="en-US" dirty="0" smtClean="0">
-                          <a:latin typeface="+mn-lt"/>
-                        </a:rPr>
-                        <a:t>0.50617</a:t>
-                      </a:r>
-                    </a:p>
-                    <a:p>
-                      <a:r>
-                        <a:rPr lang="en-US" dirty="0" smtClean="0">
-                          <a:latin typeface="+mn-lt"/>
-                        </a:rPr>
-                        <a:t>FAR</a:t>
-                      </a:r>
-                      <a:r>
-                        <a:rPr lang="en-US" dirty="0" smtClean="0">
-                          <a:latin typeface="+mn-lt"/>
-                        </a:rPr>
-                        <a:t>: </a:t>
-                      </a:r>
-                      <a:r>
-                        <a:rPr lang="en-US" dirty="0" smtClean="0">
-                          <a:latin typeface="+mn-lt"/>
-                        </a:rPr>
-                        <a:t>0.52984</a:t>
-                      </a:r>
-                      <a:endParaRPr lang="en-US" dirty="0">
-                        <a:latin typeface="+mn-lt"/>
-                      </a:endParaRPr>
-                    </a:p>
-                  </a:txBody>
-                  <a:tcPr/>
-                </a:tc>
-                <a:tc>
-                  <a:txBody>
-                    <a:bodyPr/>
-                    <a:lstStyle/>
-                    <a:p>
-                      <a:r>
-                        <a:rPr lang="en-US" dirty="0" smtClean="0">
-                          <a:latin typeface="+mn-lt"/>
-                        </a:rPr>
-                        <a:t>FRR: </a:t>
-                      </a:r>
-                      <a:r>
-                        <a:rPr lang="en-US" dirty="0" smtClean="0">
-                          <a:latin typeface="+mn-lt"/>
-                        </a:rPr>
-                        <a:t>0.48192</a:t>
-                      </a:r>
-                      <a:endParaRPr lang="en-US" dirty="0" smtClean="0">
-                        <a:latin typeface="+mn-lt"/>
-                      </a:endParaRPr>
-                    </a:p>
-                    <a:p>
-                      <a:r>
-                        <a:rPr lang="en-US" dirty="0" smtClean="0">
-                          <a:latin typeface="+mn-lt"/>
-                        </a:rPr>
-                        <a:t>FAR: </a:t>
-                      </a:r>
-                      <a:r>
-                        <a:rPr lang="en-US" dirty="0" smtClean="0">
-                          <a:latin typeface="+mn-lt"/>
-                        </a:rPr>
-                        <a:t>0.46940</a:t>
-                      </a:r>
-                      <a:endParaRPr lang="en-US" dirty="0">
-                        <a:latin typeface="+mn-lt"/>
-                      </a:endParaRPr>
-                    </a:p>
-                  </a:txBody>
-                  <a:tcPr/>
-                </a:tc>
-                <a:tc>
-                  <a:txBody>
-                    <a:bodyPr/>
-                    <a:lstStyle/>
-                    <a:p>
-                      <a:r>
-                        <a:rPr lang="en-US" dirty="0" smtClean="0">
-                          <a:latin typeface="+mn-lt"/>
-                        </a:rPr>
-                        <a:t>FRR: </a:t>
-                      </a:r>
-                      <a:r>
-                        <a:rPr lang="en-US" dirty="0" smtClean="0">
-                          <a:latin typeface="+mn-lt"/>
-                        </a:rPr>
-                        <a:t>0.50649</a:t>
-                      </a:r>
-                    </a:p>
-                    <a:p>
-                      <a:r>
-                        <a:rPr lang="en-US" dirty="0" smtClean="0">
-                          <a:latin typeface="+mn-lt"/>
-                        </a:rPr>
-                        <a:t>FAR</a:t>
-                      </a:r>
-                      <a:r>
-                        <a:rPr lang="en-US" dirty="0" smtClean="0">
-                          <a:latin typeface="+mn-lt"/>
-                        </a:rPr>
-                        <a:t>: </a:t>
-                      </a:r>
-                      <a:r>
-                        <a:rPr lang="en-US" dirty="0" smtClean="0">
-                          <a:latin typeface="+mn-lt"/>
-                        </a:rPr>
-                        <a:t>0.46770</a:t>
-                      </a:r>
-                      <a:endParaRPr lang="en-US" dirty="0">
-                        <a:latin typeface="+mn-lt"/>
-                      </a:endParaRPr>
-                    </a:p>
-                  </a:txBody>
-                  <a:tcPr/>
-                </a:tc>
-                <a:tc>
-                  <a:txBody>
-                    <a:bodyPr/>
-                    <a:lstStyle/>
-                    <a:p>
-                      <a:r>
-                        <a:rPr lang="en-US" dirty="0" smtClean="0">
-                          <a:latin typeface="+mn-lt"/>
-                        </a:rPr>
-                        <a:t>FRR: </a:t>
-                      </a:r>
-                      <a:r>
-                        <a:rPr lang="en-US" dirty="0" smtClean="0">
-                          <a:latin typeface="+mn-lt"/>
-                        </a:rPr>
-                        <a:t>0.45348</a:t>
-                      </a:r>
-                    </a:p>
-                    <a:p>
-                      <a:r>
-                        <a:rPr lang="en-US" dirty="0" smtClean="0">
-                          <a:latin typeface="+mn-lt"/>
-                        </a:rPr>
-                        <a:t>FAR</a:t>
-                      </a:r>
-                      <a:r>
-                        <a:rPr lang="en-US" dirty="0" smtClean="0">
-                          <a:latin typeface="+mn-lt"/>
-                        </a:rPr>
-                        <a:t>: </a:t>
-                      </a:r>
-                      <a:r>
-                        <a:rPr lang="en-US" dirty="0" smtClean="0">
-                          <a:latin typeface="+mn-lt"/>
-                        </a:rPr>
-                        <a:t>0.48753</a:t>
-                      </a:r>
-                      <a:endParaRPr lang="en-US" dirty="0">
-                        <a:latin typeface="+mn-lt"/>
-                      </a:endParaRPr>
-                    </a:p>
-                  </a:txBody>
-                  <a:tcPr/>
-                </a:tc>
-                <a:tc>
-                  <a:txBody>
-                    <a:bodyPr/>
-                    <a:lstStyle/>
-                    <a:p>
-                      <a:r>
-                        <a:rPr lang="en-US" dirty="0" smtClean="0">
-                          <a:latin typeface="+mn-lt"/>
-                        </a:rPr>
-                        <a:t>FRR: </a:t>
-                      </a:r>
-                      <a:r>
-                        <a:rPr lang="en-US" dirty="0" smtClean="0">
-                          <a:latin typeface="+mn-lt"/>
-                        </a:rPr>
-                        <a:t>0.43142</a:t>
-                      </a:r>
-                    </a:p>
-                    <a:p>
-                      <a:r>
-                        <a:rPr lang="en-US" dirty="0" smtClean="0">
-                          <a:latin typeface="+mn-lt"/>
-                        </a:rPr>
-                        <a:t>FAR</a:t>
-                      </a:r>
-                      <a:r>
-                        <a:rPr lang="en-US" dirty="0" smtClean="0">
-                          <a:latin typeface="+mn-lt"/>
-                        </a:rPr>
-                        <a:t>: </a:t>
-                      </a:r>
-                      <a:r>
-                        <a:rPr lang="en-US" dirty="0" smtClean="0">
-                          <a:latin typeface="+mn-lt"/>
-                        </a:rPr>
-                        <a:t>0.46127</a:t>
-                      </a:r>
-                      <a:endParaRPr lang="en-US" dirty="0" smtClean="0">
-                        <a:latin typeface="+mn-lt"/>
-                      </a:endParaRPr>
+                        <a:t>FRR: 0.50617</a:t>
+                      </a:r>
+                    </a:p>
+                    <a:p>
+                      <a:r>
+                        <a:rPr lang="en-US" dirty="0" smtClean="0">
+                          <a:latin typeface="+mn-lt"/>
+                        </a:rPr>
+                        <a:t>FAR: 0.52984</a:t>
+                      </a:r>
+                      <a:endParaRPr lang="en-US" dirty="0">
+                        <a:latin typeface="+mn-lt"/>
+                      </a:endParaRPr>
+                    </a:p>
+                  </a:txBody>
+                  <a:tcPr/>
+                </a:tc>
+                <a:tc>
+                  <a:txBody>
+                    <a:bodyPr/>
+                    <a:lstStyle/>
+                    <a:p>
+                      <a:r>
+                        <a:rPr lang="en-US" dirty="0" smtClean="0">
+                          <a:latin typeface="+mn-lt"/>
+                        </a:rPr>
+                        <a:t>FRR: 0.48192</a:t>
+                      </a:r>
+                    </a:p>
+                    <a:p>
+                      <a:r>
+                        <a:rPr lang="en-US" dirty="0" smtClean="0">
+                          <a:latin typeface="+mn-lt"/>
+                        </a:rPr>
+                        <a:t>FAR: 0.46940</a:t>
+                      </a:r>
+                      <a:endParaRPr lang="en-US" dirty="0">
+                        <a:latin typeface="+mn-lt"/>
+                      </a:endParaRPr>
+                    </a:p>
+                  </a:txBody>
+                  <a:tcPr/>
+                </a:tc>
+                <a:tc>
+                  <a:txBody>
+                    <a:bodyPr/>
+                    <a:lstStyle/>
+                    <a:p>
+                      <a:r>
+                        <a:rPr lang="en-US" dirty="0" smtClean="0">
+                          <a:latin typeface="+mn-lt"/>
+                        </a:rPr>
+                        <a:t>FRR: 0.50649</a:t>
+                      </a:r>
+                    </a:p>
+                    <a:p>
+                      <a:r>
+                        <a:rPr lang="en-US" dirty="0" smtClean="0">
+                          <a:latin typeface="+mn-lt"/>
+                        </a:rPr>
+                        <a:t>FAR: 0.46770</a:t>
+                      </a:r>
+                      <a:endParaRPr lang="en-US" dirty="0">
+                        <a:latin typeface="+mn-lt"/>
+                      </a:endParaRPr>
+                    </a:p>
+                  </a:txBody>
+                  <a:tcPr/>
+                </a:tc>
+                <a:tc>
+                  <a:txBody>
+                    <a:bodyPr/>
+                    <a:lstStyle/>
+                    <a:p>
+                      <a:r>
+                        <a:rPr lang="en-US" dirty="0" smtClean="0">
+                          <a:latin typeface="+mn-lt"/>
+                        </a:rPr>
+                        <a:t>FRR: 0.45348</a:t>
+                      </a:r>
+                    </a:p>
+                    <a:p>
+                      <a:r>
+                        <a:rPr lang="en-US" dirty="0" smtClean="0">
+                          <a:latin typeface="+mn-lt"/>
+                        </a:rPr>
+                        <a:t>FAR: 0.48753</a:t>
+                      </a:r>
+                      <a:endParaRPr lang="en-US" dirty="0">
+                        <a:latin typeface="+mn-lt"/>
+                      </a:endParaRPr>
+                    </a:p>
+                  </a:txBody>
+                  <a:tcPr/>
+                </a:tc>
+                <a:tc>
+                  <a:txBody>
+                    <a:bodyPr/>
+                    <a:lstStyle/>
+                    <a:p>
+                      <a:r>
+                        <a:rPr lang="en-US" dirty="0" smtClean="0">
+                          <a:latin typeface="+mn-lt"/>
+                        </a:rPr>
+                        <a:t>FRR: 0.43142</a:t>
+                      </a:r>
+                    </a:p>
+                    <a:p>
+                      <a:r>
+                        <a:rPr lang="en-US" dirty="0" smtClean="0">
+                          <a:latin typeface="+mn-lt"/>
+                        </a:rPr>
+                        <a:t>FAR: 0.46127</a:t>
+                      </a:r>
                     </a:p>
                   </a:txBody>
                   <a:tcPr/>
@@ -5377,209 +5154,116 @@
                         <a:rPr lang="en-US" dirty="0" smtClean="0">
                           <a:latin typeface="+mn-lt"/>
                         </a:rPr>
-                        <a:t>FRR: </a:t>
-                      </a:r>
-                      <a:r>
-                        <a:rPr lang="en-US" dirty="0" smtClean="0">
-                          <a:latin typeface="+mn-lt"/>
-                        </a:rPr>
-                        <a:t>0.45454</a:t>
-                      </a:r>
-                    </a:p>
-                    <a:p>
-                      <a:r>
-                        <a:rPr lang="en-US" dirty="0" smtClean="0">
-                          <a:latin typeface="+mn-lt"/>
-                        </a:rPr>
-                        <a:t>FAR</a:t>
-                      </a:r>
-                      <a:r>
-                        <a:rPr lang="en-US" dirty="0" smtClean="0">
-                          <a:latin typeface="+mn-lt"/>
-                        </a:rPr>
-                        <a:t>: </a:t>
-                      </a:r>
-                      <a:r>
-                        <a:rPr lang="en-US" dirty="0" smtClean="0">
-                          <a:latin typeface="+mn-lt"/>
-                        </a:rPr>
-                        <a:t>0.46605 </a:t>
-                      </a:r>
-                      <a:endParaRPr lang="en-US" dirty="0" smtClean="0">
-                        <a:latin typeface="+mn-lt"/>
-                      </a:endParaRPr>
-                    </a:p>
-                  </a:txBody>
-                  <a:tcPr/>
-                </a:tc>
-                <a:tc>
-                  <a:txBody>
-                    <a:bodyPr/>
-                    <a:lstStyle/>
-                    <a:p>
-                      <a:r>
-                        <a:rPr lang="en-US" dirty="0" smtClean="0">
-                          <a:latin typeface="+mn-lt"/>
-                        </a:rPr>
-                        <a:t>FRR: </a:t>
-                      </a:r>
-                      <a:r>
-                        <a:rPr lang="en-US" dirty="0" smtClean="0">
-                          <a:latin typeface="+mn-lt"/>
-                        </a:rPr>
-                        <a:t>0.49275</a:t>
-                      </a:r>
-                    </a:p>
-                    <a:p>
-                      <a:r>
-                        <a:rPr lang="en-US" dirty="0" smtClean="0">
-                          <a:latin typeface="+mn-lt"/>
-                        </a:rPr>
-                        <a:t>FAR</a:t>
-                      </a:r>
-                      <a:r>
-                        <a:rPr lang="en-US" dirty="0" smtClean="0">
-                          <a:latin typeface="+mn-lt"/>
-                        </a:rPr>
-                        <a:t>: </a:t>
-                      </a:r>
-                      <a:r>
-                        <a:rPr lang="en-US" dirty="0" smtClean="0">
-                          <a:latin typeface="+mn-lt"/>
-                        </a:rPr>
-                        <a:t>0.41251</a:t>
-                      </a:r>
-                      <a:endParaRPr lang="en-US" dirty="0">
-                        <a:latin typeface="+mn-lt"/>
-                      </a:endParaRPr>
-                    </a:p>
-                  </a:txBody>
-                  <a:tcPr/>
-                </a:tc>
-                <a:tc>
-                  <a:txBody>
-                    <a:bodyPr/>
-                    <a:lstStyle/>
-                    <a:p>
-                      <a:r>
-                        <a:rPr lang="en-US" dirty="0" smtClean="0">
-                          <a:latin typeface="+mn-lt"/>
-                        </a:rPr>
-                        <a:t>FRR: </a:t>
-                      </a:r>
-                      <a:r>
-                        <a:rPr lang="en-US" dirty="0" smtClean="0">
-                          <a:latin typeface="+mn-lt"/>
-                        </a:rPr>
-                        <a:t>0.42352</a:t>
-                      </a:r>
-                    </a:p>
-                    <a:p>
-                      <a:r>
-                        <a:rPr lang="en-US" dirty="0" smtClean="0">
-                          <a:latin typeface="+mn-lt"/>
-                        </a:rPr>
-                        <a:t>FAR</a:t>
-                      </a:r>
-                      <a:r>
-                        <a:rPr lang="en-US" dirty="0" smtClean="0">
-                          <a:latin typeface="+mn-lt"/>
-                        </a:rPr>
-                        <a:t>: </a:t>
-                      </a:r>
-                      <a:r>
-                        <a:rPr lang="en-US" dirty="0" smtClean="0">
-                          <a:latin typeface="+mn-lt"/>
-                        </a:rPr>
-                        <a:t>0.40416</a:t>
-                      </a:r>
-                      <a:endParaRPr lang="en-US" dirty="0">
-                        <a:latin typeface="+mn-lt"/>
-                      </a:endParaRPr>
-                    </a:p>
-                  </a:txBody>
-                  <a:tcPr/>
-                </a:tc>
-                <a:tc>
-                  <a:txBody>
-                    <a:bodyPr/>
-                    <a:lstStyle/>
-                    <a:p>
-                      <a:r>
-                        <a:rPr lang="en-US" dirty="0" smtClean="0">
-                          <a:latin typeface="+mn-lt"/>
-                        </a:rPr>
-                        <a:t>FRR: </a:t>
-                      </a:r>
-                      <a:r>
-                        <a:rPr lang="en-US" dirty="0" smtClean="0">
-                          <a:latin typeface="+mn-lt"/>
-                        </a:rPr>
-                        <a:t>0.43820</a:t>
-                      </a:r>
-                    </a:p>
-                    <a:p>
-                      <a:r>
-                        <a:rPr lang="en-US" dirty="0" smtClean="0">
-                          <a:latin typeface="+mn-lt"/>
-                        </a:rPr>
-                        <a:t>FAR</a:t>
-                      </a:r>
-                      <a:r>
-                        <a:rPr lang="en-US" dirty="0" smtClean="0">
-                          <a:latin typeface="+mn-lt"/>
-                        </a:rPr>
-                        <a:t>: </a:t>
-                      </a:r>
-                      <a:r>
-                        <a:rPr lang="en-US" dirty="0" smtClean="0">
-                          <a:latin typeface="+mn-lt"/>
-                        </a:rPr>
-                        <a:t>0.61659</a:t>
-                      </a:r>
-                      <a:endParaRPr lang="en-US" dirty="0">
-                        <a:latin typeface="+mn-lt"/>
-                      </a:endParaRPr>
-                    </a:p>
-                  </a:txBody>
-                  <a:tcPr/>
-                </a:tc>
-                <a:tc>
-                  <a:txBody>
-                    <a:bodyPr/>
-                    <a:lstStyle/>
-                    <a:p>
-                      <a:r>
-                        <a:rPr lang="en-US" dirty="0" smtClean="0">
-                          <a:latin typeface="+mn-lt"/>
-                        </a:rPr>
-                        <a:t>FRR: </a:t>
-                      </a:r>
-                      <a:r>
-                        <a:rPr lang="en-US" dirty="0" smtClean="0">
-                          <a:latin typeface="+mn-lt"/>
-                        </a:rPr>
-                        <a:t>0.47804</a:t>
-                      </a:r>
-                    </a:p>
-                    <a:p>
-                      <a:r>
-                        <a:rPr lang="en-US" dirty="0" smtClean="0">
-                          <a:latin typeface="+mn-lt"/>
-                        </a:rPr>
-                        <a:t>FAR</a:t>
-                      </a:r>
-                      <a:r>
-                        <a:rPr lang="en-US" dirty="0" smtClean="0">
-                          <a:latin typeface="+mn-lt"/>
-                        </a:rPr>
-                        <a:t>: </a:t>
-                      </a:r>
-                      <a:r>
-                        <a:rPr lang="en-US" dirty="0" smtClean="0">
-                          <a:latin typeface="+mn-lt"/>
-                        </a:rPr>
-                        <a:t>0.41512</a:t>
+                        <a:t>FRR: 0.45454</a:t>
+                      </a:r>
+                    </a:p>
+                    <a:p>
+                      <a:r>
+                        <a:rPr lang="en-US" dirty="0" smtClean="0">
+                          <a:latin typeface="+mn-lt"/>
+                        </a:rPr>
+                        <a:t>FAR: 0.46605 </a:t>
+                      </a:r>
+                    </a:p>
+                  </a:txBody>
+                  <a:tcPr/>
+                </a:tc>
+                <a:tc>
+                  <a:txBody>
+                    <a:bodyPr/>
+                    <a:lstStyle/>
+                    <a:p>
+                      <a:r>
+                        <a:rPr lang="en-US" dirty="0" smtClean="0">
+                          <a:latin typeface="+mn-lt"/>
+                        </a:rPr>
+                        <a:t>FRR: 0.49275</a:t>
+                      </a:r>
+                    </a:p>
+                    <a:p>
+                      <a:r>
+                        <a:rPr lang="en-US" dirty="0" smtClean="0">
+                          <a:latin typeface="+mn-lt"/>
+                        </a:rPr>
+                        <a:t>FAR: 0.41251</a:t>
+                      </a:r>
+                      <a:endParaRPr lang="en-US" dirty="0">
+                        <a:latin typeface="+mn-lt"/>
+                      </a:endParaRPr>
+                    </a:p>
+                  </a:txBody>
+                  <a:tcPr/>
+                </a:tc>
+                <a:tc>
+                  <a:txBody>
+                    <a:bodyPr/>
+                    <a:lstStyle/>
+                    <a:p>
+                      <a:r>
+                        <a:rPr lang="en-US" dirty="0" smtClean="0">
+                          <a:latin typeface="+mn-lt"/>
+                        </a:rPr>
+                        <a:t>FRR: 0.42352</a:t>
+                      </a:r>
+                    </a:p>
+                    <a:p>
+                      <a:r>
+                        <a:rPr lang="en-US" dirty="0" smtClean="0">
+                          <a:latin typeface="+mn-lt"/>
+                        </a:rPr>
+                        <a:t>FAR: 0.40416</a:t>
+                      </a:r>
+                      <a:endParaRPr lang="en-US" dirty="0">
+                        <a:latin typeface="+mn-lt"/>
+                      </a:endParaRPr>
+                    </a:p>
+                  </a:txBody>
+                  <a:tcPr/>
+                </a:tc>
+                <a:tc>
+                  <a:txBody>
+                    <a:bodyPr/>
+                    <a:lstStyle/>
+                    <a:p>
+                      <a:r>
+                        <a:rPr lang="en-US" dirty="0" smtClean="0">
+                          <a:latin typeface="+mn-lt"/>
+                        </a:rPr>
+                        <a:t>FRR: 0.43820</a:t>
+                      </a:r>
+                    </a:p>
+                    <a:p>
+                      <a:r>
+                        <a:rPr lang="en-US" dirty="0" smtClean="0">
+                          <a:latin typeface="+mn-lt"/>
+                        </a:rPr>
+                        <a:t>FAR: 0.61659</a:t>
+                      </a:r>
+                      <a:endParaRPr lang="en-US" dirty="0">
+                        <a:latin typeface="+mn-lt"/>
+                      </a:endParaRPr>
+                    </a:p>
+                  </a:txBody>
+                  <a:tcPr/>
+                </a:tc>
+                <a:tc>
+                  <a:txBody>
+                    <a:bodyPr/>
+                    <a:lstStyle/>
+                    <a:p>
+                      <a:r>
+                        <a:rPr lang="en-US" dirty="0" smtClean="0">
+                          <a:latin typeface="+mn-lt"/>
+                        </a:rPr>
+                        <a:t>FRR: 0.47804</a:t>
+                      </a:r>
+                    </a:p>
+                    <a:p>
+                      <a:r>
+                        <a:rPr lang="en-US" dirty="0" smtClean="0">
+                          <a:latin typeface="+mn-lt"/>
+                        </a:rPr>
+                        <a:t>FAR: 0.41512</a:t>
                       </a:r>
                       <a:endParaRPr lang="en-US" dirty="0">
                         <a:latin typeface="+mn-lt"/>
@@ -5617,197 +5301,119 @@
                         <a:rPr lang="en-US" dirty="0" smtClean="0">
                           <a:latin typeface="+mn-lt"/>
                         </a:rPr>
-                        <a:t>FRR: </a:t>
-                      </a:r>
-                      <a:r>
-                        <a:rPr lang="en-US" dirty="0" smtClean="0">
-                          <a:latin typeface="+mn-lt"/>
-                        </a:rPr>
-                        <a:t>0.41628</a:t>
-                      </a:r>
-                      <a:endParaRPr lang="en-US" dirty="0" smtClean="0">
-                        <a:latin typeface="+mn-lt"/>
-                      </a:endParaRPr>
-                    </a:p>
-                    <a:p>
-                      <a:r>
-                        <a:rPr lang="en-US" dirty="0" smtClean="0">
-                          <a:latin typeface="+mn-lt"/>
-                        </a:rPr>
-                        <a:t>FAR: </a:t>
-                      </a:r>
-                      <a:r>
-                        <a:rPr lang="en-US" dirty="0" smtClean="0">
-                          <a:latin typeface="+mn-lt"/>
-                        </a:rPr>
-                        <a:t>0.61578</a:t>
-                      </a:r>
-                      <a:endParaRPr lang="en-US" dirty="0">
-                        <a:latin typeface="+mn-lt"/>
-                      </a:endParaRPr>
-                    </a:p>
-                  </a:txBody>
-                  <a:tcPr/>
-                </a:tc>
-                <a:tc>
-                  <a:txBody>
-                    <a:bodyPr/>
-                    <a:lstStyle/>
-                    <a:p>
-                      <a:r>
-                        <a:rPr lang="en-US" dirty="0" smtClean="0">
-                          <a:latin typeface="+mn-lt"/>
-                        </a:rPr>
-                        <a:t>FRR: </a:t>
-                      </a:r>
-                      <a:r>
-                        <a:rPr lang="en-US" dirty="0" smtClean="0">
-                          <a:latin typeface="+mn-lt"/>
-                        </a:rPr>
-                        <a:t>0.41791</a:t>
-                      </a:r>
-                      <a:endParaRPr lang="en-US" dirty="0" smtClean="0">
-                        <a:latin typeface="+mn-lt"/>
-                      </a:endParaRPr>
-                    </a:p>
-                    <a:p>
-                      <a:r>
-                        <a:rPr lang="en-US" dirty="0" smtClean="0">
-                          <a:latin typeface="+mn-lt"/>
-                        </a:rPr>
-                        <a:t>FAR: </a:t>
-                      </a:r>
-                      <a:r>
-                        <a:rPr lang="en-US" dirty="0" smtClean="0">
-                          <a:latin typeface="+mn-lt"/>
-                        </a:rPr>
-                        <a:t>0.56449</a:t>
-                      </a:r>
-                      <a:endParaRPr lang="en-US" dirty="0">
-                        <a:latin typeface="+mn-lt"/>
-                      </a:endParaRPr>
-                    </a:p>
-                  </a:txBody>
-                  <a:tcPr/>
-                </a:tc>
-                <a:tc>
-                  <a:txBody>
-                    <a:bodyPr/>
-                    <a:lstStyle/>
-                    <a:p>
-                      <a:r>
-                        <a:rPr lang="en-US" dirty="0" smtClean="0">
-                          <a:latin typeface="+mn-lt"/>
-                        </a:rPr>
-                        <a:t>FRR: </a:t>
-                      </a:r>
-                      <a:r>
-                        <a:rPr lang="en-US" dirty="0" smtClean="0">
-                          <a:latin typeface="+mn-lt"/>
-                        </a:rPr>
-                        <a:t>0.42424</a:t>
-                      </a:r>
-                    </a:p>
-                    <a:p>
-                      <a:r>
-                        <a:rPr lang="en-US" dirty="0" smtClean="0">
-                          <a:latin typeface="+mn-lt"/>
-                        </a:rPr>
-                        <a:t>FAR</a:t>
-                      </a:r>
-                      <a:r>
-                        <a:rPr lang="en-US" dirty="0" smtClean="0">
-                          <a:latin typeface="+mn-lt"/>
-                        </a:rPr>
-                        <a:t>: </a:t>
-                      </a:r>
-                      <a:r>
-                        <a:rPr lang="en-US" dirty="0" smtClean="0">
-                          <a:latin typeface="+mn-lt"/>
-                        </a:rPr>
-                        <a:t>0.47704</a:t>
-                      </a:r>
-                      <a:endParaRPr lang="en-US" dirty="0">
-                        <a:latin typeface="+mn-lt"/>
-                      </a:endParaRPr>
-                    </a:p>
-                  </a:txBody>
-                  <a:tcPr/>
-                </a:tc>
-                <a:tc>
-                  <a:txBody>
-                    <a:bodyPr/>
-                    <a:lstStyle/>
-                    <a:p>
-                      <a:r>
-                        <a:rPr lang="en-US" dirty="0" smtClean="0">
-                          <a:latin typeface="+mn-lt"/>
-                        </a:rPr>
-                        <a:t>FRR: </a:t>
-                      </a:r>
-                      <a:r>
-                        <a:rPr lang="en-US" dirty="0" smtClean="0">
-                          <a:latin typeface="+mn-lt"/>
-                        </a:rPr>
-                        <a:t>0.5</a:t>
-                      </a:r>
-                      <a:endParaRPr lang="en-US" dirty="0" smtClean="0">
-                        <a:latin typeface="+mn-lt"/>
-                      </a:endParaRPr>
-                    </a:p>
-                    <a:p>
-                      <a:r>
-                        <a:rPr lang="en-US" dirty="0" smtClean="0">
-                          <a:latin typeface="+mn-lt"/>
-                        </a:rPr>
-                        <a:t>FAR: </a:t>
-                      </a:r>
-                      <a:r>
-                        <a:rPr lang="en-US" dirty="0" smtClean="0">
-                          <a:latin typeface="+mn-lt"/>
-                        </a:rPr>
-                        <a:t>0.51381</a:t>
-                      </a:r>
-                      <a:endParaRPr lang="en-US" dirty="0">
-                        <a:latin typeface="+mn-lt"/>
-                      </a:endParaRPr>
-                    </a:p>
-                  </a:txBody>
-                  <a:tcPr/>
-                </a:tc>
-                <a:tc>
-                  <a:txBody>
-                    <a:bodyPr/>
-                    <a:lstStyle/>
-                    <a:p>
-                      <a:r>
-                        <a:rPr lang="en-US" dirty="0" smtClean="0">
-                          <a:latin typeface="+mn-lt"/>
-                        </a:rPr>
-                        <a:t>FRR: </a:t>
-                      </a:r>
-                      <a:r>
-                        <a:rPr lang="en-US" dirty="0" smtClean="0">
-                          <a:latin typeface="+mn-lt"/>
-                        </a:rPr>
-                        <a:t>0.51523</a:t>
-                      </a:r>
-                      <a:endParaRPr lang="en-US" dirty="0" smtClean="0">
-                        <a:latin typeface="+mn-lt"/>
-                      </a:endParaRPr>
-                    </a:p>
-                    <a:p>
-                      <a:r>
-                        <a:rPr lang="en-US" dirty="0" smtClean="0">
-                          <a:latin typeface="+mn-lt"/>
-                        </a:rPr>
-                        <a:t>FAR: </a:t>
-                      </a:r>
-                      <a:r>
-                        <a:rPr lang="en-US" dirty="0" smtClean="0">
-                          <a:latin typeface="+mn-lt"/>
-                        </a:rPr>
-                        <a:t>0.50489</a:t>
+                        <a:t>FRR: 0.41628</a:t>
+                      </a:r>
+                    </a:p>
+                    <a:p>
+                      <a:r>
+                        <a:rPr lang="en-US" dirty="0" smtClean="0">
+                          <a:latin typeface="+mn-lt"/>
+                        </a:rPr>
+                        <a:t>FAR: 0.61578</a:t>
+                      </a:r>
+                      <a:endParaRPr lang="en-US" dirty="0">
+                        <a:latin typeface="+mn-lt"/>
+                      </a:endParaRPr>
+                    </a:p>
+                  </a:txBody>
+                  <a:tcPr/>
+                </a:tc>
+                <a:tc>
+                  <a:txBody>
+                    <a:bodyPr/>
+                    <a:lstStyle/>
+                    <a:p>
+                      <a:r>
+                        <a:rPr lang="en-US" dirty="0" smtClean="0">
+                          <a:latin typeface="+mn-lt"/>
+                        </a:rPr>
+                        <a:t>FRR: 0.41791</a:t>
+                      </a:r>
+                    </a:p>
+                    <a:p>
+                      <a:r>
+                        <a:rPr lang="en-US" dirty="0" smtClean="0">
+                          <a:latin typeface="+mn-lt"/>
+                        </a:rPr>
+                        <a:t>FAR: 0.56449</a:t>
+                      </a:r>
+                      <a:endParaRPr lang="en-US" dirty="0">
+                        <a:latin typeface="+mn-lt"/>
+                      </a:endParaRPr>
+                    </a:p>
+                  </a:txBody>
+                  <a:tcPr/>
+                </a:tc>
+                <a:tc>
+                  <a:txBody>
+                    <a:bodyPr/>
+                    <a:lstStyle/>
+                    <a:p>
+                      <a:r>
+                        <a:rPr lang="en-US" dirty="0" smtClean="0">
+                          <a:latin typeface="+mn-lt"/>
+                        </a:rPr>
+                        <a:t>FRR: 0.42424</a:t>
+                      </a:r>
+                    </a:p>
+                    <a:p>
+                      <a:r>
+                        <a:rPr lang="en-US" dirty="0" smtClean="0">
+                          <a:latin typeface="+mn-lt"/>
+                        </a:rPr>
+                        <a:t>FAR: 0.47704</a:t>
+                      </a:r>
+                      <a:endParaRPr lang="en-US" dirty="0">
+                        <a:latin typeface="+mn-lt"/>
+                      </a:endParaRPr>
+                    </a:p>
+                  </a:txBody>
+                  <a:tcPr/>
+                </a:tc>
+                <a:tc>
+                  <a:txBody>
+                    <a:bodyPr/>
+                    <a:lstStyle/>
+                    <a:p>
+                      <a:r>
+                        <a:rPr lang="en-US" dirty="0" smtClean="0">
+                          <a:latin typeface="+mn-lt"/>
+                        </a:rPr>
+                        <a:t>FRR: 0.5</a:t>
+                      </a:r>
+                    </a:p>
+                    <a:p>
+                      <a:r>
+                        <a:rPr lang="en-US" dirty="0" smtClean="0">
+                          <a:latin typeface="+mn-lt"/>
+                        </a:rPr>
+                        <a:t>FAR: 0.51381</a:t>
+                      </a:r>
+                      <a:endParaRPr lang="en-US" dirty="0">
+                        <a:latin typeface="+mn-lt"/>
+                      </a:endParaRPr>
+                    </a:p>
+                  </a:txBody>
+                  <a:tcPr/>
+                </a:tc>
+                <a:tc>
+                  <a:txBody>
+                    <a:bodyPr/>
+                    <a:lstStyle/>
+                    <a:p>
+                      <a:r>
+                        <a:rPr lang="en-US" dirty="0" smtClean="0">
+                          <a:latin typeface="+mn-lt"/>
+                        </a:rPr>
+                        <a:t>FRR: 0.51523</a:t>
+                      </a:r>
+                    </a:p>
+                    <a:p>
+                      <a:r>
+                        <a:rPr lang="en-US" dirty="0" smtClean="0">
+                          <a:latin typeface="+mn-lt"/>
+                        </a:rPr>
+                        <a:t>FAR: 0.50489</a:t>
                       </a:r>
                       <a:endParaRPr lang="en-US" dirty="0">
                         <a:latin typeface="+mn-lt"/>
@@ -5859,200 +5465,119 @@
                         <a:rPr lang="en-US" dirty="0" smtClean="0">
                           <a:latin typeface="+mn-lt"/>
                         </a:rPr>
-                        <a:t>FRR: </a:t>
-                      </a:r>
-                      <a:r>
-                        <a:rPr lang="en-US" dirty="0" smtClean="0">
-                          <a:latin typeface="+mn-lt"/>
-                        </a:rPr>
-                        <a:t>0.3935</a:t>
-                      </a:r>
-                    </a:p>
-                    <a:p>
-                      <a:r>
-                        <a:rPr lang="en-US" dirty="0" smtClean="0">
-                          <a:latin typeface="+mn-lt"/>
-                        </a:rPr>
-                        <a:t>FAR</a:t>
-                      </a:r>
-                      <a:r>
-                        <a:rPr lang="en-US" dirty="0" smtClean="0">
-                          <a:latin typeface="+mn-lt"/>
-                        </a:rPr>
-                        <a:t>: </a:t>
-                      </a:r>
-                      <a:r>
-                        <a:rPr lang="en-US" dirty="0" smtClean="0">
-                          <a:latin typeface="+mn-lt"/>
-                        </a:rPr>
-                        <a:t>0.48854</a:t>
-                      </a:r>
-                      <a:endParaRPr lang="en-US" dirty="0">
-                        <a:latin typeface="+mn-lt"/>
-                      </a:endParaRPr>
-                    </a:p>
-                  </a:txBody>
-                  <a:tcPr/>
-                </a:tc>
-                <a:tc>
-                  <a:txBody>
-                    <a:bodyPr/>
-                    <a:lstStyle/>
-                    <a:p>
-                      <a:r>
-                        <a:rPr lang="en-US" dirty="0" smtClean="0">
-                          <a:latin typeface="+mn-lt"/>
-                        </a:rPr>
-                        <a:t>FRR: </a:t>
-                      </a:r>
-                      <a:r>
-                        <a:rPr lang="en-US" dirty="0" smtClean="0">
-                          <a:latin typeface="+mn-lt"/>
-                        </a:rPr>
-                        <a:t>0.44680</a:t>
-                      </a:r>
-                    </a:p>
-                    <a:p>
-                      <a:r>
-                        <a:rPr lang="en-US" dirty="0" smtClean="0">
-                          <a:latin typeface="+mn-lt"/>
-                        </a:rPr>
-                        <a:t>FAR</a:t>
-                      </a:r>
-                      <a:r>
-                        <a:rPr lang="en-US" dirty="0" smtClean="0">
-                          <a:latin typeface="+mn-lt"/>
-                        </a:rPr>
-                        <a:t>: </a:t>
-                      </a:r>
-                      <a:r>
-                        <a:rPr lang="en-US" dirty="0" smtClean="0">
-                          <a:latin typeface="+mn-lt"/>
-                        </a:rPr>
-                        <a:t>0.53206</a:t>
-                      </a:r>
-                      <a:endParaRPr lang="en-US" dirty="0">
-                        <a:latin typeface="+mn-lt"/>
-                      </a:endParaRPr>
-                    </a:p>
-                  </a:txBody>
-                  <a:tcPr/>
-                </a:tc>
-                <a:tc>
-                  <a:txBody>
-                    <a:bodyPr/>
-                    <a:lstStyle/>
-                    <a:p>
-                      <a:r>
-                        <a:rPr lang="en-US" dirty="0" smtClean="0">
-                          <a:latin typeface="+mn-lt"/>
-                        </a:rPr>
-                        <a:t>FRR: </a:t>
-                      </a:r>
-                      <a:r>
-                        <a:rPr lang="en-US" dirty="0" smtClean="0">
-                          <a:latin typeface="+mn-lt"/>
-                        </a:rPr>
-                        <a:t>0.36633</a:t>
-                      </a:r>
-                      <a:endParaRPr lang="en-US" dirty="0" smtClean="0">
-                        <a:latin typeface="+mn-lt"/>
-                      </a:endParaRPr>
-                    </a:p>
-                    <a:p>
-                      <a:r>
-                        <a:rPr lang="en-US" dirty="0" smtClean="0">
-                          <a:latin typeface="+mn-lt"/>
-                        </a:rPr>
-                        <a:t>FAR: </a:t>
-                      </a:r>
-                      <a:r>
-                        <a:rPr lang="en-US" dirty="0" smtClean="0">
-                          <a:latin typeface="+mn-lt"/>
-                        </a:rPr>
-                        <a:t>0.54357</a:t>
-                      </a:r>
-                      <a:endParaRPr lang="en-US" dirty="0">
-                        <a:latin typeface="+mn-lt"/>
-                      </a:endParaRPr>
-                    </a:p>
-                  </a:txBody>
-                  <a:tcPr/>
-                </a:tc>
-                <a:tc>
-                  <a:txBody>
-                    <a:bodyPr/>
-                    <a:lstStyle/>
-                    <a:p>
-                      <a:r>
-                        <a:rPr lang="en-US" dirty="0" smtClean="0">
-                          <a:latin typeface="+mn-lt"/>
-                        </a:rPr>
-                        <a:t>FRR: </a:t>
-                      </a:r>
-                      <a:r>
-                        <a:rPr lang="en-US" dirty="0" smtClean="0">
-                          <a:latin typeface="+mn-lt"/>
-                        </a:rPr>
-                        <a:t>0.44761</a:t>
-                      </a:r>
-                      <a:endParaRPr lang="en-US" dirty="0" smtClean="0">
-                        <a:latin typeface="+mn-lt"/>
-                      </a:endParaRPr>
-                    </a:p>
-                    <a:p>
-                      <a:r>
-                        <a:rPr lang="en-US" dirty="0" smtClean="0">
-                          <a:latin typeface="+mn-lt"/>
-                        </a:rPr>
-                        <a:t>FAR: </a:t>
-                      </a:r>
-                      <a:r>
-                        <a:rPr lang="en-US" dirty="0" smtClean="0">
-                          <a:latin typeface="+mn-lt"/>
-                        </a:rPr>
-                        <a:t>0.55225</a:t>
-                      </a:r>
-                      <a:endParaRPr lang="en-US" dirty="0">
-                        <a:latin typeface="+mn-lt"/>
-                      </a:endParaRPr>
-                    </a:p>
-                  </a:txBody>
-                  <a:tcPr/>
-                </a:tc>
-                <a:tc>
-                  <a:txBody>
-                    <a:bodyPr/>
-                    <a:lstStyle/>
-                    <a:p>
-                      <a:r>
-                        <a:rPr lang="en-US" dirty="0" smtClean="0">
-                          <a:latin typeface="+mn-lt"/>
-                        </a:rPr>
-                        <a:t>FRR: </a:t>
-                      </a:r>
-                      <a:r>
-                        <a:rPr lang="en-US" dirty="0" smtClean="0">
-                          <a:latin typeface="+mn-lt"/>
-                        </a:rPr>
-                        <a:t>0.44911</a:t>
-                      </a:r>
-                      <a:endParaRPr lang="en-US" dirty="0" smtClean="0">
-                        <a:latin typeface="+mn-lt"/>
-                      </a:endParaRPr>
-                    </a:p>
-                    <a:p>
-                      <a:r>
-                        <a:rPr lang="en-US" dirty="0" smtClean="0">
-                          <a:latin typeface="+mn-lt"/>
-                        </a:rPr>
-                        <a:t>FAR: </a:t>
-                      </a:r>
-                      <a:r>
-                        <a:rPr lang="en-US" dirty="0" smtClean="0">
-                          <a:latin typeface="+mn-lt"/>
-                        </a:rPr>
-                        <a:t>0.53876</a:t>
+                        <a:t>FRR: 0.3935</a:t>
+                      </a:r>
+                    </a:p>
+                    <a:p>
+                      <a:r>
+                        <a:rPr lang="en-US" dirty="0" smtClean="0">
+                          <a:latin typeface="+mn-lt"/>
+                        </a:rPr>
+                        <a:t>FAR: 0.48854</a:t>
+                      </a:r>
+                      <a:endParaRPr lang="en-US" dirty="0">
+                        <a:latin typeface="+mn-lt"/>
+                      </a:endParaRPr>
+                    </a:p>
+                  </a:txBody>
+                  <a:tcPr/>
+                </a:tc>
+                <a:tc>
+                  <a:txBody>
+                    <a:bodyPr/>
+                    <a:lstStyle/>
+                    <a:p>
+                      <a:r>
+                        <a:rPr lang="en-US" dirty="0" smtClean="0">
+                          <a:latin typeface="+mn-lt"/>
+                        </a:rPr>
+                        <a:t>FRR: 0.44680</a:t>
+                      </a:r>
+                    </a:p>
+                    <a:p>
+                      <a:r>
+                        <a:rPr lang="en-US" dirty="0" smtClean="0">
+                          <a:latin typeface="+mn-lt"/>
+                        </a:rPr>
+                        <a:t>FAR: 0.53206</a:t>
+                      </a:r>
+                      <a:endParaRPr lang="en-US" dirty="0">
+                        <a:latin typeface="+mn-lt"/>
+                      </a:endParaRPr>
+                    </a:p>
+                  </a:txBody>
+                  <a:tcPr/>
+                </a:tc>
+                <a:tc>
+                  <a:txBody>
+                    <a:bodyPr/>
+                    <a:lstStyle/>
+                    <a:p>
+                      <a:r>
+                        <a:rPr lang="en-US" dirty="0" smtClean="0">
+                          <a:latin typeface="+mn-lt"/>
+                        </a:rPr>
+                        <a:t>FRR: 0.36633</a:t>
+                      </a:r>
+                    </a:p>
+                    <a:p>
+                      <a:r>
+                        <a:rPr lang="en-US" dirty="0" smtClean="0">
+                          <a:latin typeface="+mn-lt"/>
+                        </a:rPr>
+                        <a:t>FAR: 0.54357</a:t>
+                      </a:r>
+                      <a:endParaRPr lang="en-US" dirty="0">
+                        <a:latin typeface="+mn-lt"/>
+                      </a:endParaRPr>
+                    </a:p>
+                  </a:txBody>
+                  <a:tcPr/>
+                </a:tc>
+                <a:tc>
+                  <a:txBody>
+                    <a:bodyPr/>
+                    <a:lstStyle/>
+                    <a:p>
+                      <a:r>
+                        <a:rPr lang="en-US" dirty="0" smtClean="0">
+                          <a:latin typeface="+mn-lt"/>
+                        </a:rPr>
+                        <a:t>FRR: 0.44761</a:t>
+                      </a:r>
+                    </a:p>
+                    <a:p>
+                      <a:r>
+                        <a:rPr lang="en-US" dirty="0" smtClean="0">
+                          <a:latin typeface="+mn-lt"/>
+                        </a:rPr>
+                        <a:t>FAR: 0.55225</a:t>
+                      </a:r>
+                      <a:endParaRPr lang="en-US" dirty="0">
+                        <a:latin typeface="+mn-lt"/>
+                      </a:endParaRPr>
+                    </a:p>
+                  </a:txBody>
+                  <a:tcPr/>
+                </a:tc>
+                <a:tc>
+                  <a:txBody>
+                    <a:bodyPr/>
+                    <a:lstStyle/>
+                    <a:p>
+                      <a:r>
+                        <a:rPr lang="en-US" dirty="0" smtClean="0">
+                          <a:latin typeface="+mn-lt"/>
+                        </a:rPr>
+                        <a:t>FRR: 0.44911</a:t>
+                      </a:r>
+                    </a:p>
+                    <a:p>
+                      <a:r>
+                        <a:rPr lang="en-US" dirty="0" smtClean="0">
+                          <a:latin typeface="+mn-lt"/>
+                        </a:rPr>
+                        <a:t>FAR: 0.53876</a:t>
                       </a:r>
                       <a:endParaRPr lang="en-US" dirty="0">
                         <a:latin typeface="+mn-lt"/>
@@ -6096,30 +5621,15 @@
                         <a:rPr lang="en-US" dirty="0" smtClean="0">
                           <a:latin typeface="+mn-lt"/>
                         </a:rPr>
-                        <a:t>FRR: </a:t>
-                      </a:r>
-                      <a:r>
-                        <a:rPr lang="en-US" dirty="0" smtClean="0">
-                          <a:latin typeface="+mn-lt"/>
-                        </a:rPr>
-                        <a:t>0.44713</a:t>
-                      </a:r>
-                      <a:endParaRPr lang="en-US" dirty="0" smtClean="0">
-                        <a:latin typeface="+mn-lt"/>
-                      </a:endParaRPr>
-                    </a:p>
-                    <a:p>
-                      <a:r>
-                        <a:rPr lang="en-US" dirty="0" smtClean="0">
-                          <a:latin typeface="+mn-lt"/>
-                        </a:rPr>
-                        <a:t>FAR: </a:t>
-                      </a:r>
-                      <a:r>
-                        <a:rPr lang="en-US" dirty="0" smtClean="0">
-                          <a:latin typeface="+mn-lt"/>
-                        </a:rPr>
-                        <a:t>0.52240</a:t>
+                        <a:t>FRR: 0.44713</a:t>
+                      </a:r>
+                    </a:p>
+                    <a:p>
+                      <a:r>
+                        <a:rPr lang="en-US" dirty="0" smtClean="0">
+                          <a:latin typeface="+mn-lt"/>
+                        </a:rPr>
+                        <a:t>FAR: 0.52240</a:t>
                       </a:r>
                       <a:endParaRPr lang="en-US" dirty="0">
                         <a:solidFill>
@@ -6140,30 +5650,15 @@
                         <a:rPr lang="en-US" dirty="0" smtClean="0">
                           <a:latin typeface="+mn-lt"/>
                         </a:rPr>
-                        <a:t>FRR: </a:t>
-                      </a:r>
-                      <a:r>
-                        <a:rPr lang="en-US" dirty="0" smtClean="0">
-                          <a:latin typeface="+mn-lt"/>
-                        </a:rPr>
-                        <a:t>0.47221</a:t>
-                      </a:r>
-                      <a:endParaRPr lang="en-US" dirty="0" smtClean="0">
-                        <a:latin typeface="+mn-lt"/>
-                      </a:endParaRPr>
-                    </a:p>
-                    <a:p>
-                      <a:r>
-                        <a:rPr lang="en-US" dirty="0" smtClean="0">
-                          <a:latin typeface="+mn-lt"/>
-                        </a:rPr>
-                        <a:t>FAR: </a:t>
-                      </a:r>
-                      <a:r>
-                        <a:rPr lang="en-US" dirty="0" smtClean="0">
-                          <a:latin typeface="+mn-lt"/>
-                        </a:rPr>
-                        <a:t>0.51011</a:t>
+                        <a:t>FRR: 0.47221</a:t>
+                      </a:r>
+                    </a:p>
+                    <a:p>
+                      <a:r>
+                        <a:rPr lang="en-US" dirty="0" smtClean="0">
+                          <a:latin typeface="+mn-lt"/>
+                        </a:rPr>
+                        <a:t>FAR: 0.51011</a:t>
                       </a:r>
                       <a:endParaRPr lang="en-US" dirty="0">
                         <a:solidFill>
@@ -6184,30 +5679,15 @@
                         <a:rPr lang="en-US" dirty="0" smtClean="0">
                           <a:latin typeface="+mn-lt"/>
                         </a:rPr>
-                        <a:t>FRR: </a:t>
-                      </a:r>
-                      <a:r>
-                        <a:rPr lang="en-US" dirty="0" smtClean="0">
-                          <a:latin typeface="+mn-lt"/>
-                        </a:rPr>
-                        <a:t>0.45355</a:t>
-                      </a:r>
-                      <a:endParaRPr lang="en-US" dirty="0" smtClean="0">
-                        <a:latin typeface="+mn-lt"/>
-                      </a:endParaRPr>
-                    </a:p>
-                    <a:p>
-                      <a:r>
-                        <a:rPr lang="en-US" dirty="0" smtClean="0">
-                          <a:latin typeface="+mn-lt"/>
-                        </a:rPr>
-                        <a:t>FAR: </a:t>
-                      </a:r>
-                      <a:r>
-                        <a:rPr lang="en-US" dirty="0" smtClean="0">
-                          <a:latin typeface="+mn-lt"/>
-                        </a:rPr>
-                        <a:t>0.51923</a:t>
+                        <a:t>FRR: 0.45355</a:t>
+                      </a:r>
+                    </a:p>
+                    <a:p>
+                      <a:r>
+                        <a:rPr lang="en-US" dirty="0" smtClean="0">
+                          <a:latin typeface="+mn-lt"/>
+                        </a:rPr>
+                        <a:t>FAR: 0.51923</a:t>
                       </a:r>
                       <a:endParaRPr lang="en-US" dirty="0">
                         <a:solidFill>
@@ -6257,30 +5737,15 @@
                         <a:rPr lang="en-US" dirty="0" smtClean="0">
                           <a:latin typeface="+mn-lt"/>
                         </a:rPr>
-                        <a:t>FRR: </a:t>
-                      </a:r>
-                      <a:r>
-                        <a:rPr lang="en-US" dirty="0" smtClean="0">
-                          <a:latin typeface="+mn-lt"/>
-                        </a:rPr>
-                        <a:t>0.47808</a:t>
-                      </a:r>
-                      <a:endParaRPr lang="en-US" dirty="0" smtClean="0">
-                        <a:latin typeface="+mn-lt"/>
-                      </a:endParaRPr>
-                    </a:p>
-                    <a:p>
-                      <a:r>
-                        <a:rPr lang="en-US" dirty="0" smtClean="0">
-                          <a:latin typeface="+mn-lt"/>
-                        </a:rPr>
-                        <a:t>FAR: </a:t>
-                      </a:r>
-                      <a:r>
-                        <a:rPr lang="en-US" dirty="0" smtClean="0">
-                          <a:latin typeface="+mn-lt"/>
-                        </a:rPr>
-                        <a:t>0.48861</a:t>
+                        <a:t>FRR: 0.47808</a:t>
+                      </a:r>
+                    </a:p>
+                    <a:p>
+                      <a:r>
+                        <a:rPr lang="en-US" dirty="0" smtClean="0">
+                          <a:latin typeface="+mn-lt"/>
+                        </a:rPr>
+                        <a:t>FAR: 0.48861</a:t>
                       </a:r>
                       <a:endParaRPr lang="en-US" dirty="0">
                         <a:solidFill>

--- a/report SVM handcrafted and PCA/AUTHENTICATION(all features).pptx
+++ b/report SVM handcrafted and PCA/AUTHENTICATION(all features).pptx
@@ -3076,7 +3076,7 @@
           <p:nvPr>
             <p:extLst>
               <p:ext uri="{D42A27DB-BD31-4B8C-83A1-F6EECF244321}">
-                <p14:modId xmlns:p14="http://schemas.microsoft.com/office/powerpoint/2010/main" val="1008449142"/>
+                <p14:modId xmlns:p14="http://schemas.microsoft.com/office/powerpoint/2010/main" val="1675879279"/>
               </p:ext>
             </p:extLst>
           </p:nvPr>
@@ -3092,12 +3092,48 @@
                 <a:tableStyleId>{5C22544A-7EE6-4342-B048-85BDC9FD1C3A}</a:tableStyleId>
               </a:tblPr>
               <a:tblGrid>
-                <a:gridCol w="2631776"/>
-                <a:gridCol w="1680247"/>
-                <a:gridCol w="1685365"/>
-                <a:gridCol w="1748118"/>
-                <a:gridCol w="1550894"/>
-                <a:gridCol w="1712258"/>
+                <a:gridCol w="2631776">
+                  <a:extLst>
+                    <a:ext uri="{9D8B030D-6E8A-4147-A177-3AD203B41FA5}">
+                      <a16:colId xmlns:a16="http://schemas.microsoft.com/office/drawing/2014/main" val="20000"/>
+                    </a:ext>
+                  </a:extLst>
+                </a:gridCol>
+                <a:gridCol w="1680247">
+                  <a:extLst>
+                    <a:ext uri="{9D8B030D-6E8A-4147-A177-3AD203B41FA5}">
+                      <a16:colId xmlns:a16="http://schemas.microsoft.com/office/drawing/2014/main" val="20001"/>
+                    </a:ext>
+                  </a:extLst>
+                </a:gridCol>
+                <a:gridCol w="1685365">
+                  <a:extLst>
+                    <a:ext uri="{9D8B030D-6E8A-4147-A177-3AD203B41FA5}">
+                      <a16:colId xmlns:a16="http://schemas.microsoft.com/office/drawing/2014/main" val="20002"/>
+                    </a:ext>
+                  </a:extLst>
+                </a:gridCol>
+                <a:gridCol w="1748118">
+                  <a:extLst>
+                    <a:ext uri="{9D8B030D-6E8A-4147-A177-3AD203B41FA5}">
+                      <a16:colId xmlns:a16="http://schemas.microsoft.com/office/drawing/2014/main" val="20003"/>
+                    </a:ext>
+                  </a:extLst>
+                </a:gridCol>
+                <a:gridCol w="1550894">
+                  <a:extLst>
+                    <a:ext uri="{9D8B030D-6E8A-4147-A177-3AD203B41FA5}">
+                      <a16:colId xmlns:a16="http://schemas.microsoft.com/office/drawing/2014/main" val="20004"/>
+                    </a:ext>
+                  </a:extLst>
+                </a:gridCol>
+                <a:gridCol w="1712258">
+                  <a:extLst>
+                    <a:ext uri="{9D8B030D-6E8A-4147-A177-3AD203B41FA5}">
+                      <a16:colId xmlns:a16="http://schemas.microsoft.com/office/drawing/2014/main" val="20005"/>
+                    </a:ext>
+                  </a:extLst>
+                </a:gridCol>
               </a:tblGrid>
               <a:tr h="370840">
                 <a:tc>
@@ -3217,6 +3253,11 @@
                   </a:txBody>
                   <a:tcPr/>
                 </a:tc>
+                <a:extLst>
+                  <a:ext uri="{0D108BD9-81ED-4DB2-BD59-A6C34878D82A}">
+                    <a16:rowId xmlns:a16="http://schemas.microsoft.com/office/drawing/2014/main" val="10000"/>
+                  </a:ext>
+                </a:extLst>
               </a:tr>
               <a:tr h="370840">
                 <a:tc>
@@ -3407,15 +3448,28 @@
                         <a:rPr lang="en-US" dirty="0" smtClean="0">
                           <a:latin typeface="+mn-lt"/>
                         </a:rPr>
-                        <a:t>FRR: 0.36745, FAR: 0.45435</a:t>
-                      </a:r>
-                      <a:endParaRPr lang="en-US" dirty="0">
-                        <a:latin typeface="+mn-lt"/>
-                      </a:endParaRPr>
-                    </a:p>
-                  </a:txBody>
-                  <a:tcPr/>
-                </a:tc>
+                        <a:t>FRR: 0.43913</a:t>
+                      </a:r>
+                    </a:p>
+                    <a:p>
+                      <a:r>
+                        <a:rPr lang="en-US" dirty="0" smtClean="0">
+                          <a:latin typeface="+mn-lt"/>
+                        </a:rPr>
+                        <a:t>FAR: 0.50025</a:t>
+                      </a:r>
+                      <a:endParaRPr lang="en-US" dirty="0">
+                        <a:latin typeface="+mn-lt"/>
+                      </a:endParaRPr>
+                    </a:p>
+                  </a:txBody>
+                  <a:tcPr/>
+                </a:tc>
+                <a:extLst>
+                  <a:ext uri="{0D108BD9-81ED-4DB2-BD59-A6C34878D82A}">
+                    <a16:rowId xmlns:a16="http://schemas.microsoft.com/office/drawing/2014/main" val="10001"/>
+                  </a:ext>
+                </a:extLst>
               </a:tr>
               <a:tr h="370840">
                 <a:tc>
@@ -3570,23 +3624,28 @@
                         <a:rPr lang="en-US" dirty="0" smtClean="0">
                           <a:latin typeface="+mn-lt"/>
                         </a:rPr>
-                        <a:t>FRR: 0.41244</a:t>
-                      </a:r>
-                    </a:p>
-                    <a:p>
-                      <a:r>
-                        <a:rPr lang="en-US" dirty="0" smtClean="0">
-                          <a:latin typeface="+mn-lt"/>
-                        </a:rPr>
-                        <a:t>FAR: 0.4077</a:t>
-                      </a:r>
-                      <a:endParaRPr lang="en-US" dirty="0">
-                        <a:latin typeface="+mn-lt"/>
-                      </a:endParaRPr>
-                    </a:p>
-                  </a:txBody>
-                  <a:tcPr/>
-                </a:tc>
+                        <a:t>FRR: 0.49580</a:t>
+                      </a:r>
+                    </a:p>
+                    <a:p>
+                      <a:r>
+                        <a:rPr lang="en-US" dirty="0" smtClean="0">
+                          <a:latin typeface="+mn-lt"/>
+                        </a:rPr>
+                        <a:t>FAR: 0.41200</a:t>
+                      </a:r>
+                      <a:endParaRPr lang="en-US" dirty="0">
+                        <a:latin typeface="+mn-lt"/>
+                      </a:endParaRPr>
+                    </a:p>
+                  </a:txBody>
+                  <a:tcPr/>
+                </a:tc>
+                <a:extLst>
+                  <a:ext uri="{0D108BD9-81ED-4DB2-BD59-A6C34878D82A}">
+                    <a16:rowId xmlns:a16="http://schemas.microsoft.com/office/drawing/2014/main" val="10002"/>
+                  </a:ext>
+                </a:extLst>
               </a:tr>
               <a:tr h="370840">
                 <a:tc>
@@ -3720,20 +3779,28 @@
                         <a:rPr lang="en-US" dirty="0" smtClean="0">
                           <a:latin typeface="+mn-lt"/>
                         </a:rPr>
-                        <a:t>FRR: 0.39650</a:t>
-                      </a:r>
-                    </a:p>
-                    <a:p>
-                      <a:r>
-                        <a:rPr lang="en-US" dirty="0" smtClean="0">
-                          <a:latin typeface="+mn-lt"/>
-                        </a:rPr>
-                        <a:t>FAR: 0.6255</a:t>
-                      </a:r>
-                    </a:p>
-                  </a:txBody>
-                  <a:tcPr/>
-                </a:tc>
+                        <a:t>FRR: 0.48536</a:t>
+                      </a:r>
+                    </a:p>
+                    <a:p>
+                      <a:r>
+                        <a:rPr lang="en-US" dirty="0" smtClean="0">
+                          <a:latin typeface="+mn-lt"/>
+                        </a:rPr>
+                        <a:t>FAR: 0.46267</a:t>
+                      </a:r>
+                      <a:endParaRPr lang="en-US" dirty="0" smtClean="0">
+                        <a:latin typeface="+mn-lt"/>
+                      </a:endParaRPr>
+                    </a:p>
+                  </a:txBody>
+                  <a:tcPr/>
+                </a:tc>
+                <a:extLst>
+                  <a:ext uri="{0D108BD9-81ED-4DB2-BD59-A6C34878D82A}">
+                    <a16:rowId xmlns:a16="http://schemas.microsoft.com/office/drawing/2014/main" val="10003"/>
+                  </a:ext>
+                </a:extLst>
               </a:tr>
               <a:tr h="370840">
                 <a:tc>
@@ -3864,23 +3931,28 @@
                         <a:rPr lang="en-US" dirty="0" smtClean="0">
                           <a:latin typeface="+mn-lt"/>
                         </a:rPr>
-                        <a:t>FRR: 0.31463</a:t>
-                      </a:r>
-                    </a:p>
-                    <a:p>
-                      <a:r>
-                        <a:rPr lang="en-US" dirty="0" smtClean="0">
-                          <a:latin typeface="+mn-lt"/>
-                        </a:rPr>
-                        <a:t>FAR: 0.43034</a:t>
-                      </a:r>
-                      <a:endParaRPr lang="en-US" dirty="0">
-                        <a:latin typeface="+mn-lt"/>
-                      </a:endParaRPr>
-                    </a:p>
-                  </a:txBody>
-                  <a:tcPr/>
-                </a:tc>
+                        <a:t>FRR: 0.45763</a:t>
+                      </a:r>
+                    </a:p>
+                    <a:p>
+                      <a:r>
+                        <a:rPr lang="en-US" dirty="0" smtClean="0">
+                          <a:latin typeface="+mn-lt"/>
+                        </a:rPr>
+                        <a:t>FAR: 0.52042</a:t>
+                      </a:r>
+                      <a:endParaRPr lang="en-US" dirty="0">
+                        <a:latin typeface="+mn-lt"/>
+                      </a:endParaRPr>
+                    </a:p>
+                  </a:txBody>
+                  <a:tcPr/>
+                </a:tc>
+                <a:extLst>
+                  <a:ext uri="{0D108BD9-81ED-4DB2-BD59-A6C34878D82A}">
+                    <a16:rowId xmlns:a16="http://schemas.microsoft.com/office/drawing/2014/main" val="10004"/>
+                  </a:ext>
+                </a:extLst>
               </a:tr>
               <a:tr h="370840">
                 <a:tc>
@@ -4014,23 +4086,28 @@
                         <a:rPr lang="en-US" dirty="0" smtClean="0">
                           <a:latin typeface="+mn-lt"/>
                         </a:rPr>
-                        <a:t>FRR: 0.39335</a:t>
-                      </a:r>
-                    </a:p>
-                    <a:p>
-                      <a:r>
-                        <a:rPr lang="en-US" dirty="0" smtClean="0">
-                          <a:latin typeface="+mn-lt"/>
-                        </a:rPr>
-                        <a:t>FAR: 0.62919</a:t>
-                      </a:r>
-                      <a:endParaRPr lang="en-US" dirty="0">
-                        <a:latin typeface="+mn-lt"/>
-                      </a:endParaRPr>
-                    </a:p>
-                  </a:txBody>
-                  <a:tcPr/>
-                </a:tc>
+                        <a:t>FRR: 0.34978</a:t>
+                      </a:r>
+                    </a:p>
+                    <a:p>
+                      <a:r>
+                        <a:rPr lang="en-US" dirty="0" smtClean="0">
+                          <a:latin typeface="+mn-lt"/>
+                        </a:rPr>
+                        <a:t>FAR: 0.56251</a:t>
+                      </a:r>
+                      <a:endParaRPr lang="en-US" dirty="0">
+                        <a:latin typeface="+mn-lt"/>
+                      </a:endParaRPr>
+                    </a:p>
+                  </a:txBody>
+                  <a:tcPr/>
+                </a:tc>
+                <a:extLst>
+                  <a:ext uri="{0D108BD9-81ED-4DB2-BD59-A6C34878D82A}">
+                    <a16:rowId xmlns:a16="http://schemas.microsoft.com/office/drawing/2014/main" val="10005"/>
+                  </a:ext>
+                </a:extLst>
               </a:tr>
               <a:tr h="370840">
                 <a:tc>
@@ -4178,23 +4255,28 @@
                         <a:rPr lang="en-US" dirty="0" smtClean="0">
                           <a:latin typeface="+mn-lt"/>
                         </a:rPr>
-                        <a:t>FRR: 0.38938</a:t>
-                      </a:r>
-                    </a:p>
-                    <a:p>
-                      <a:r>
-                        <a:rPr lang="en-US" dirty="0" smtClean="0">
-                          <a:latin typeface="+mn-lt"/>
-                        </a:rPr>
-                        <a:t>FAR: 0.46864</a:t>
-                      </a:r>
-                      <a:endParaRPr lang="en-US" dirty="0">
-                        <a:latin typeface="+mn-lt"/>
-                      </a:endParaRPr>
-                    </a:p>
-                  </a:txBody>
-                  <a:tcPr/>
-                </a:tc>
+                        <a:t>FRR: 0.47773</a:t>
+                      </a:r>
+                    </a:p>
+                    <a:p>
+                      <a:r>
+                        <a:rPr lang="en-US" dirty="0" smtClean="0">
+                          <a:latin typeface="+mn-lt"/>
+                        </a:rPr>
+                        <a:t>FAR: 0.48052</a:t>
+                      </a:r>
+                      <a:endParaRPr lang="en-US" dirty="0">
+                        <a:latin typeface="+mn-lt"/>
+                      </a:endParaRPr>
+                    </a:p>
+                  </a:txBody>
+                  <a:tcPr/>
+                </a:tc>
+                <a:extLst>
+                  <a:ext uri="{0D108BD9-81ED-4DB2-BD59-A6C34878D82A}">
+                    <a16:rowId xmlns:a16="http://schemas.microsoft.com/office/drawing/2014/main" val="10006"/>
+                  </a:ext>
+                </a:extLst>
               </a:tr>
               <a:tr h="370840">
                 <a:tc>
@@ -4346,15 +4428,15 @@
                         <a:rPr lang="en-US" dirty="0" smtClean="0">
                           <a:latin typeface="+mn-lt"/>
                         </a:rPr>
-                        <a:t>FRR: 0.37896</a:t>
-                      </a:r>
-                    </a:p>
-                    <a:p>
-                      <a:r>
-                        <a:rPr lang="en-US" dirty="0" smtClean="0">
-                          <a:latin typeface="+mn-lt"/>
-                        </a:rPr>
-                        <a:t>FAR: 0.50262</a:t>
+                        <a:t>FRR: 0.45090</a:t>
+                      </a:r>
+                    </a:p>
+                    <a:p>
+                      <a:r>
+                        <a:rPr lang="en-US" dirty="0" smtClean="0">
+                          <a:latin typeface="+mn-lt"/>
+                        </a:rPr>
+                        <a:t>FAR: 0.48973</a:t>
                       </a:r>
                       <a:endParaRPr lang="en-US" dirty="0">
                         <a:solidFill>
@@ -4366,6 +4448,11 @@
                   </a:txBody>
                   <a:tcPr/>
                 </a:tc>
+                <a:extLst>
+                  <a:ext uri="{0D108BD9-81ED-4DB2-BD59-A6C34878D82A}">
+                    <a16:rowId xmlns:a16="http://schemas.microsoft.com/office/drawing/2014/main" val="10007"/>
+                  </a:ext>
+                </a:extLst>
               </a:tr>
             </a:tbl>
           </a:graphicData>
@@ -4474,7 +4561,7 @@
           <p:nvPr>
             <p:extLst>
               <p:ext uri="{D42A27DB-BD31-4B8C-83A1-F6EECF244321}">
-                <p14:modId xmlns:p14="http://schemas.microsoft.com/office/powerpoint/2010/main" val="4277390458"/>
+                <p14:modId xmlns:p14="http://schemas.microsoft.com/office/powerpoint/2010/main" val="3277411550"/>
               </p:ext>
             </p:extLst>
           </p:nvPr>
@@ -4490,12 +4577,48 @@
                 <a:tableStyleId>{5C22544A-7EE6-4342-B048-85BDC9FD1C3A}</a:tableStyleId>
               </a:tblPr>
               <a:tblGrid>
-                <a:gridCol w="2631776"/>
-                <a:gridCol w="1680247"/>
-                <a:gridCol w="1685365"/>
-                <a:gridCol w="1748118"/>
-                <a:gridCol w="1550894"/>
-                <a:gridCol w="1712258"/>
+                <a:gridCol w="2631776">
+                  <a:extLst>
+                    <a:ext uri="{9D8B030D-6E8A-4147-A177-3AD203B41FA5}">
+                      <a16:colId xmlns:a16="http://schemas.microsoft.com/office/drawing/2014/main" val="20000"/>
+                    </a:ext>
+                  </a:extLst>
+                </a:gridCol>
+                <a:gridCol w="1680247">
+                  <a:extLst>
+                    <a:ext uri="{9D8B030D-6E8A-4147-A177-3AD203B41FA5}">
+                      <a16:colId xmlns:a16="http://schemas.microsoft.com/office/drawing/2014/main" val="20001"/>
+                    </a:ext>
+                  </a:extLst>
+                </a:gridCol>
+                <a:gridCol w="1685365">
+                  <a:extLst>
+                    <a:ext uri="{9D8B030D-6E8A-4147-A177-3AD203B41FA5}">
+                      <a16:colId xmlns:a16="http://schemas.microsoft.com/office/drawing/2014/main" val="20002"/>
+                    </a:ext>
+                  </a:extLst>
+                </a:gridCol>
+                <a:gridCol w="1748118">
+                  <a:extLst>
+                    <a:ext uri="{9D8B030D-6E8A-4147-A177-3AD203B41FA5}">
+                      <a16:colId xmlns:a16="http://schemas.microsoft.com/office/drawing/2014/main" val="20003"/>
+                    </a:ext>
+                  </a:extLst>
+                </a:gridCol>
+                <a:gridCol w="1550894">
+                  <a:extLst>
+                    <a:ext uri="{9D8B030D-6E8A-4147-A177-3AD203B41FA5}">
+                      <a16:colId xmlns:a16="http://schemas.microsoft.com/office/drawing/2014/main" val="20004"/>
+                    </a:ext>
+                  </a:extLst>
+                </a:gridCol>
+                <a:gridCol w="1712258">
+                  <a:extLst>
+                    <a:ext uri="{9D8B030D-6E8A-4147-A177-3AD203B41FA5}">
+                      <a16:colId xmlns:a16="http://schemas.microsoft.com/office/drawing/2014/main" val="20005"/>
+                    </a:ext>
+                  </a:extLst>
+                </a:gridCol>
               </a:tblGrid>
               <a:tr h="370840">
                 <a:tc>
@@ -4615,6 +4738,11 @@
                   </a:txBody>
                   <a:tcPr/>
                 </a:tc>
+                <a:extLst>
+                  <a:ext uri="{0D108BD9-81ED-4DB2-BD59-A6C34878D82A}">
+                    <a16:rowId xmlns:a16="http://schemas.microsoft.com/office/drawing/2014/main" val="10000"/>
+                  </a:ext>
+                </a:extLst>
               </a:tr>
               <a:tr h="370840">
                 <a:tc>
@@ -4798,15 +4926,28 @@
                         <a:rPr lang="en-US" dirty="0" smtClean="0">
                           <a:latin typeface="+mn-lt"/>
                         </a:rPr>
-                        <a:t>FRR: 0.52230 FAR: 0.50966</a:t>
-                      </a:r>
-                      <a:endParaRPr lang="en-US" dirty="0">
-                        <a:latin typeface="+mn-lt"/>
-                      </a:endParaRPr>
-                    </a:p>
-                  </a:txBody>
-                  <a:tcPr/>
-                </a:tc>
+                        <a:t>FRR: 0.48696</a:t>
+                      </a:r>
+                    </a:p>
+                    <a:p>
+                      <a:r>
+                        <a:rPr lang="en-US" dirty="0" smtClean="0">
+                          <a:latin typeface="+mn-lt"/>
+                        </a:rPr>
+                        <a:t>FAR: 0.56575</a:t>
+                      </a:r>
+                      <a:endParaRPr lang="en-US" dirty="0">
+                        <a:latin typeface="+mn-lt"/>
+                      </a:endParaRPr>
+                    </a:p>
+                  </a:txBody>
+                  <a:tcPr/>
+                </a:tc>
+                <a:extLst>
+                  <a:ext uri="{0D108BD9-81ED-4DB2-BD59-A6C34878D82A}">
+                    <a16:rowId xmlns:a16="http://schemas.microsoft.com/office/drawing/2014/main" val="10001"/>
+                  </a:ext>
+                </a:extLst>
               </a:tr>
               <a:tr h="370840">
                 <a:tc>
@@ -4961,23 +5102,28 @@
                         <a:rPr lang="en-US" dirty="0" smtClean="0">
                           <a:latin typeface="+mn-lt"/>
                         </a:rPr>
-                        <a:t>FRR: 0.47235</a:t>
-                      </a:r>
-                    </a:p>
-                    <a:p>
-                      <a:r>
-                        <a:rPr lang="en-US" dirty="0" smtClean="0">
-                          <a:latin typeface="+mn-lt"/>
-                        </a:rPr>
-                        <a:t>FAR: 0.50194</a:t>
-                      </a:r>
-                      <a:endParaRPr lang="en-US" dirty="0">
-                        <a:latin typeface="+mn-lt"/>
-                      </a:endParaRPr>
-                    </a:p>
-                  </a:txBody>
-                  <a:tcPr/>
-                </a:tc>
+                        <a:t>FRR: 0.40756</a:t>
+                      </a:r>
+                    </a:p>
+                    <a:p>
+                      <a:r>
+                        <a:rPr lang="en-US" dirty="0" smtClean="0">
+                          <a:latin typeface="+mn-lt"/>
+                        </a:rPr>
+                        <a:t>FAR: 0.55751</a:t>
+                      </a:r>
+                      <a:endParaRPr lang="en-US" dirty="0" smtClean="0">
+                        <a:latin typeface="+mn-lt"/>
+                      </a:endParaRPr>
+                    </a:p>
+                  </a:txBody>
+                  <a:tcPr/>
+                </a:tc>
+                <a:extLst>
+                  <a:ext uri="{0D108BD9-81ED-4DB2-BD59-A6C34878D82A}">
+                    <a16:rowId xmlns:a16="http://schemas.microsoft.com/office/drawing/2014/main" val="10002"/>
+                  </a:ext>
+                </a:extLst>
               </a:tr>
               <a:tr h="370840">
                 <a:tc>
@@ -5111,20 +5257,28 @@
                         <a:rPr lang="en-US" dirty="0" smtClean="0">
                           <a:latin typeface="+mn-lt"/>
                         </a:rPr>
-                        <a:t>FRR: 0.43142</a:t>
-                      </a:r>
-                    </a:p>
-                    <a:p>
-                      <a:r>
-                        <a:rPr lang="en-US" dirty="0" smtClean="0">
-                          <a:latin typeface="+mn-lt"/>
-                        </a:rPr>
-                        <a:t>FAR: 0.46127</a:t>
-                      </a:r>
-                    </a:p>
-                  </a:txBody>
-                  <a:tcPr/>
-                </a:tc>
+                        <a:t>FRR: 0.49791</a:t>
+                      </a:r>
+                    </a:p>
+                    <a:p>
+                      <a:r>
+                        <a:rPr lang="en-US" dirty="0" smtClean="0">
+                          <a:latin typeface="+mn-lt"/>
+                        </a:rPr>
+                        <a:t>FAR: 0.37112</a:t>
+                      </a:r>
+                      <a:endParaRPr lang="en-US" dirty="0" smtClean="0">
+                        <a:latin typeface="+mn-lt"/>
+                      </a:endParaRPr>
+                    </a:p>
+                  </a:txBody>
+                  <a:tcPr/>
+                </a:tc>
+                <a:extLst>
+                  <a:ext uri="{0D108BD9-81ED-4DB2-BD59-A6C34878D82A}">
+                    <a16:rowId xmlns:a16="http://schemas.microsoft.com/office/drawing/2014/main" val="10003"/>
+                  </a:ext>
+                </a:extLst>
               </a:tr>
               <a:tr h="370840">
                 <a:tc>
@@ -5255,23 +5409,28 @@
                         <a:rPr lang="en-US" dirty="0" smtClean="0">
                           <a:latin typeface="+mn-lt"/>
                         </a:rPr>
-                        <a:t>FRR: 0.47804</a:t>
-                      </a:r>
-                    </a:p>
-                    <a:p>
-                      <a:r>
-                        <a:rPr lang="en-US" dirty="0" smtClean="0">
-                          <a:latin typeface="+mn-lt"/>
-                        </a:rPr>
-                        <a:t>FAR: 0.41512</a:t>
-                      </a:r>
-                      <a:endParaRPr lang="en-US" dirty="0">
-                        <a:latin typeface="+mn-lt"/>
-                      </a:endParaRPr>
-                    </a:p>
-                  </a:txBody>
-                  <a:tcPr/>
-                </a:tc>
+                        <a:t>FRR: 0.39831</a:t>
+                      </a:r>
+                    </a:p>
+                    <a:p>
+                      <a:r>
+                        <a:rPr lang="en-US" dirty="0" smtClean="0">
+                          <a:latin typeface="+mn-lt"/>
+                        </a:rPr>
+                        <a:t>FAR: 0.50629</a:t>
+                      </a:r>
+                      <a:endParaRPr lang="en-US" dirty="0">
+                        <a:latin typeface="+mn-lt"/>
+                      </a:endParaRPr>
+                    </a:p>
+                  </a:txBody>
+                  <a:tcPr/>
+                </a:tc>
+                <a:extLst>
+                  <a:ext uri="{0D108BD9-81ED-4DB2-BD59-A6C34878D82A}">
+                    <a16:rowId xmlns:a16="http://schemas.microsoft.com/office/drawing/2014/main" val="10004"/>
+                  </a:ext>
+                </a:extLst>
               </a:tr>
               <a:tr h="370840">
                 <a:tc>
@@ -5405,23 +5564,28 @@
                         <a:rPr lang="en-US" dirty="0" smtClean="0">
                           <a:latin typeface="+mn-lt"/>
                         </a:rPr>
-                        <a:t>FRR: 0.51523</a:t>
-                      </a:r>
-                    </a:p>
-                    <a:p>
-                      <a:r>
-                        <a:rPr lang="en-US" dirty="0" smtClean="0">
-                          <a:latin typeface="+mn-lt"/>
-                        </a:rPr>
-                        <a:t>FAR: 0.50489</a:t>
-                      </a:r>
-                      <a:endParaRPr lang="en-US" dirty="0">
-                        <a:latin typeface="+mn-lt"/>
-                      </a:endParaRPr>
-                    </a:p>
-                  </a:txBody>
-                  <a:tcPr/>
-                </a:tc>
+                        <a:t>FFRR: 0.45291</a:t>
+                      </a:r>
+                    </a:p>
+                    <a:p>
+                      <a:r>
+                        <a:rPr lang="en-US" dirty="0" smtClean="0">
+                          <a:latin typeface="+mn-lt"/>
+                        </a:rPr>
+                        <a:t>FAR: 0.53845</a:t>
+                      </a:r>
+                      <a:endParaRPr lang="en-US" dirty="0">
+                        <a:latin typeface="+mn-lt"/>
+                      </a:endParaRPr>
+                    </a:p>
+                  </a:txBody>
+                  <a:tcPr/>
+                </a:tc>
+                <a:extLst>
+                  <a:ext uri="{0D108BD9-81ED-4DB2-BD59-A6C34878D82A}">
+                    <a16:rowId xmlns:a16="http://schemas.microsoft.com/office/drawing/2014/main" val="10005"/>
+                  </a:ext>
+                </a:extLst>
               </a:tr>
               <a:tr h="370840">
                 <a:tc>
@@ -5569,23 +5733,28 @@
                         <a:rPr lang="en-US" dirty="0" smtClean="0">
                           <a:latin typeface="+mn-lt"/>
                         </a:rPr>
-                        <a:t>FRR: 0.44911</a:t>
-                      </a:r>
-                    </a:p>
-                    <a:p>
-                      <a:r>
-                        <a:rPr lang="en-US" dirty="0" smtClean="0">
-                          <a:latin typeface="+mn-lt"/>
-                        </a:rPr>
-                        <a:t>FAR: 0.53876</a:t>
-                      </a:r>
-                      <a:endParaRPr lang="en-US" dirty="0">
-                        <a:latin typeface="+mn-lt"/>
-                      </a:endParaRPr>
-                    </a:p>
-                  </a:txBody>
-                  <a:tcPr/>
-                </a:tc>
+                        <a:t>FRR: 0.36032</a:t>
+                      </a:r>
+                    </a:p>
+                    <a:p>
+                      <a:r>
+                        <a:rPr lang="en-US" dirty="0" smtClean="0">
+                          <a:latin typeface="+mn-lt"/>
+                        </a:rPr>
+                        <a:t>FAR: 0.52532</a:t>
+                      </a:r>
+                      <a:endParaRPr lang="en-US" dirty="0">
+                        <a:latin typeface="+mn-lt"/>
+                      </a:endParaRPr>
+                    </a:p>
+                  </a:txBody>
+                  <a:tcPr/>
+                </a:tc>
+                <a:extLst>
+                  <a:ext uri="{0D108BD9-81ED-4DB2-BD59-A6C34878D82A}">
+                    <a16:rowId xmlns:a16="http://schemas.microsoft.com/office/drawing/2014/main" val="10006"/>
+                  </a:ext>
+                </a:extLst>
               </a:tr>
               <a:tr h="370840">
                 <a:tc>
@@ -5737,15 +5906,15 @@
                         <a:rPr lang="en-US" dirty="0" smtClean="0">
                           <a:latin typeface="+mn-lt"/>
                         </a:rPr>
-                        <a:t>FRR: 0.47808</a:t>
-                      </a:r>
-                    </a:p>
-                    <a:p>
-                      <a:r>
-                        <a:rPr lang="en-US" dirty="0" smtClean="0">
-                          <a:latin typeface="+mn-lt"/>
-                        </a:rPr>
-                        <a:t>FAR: 0.48861</a:t>
+                        <a:t>FRR: 0.43400</a:t>
+                      </a:r>
+                    </a:p>
+                    <a:p>
+                      <a:r>
+                        <a:rPr lang="en-US" dirty="0" smtClean="0">
+                          <a:latin typeface="+mn-lt"/>
+                        </a:rPr>
+                        <a:t>FAR: 0.51074</a:t>
                       </a:r>
                       <a:endParaRPr lang="en-US" dirty="0">
                         <a:solidFill>
@@ -5757,6 +5926,11 @@
                   </a:txBody>
                   <a:tcPr/>
                 </a:tc>
+                <a:extLst>
+                  <a:ext uri="{0D108BD9-81ED-4DB2-BD59-A6C34878D82A}">
+                    <a16:rowId xmlns:a16="http://schemas.microsoft.com/office/drawing/2014/main" val="10007"/>
+                  </a:ext>
+                </a:extLst>
               </a:tr>
             </a:tbl>
           </a:graphicData>
@@ -5845,7 +6019,7 @@
           <p:nvPr>
             <p:extLst>
               <p:ext uri="{D42A27DB-BD31-4B8C-83A1-F6EECF244321}">
-                <p14:modId xmlns:p14="http://schemas.microsoft.com/office/powerpoint/2010/main" val="2265635109"/>
+                <p14:modId xmlns:p14="http://schemas.microsoft.com/office/powerpoint/2010/main" val="540581017"/>
               </p:ext>
             </p:extLst>
           </p:nvPr>
@@ -5861,12 +6035,48 @@
                 <a:tableStyleId>{5C22544A-7EE6-4342-B048-85BDC9FD1C3A}</a:tableStyleId>
               </a:tblPr>
               <a:tblGrid>
-                <a:gridCol w="2631776"/>
-                <a:gridCol w="1680247"/>
-                <a:gridCol w="1685365"/>
-                <a:gridCol w="1748118"/>
-                <a:gridCol w="1550894"/>
-                <a:gridCol w="1712258"/>
+                <a:gridCol w="2631776">
+                  <a:extLst>
+                    <a:ext uri="{9D8B030D-6E8A-4147-A177-3AD203B41FA5}">
+                      <a16:colId xmlns:a16="http://schemas.microsoft.com/office/drawing/2014/main" val="20000"/>
+                    </a:ext>
+                  </a:extLst>
+                </a:gridCol>
+                <a:gridCol w="1680247">
+                  <a:extLst>
+                    <a:ext uri="{9D8B030D-6E8A-4147-A177-3AD203B41FA5}">
+                      <a16:colId xmlns:a16="http://schemas.microsoft.com/office/drawing/2014/main" val="20001"/>
+                    </a:ext>
+                  </a:extLst>
+                </a:gridCol>
+                <a:gridCol w="1685365">
+                  <a:extLst>
+                    <a:ext uri="{9D8B030D-6E8A-4147-A177-3AD203B41FA5}">
+                      <a16:colId xmlns:a16="http://schemas.microsoft.com/office/drawing/2014/main" val="20002"/>
+                    </a:ext>
+                  </a:extLst>
+                </a:gridCol>
+                <a:gridCol w="1748118">
+                  <a:extLst>
+                    <a:ext uri="{9D8B030D-6E8A-4147-A177-3AD203B41FA5}">
+                      <a16:colId xmlns:a16="http://schemas.microsoft.com/office/drawing/2014/main" val="20003"/>
+                    </a:ext>
+                  </a:extLst>
+                </a:gridCol>
+                <a:gridCol w="1550894">
+                  <a:extLst>
+                    <a:ext uri="{9D8B030D-6E8A-4147-A177-3AD203B41FA5}">
+                      <a16:colId xmlns:a16="http://schemas.microsoft.com/office/drawing/2014/main" val="20004"/>
+                    </a:ext>
+                  </a:extLst>
+                </a:gridCol>
+                <a:gridCol w="1712258">
+                  <a:extLst>
+                    <a:ext uri="{9D8B030D-6E8A-4147-A177-3AD203B41FA5}">
+                      <a16:colId xmlns:a16="http://schemas.microsoft.com/office/drawing/2014/main" val="20005"/>
+                    </a:ext>
+                  </a:extLst>
+                </a:gridCol>
               </a:tblGrid>
               <a:tr h="370840">
                 <a:tc>
@@ -5986,6 +6196,11 @@
                   </a:txBody>
                   <a:tcPr/>
                 </a:tc>
+                <a:extLst>
+                  <a:ext uri="{0D108BD9-81ED-4DB2-BD59-A6C34878D82A}">
+                    <a16:rowId xmlns:a16="http://schemas.microsoft.com/office/drawing/2014/main" val="10000"/>
+                  </a:ext>
+                </a:extLst>
               </a:tr>
               <a:tr h="370840">
                 <a:tc>
@@ -6119,23 +6334,28 @@
                         <a:rPr lang="en-US" dirty="0" smtClean="0">
                           <a:latin typeface="+mn-lt"/>
                         </a:rPr>
-                        <a:t>FRR: 0.57480</a:t>
-                      </a:r>
-                    </a:p>
-                    <a:p>
-                      <a:r>
-                        <a:rPr lang="en-US" dirty="0" smtClean="0">
-                          <a:latin typeface="+mn-lt"/>
-                        </a:rPr>
-                        <a:t>FAR: 0.48227</a:t>
-                      </a:r>
-                      <a:endParaRPr lang="en-US" dirty="0">
-                        <a:latin typeface="+mn-lt"/>
-                      </a:endParaRPr>
-                    </a:p>
-                  </a:txBody>
-                  <a:tcPr/>
-                </a:tc>
+                        <a:t>FRR: 0.39130</a:t>
+                      </a:r>
+                    </a:p>
+                    <a:p>
+                      <a:r>
+                        <a:rPr lang="en-US" dirty="0" smtClean="0">
+                          <a:latin typeface="+mn-lt"/>
+                        </a:rPr>
+                        <a:t>FAR: 0.60416</a:t>
+                      </a:r>
+                      <a:endParaRPr lang="en-US" dirty="0">
+                        <a:latin typeface="+mn-lt"/>
+                      </a:endParaRPr>
+                    </a:p>
+                  </a:txBody>
+                  <a:tcPr/>
+                </a:tc>
+                <a:extLst>
+                  <a:ext uri="{0D108BD9-81ED-4DB2-BD59-A6C34878D82A}">
+                    <a16:rowId xmlns:a16="http://schemas.microsoft.com/office/drawing/2014/main" val="10001"/>
+                  </a:ext>
+                </a:extLst>
               </a:tr>
               <a:tr h="370840">
                 <a:tc>
@@ -6269,23 +6489,28 @@
                         <a:rPr lang="en-US" dirty="0" smtClean="0">
                           <a:latin typeface="+mn-lt"/>
                         </a:rPr>
-                        <a:t>FRR: 0.61751</a:t>
-                      </a:r>
-                    </a:p>
-                    <a:p>
-                      <a:r>
-                        <a:rPr lang="en-US" dirty="0" smtClean="0">
-                          <a:latin typeface="+mn-lt"/>
-                        </a:rPr>
-                        <a:t>FAR: 0.45927</a:t>
-                      </a:r>
-                      <a:endParaRPr lang="en-US" dirty="0">
-                        <a:latin typeface="+mn-lt"/>
-                      </a:endParaRPr>
-                    </a:p>
-                  </a:txBody>
-                  <a:tcPr/>
-                </a:tc>
+                        <a:t>FRR: 0.47059</a:t>
+                      </a:r>
+                    </a:p>
+                    <a:p>
+                      <a:r>
+                        <a:rPr lang="en-US" dirty="0" smtClean="0">
+                          <a:latin typeface="+mn-lt"/>
+                        </a:rPr>
+                        <a:t>FAR: 0.55904</a:t>
+                      </a:r>
+                      <a:endParaRPr lang="en-US" dirty="0">
+                        <a:latin typeface="+mn-lt"/>
+                      </a:endParaRPr>
+                    </a:p>
+                  </a:txBody>
+                  <a:tcPr/>
+                </a:tc>
+                <a:extLst>
+                  <a:ext uri="{0D108BD9-81ED-4DB2-BD59-A6C34878D82A}">
+                    <a16:rowId xmlns:a16="http://schemas.microsoft.com/office/drawing/2014/main" val="10002"/>
+                  </a:ext>
+                </a:extLst>
               </a:tr>
               <a:tr h="370840">
                 <a:tc>
@@ -6419,23 +6644,28 @@
                         <a:rPr lang="en-US" dirty="0" smtClean="0">
                           <a:latin typeface="+mn-lt"/>
                         </a:rPr>
-                        <a:t>FRR: 0.69576</a:t>
-                      </a:r>
-                    </a:p>
-                    <a:p>
-                      <a:r>
-                        <a:rPr lang="en-US" dirty="0" smtClean="0">
-                          <a:latin typeface="+mn-lt"/>
-                        </a:rPr>
-                        <a:t>FAR: 0.40031</a:t>
-                      </a:r>
-                      <a:endParaRPr lang="en-US" dirty="0">
-                        <a:latin typeface="+mn-lt"/>
-                      </a:endParaRPr>
-                    </a:p>
-                  </a:txBody>
-                  <a:tcPr/>
-                </a:tc>
+                        <a:t>FRR: 0.65690</a:t>
+                      </a:r>
+                    </a:p>
+                    <a:p>
+                      <a:r>
+                        <a:rPr lang="en-US" dirty="0" smtClean="0">
+                          <a:latin typeface="+mn-lt"/>
+                        </a:rPr>
+                        <a:t>FAR: 0.44852</a:t>
+                      </a:r>
+                      <a:endParaRPr lang="en-US" dirty="0" smtClean="0">
+                        <a:latin typeface="+mn-lt"/>
+                      </a:endParaRPr>
+                    </a:p>
+                  </a:txBody>
+                  <a:tcPr/>
+                </a:tc>
+                <a:extLst>
+                  <a:ext uri="{0D108BD9-81ED-4DB2-BD59-A6C34878D82A}">
+                    <a16:rowId xmlns:a16="http://schemas.microsoft.com/office/drawing/2014/main" val="10003"/>
+                  </a:ext>
+                </a:extLst>
               </a:tr>
               <a:tr h="370840">
                 <a:tc>
@@ -6569,23 +6799,28 @@
                         <a:rPr lang="en-US" dirty="0" smtClean="0">
                           <a:latin typeface="+mn-lt"/>
                         </a:rPr>
-                        <a:t>FRR: 0.72439</a:t>
-                      </a:r>
-                    </a:p>
-                    <a:p>
-                      <a:r>
-                        <a:rPr lang="en-US" dirty="0" smtClean="0">
-                          <a:latin typeface="+mn-lt"/>
-                        </a:rPr>
-                        <a:t>FAR: 0.38815</a:t>
-                      </a:r>
-                      <a:endParaRPr lang="en-US" dirty="0">
-                        <a:latin typeface="+mn-lt"/>
-                      </a:endParaRPr>
-                    </a:p>
-                  </a:txBody>
-                  <a:tcPr/>
-                </a:tc>
+                        <a:t>FRR: 0.52119</a:t>
+                      </a:r>
+                    </a:p>
+                    <a:p>
+                      <a:r>
+                        <a:rPr lang="en-US" dirty="0" smtClean="0">
+                          <a:latin typeface="+mn-lt"/>
+                        </a:rPr>
+                        <a:t>FAR: 0.53760</a:t>
+                      </a:r>
+                      <a:endParaRPr lang="en-US" dirty="0">
+                        <a:latin typeface="+mn-lt"/>
+                      </a:endParaRPr>
+                    </a:p>
+                  </a:txBody>
+                  <a:tcPr/>
+                </a:tc>
+                <a:extLst>
+                  <a:ext uri="{0D108BD9-81ED-4DB2-BD59-A6C34878D82A}">
+                    <a16:rowId xmlns:a16="http://schemas.microsoft.com/office/drawing/2014/main" val="10004"/>
+                  </a:ext>
+                </a:extLst>
               </a:tr>
               <a:tr h="370840">
                 <a:tc>
@@ -6719,23 +6954,28 @@
                         <a:rPr lang="en-US" dirty="0" smtClean="0">
                           <a:latin typeface="+mn-lt"/>
                         </a:rPr>
-                        <a:t>FRR: 0.60110</a:t>
-                      </a:r>
-                    </a:p>
-                    <a:p>
-                      <a:r>
-                        <a:rPr lang="en-US" dirty="0" smtClean="0">
-                          <a:latin typeface="+mn-lt"/>
-                        </a:rPr>
-                        <a:t>FAR: 0.500573</a:t>
-                      </a:r>
-                      <a:endParaRPr lang="en-US" dirty="0">
-                        <a:latin typeface="+mn-lt"/>
-                      </a:endParaRPr>
-                    </a:p>
-                  </a:txBody>
-                  <a:tcPr/>
-                </a:tc>
+                        <a:t>FRR: 0.48879</a:t>
+                      </a:r>
+                    </a:p>
+                    <a:p>
+                      <a:r>
+                        <a:rPr lang="en-US" dirty="0" smtClean="0">
+                          <a:latin typeface="+mn-lt"/>
+                        </a:rPr>
+                        <a:t>FAR: 0.54989</a:t>
+                      </a:r>
+                      <a:endParaRPr lang="en-US" dirty="0">
+                        <a:latin typeface="+mn-lt"/>
+                      </a:endParaRPr>
+                    </a:p>
+                  </a:txBody>
+                  <a:tcPr/>
+                </a:tc>
+                <a:extLst>
+                  <a:ext uri="{0D108BD9-81ED-4DB2-BD59-A6C34878D82A}">
+                    <a16:rowId xmlns:a16="http://schemas.microsoft.com/office/drawing/2014/main" val="10005"/>
+                  </a:ext>
+                </a:extLst>
               </a:tr>
               <a:tr h="370840">
                 <a:tc>
@@ -6883,23 +7123,28 @@
                         <a:rPr lang="en-US" dirty="0" smtClean="0">
                           <a:latin typeface="+mn-lt"/>
                         </a:rPr>
-                        <a:t>FRR: 0.48008</a:t>
-                      </a:r>
-                    </a:p>
-                    <a:p>
-                      <a:r>
-                        <a:rPr lang="en-US" dirty="0" smtClean="0">
-                          <a:latin typeface="+mn-lt"/>
-                        </a:rPr>
-                        <a:t>FAR: 0.58720</a:t>
-                      </a:r>
-                      <a:endParaRPr lang="en-US" dirty="0">
-                        <a:latin typeface="+mn-lt"/>
-                      </a:endParaRPr>
-                    </a:p>
-                  </a:txBody>
-                  <a:tcPr/>
-                </a:tc>
+                        <a:t>FRR: 0.33198</a:t>
+                      </a:r>
+                    </a:p>
+                    <a:p>
+                      <a:r>
+                        <a:rPr lang="en-US" dirty="0" smtClean="0">
+                          <a:latin typeface="+mn-lt"/>
+                        </a:rPr>
+                        <a:t>FAR: 0.57511</a:t>
+                      </a:r>
+                      <a:endParaRPr lang="en-US" dirty="0">
+                        <a:latin typeface="+mn-lt"/>
+                      </a:endParaRPr>
+                    </a:p>
+                  </a:txBody>
+                  <a:tcPr/>
+                </a:tc>
+                <a:extLst>
+                  <a:ext uri="{0D108BD9-81ED-4DB2-BD59-A6C34878D82A}">
+                    <a16:rowId xmlns:a16="http://schemas.microsoft.com/office/drawing/2014/main" val="10006"/>
+                  </a:ext>
+                </a:extLst>
               </a:tr>
               <a:tr h="370840">
                 <a:tc>
@@ -7039,23 +7284,28 @@
                         <a:rPr lang="en-US" dirty="0" smtClean="0">
                           <a:latin typeface="+mn-lt"/>
                         </a:rPr>
-                        <a:t>FRR: 0.61561</a:t>
-                      </a:r>
-                    </a:p>
-                    <a:p>
-                      <a:r>
-                        <a:rPr lang="en-US" dirty="0" smtClean="0">
-                          <a:latin typeface="+mn-lt"/>
-                        </a:rPr>
-                        <a:t>FAR: 0.46963</a:t>
-                      </a:r>
-                      <a:endParaRPr lang="en-US" dirty="0">
-                        <a:latin typeface="+mn-lt"/>
-                      </a:endParaRPr>
-                    </a:p>
-                  </a:txBody>
-                  <a:tcPr/>
-                </a:tc>
+                        <a:t>FRR: 0.47679</a:t>
+                      </a:r>
+                    </a:p>
+                    <a:p>
+                      <a:r>
+                        <a:rPr lang="en-US" dirty="0" smtClean="0">
+                          <a:latin typeface="+mn-lt"/>
+                        </a:rPr>
+                        <a:t>FAR: 0.54572</a:t>
+                      </a:r>
+                      <a:endParaRPr lang="en-US" dirty="0">
+                        <a:latin typeface="+mn-lt"/>
+                      </a:endParaRPr>
+                    </a:p>
+                  </a:txBody>
+                  <a:tcPr/>
+                </a:tc>
+                <a:extLst>
+                  <a:ext uri="{0D108BD9-81ED-4DB2-BD59-A6C34878D82A}">
+                    <a16:rowId xmlns:a16="http://schemas.microsoft.com/office/drawing/2014/main" val="10007"/>
+                  </a:ext>
+                </a:extLst>
               </a:tr>
             </a:tbl>
           </a:graphicData>
@@ -7144,7 +7394,7 @@
           <p:nvPr>
             <p:extLst>
               <p:ext uri="{D42A27DB-BD31-4B8C-83A1-F6EECF244321}">
-                <p14:modId xmlns:p14="http://schemas.microsoft.com/office/powerpoint/2010/main" val="549671046"/>
+                <p14:modId xmlns:p14="http://schemas.microsoft.com/office/powerpoint/2010/main" val="3977228536"/>
               </p:ext>
             </p:extLst>
           </p:nvPr>
@@ -7160,12 +7410,48 @@
                 <a:tableStyleId>{5C22544A-7EE6-4342-B048-85BDC9FD1C3A}</a:tableStyleId>
               </a:tblPr>
               <a:tblGrid>
-                <a:gridCol w="2631776"/>
-                <a:gridCol w="1680247"/>
-                <a:gridCol w="1685365"/>
-                <a:gridCol w="1748118"/>
-                <a:gridCol w="1550894"/>
-                <a:gridCol w="1712258"/>
+                <a:gridCol w="2631776">
+                  <a:extLst>
+                    <a:ext uri="{9D8B030D-6E8A-4147-A177-3AD203B41FA5}">
+                      <a16:colId xmlns:a16="http://schemas.microsoft.com/office/drawing/2014/main" val="20000"/>
+                    </a:ext>
+                  </a:extLst>
+                </a:gridCol>
+                <a:gridCol w="1680247">
+                  <a:extLst>
+                    <a:ext uri="{9D8B030D-6E8A-4147-A177-3AD203B41FA5}">
+                      <a16:colId xmlns:a16="http://schemas.microsoft.com/office/drawing/2014/main" val="20001"/>
+                    </a:ext>
+                  </a:extLst>
+                </a:gridCol>
+                <a:gridCol w="1685365">
+                  <a:extLst>
+                    <a:ext uri="{9D8B030D-6E8A-4147-A177-3AD203B41FA5}">
+                      <a16:colId xmlns:a16="http://schemas.microsoft.com/office/drawing/2014/main" val="20002"/>
+                    </a:ext>
+                  </a:extLst>
+                </a:gridCol>
+                <a:gridCol w="1748118">
+                  <a:extLst>
+                    <a:ext uri="{9D8B030D-6E8A-4147-A177-3AD203B41FA5}">
+                      <a16:colId xmlns:a16="http://schemas.microsoft.com/office/drawing/2014/main" val="20003"/>
+                    </a:ext>
+                  </a:extLst>
+                </a:gridCol>
+                <a:gridCol w="1550894">
+                  <a:extLst>
+                    <a:ext uri="{9D8B030D-6E8A-4147-A177-3AD203B41FA5}">
+                      <a16:colId xmlns:a16="http://schemas.microsoft.com/office/drawing/2014/main" val="20004"/>
+                    </a:ext>
+                  </a:extLst>
+                </a:gridCol>
+                <a:gridCol w="1712258">
+                  <a:extLst>
+                    <a:ext uri="{9D8B030D-6E8A-4147-A177-3AD203B41FA5}">
+                      <a16:colId xmlns:a16="http://schemas.microsoft.com/office/drawing/2014/main" val="20005"/>
+                    </a:ext>
+                  </a:extLst>
+                </a:gridCol>
               </a:tblGrid>
               <a:tr h="370840">
                 <a:tc>
@@ -7285,6 +7571,11 @@
                   </a:txBody>
                   <a:tcPr/>
                 </a:tc>
+                <a:extLst>
+                  <a:ext uri="{0D108BD9-81ED-4DB2-BD59-A6C34878D82A}">
+                    <a16:rowId xmlns:a16="http://schemas.microsoft.com/office/drawing/2014/main" val="10000"/>
+                  </a:ext>
+                </a:extLst>
               </a:tr>
               <a:tr h="370840">
                 <a:tc>
@@ -7418,23 +7709,28 @@
                         <a:rPr lang="en-US" dirty="0" smtClean="0">
                           <a:latin typeface="+mn-lt"/>
                         </a:rPr>
-                        <a:t>FRR: 0.41469</a:t>
-                      </a:r>
-                    </a:p>
-                    <a:p>
-                      <a:r>
-                        <a:rPr lang="en-US" dirty="0" smtClean="0">
-                          <a:latin typeface="+mn-lt"/>
-                        </a:rPr>
-                        <a:t>FAR: 0.58819</a:t>
-                      </a:r>
-                      <a:endParaRPr lang="en-US" dirty="0">
-                        <a:latin typeface="+mn-lt"/>
-                      </a:endParaRPr>
-                    </a:p>
-                  </a:txBody>
-                  <a:tcPr/>
-                </a:tc>
+                        <a:t>FRR: 0.42174</a:t>
+                      </a:r>
+                    </a:p>
+                    <a:p>
+                      <a:r>
+                        <a:rPr lang="en-US" dirty="0" smtClean="0">
+                          <a:latin typeface="+mn-lt"/>
+                        </a:rPr>
+                        <a:t>FAR: 0.60264</a:t>
+                      </a:r>
+                      <a:endParaRPr lang="en-US" dirty="0">
+                        <a:latin typeface="+mn-lt"/>
+                      </a:endParaRPr>
+                    </a:p>
+                  </a:txBody>
+                  <a:tcPr/>
+                </a:tc>
+                <a:extLst>
+                  <a:ext uri="{0D108BD9-81ED-4DB2-BD59-A6C34878D82A}">
+                    <a16:rowId xmlns:a16="http://schemas.microsoft.com/office/drawing/2014/main" val="10001"/>
+                  </a:ext>
+                </a:extLst>
               </a:tr>
               <a:tr h="370840">
                 <a:tc>
@@ -7568,23 +7864,28 @@
                         <a:rPr lang="en-US" dirty="0" smtClean="0">
                           <a:latin typeface="+mn-lt"/>
                         </a:rPr>
-                        <a:t>FRR: 0.58986</a:t>
-                      </a:r>
-                    </a:p>
-                    <a:p>
-                      <a:r>
-                        <a:rPr lang="en-US" dirty="0" smtClean="0">
-                          <a:latin typeface="+mn-lt"/>
-                        </a:rPr>
-                        <a:t>FAR: 0.50420</a:t>
-                      </a:r>
-                      <a:endParaRPr lang="en-US" dirty="0">
-                        <a:latin typeface="+mn-lt"/>
-                      </a:endParaRPr>
-                    </a:p>
-                  </a:txBody>
-                  <a:tcPr/>
-                </a:tc>
+                        <a:t>FRR: 0.48739</a:t>
+                      </a:r>
+                    </a:p>
+                    <a:p>
+                      <a:r>
+                        <a:rPr lang="en-US" dirty="0" smtClean="0">
+                          <a:latin typeface="+mn-lt"/>
+                        </a:rPr>
+                        <a:t>FAR: 0.57693</a:t>
+                      </a:r>
+                      <a:endParaRPr lang="en-US" dirty="0">
+                        <a:latin typeface="+mn-lt"/>
+                      </a:endParaRPr>
+                    </a:p>
+                  </a:txBody>
+                  <a:tcPr/>
+                </a:tc>
+                <a:extLst>
+                  <a:ext uri="{0D108BD9-81ED-4DB2-BD59-A6C34878D82A}">
+                    <a16:rowId xmlns:a16="http://schemas.microsoft.com/office/drawing/2014/main" val="10002"/>
+                  </a:ext>
+                </a:extLst>
               </a:tr>
               <a:tr h="593053">
                 <a:tc>
@@ -7718,23 +8019,28 @@
                         <a:rPr lang="en-US" dirty="0" smtClean="0">
                           <a:latin typeface="+mn-lt"/>
                         </a:rPr>
-                        <a:t>FRR: 0.73067</a:t>
-                      </a:r>
-                    </a:p>
-                    <a:p>
-                      <a:r>
-                        <a:rPr lang="en-US" dirty="0" smtClean="0">
-                          <a:latin typeface="+mn-lt"/>
-                        </a:rPr>
-                        <a:t>FAR: 0.35164</a:t>
-                      </a:r>
-                      <a:endParaRPr lang="en-US" dirty="0">
-                        <a:latin typeface="+mn-lt"/>
-                      </a:endParaRPr>
-                    </a:p>
-                  </a:txBody>
-                  <a:tcPr/>
-                </a:tc>
+                        <a:t>FRR: 0.51464</a:t>
+                      </a:r>
+                    </a:p>
+                    <a:p>
+                      <a:r>
+                        <a:rPr lang="en-US" dirty="0" smtClean="0">
+                          <a:latin typeface="+mn-lt"/>
+                        </a:rPr>
+                        <a:t>FAR: 0.54330</a:t>
+                      </a:r>
+                      <a:endParaRPr lang="en-US" dirty="0" smtClean="0">
+                        <a:latin typeface="+mn-lt"/>
+                      </a:endParaRPr>
+                    </a:p>
+                  </a:txBody>
+                  <a:tcPr/>
+                </a:tc>
+                <a:extLst>
+                  <a:ext uri="{0D108BD9-81ED-4DB2-BD59-A6C34878D82A}">
+                    <a16:rowId xmlns:a16="http://schemas.microsoft.com/office/drawing/2014/main" val="10003"/>
+                  </a:ext>
+                </a:extLst>
               </a:tr>
               <a:tr h="370840">
                 <a:tc>
@@ -7868,23 +8174,28 @@
                         <a:rPr lang="en-US" dirty="0" smtClean="0">
                           <a:latin typeface="+mn-lt"/>
                         </a:rPr>
-                        <a:t>FRR: 0.83414</a:t>
-                      </a:r>
-                    </a:p>
-                    <a:p>
-                      <a:r>
-                        <a:rPr lang="en-US" dirty="0" smtClean="0">
-                          <a:latin typeface="+mn-lt"/>
-                        </a:rPr>
-                        <a:t>FAR: 0.40928</a:t>
-                      </a:r>
-                      <a:endParaRPr lang="en-US" dirty="0">
-                        <a:latin typeface="+mn-lt"/>
-                      </a:endParaRPr>
-                    </a:p>
-                  </a:txBody>
-                  <a:tcPr/>
-                </a:tc>
+                        <a:t>FRR: 0.55085</a:t>
+                      </a:r>
+                    </a:p>
+                    <a:p>
+                      <a:r>
+                        <a:rPr lang="en-US" dirty="0" smtClean="0">
+                          <a:latin typeface="+mn-lt"/>
+                        </a:rPr>
+                        <a:t>FAR: 0.51106</a:t>
+                      </a:r>
+                      <a:endParaRPr lang="en-US" dirty="0">
+                        <a:latin typeface="+mn-lt"/>
+                      </a:endParaRPr>
+                    </a:p>
+                  </a:txBody>
+                  <a:tcPr/>
+                </a:tc>
+                <a:extLst>
+                  <a:ext uri="{0D108BD9-81ED-4DB2-BD59-A6C34878D82A}">
+                    <a16:rowId xmlns:a16="http://schemas.microsoft.com/office/drawing/2014/main" val="10004"/>
+                  </a:ext>
+                </a:extLst>
               </a:tr>
               <a:tr h="370840">
                 <a:tc>
@@ -8018,23 +8329,28 @@
                         <a:rPr lang="en-US" dirty="0" smtClean="0">
                           <a:latin typeface="+mn-lt"/>
                         </a:rPr>
-                        <a:t>FRR: 0.44875</a:t>
-                      </a:r>
-                    </a:p>
-                    <a:p>
-                      <a:r>
-                        <a:rPr lang="en-US" dirty="0" smtClean="0">
-                          <a:latin typeface="+mn-lt"/>
-                        </a:rPr>
-                        <a:t>FAR: 0.54851</a:t>
-                      </a:r>
-                      <a:endParaRPr lang="en-US" dirty="0">
-                        <a:latin typeface="+mn-lt"/>
-                      </a:endParaRPr>
-                    </a:p>
-                  </a:txBody>
-                  <a:tcPr/>
-                </a:tc>
+                        <a:t>FRR: 0.49327</a:t>
+                      </a:r>
+                    </a:p>
+                    <a:p>
+                      <a:r>
+                        <a:rPr lang="en-US" dirty="0" smtClean="0">
+                          <a:latin typeface="+mn-lt"/>
+                        </a:rPr>
+                        <a:t>FAR: 0.54215</a:t>
+                      </a:r>
+                      <a:endParaRPr lang="en-US" dirty="0">
+                        <a:latin typeface="+mn-lt"/>
+                      </a:endParaRPr>
+                    </a:p>
+                  </a:txBody>
+                  <a:tcPr/>
+                </a:tc>
+                <a:extLst>
+                  <a:ext uri="{0D108BD9-81ED-4DB2-BD59-A6C34878D82A}">
+                    <a16:rowId xmlns:a16="http://schemas.microsoft.com/office/drawing/2014/main" val="10005"/>
+                  </a:ext>
+                </a:extLst>
               </a:tr>
               <a:tr h="370840">
                 <a:tc>
@@ -8182,23 +8498,28 @@
                         <a:rPr lang="en-US" dirty="0" smtClean="0">
                           <a:latin typeface="+mn-lt"/>
                         </a:rPr>
-                        <a:t>FRR: 0.64823</a:t>
-                      </a:r>
-                    </a:p>
-                    <a:p>
-                      <a:r>
-                        <a:rPr lang="en-US" dirty="0" smtClean="0">
-                          <a:latin typeface="+mn-lt"/>
-                        </a:rPr>
-                        <a:t>FAR: 0.41614</a:t>
-                      </a:r>
-                      <a:endParaRPr lang="en-US" dirty="0">
-                        <a:latin typeface="+mn-lt"/>
-                      </a:endParaRPr>
-                    </a:p>
-                  </a:txBody>
-                  <a:tcPr/>
-                </a:tc>
+                        <a:t>FRR: 0.53846</a:t>
+                      </a:r>
+                    </a:p>
+                    <a:p>
+                      <a:r>
+                        <a:rPr lang="en-US" dirty="0" smtClean="0">
+                          <a:latin typeface="+mn-lt"/>
+                        </a:rPr>
+                        <a:t>FAR: 0.51931</a:t>
+                      </a:r>
+                      <a:endParaRPr lang="en-US" dirty="0">
+                        <a:latin typeface="+mn-lt"/>
+                      </a:endParaRPr>
+                    </a:p>
+                  </a:txBody>
+                  <a:tcPr/>
+                </a:tc>
+                <a:extLst>
+                  <a:ext uri="{0D108BD9-81ED-4DB2-BD59-A6C34878D82A}">
+                    <a16:rowId xmlns:a16="http://schemas.microsoft.com/office/drawing/2014/main" val="10006"/>
+                  </a:ext>
+                </a:extLst>
               </a:tr>
               <a:tr h="370840">
                 <a:tc>
@@ -8338,23 +8659,28 @@
                         <a:rPr lang="en-US" dirty="0" smtClean="0">
                           <a:latin typeface="+mn-lt"/>
                         </a:rPr>
-                        <a:t>FRR: 0.61106</a:t>
-                      </a:r>
-                    </a:p>
-                    <a:p>
-                      <a:r>
-                        <a:rPr lang="en-US" dirty="0" smtClean="0">
-                          <a:latin typeface="+mn-lt"/>
-                        </a:rPr>
-                        <a:t>FAR: 0.46966</a:t>
-                      </a:r>
-                      <a:endParaRPr lang="en-US" dirty="0">
-                        <a:latin typeface="+mn-lt"/>
-                      </a:endParaRPr>
-                    </a:p>
-                  </a:txBody>
-                  <a:tcPr/>
-                </a:tc>
+                        <a:t>FRR: 0.50106</a:t>
+                      </a:r>
+                    </a:p>
+                    <a:p>
+                      <a:r>
+                        <a:rPr lang="en-US" dirty="0" smtClean="0">
+                          <a:latin typeface="+mn-lt"/>
+                        </a:rPr>
+                        <a:t>FAR: 0.54923</a:t>
+                      </a:r>
+                      <a:endParaRPr lang="en-US" dirty="0">
+                        <a:latin typeface="+mn-lt"/>
+                      </a:endParaRPr>
+                    </a:p>
+                  </a:txBody>
+                  <a:tcPr/>
+                </a:tc>
+                <a:extLst>
+                  <a:ext uri="{0D108BD9-81ED-4DB2-BD59-A6C34878D82A}">
+                    <a16:rowId xmlns:a16="http://schemas.microsoft.com/office/drawing/2014/main" val="10007"/>
+                  </a:ext>
+                </a:extLst>
               </a:tr>
             </a:tbl>
           </a:graphicData>
@@ -8443,7 +8769,7 @@
           <p:nvPr>
             <p:extLst>
               <p:ext uri="{D42A27DB-BD31-4B8C-83A1-F6EECF244321}">
-                <p14:modId xmlns:p14="http://schemas.microsoft.com/office/powerpoint/2010/main" val="1152235080"/>
+                <p14:modId xmlns:p14="http://schemas.microsoft.com/office/powerpoint/2010/main" val="3539006386"/>
               </p:ext>
             </p:extLst>
           </p:nvPr>
@@ -8459,12 +8785,48 @@
                 <a:tableStyleId>{5C22544A-7EE6-4342-B048-85BDC9FD1C3A}</a:tableStyleId>
               </a:tblPr>
               <a:tblGrid>
-                <a:gridCol w="2631776"/>
-                <a:gridCol w="1680247"/>
-                <a:gridCol w="1685365"/>
-                <a:gridCol w="1748118"/>
-                <a:gridCol w="1550894"/>
-                <a:gridCol w="1712258"/>
+                <a:gridCol w="2631776">
+                  <a:extLst>
+                    <a:ext uri="{9D8B030D-6E8A-4147-A177-3AD203B41FA5}">
+                      <a16:colId xmlns:a16="http://schemas.microsoft.com/office/drawing/2014/main" val="20000"/>
+                    </a:ext>
+                  </a:extLst>
+                </a:gridCol>
+                <a:gridCol w="1680247">
+                  <a:extLst>
+                    <a:ext uri="{9D8B030D-6E8A-4147-A177-3AD203B41FA5}">
+                      <a16:colId xmlns:a16="http://schemas.microsoft.com/office/drawing/2014/main" val="20001"/>
+                    </a:ext>
+                  </a:extLst>
+                </a:gridCol>
+                <a:gridCol w="1685365">
+                  <a:extLst>
+                    <a:ext uri="{9D8B030D-6E8A-4147-A177-3AD203B41FA5}">
+                      <a16:colId xmlns:a16="http://schemas.microsoft.com/office/drawing/2014/main" val="20002"/>
+                    </a:ext>
+                  </a:extLst>
+                </a:gridCol>
+                <a:gridCol w="1748118">
+                  <a:extLst>
+                    <a:ext uri="{9D8B030D-6E8A-4147-A177-3AD203B41FA5}">
+                      <a16:colId xmlns:a16="http://schemas.microsoft.com/office/drawing/2014/main" val="20003"/>
+                    </a:ext>
+                  </a:extLst>
+                </a:gridCol>
+                <a:gridCol w="1550894">
+                  <a:extLst>
+                    <a:ext uri="{9D8B030D-6E8A-4147-A177-3AD203B41FA5}">
+                      <a16:colId xmlns:a16="http://schemas.microsoft.com/office/drawing/2014/main" val="20004"/>
+                    </a:ext>
+                  </a:extLst>
+                </a:gridCol>
+                <a:gridCol w="1712258">
+                  <a:extLst>
+                    <a:ext uri="{9D8B030D-6E8A-4147-A177-3AD203B41FA5}">
+                      <a16:colId xmlns:a16="http://schemas.microsoft.com/office/drawing/2014/main" val="20005"/>
+                    </a:ext>
+                  </a:extLst>
+                </a:gridCol>
               </a:tblGrid>
               <a:tr h="370840">
                 <a:tc>
@@ -8584,6 +8946,11 @@
                   </a:txBody>
                   <a:tcPr/>
                 </a:tc>
+                <a:extLst>
+                  <a:ext uri="{0D108BD9-81ED-4DB2-BD59-A6C34878D82A}">
+                    <a16:rowId xmlns:a16="http://schemas.microsoft.com/office/drawing/2014/main" val="10000"/>
+                  </a:ext>
+                </a:extLst>
               </a:tr>
               <a:tr h="370840">
                 <a:tc>
@@ -8717,23 +9084,28 @@
                         <a:rPr lang="en-US" dirty="0" smtClean="0">
                           <a:latin typeface="+mn-lt"/>
                         </a:rPr>
-                        <a:t>FRR: 0.49343</a:t>
-                      </a:r>
-                    </a:p>
-                    <a:p>
-                      <a:r>
-                        <a:rPr lang="en-US" dirty="0" smtClean="0">
-                          <a:latin typeface="+mn-lt"/>
-                        </a:rPr>
-                        <a:t>FAR: 0.55227</a:t>
-                      </a:r>
-                      <a:endParaRPr lang="en-US" dirty="0">
-                        <a:latin typeface="+mn-lt"/>
-                      </a:endParaRPr>
-                    </a:p>
-                  </a:txBody>
-                  <a:tcPr/>
-                </a:tc>
+                        <a:t>FRR: 0.46087</a:t>
+                      </a:r>
+                    </a:p>
+                    <a:p>
+                      <a:r>
+                        <a:rPr lang="en-US" dirty="0" smtClean="0">
+                          <a:latin typeface="+mn-lt"/>
+                        </a:rPr>
+                        <a:t>FAR: 0.55001</a:t>
+                      </a:r>
+                      <a:endParaRPr lang="en-US" dirty="0" smtClean="0">
+                        <a:latin typeface="+mn-lt"/>
+                      </a:endParaRPr>
+                    </a:p>
+                  </a:txBody>
+                  <a:tcPr/>
+                </a:tc>
+                <a:extLst>
+                  <a:ext uri="{0D108BD9-81ED-4DB2-BD59-A6C34878D82A}">
+                    <a16:rowId xmlns:a16="http://schemas.microsoft.com/office/drawing/2014/main" val="10001"/>
+                  </a:ext>
+                </a:extLst>
               </a:tr>
               <a:tr h="370840">
                 <a:tc>
@@ -8867,23 +9239,28 @@
                         <a:rPr lang="en-US" dirty="0" smtClean="0">
                           <a:latin typeface="+mn-lt"/>
                         </a:rPr>
-                        <a:t>FRR: 0.49078</a:t>
-                      </a:r>
-                    </a:p>
-                    <a:p>
-                      <a:r>
-                        <a:rPr lang="en-US" dirty="0" smtClean="0">
-                          <a:latin typeface="+mn-lt"/>
-                        </a:rPr>
-                        <a:t>FAR: 0.53133</a:t>
-                      </a:r>
-                      <a:endParaRPr lang="en-US" dirty="0">
-                        <a:latin typeface="+mn-lt"/>
-                      </a:endParaRPr>
-                    </a:p>
-                  </a:txBody>
-                  <a:tcPr/>
-                </a:tc>
+                        <a:t>FRR: 0.50000</a:t>
+                      </a:r>
+                    </a:p>
+                    <a:p>
+                      <a:r>
+                        <a:rPr lang="en-US" dirty="0" smtClean="0">
+                          <a:latin typeface="+mn-lt"/>
+                        </a:rPr>
+                        <a:t>FAR: 0.59380</a:t>
+                      </a:r>
+                      <a:endParaRPr lang="en-US" dirty="0">
+                        <a:latin typeface="+mn-lt"/>
+                      </a:endParaRPr>
+                    </a:p>
+                  </a:txBody>
+                  <a:tcPr/>
+                </a:tc>
+                <a:extLst>
+                  <a:ext uri="{0D108BD9-81ED-4DB2-BD59-A6C34878D82A}">
+                    <a16:rowId xmlns:a16="http://schemas.microsoft.com/office/drawing/2014/main" val="10002"/>
+                  </a:ext>
+                </a:extLst>
               </a:tr>
               <a:tr h="370840">
                 <a:tc>
@@ -9017,23 +9394,28 @@
                         <a:rPr lang="en-US" dirty="0" smtClean="0">
                           <a:latin typeface="+mn-lt"/>
                         </a:rPr>
-                        <a:t>FRR: 0.67331</a:t>
-                      </a:r>
-                    </a:p>
-                    <a:p>
-                      <a:r>
-                        <a:rPr lang="en-US" dirty="0" smtClean="0">
-                          <a:latin typeface="+mn-lt"/>
-                        </a:rPr>
-                        <a:t>FAR: 0.44794</a:t>
-                      </a:r>
-                      <a:endParaRPr lang="en-US" dirty="0">
-                        <a:latin typeface="+mn-lt"/>
-                      </a:endParaRPr>
-                    </a:p>
-                  </a:txBody>
-                  <a:tcPr/>
-                </a:tc>
+                        <a:t>FRR: 0.41841</a:t>
+                      </a:r>
+                    </a:p>
+                    <a:p>
+                      <a:r>
+                        <a:rPr lang="en-US" dirty="0" smtClean="0">
+                          <a:latin typeface="+mn-lt"/>
+                        </a:rPr>
+                        <a:t>FAR: 0.56734</a:t>
+                      </a:r>
+                      <a:endParaRPr lang="en-US" dirty="0">
+                        <a:latin typeface="+mn-lt"/>
+                      </a:endParaRPr>
+                    </a:p>
+                  </a:txBody>
+                  <a:tcPr/>
+                </a:tc>
+                <a:extLst>
+                  <a:ext uri="{0D108BD9-81ED-4DB2-BD59-A6C34878D82A}">
+                    <a16:rowId xmlns:a16="http://schemas.microsoft.com/office/drawing/2014/main" val="10003"/>
+                  </a:ext>
+                </a:extLst>
               </a:tr>
               <a:tr h="370840">
                 <a:tc>
@@ -9167,23 +9549,28 @@
                         <a:rPr lang="en-US" dirty="0" smtClean="0">
                           <a:latin typeface="+mn-lt"/>
                         </a:rPr>
-                        <a:t>FRR: 0.63658</a:t>
-                      </a:r>
-                    </a:p>
-                    <a:p>
-                      <a:r>
-                        <a:rPr lang="en-US" dirty="0" smtClean="0">
-                          <a:latin typeface="+mn-lt"/>
-                        </a:rPr>
-                        <a:t>FAR: 0.39010</a:t>
-                      </a:r>
-                      <a:endParaRPr lang="en-US" dirty="0">
-                        <a:latin typeface="+mn-lt"/>
-                      </a:endParaRPr>
-                    </a:p>
-                  </a:txBody>
-                  <a:tcPr/>
-                </a:tc>
+                        <a:t>FRR: 0.43644</a:t>
+                      </a:r>
+                    </a:p>
+                    <a:p>
+                      <a:r>
+                        <a:rPr lang="en-US" dirty="0" smtClean="0">
+                          <a:latin typeface="+mn-lt"/>
+                        </a:rPr>
+                        <a:t>FAR: 0.62436</a:t>
+                      </a:r>
+                      <a:endParaRPr lang="en-US" dirty="0">
+                        <a:latin typeface="+mn-lt"/>
+                      </a:endParaRPr>
+                    </a:p>
+                  </a:txBody>
+                  <a:tcPr/>
+                </a:tc>
+                <a:extLst>
+                  <a:ext uri="{0D108BD9-81ED-4DB2-BD59-A6C34878D82A}">
+                    <a16:rowId xmlns:a16="http://schemas.microsoft.com/office/drawing/2014/main" val="10004"/>
+                  </a:ext>
+                </a:extLst>
               </a:tr>
               <a:tr h="370840">
                 <a:tc>
@@ -9317,23 +9704,28 @@
                         <a:rPr lang="en-US" dirty="0" smtClean="0">
                           <a:latin typeface="+mn-lt"/>
                         </a:rPr>
-                        <a:t>FRR: 0.46260</a:t>
-                      </a:r>
-                    </a:p>
-                    <a:p>
-                      <a:r>
-                        <a:rPr lang="en-US" dirty="0" smtClean="0">
-                          <a:latin typeface="+mn-lt"/>
-                        </a:rPr>
-                        <a:t>FAR: 0.54959</a:t>
-                      </a:r>
-                      <a:endParaRPr lang="en-US" dirty="0">
-                        <a:latin typeface="+mn-lt"/>
-                      </a:endParaRPr>
-                    </a:p>
-                  </a:txBody>
-                  <a:tcPr/>
-                </a:tc>
+                        <a:t>FRR: 0.34978</a:t>
+                      </a:r>
+                    </a:p>
+                    <a:p>
+                      <a:r>
+                        <a:rPr lang="en-US" dirty="0" smtClean="0">
+                          <a:latin typeface="+mn-lt"/>
+                        </a:rPr>
+                        <a:t>FAR: 0.59465</a:t>
+                      </a:r>
+                      <a:endParaRPr lang="en-US" dirty="0">
+                        <a:latin typeface="+mn-lt"/>
+                      </a:endParaRPr>
+                    </a:p>
+                  </a:txBody>
+                  <a:tcPr/>
+                </a:tc>
+                <a:extLst>
+                  <a:ext uri="{0D108BD9-81ED-4DB2-BD59-A6C34878D82A}">
+                    <a16:rowId xmlns:a16="http://schemas.microsoft.com/office/drawing/2014/main" val="10005"/>
+                  </a:ext>
+                </a:extLst>
               </a:tr>
               <a:tr h="370840">
                 <a:tc>
@@ -9481,23 +9873,28 @@
                         <a:rPr lang="en-US" dirty="0" smtClean="0">
                           <a:latin typeface="+mn-lt"/>
                         </a:rPr>
-                        <a:t>FRR: 0.46238</a:t>
-                      </a:r>
-                    </a:p>
-                    <a:p>
-                      <a:r>
-                        <a:rPr lang="en-US" dirty="0" smtClean="0">
-                          <a:latin typeface="+mn-lt"/>
-                        </a:rPr>
-                        <a:t>FAR: 0.58135</a:t>
-                      </a:r>
-                      <a:endParaRPr lang="en-US" dirty="0">
-                        <a:latin typeface="+mn-lt"/>
-                      </a:endParaRPr>
-                    </a:p>
-                  </a:txBody>
-                  <a:tcPr/>
-                </a:tc>
+                        <a:t>FRR: 0.44130</a:t>
+                      </a:r>
+                    </a:p>
+                    <a:p>
+                      <a:r>
+                        <a:rPr lang="en-US" dirty="0" smtClean="0">
+                          <a:latin typeface="+mn-lt"/>
+                        </a:rPr>
+                        <a:t>FAR: 0.60258</a:t>
+                      </a:r>
+                      <a:endParaRPr lang="en-US" dirty="0">
+                        <a:latin typeface="+mn-lt"/>
+                      </a:endParaRPr>
+                    </a:p>
+                  </a:txBody>
+                  <a:tcPr/>
+                </a:tc>
+                <a:extLst>
+                  <a:ext uri="{0D108BD9-81ED-4DB2-BD59-A6C34878D82A}">
+                    <a16:rowId xmlns:a16="http://schemas.microsoft.com/office/drawing/2014/main" val="10006"/>
+                  </a:ext>
+                </a:extLst>
               </a:tr>
               <a:tr h="370840">
                 <a:tc>
@@ -9637,23 +10034,28 @@
                         <a:rPr lang="en-US" dirty="0" smtClean="0">
                           <a:latin typeface="+mn-lt"/>
                         </a:rPr>
-                        <a:t>FRR: 0.53651</a:t>
-                      </a:r>
-                    </a:p>
-                    <a:p>
-                      <a:r>
-                        <a:rPr lang="en-US" dirty="0" smtClean="0">
-                          <a:latin typeface="+mn-lt"/>
-                        </a:rPr>
-                        <a:t>FAR: 0.50876</a:t>
-                      </a:r>
-                      <a:endParaRPr lang="en-US" dirty="0">
-                        <a:latin typeface="+mn-lt"/>
-                      </a:endParaRPr>
-                    </a:p>
-                  </a:txBody>
-                  <a:tcPr/>
-                </a:tc>
+                        <a:t>FRR: 0.43447</a:t>
+                      </a:r>
+                    </a:p>
+                    <a:p>
+                      <a:r>
+                        <a:rPr lang="en-US" dirty="0" smtClean="0">
+                          <a:latin typeface="+mn-lt"/>
+                        </a:rPr>
+                        <a:t>FAR: 0.58879</a:t>
+                      </a:r>
+                      <a:endParaRPr lang="en-US" dirty="0">
+                        <a:latin typeface="+mn-lt"/>
+                      </a:endParaRPr>
+                    </a:p>
+                  </a:txBody>
+                  <a:tcPr/>
+                </a:tc>
+                <a:extLst>
+                  <a:ext uri="{0D108BD9-81ED-4DB2-BD59-A6C34878D82A}">
+                    <a16:rowId xmlns:a16="http://schemas.microsoft.com/office/drawing/2014/main" val="10007"/>
+                  </a:ext>
+                </a:extLst>
               </a:tr>
             </a:tbl>
           </a:graphicData>
@@ -9742,14 +10144,14 @@
           <p:nvPr>
             <p:extLst>
               <p:ext uri="{D42A27DB-BD31-4B8C-83A1-F6EECF244321}">
-                <p14:modId xmlns:p14="http://schemas.microsoft.com/office/powerpoint/2010/main" val="4058188841"/>
+                <p14:modId xmlns:p14="http://schemas.microsoft.com/office/powerpoint/2010/main" val="1925303498"/>
               </p:ext>
             </p:extLst>
           </p:nvPr>
         </p:nvGraphicFramePr>
         <p:xfrm>
           <a:off x="838200" y="1332566"/>
-          <a:ext cx="11008658" cy="5120640"/>
+          <a:ext cx="11008658" cy="5135141"/>
         </p:xfrm>
         <a:graphic>
           <a:graphicData uri="http://schemas.openxmlformats.org/drawingml/2006/table">
@@ -9758,12 +10160,48 @@
                 <a:tableStyleId>{5C22544A-7EE6-4342-B048-85BDC9FD1C3A}</a:tableStyleId>
               </a:tblPr>
               <a:tblGrid>
-                <a:gridCol w="2631776"/>
-                <a:gridCol w="1680247"/>
-                <a:gridCol w="1685365"/>
-                <a:gridCol w="1748118"/>
-                <a:gridCol w="1550894"/>
-                <a:gridCol w="1712258"/>
+                <a:gridCol w="2631776">
+                  <a:extLst>
+                    <a:ext uri="{9D8B030D-6E8A-4147-A177-3AD203B41FA5}">
+                      <a16:colId xmlns:a16="http://schemas.microsoft.com/office/drawing/2014/main" val="20000"/>
+                    </a:ext>
+                  </a:extLst>
+                </a:gridCol>
+                <a:gridCol w="1680247">
+                  <a:extLst>
+                    <a:ext uri="{9D8B030D-6E8A-4147-A177-3AD203B41FA5}">
+                      <a16:colId xmlns:a16="http://schemas.microsoft.com/office/drawing/2014/main" val="20001"/>
+                    </a:ext>
+                  </a:extLst>
+                </a:gridCol>
+                <a:gridCol w="1685365">
+                  <a:extLst>
+                    <a:ext uri="{9D8B030D-6E8A-4147-A177-3AD203B41FA5}">
+                      <a16:colId xmlns:a16="http://schemas.microsoft.com/office/drawing/2014/main" val="20002"/>
+                    </a:ext>
+                  </a:extLst>
+                </a:gridCol>
+                <a:gridCol w="1748118">
+                  <a:extLst>
+                    <a:ext uri="{9D8B030D-6E8A-4147-A177-3AD203B41FA5}">
+                      <a16:colId xmlns:a16="http://schemas.microsoft.com/office/drawing/2014/main" val="20003"/>
+                    </a:ext>
+                  </a:extLst>
+                </a:gridCol>
+                <a:gridCol w="1550894">
+                  <a:extLst>
+                    <a:ext uri="{9D8B030D-6E8A-4147-A177-3AD203B41FA5}">
+                      <a16:colId xmlns:a16="http://schemas.microsoft.com/office/drawing/2014/main" val="20004"/>
+                    </a:ext>
+                  </a:extLst>
+                </a:gridCol>
+                <a:gridCol w="1712258">
+                  <a:extLst>
+                    <a:ext uri="{9D8B030D-6E8A-4147-A177-3AD203B41FA5}">
+                      <a16:colId xmlns:a16="http://schemas.microsoft.com/office/drawing/2014/main" val="20005"/>
+                    </a:ext>
+                  </a:extLst>
+                </a:gridCol>
               </a:tblGrid>
               <a:tr h="370840">
                 <a:tc>
@@ -9883,6 +10321,11 @@
                   </a:txBody>
                   <a:tcPr/>
                 </a:tc>
+                <a:extLst>
+                  <a:ext uri="{0D108BD9-81ED-4DB2-BD59-A6C34878D82A}">
+                    <a16:rowId xmlns:a16="http://schemas.microsoft.com/office/drawing/2014/main" val="10000"/>
+                  </a:ext>
+                </a:extLst>
               </a:tr>
               <a:tr h="370840">
                 <a:tc>
@@ -10016,23 +10459,28 @@
                         <a:rPr lang="en-US" dirty="0" smtClean="0">
                           <a:latin typeface="+mn-lt"/>
                         </a:rPr>
-                        <a:t>FRR: 0.50393</a:t>
-                      </a:r>
-                    </a:p>
-                    <a:p>
-                      <a:r>
-                        <a:rPr lang="en-US" dirty="0" smtClean="0">
-                          <a:latin typeface="+mn-lt"/>
-                        </a:rPr>
-                        <a:t>FAR: 0.55569</a:t>
-                      </a:r>
-                      <a:endParaRPr lang="en-US" dirty="0">
-                        <a:latin typeface="+mn-lt"/>
-                      </a:endParaRPr>
-                    </a:p>
-                  </a:txBody>
-                  <a:tcPr/>
-                </a:tc>
+                        <a:t>FRR: 0.40000</a:t>
+                      </a:r>
+                    </a:p>
+                    <a:p>
+                      <a:r>
+                        <a:rPr lang="en-US" dirty="0" smtClean="0">
+                          <a:latin typeface="+mn-lt"/>
+                        </a:rPr>
+                        <a:t>FAR: 0.61550</a:t>
+                      </a:r>
+                      <a:endParaRPr lang="en-US" dirty="0">
+                        <a:latin typeface="+mn-lt"/>
+                      </a:endParaRPr>
+                    </a:p>
+                  </a:txBody>
+                  <a:tcPr/>
+                </a:tc>
+                <a:extLst>
+                  <a:ext uri="{0D108BD9-81ED-4DB2-BD59-A6C34878D82A}">
+                    <a16:rowId xmlns:a16="http://schemas.microsoft.com/office/drawing/2014/main" val="10001"/>
+                  </a:ext>
+                </a:extLst>
               </a:tr>
               <a:tr h="370840">
                 <a:tc>
@@ -10166,23 +10614,28 @@
                         <a:rPr lang="en-US" dirty="0" smtClean="0">
                           <a:latin typeface="+mn-lt"/>
                         </a:rPr>
-                        <a:t>FRR: 0.59677</a:t>
-                      </a:r>
-                    </a:p>
-                    <a:p>
-                      <a:r>
-                        <a:rPr lang="en-US" dirty="0" smtClean="0">
-                          <a:latin typeface="+mn-lt"/>
-                        </a:rPr>
-                        <a:t>FAR: 0.49374</a:t>
-                      </a:r>
-                      <a:endParaRPr lang="en-US" dirty="0">
-                        <a:latin typeface="+mn-lt"/>
-                      </a:endParaRPr>
-                    </a:p>
-                  </a:txBody>
-                  <a:tcPr/>
-                </a:tc>
+                        <a:t>FRR: 0.38235</a:t>
+                      </a:r>
+                    </a:p>
+                    <a:p>
+                      <a:r>
+                        <a:rPr lang="en-US" dirty="0" smtClean="0">
+                          <a:latin typeface="+mn-lt"/>
+                        </a:rPr>
+                        <a:t>FAR: 0.60828</a:t>
+                      </a:r>
+                      <a:endParaRPr lang="en-US" dirty="0" smtClean="0">
+                        <a:latin typeface="+mn-lt"/>
+                      </a:endParaRPr>
+                    </a:p>
+                  </a:txBody>
+                  <a:tcPr/>
+                </a:tc>
+                <a:extLst>
+                  <a:ext uri="{0D108BD9-81ED-4DB2-BD59-A6C34878D82A}">
+                    <a16:rowId xmlns:a16="http://schemas.microsoft.com/office/drawing/2014/main" val="10002"/>
+                  </a:ext>
+                </a:extLst>
               </a:tr>
               <a:tr h="370840">
                 <a:tc>
@@ -10316,23 +10769,28 @@
                         <a:rPr lang="en-US" dirty="0" smtClean="0">
                           <a:latin typeface="+mn-lt"/>
                         </a:rPr>
-                        <a:t>FRR: 0.59850</a:t>
-                      </a:r>
-                    </a:p>
-                    <a:p>
-                      <a:r>
-                        <a:rPr lang="en-US" dirty="0" smtClean="0">
-                          <a:latin typeface="+mn-lt"/>
-                        </a:rPr>
-                        <a:t>FAR: 0.49882</a:t>
-                      </a:r>
-                      <a:endParaRPr lang="en-US" dirty="0">
-                        <a:latin typeface="+mn-lt"/>
-                      </a:endParaRPr>
-                    </a:p>
-                  </a:txBody>
-                  <a:tcPr/>
-                </a:tc>
+                        <a:t>FRR: 0.57322</a:t>
+                      </a:r>
+                    </a:p>
+                    <a:p>
+                      <a:r>
+                        <a:rPr lang="en-US" dirty="0" smtClean="0">
+                          <a:latin typeface="+mn-lt"/>
+                        </a:rPr>
+                        <a:t>FAR: 0.53290</a:t>
+                      </a:r>
+                      <a:endParaRPr lang="en-US" dirty="0">
+                        <a:latin typeface="+mn-lt"/>
+                      </a:endParaRPr>
+                    </a:p>
+                  </a:txBody>
+                  <a:tcPr/>
+                </a:tc>
+                <a:extLst>
+                  <a:ext uri="{0D108BD9-81ED-4DB2-BD59-A6C34878D82A}">
+                    <a16:rowId xmlns:a16="http://schemas.microsoft.com/office/drawing/2014/main" val="10003"/>
+                  </a:ext>
+                </a:extLst>
               </a:tr>
               <a:tr h="370840">
                 <a:tc>
@@ -10466,23 +10924,28 @@
                         <a:rPr lang="en-US" dirty="0" smtClean="0">
                           <a:latin typeface="+mn-lt"/>
                         </a:rPr>
-                        <a:t>FRR: 0.75365</a:t>
-                      </a:r>
-                    </a:p>
-                    <a:p>
-                      <a:r>
-                        <a:rPr lang="en-US" dirty="0" smtClean="0">
-                          <a:latin typeface="+mn-lt"/>
-                        </a:rPr>
-                        <a:t>FAR: 0.41463</a:t>
-                      </a:r>
-                      <a:endParaRPr lang="en-US" dirty="0">
-                        <a:latin typeface="+mn-lt"/>
-                      </a:endParaRPr>
-                    </a:p>
-                  </a:txBody>
-                  <a:tcPr/>
-                </a:tc>
+                        <a:t>FRR: 0.48729</a:t>
+                      </a:r>
+                    </a:p>
+                    <a:p>
+                      <a:r>
+                        <a:rPr lang="en-US" dirty="0" smtClean="0">
+                          <a:latin typeface="+mn-lt"/>
+                        </a:rPr>
+                        <a:t>FAR: 0.57639</a:t>
+                      </a:r>
+                      <a:endParaRPr lang="en-US" dirty="0">
+                        <a:latin typeface="+mn-lt"/>
+                      </a:endParaRPr>
+                    </a:p>
+                  </a:txBody>
+                  <a:tcPr/>
+                </a:tc>
+                <a:extLst>
+                  <a:ext uri="{0D108BD9-81ED-4DB2-BD59-A6C34878D82A}">
+                    <a16:rowId xmlns:a16="http://schemas.microsoft.com/office/drawing/2014/main" val="10004"/>
+                  </a:ext>
+                </a:extLst>
               </a:tr>
               <a:tr h="370840">
                 <a:tc>
@@ -10616,23 +11079,28 @@
                         <a:rPr lang="en-US" dirty="0" smtClean="0">
                           <a:latin typeface="+mn-lt"/>
                         </a:rPr>
-                        <a:t>FRR: 0.58448</a:t>
-                      </a:r>
-                    </a:p>
-                    <a:p>
-                      <a:r>
-                        <a:rPr lang="en-US" dirty="0" smtClean="0">
-                          <a:latin typeface="+mn-lt"/>
-                        </a:rPr>
-                        <a:t>FAR: 0.51563</a:t>
-                      </a:r>
-                      <a:endParaRPr lang="en-US" dirty="0">
-                        <a:latin typeface="+mn-lt"/>
-                      </a:endParaRPr>
-                    </a:p>
-                  </a:txBody>
-                  <a:tcPr/>
-                </a:tc>
+                        <a:t>FRR: 0.43946</a:t>
+                      </a:r>
+                    </a:p>
+                    <a:p>
+                      <a:r>
+                        <a:rPr lang="en-US" dirty="0" smtClean="0">
+                          <a:latin typeface="+mn-lt"/>
+                        </a:rPr>
+                        <a:t>FAR: 0.62460</a:t>
+                      </a:r>
+                      <a:endParaRPr lang="en-US" dirty="0">
+                        <a:latin typeface="+mn-lt"/>
+                      </a:endParaRPr>
+                    </a:p>
+                  </a:txBody>
+                  <a:tcPr/>
+                </a:tc>
+                <a:extLst>
+                  <a:ext uri="{0D108BD9-81ED-4DB2-BD59-A6C34878D82A}">
+                    <a16:rowId xmlns:a16="http://schemas.microsoft.com/office/drawing/2014/main" val="10005"/>
+                  </a:ext>
+                </a:extLst>
               </a:tr>
               <a:tr h="370840">
                 <a:tc>
@@ -10780,25 +11248,30 @@
                         <a:rPr lang="en-US" dirty="0" smtClean="0">
                           <a:latin typeface="+mn-lt"/>
                         </a:rPr>
-                        <a:t>FRR: 0.51991</a:t>
-                      </a:r>
-                    </a:p>
-                    <a:p>
-                      <a:r>
-                        <a:rPr lang="en-US" dirty="0" smtClean="0">
-                          <a:latin typeface="+mn-lt"/>
-                        </a:rPr>
-                        <a:t>FAR: 0.52022</a:t>
-                      </a:r>
-                      <a:endParaRPr lang="en-US" dirty="0">
-                        <a:latin typeface="+mn-lt"/>
-                      </a:endParaRPr>
-                    </a:p>
-                  </a:txBody>
-                  <a:tcPr/>
-                </a:tc>
+                        <a:t>FRR: 0.45344</a:t>
+                      </a:r>
+                    </a:p>
+                    <a:p>
+                      <a:r>
+                        <a:rPr lang="en-US" dirty="0" smtClean="0">
+                          <a:latin typeface="+mn-lt"/>
+                        </a:rPr>
+                        <a:t>FAR: 0.59193</a:t>
+                      </a:r>
+                      <a:endParaRPr lang="en-US" dirty="0">
+                        <a:latin typeface="+mn-lt"/>
+                      </a:endParaRPr>
+                    </a:p>
+                  </a:txBody>
+                  <a:tcPr/>
+                </a:tc>
+                <a:extLst>
+                  <a:ext uri="{0D108BD9-81ED-4DB2-BD59-A6C34878D82A}">
+                    <a16:rowId xmlns:a16="http://schemas.microsoft.com/office/drawing/2014/main" val="10006"/>
+                  </a:ext>
+                </a:extLst>
               </a:tr>
-              <a:tr h="370840">
+              <a:tr h="654581">
                 <a:tc>
                   <a:txBody>
                     <a:bodyPr/>
@@ -10936,7 +11409,7 @@
                         <a:rPr lang="en-US" dirty="0" smtClean="0">
                           <a:latin typeface="+mn-lt"/>
                         </a:rPr>
-                        <a:t>FRR: 0.59287</a:t>
+                        <a:t>FRR: 0.45596</a:t>
                       </a:r>
                     </a:p>
                     <a:p>
@@ -10944,15 +11417,20 @@
                         <a:rPr lang="en-US" smtClean="0">
                           <a:latin typeface="+mn-lt"/>
                         </a:rPr>
-                        <a:t>FAR: 0.49979</a:t>
-                      </a:r>
-                      <a:endParaRPr lang="en-US" dirty="0">
-                        <a:latin typeface="+mn-lt"/>
-                      </a:endParaRPr>
-                    </a:p>
-                  </a:txBody>
-                  <a:tcPr/>
-                </a:tc>
+                        <a:t>FAR: 0.59160</a:t>
+                      </a:r>
+                      <a:endParaRPr lang="en-US" dirty="0">
+                        <a:latin typeface="+mn-lt"/>
+                      </a:endParaRPr>
+                    </a:p>
+                  </a:txBody>
+                  <a:tcPr/>
+                </a:tc>
+                <a:extLst>
+                  <a:ext uri="{0D108BD9-81ED-4DB2-BD59-A6C34878D82A}">
+                    <a16:rowId xmlns:a16="http://schemas.microsoft.com/office/drawing/2014/main" val="10007"/>
+                  </a:ext>
+                </a:extLst>
               </a:tr>
             </a:tbl>
           </a:graphicData>

--- a/report SVM handcrafted and PCA/AUTHENTICATION(all features).pptx
+++ b/report SVM handcrafted and PCA/AUTHENTICATION(all features).pptx
@@ -260,7 +260,7 @@
           <a:p>
             <a:fld id="{553A844F-FF5C-934C-B225-48B8FD889570}" type="datetimeFigureOut">
               <a:rPr lang="en-US" smtClean="0"/>
-              <a:t>11/2/2017</a:t>
+              <a:t>11/6/2017</a:t>
             </a:fld>
             <a:endParaRPr lang="en-US"/>
           </a:p>
@@ -430,7 +430,7 @@
           <a:p>
             <a:fld id="{553A844F-FF5C-934C-B225-48B8FD889570}" type="datetimeFigureOut">
               <a:rPr lang="en-US" smtClean="0"/>
-              <a:t>11/2/2017</a:t>
+              <a:t>11/6/2017</a:t>
             </a:fld>
             <a:endParaRPr lang="en-US"/>
           </a:p>
@@ -610,7 +610,7 @@
           <a:p>
             <a:fld id="{553A844F-FF5C-934C-B225-48B8FD889570}" type="datetimeFigureOut">
               <a:rPr lang="en-US" smtClean="0"/>
-              <a:t>11/2/2017</a:t>
+              <a:t>11/6/2017</a:t>
             </a:fld>
             <a:endParaRPr lang="en-US"/>
           </a:p>
@@ -780,7 +780,7 @@
           <a:p>
             <a:fld id="{553A844F-FF5C-934C-B225-48B8FD889570}" type="datetimeFigureOut">
               <a:rPr lang="en-US" smtClean="0"/>
-              <a:t>11/2/2017</a:t>
+              <a:t>11/6/2017</a:t>
             </a:fld>
             <a:endParaRPr lang="en-US"/>
           </a:p>
@@ -1026,7 +1026,7 @@
           <a:p>
             <a:fld id="{553A844F-FF5C-934C-B225-48B8FD889570}" type="datetimeFigureOut">
               <a:rPr lang="en-US" smtClean="0"/>
-              <a:t>11/2/2017</a:t>
+              <a:t>11/6/2017</a:t>
             </a:fld>
             <a:endParaRPr lang="en-US"/>
           </a:p>
@@ -1258,7 +1258,7 @@
           <a:p>
             <a:fld id="{553A844F-FF5C-934C-B225-48B8FD889570}" type="datetimeFigureOut">
               <a:rPr lang="en-US" smtClean="0"/>
-              <a:t>11/2/2017</a:t>
+              <a:t>11/6/2017</a:t>
             </a:fld>
             <a:endParaRPr lang="en-US"/>
           </a:p>
@@ -1625,7 +1625,7 @@
           <a:p>
             <a:fld id="{553A844F-FF5C-934C-B225-48B8FD889570}" type="datetimeFigureOut">
               <a:rPr lang="en-US" smtClean="0"/>
-              <a:t>11/2/2017</a:t>
+              <a:t>11/6/2017</a:t>
             </a:fld>
             <a:endParaRPr lang="en-US"/>
           </a:p>
@@ -1743,7 +1743,7 @@
           <a:p>
             <a:fld id="{553A844F-FF5C-934C-B225-48B8FD889570}" type="datetimeFigureOut">
               <a:rPr lang="en-US" smtClean="0"/>
-              <a:t>11/2/2017</a:t>
+              <a:t>11/6/2017</a:t>
             </a:fld>
             <a:endParaRPr lang="en-US"/>
           </a:p>
@@ -1838,7 +1838,7 @@
           <a:p>
             <a:fld id="{553A844F-FF5C-934C-B225-48B8FD889570}" type="datetimeFigureOut">
               <a:rPr lang="en-US" smtClean="0"/>
-              <a:t>11/2/2017</a:t>
+              <a:t>11/6/2017</a:t>
             </a:fld>
             <a:endParaRPr lang="en-US"/>
           </a:p>
@@ -2115,7 +2115,7 @@
           <a:p>
             <a:fld id="{553A844F-FF5C-934C-B225-48B8FD889570}" type="datetimeFigureOut">
               <a:rPr lang="en-US" smtClean="0"/>
-              <a:t>11/2/2017</a:t>
+              <a:t>11/6/2017</a:t>
             </a:fld>
             <a:endParaRPr lang="en-US"/>
           </a:p>
@@ -2368,7 +2368,7 @@
           <a:p>
             <a:fld id="{553A844F-FF5C-934C-B225-48B8FD889570}" type="datetimeFigureOut">
               <a:rPr lang="en-US" smtClean="0"/>
-              <a:t>11/2/2017</a:t>
+              <a:t>11/6/2017</a:t>
             </a:fld>
             <a:endParaRPr lang="en-US"/>
           </a:p>
@@ -2581,7 +2581,7 @@
           <a:p>
             <a:fld id="{553A844F-FF5C-934C-B225-48B8FD889570}" type="datetimeFigureOut">
               <a:rPr lang="en-US" smtClean="0"/>
-              <a:t>11/2/2017</a:t>
+              <a:t>11/6/2017</a:t>
             </a:fld>
             <a:endParaRPr lang="en-US"/>
           </a:p>
@@ -3076,7 +3076,7 @@
           <p:nvPr>
             <p:extLst>
               <p:ext uri="{D42A27DB-BD31-4B8C-83A1-F6EECF244321}">
-                <p14:modId xmlns:p14="http://schemas.microsoft.com/office/powerpoint/2010/main" val="1675879279"/>
+                <p14:modId xmlns:p14="http://schemas.microsoft.com/office/powerpoint/2010/main" val="3089820393"/>
               </p:ext>
             </p:extLst>
           </p:nvPr>
@@ -3287,97 +3287,67 @@
                         <a:rPr lang="en-US" dirty="0" smtClean="0">
                           <a:latin typeface="+mn-lt"/>
                         </a:rPr>
-                        <a:t>FRR: 0.37339, FAR:</a:t>
-                      </a:r>
-                      <a:r>
-                        <a:rPr lang="en-US" baseline="0" dirty="0" smtClean="0">
-                          <a:latin typeface="+mn-lt"/>
-                        </a:rPr>
-                        <a:t> </a:t>
-                      </a:r>
-                      <a:r>
-                        <a:rPr lang="en-US" dirty="0" smtClean="0">
-                          <a:latin typeface="+mn-lt"/>
-                        </a:rPr>
-                        <a:t>0.47015</a:t>
-                      </a:r>
-                      <a:endParaRPr lang="en-US" dirty="0">
-                        <a:latin typeface="+mn-lt"/>
-                      </a:endParaRPr>
-                    </a:p>
-                  </a:txBody>
-                  <a:tcPr/>
-                </a:tc>
-                <a:tc>
-                  <a:txBody>
-                    <a:bodyPr/>
-                    <a:lstStyle/>
-                    <a:p>
-                      <a:r>
-                        <a:rPr lang="en-US" dirty="0" smtClean="0">
-                          <a:latin typeface="+mn-lt"/>
-                        </a:rPr>
-                        <a:t>FRR: 0.48148, FAR:</a:t>
-                      </a:r>
-                      <a:r>
-                        <a:rPr lang="en-US" baseline="0" dirty="0" smtClean="0">
-                          <a:latin typeface="+mn-lt"/>
-                        </a:rPr>
-                        <a:t> </a:t>
-                      </a:r>
-                      <a:r>
-                        <a:rPr lang="en-US" dirty="0" smtClean="0">
-                          <a:latin typeface="+mn-lt"/>
-                        </a:rPr>
-                        <a:t>0.57839</a:t>
-                      </a:r>
-                      <a:endParaRPr lang="en-US" dirty="0">
-                        <a:latin typeface="+mn-lt"/>
-                      </a:endParaRPr>
-                    </a:p>
-                  </a:txBody>
-                  <a:tcPr/>
-                </a:tc>
-                <a:tc>
-                  <a:txBody>
-                    <a:bodyPr/>
-                    <a:lstStyle/>
-                    <a:p>
-                      <a:r>
-                        <a:rPr lang="en-US" dirty="0" smtClean="0">
-                          <a:latin typeface="+mn-lt"/>
-                        </a:rPr>
-                        <a:t>FRR: </a:t>
-                      </a:r>
-                      <a:r>
-                        <a:rPr lang="mr-IN" dirty="0" smtClean="0">
-                          <a:latin typeface="+mn-lt"/>
-                        </a:rPr>
-                        <a:t>0.390625, </a:t>
-                      </a:r>
-                      <a:r>
-                        <a:rPr lang="en-US" dirty="0" smtClean="0">
-                          <a:latin typeface="+mn-lt"/>
-                        </a:rPr>
-                        <a:t>FAR:</a:t>
-                      </a:r>
-                      <a:r>
-                        <a:rPr lang="en-US" baseline="0" dirty="0" smtClean="0">
-                          <a:latin typeface="+mn-lt"/>
-                        </a:rPr>
-                        <a:t> </a:t>
-                      </a:r>
-                      <a:r>
-                        <a:rPr lang="mr-IN" dirty="0" smtClean="0">
-                          <a:latin typeface="+mn-lt"/>
-                        </a:rPr>
-                        <a:t>0.4420</a:t>
-                      </a:r>
-                      <a:r>
-                        <a:rPr lang="en-US" dirty="0" smtClean="0">
-                          <a:latin typeface="Mangal (Основной текст)"/>
-                        </a:rPr>
-                        <a:t>4</a:t>
+                        <a:t>FRR: 0.54506</a:t>
+                      </a:r>
+                    </a:p>
+                    <a:p>
+                      <a:r>
+                        <a:rPr lang="en-US" dirty="0" smtClean="0">
+                          <a:latin typeface="+mn-lt"/>
+                        </a:rPr>
+                        <a:t>FAR: 0.19623</a:t>
+                      </a:r>
+                      <a:endParaRPr lang="en-US" dirty="0">
+                        <a:latin typeface="+mn-lt"/>
+                      </a:endParaRPr>
+                    </a:p>
+                  </a:txBody>
+                  <a:tcPr/>
+                </a:tc>
+                <a:tc>
+                  <a:txBody>
+                    <a:bodyPr/>
+                    <a:lstStyle/>
+                    <a:p>
+                      <a:r>
+                        <a:rPr lang="en-US" dirty="0" smtClean="0">
+                          <a:latin typeface="+mn-lt"/>
+                        </a:rPr>
+                        <a:t>FRR: 0.51852</a:t>
+                      </a:r>
+                    </a:p>
+                    <a:p>
+                      <a:r>
+                        <a:rPr lang="en-US" dirty="0" smtClean="0">
+                          <a:latin typeface="+mn-lt"/>
+                        </a:rPr>
+                        <a:t>FAR: 0.31935</a:t>
+                      </a:r>
+                      <a:endParaRPr lang="en-US" dirty="0">
+                        <a:latin typeface="+mn-lt"/>
+                      </a:endParaRPr>
+                    </a:p>
+                  </a:txBody>
+                  <a:tcPr/>
+                </a:tc>
+                <a:tc>
+                  <a:txBody>
+                    <a:bodyPr/>
+                    <a:lstStyle/>
+                    <a:p>
+                      <a:r>
+                        <a:rPr lang="en-US" dirty="0" smtClean="0">
+                          <a:latin typeface="+mn-lt"/>
+                        </a:rPr>
+                        <a:t>FRR: 0.56250</a:t>
+                      </a:r>
+                    </a:p>
+                    <a:p>
+                      <a:r>
+                        <a:rPr lang="en-US" dirty="0" smtClean="0">
+                          <a:latin typeface="+mn-lt"/>
+                        </a:rPr>
+                        <a:t>FAR: 0.31150</a:t>
                       </a:r>
                       <a:endParaRPr lang="en-US" dirty="0">
                         <a:latin typeface="Mangal (Основной текст)"/>
@@ -3395,42 +3365,15 @@
                         <a:rPr lang="en-US" dirty="0" smtClean="0">
                           <a:latin typeface="+mn-lt"/>
                         </a:rPr>
-                        <a:t>FRR: </a:t>
-                      </a:r>
-                      <a:r>
-                        <a:rPr lang="mr-IN" dirty="0" smtClean="0">
-                          <a:latin typeface="+mn-lt"/>
-                        </a:rPr>
-                        <a:t>0.37931, </a:t>
-                      </a:r>
-                      <a:endParaRPr lang="en-US" dirty="0" smtClean="0">
-                        <a:latin typeface="+mn-lt"/>
-                      </a:endParaRPr>
-                    </a:p>
-                    <a:p>
-                      <a:r>
-                        <a:rPr lang="en-US" dirty="0" smtClean="0">
-                          <a:latin typeface="+mn-lt"/>
-                        </a:rPr>
-                        <a:t>FAR:</a:t>
-                      </a:r>
-                      <a:r>
-                        <a:rPr lang="en-US" baseline="0" dirty="0" smtClean="0">
-                          <a:latin typeface="+mn-lt"/>
-                        </a:rPr>
-                        <a:t> </a:t>
-                      </a:r>
-                      <a:r>
-                        <a:rPr lang="mr-IN" dirty="0" smtClean="0">
-                          <a:latin typeface="+mn-lt"/>
-                        </a:rPr>
-                        <a:t>0.4428</a:t>
-                      </a:r>
-                      <a:r>
-                        <a:rPr lang="en-US" dirty="0" smtClean="0">
-                          <a:latin typeface="Mangal (Основной текст)"/>
-                        </a:rPr>
-                        <a:t>6</a:t>
+                        <a:t>FRR: 0.49425</a:t>
+                      </a:r>
+                    </a:p>
+                    <a:p>
+                      <a:r>
+                        <a:rPr lang="en-US" dirty="0" smtClean="0">
+                          <a:latin typeface="+mn-lt"/>
+                        </a:rPr>
+                        <a:t>FAR: 0.27813</a:t>
                       </a:r>
                       <a:endParaRPr lang="en-US" dirty="0">
                         <a:latin typeface="Mangal (Основной текст)"/>
@@ -3448,15 +3391,15 @@
                         <a:rPr lang="en-US" dirty="0" smtClean="0">
                           <a:latin typeface="+mn-lt"/>
                         </a:rPr>
-                        <a:t>FRR: 0.43913</a:t>
-                      </a:r>
-                    </a:p>
-                    <a:p>
-                      <a:r>
-                        <a:rPr lang="en-US" dirty="0" smtClean="0">
-                          <a:latin typeface="+mn-lt"/>
-                        </a:rPr>
-                        <a:t>FAR: 0.50025</a:t>
+                        <a:t>FRR: 0.50435</a:t>
+                      </a:r>
+                    </a:p>
+                    <a:p>
+                      <a:r>
+                        <a:rPr lang="en-US" dirty="0" smtClean="0">
+                          <a:latin typeface="+mn-lt"/>
+                        </a:rPr>
+                        <a:t>FAR: 0.21662</a:t>
                       </a:r>
                       <a:endParaRPr lang="en-US" dirty="0">
                         <a:latin typeface="+mn-lt"/>
@@ -3499,50 +3442,15 @@
                         <a:rPr lang="en-US" dirty="0" smtClean="0">
                           <a:latin typeface="+mn-lt"/>
                         </a:rPr>
-                        <a:t>FRR: 0.37179,</a:t>
-                      </a:r>
-                    </a:p>
-                    <a:p>
-                      <a:r>
-                        <a:rPr lang="en-US" dirty="0" smtClean="0">
-                          <a:latin typeface="+mn-lt"/>
-                        </a:rPr>
-                        <a:t>FAR: 0.49532</a:t>
-                      </a:r>
-                    </a:p>
-                  </a:txBody>
-                  <a:tcPr/>
-                </a:tc>
-                <a:tc>
-                  <a:txBody>
-                    <a:bodyPr/>
-                    <a:lstStyle/>
-                    <a:p>
-                      <a:r>
-                        <a:rPr lang="en-US" dirty="0" smtClean="0">
-                          <a:latin typeface="+mn-lt"/>
-                        </a:rPr>
-                        <a:t>FRR:</a:t>
-                      </a:r>
-                      <a:r>
-                        <a:rPr lang="en-US" baseline="0" dirty="0">
-                          <a:latin typeface="+mn-lt"/>
-                        </a:rPr>
-                        <a:t> </a:t>
-                      </a:r>
-                      <a:r>
-                        <a:rPr lang="en-US" baseline="0" dirty="0" smtClean="0">
-                          <a:latin typeface="+mn-lt"/>
-                        </a:rPr>
-                        <a:t>0.49295</a:t>
-                      </a:r>
-                    </a:p>
-                    <a:p>
-                      <a:r>
-                        <a:rPr lang="en-US" baseline="0" dirty="0" smtClean="0">
-                          <a:latin typeface="+mn-lt"/>
-                        </a:rPr>
-                        <a:t>FAR: 0.52712</a:t>
+                        <a:t>FRR: 0.50855</a:t>
+                      </a:r>
+                    </a:p>
+                    <a:p>
+                      <a:r>
+                        <a:rPr lang="en-US" dirty="0" smtClean="0">
+                          <a:latin typeface="+mn-lt"/>
+                        </a:rPr>
+                        <a:t>FAR: 0.33776</a:t>
                       </a:r>
                       <a:endParaRPr lang="en-US" dirty="0" smtClean="0">
                         <a:latin typeface="+mn-lt"/>
@@ -3560,27 +3468,15 @@
                         <a:rPr lang="en-US" dirty="0" smtClean="0">
                           <a:latin typeface="+mn-lt"/>
                         </a:rPr>
-                        <a:t>FRR: 0.43877</a:t>
-                      </a:r>
-                    </a:p>
-                    <a:p>
-                      <a:r>
-                        <a:rPr lang="en-US" dirty="0" smtClean="0">
-                          <a:latin typeface="+mn-lt"/>
-                        </a:rPr>
-                        <a:t>FAR:</a:t>
-                      </a:r>
-                      <a:r>
-                        <a:rPr lang="en-US" baseline="0" dirty="0">
-                          <a:latin typeface="+mn-lt"/>
-                        </a:rPr>
-                        <a:t> </a:t>
-                      </a:r>
-                      <a:r>
-                        <a:rPr lang="en-US" baseline="0" dirty="0" smtClean="0">
-                          <a:latin typeface="+mn-lt"/>
-                        </a:rPr>
-                        <a:t>0.35176</a:t>
+                        <a:t>FRR: 0.53521</a:t>
+                      </a:r>
+                    </a:p>
+                    <a:p>
+                      <a:r>
+                        <a:rPr lang="en-US" dirty="0" smtClean="0">
+                          <a:latin typeface="+mn-lt"/>
+                        </a:rPr>
+                        <a:t>FAR: 0.30553</a:t>
                       </a:r>
                       <a:endParaRPr lang="en-US" dirty="0" smtClean="0">
                         <a:latin typeface="+mn-lt"/>
@@ -3598,41 +3494,67 @@
                         <a:rPr lang="en-US" dirty="0" smtClean="0">
                           <a:latin typeface="+mn-lt"/>
                         </a:rPr>
-                        <a:t>FRR: 0.43877</a:t>
-                      </a:r>
-                    </a:p>
-                    <a:p>
-                      <a:r>
-                        <a:rPr lang="en-US" dirty="0" smtClean="0">
-                          <a:latin typeface="+mn-lt"/>
-                        </a:rPr>
-                        <a:t>FAR: 0.49061</a:t>
-                      </a:r>
-                      <a:endParaRPr lang="en-US" dirty="0">
-                        <a:latin typeface="+mn-lt"/>
-                      </a:endParaRPr>
-                    </a:p>
-                  </a:txBody>
-                  <a:tcPr/>
-                </a:tc>
-                <a:tc>
-                  <a:txBody>
-                    <a:bodyPr/>
-                    <a:lstStyle/>
-                    <a:p>
-                      <a:r>
-                        <a:rPr lang="en-US" dirty="0" smtClean="0">
-                          <a:latin typeface="+mn-lt"/>
-                        </a:rPr>
-                        <a:t>FRR: 0.49580</a:t>
-                      </a:r>
-                    </a:p>
-                    <a:p>
-                      <a:r>
-                        <a:rPr lang="en-US" dirty="0" smtClean="0">
-                          <a:latin typeface="+mn-lt"/>
-                        </a:rPr>
-                        <a:t>FAR: 0.41200</a:t>
+                        <a:t>FRR: 0.44898</a:t>
+                      </a:r>
+                    </a:p>
+                    <a:p>
+                      <a:r>
+                        <a:rPr lang="en-US" dirty="0" smtClean="0">
+                          <a:latin typeface="+mn-lt"/>
+                        </a:rPr>
+                        <a:t>FAR: 0.44188</a:t>
+                      </a:r>
+                      <a:endParaRPr lang="en-US" dirty="0" smtClean="0">
+                        <a:latin typeface="+mn-lt"/>
+                      </a:endParaRPr>
+                    </a:p>
+                  </a:txBody>
+                  <a:tcPr/>
+                </a:tc>
+                <a:tc>
+                  <a:txBody>
+                    <a:bodyPr/>
+                    <a:lstStyle/>
+                    <a:p>
+                      <a:r>
+                        <a:rPr lang="en-US" dirty="0" smtClean="0">
+                          <a:latin typeface="+mn-lt"/>
+                        </a:rPr>
+                        <a:t>FRR: 0.52041</a:t>
+                      </a:r>
+                    </a:p>
+                    <a:p>
+                      <a:r>
+                        <a:rPr lang="en-US" dirty="0" smtClean="0">
+                          <a:latin typeface="+mn-lt"/>
+                        </a:rPr>
+                        <a:t>FAR: 0.40137</a:t>
+                      </a:r>
+                      <a:endParaRPr lang="en-US" dirty="0" smtClean="0">
+                        <a:latin typeface="+mn-lt"/>
+                      </a:endParaRPr>
+                    </a:p>
+                  </a:txBody>
+                  <a:tcPr/>
+                </a:tc>
+                <a:tc>
+                  <a:txBody>
+                    <a:bodyPr/>
+                    <a:lstStyle/>
+                    <a:p>
+                      <a:r>
+                        <a:rPr lang="en-US" dirty="0" smtClean="0">
+                          <a:latin typeface="+mn-lt"/>
+                        </a:rPr>
+                        <a:t>FRR: 0.56303</a:t>
+                      </a:r>
+                    </a:p>
+                    <a:p>
+                      <a:r>
+                        <a:rPr lang="en-US" dirty="0" smtClean="0">
+                          <a:latin typeface="+mn-lt"/>
+                        </a:rPr>
+                        <a:t>FAR: 0.27637</a:t>
                       </a:r>
                       <a:endParaRPr lang="en-US" dirty="0">
                         <a:latin typeface="+mn-lt"/>
@@ -3675,119 +3597,119 @@
                         <a:rPr lang="en-US" dirty="0" smtClean="0">
                           <a:latin typeface="+mn-lt"/>
                         </a:rPr>
-                        <a:t>FRR: 0.36625</a:t>
-                      </a:r>
-                    </a:p>
-                    <a:p>
-                      <a:r>
-                        <a:rPr lang="en-US" dirty="0" smtClean="0">
-                          <a:latin typeface="+mn-lt"/>
-                        </a:rPr>
-                        <a:t>FAR: 0.6132</a:t>
-                      </a:r>
-                      <a:endParaRPr lang="en-US" dirty="0">
-                        <a:latin typeface="+mn-lt"/>
-                      </a:endParaRPr>
-                    </a:p>
-                  </a:txBody>
-                  <a:tcPr/>
-                </a:tc>
-                <a:tc>
-                  <a:txBody>
-                    <a:bodyPr/>
-                    <a:lstStyle/>
-                    <a:p>
-                      <a:r>
-                        <a:rPr lang="en-US" dirty="0" smtClean="0">
-                          <a:latin typeface="+mn-lt"/>
-                        </a:rPr>
-                        <a:t>FRR: 0.38554</a:t>
-                      </a:r>
-                    </a:p>
-                    <a:p>
-                      <a:r>
-                        <a:rPr lang="en-US" dirty="0" smtClean="0">
-                          <a:latin typeface="+mn-lt"/>
-                        </a:rPr>
-                        <a:t>FAR: 0.46149</a:t>
-                      </a:r>
-                      <a:endParaRPr lang="en-US" dirty="0">
-                        <a:latin typeface="+mn-lt"/>
-                      </a:endParaRPr>
-                    </a:p>
-                  </a:txBody>
-                  <a:tcPr/>
-                </a:tc>
-                <a:tc>
-                  <a:txBody>
-                    <a:bodyPr/>
-                    <a:lstStyle/>
-                    <a:p>
-                      <a:r>
-                        <a:rPr lang="en-US" dirty="0" smtClean="0">
-                          <a:latin typeface="+mn-lt"/>
-                        </a:rPr>
-                        <a:t>FRR: 0.37662</a:t>
-                      </a:r>
-                    </a:p>
-                    <a:p>
-                      <a:r>
-                        <a:rPr lang="en-US" dirty="0" smtClean="0">
-                          <a:latin typeface="+mn-lt"/>
-                        </a:rPr>
-                        <a:t>FAR: 0.52986</a:t>
-                      </a:r>
-                      <a:endParaRPr lang="en-US" dirty="0">
-                        <a:latin typeface="+mn-lt"/>
-                      </a:endParaRPr>
-                    </a:p>
-                  </a:txBody>
-                  <a:tcPr/>
-                </a:tc>
-                <a:tc>
-                  <a:txBody>
-                    <a:bodyPr/>
-                    <a:lstStyle/>
-                    <a:p>
-                      <a:r>
-                        <a:rPr lang="en-US" dirty="0" smtClean="0">
-                          <a:latin typeface="+mn-lt"/>
-                        </a:rPr>
-                        <a:t>FRR: 0.5</a:t>
-                      </a:r>
-                    </a:p>
-                    <a:p>
-                      <a:r>
-                        <a:rPr lang="en-US" dirty="0" smtClean="0">
-                          <a:latin typeface="+mn-lt"/>
-                        </a:rPr>
-                        <a:t>FAR: 0.44968</a:t>
-                      </a:r>
-                      <a:endParaRPr lang="en-US" dirty="0">
-                        <a:latin typeface="+mn-lt"/>
-                      </a:endParaRPr>
-                    </a:p>
-                  </a:txBody>
-                  <a:tcPr/>
-                </a:tc>
-                <a:tc>
-                  <a:txBody>
-                    <a:bodyPr/>
-                    <a:lstStyle/>
-                    <a:p>
-                      <a:r>
-                        <a:rPr lang="en-US" dirty="0" smtClean="0">
-                          <a:latin typeface="+mn-lt"/>
-                        </a:rPr>
-                        <a:t>FRR: 0.48536</a:t>
-                      </a:r>
-                    </a:p>
-                    <a:p>
-                      <a:r>
-                        <a:rPr lang="en-US" dirty="0" smtClean="0">
-                          <a:latin typeface="+mn-lt"/>
-                        </a:rPr>
-                        <a:t>FAR: 0.46267</a:t>
+                        <a:t>FRR: 0.49794</a:t>
+                      </a:r>
+                    </a:p>
+                    <a:p>
+                      <a:r>
+                        <a:rPr lang="en-US" dirty="0" smtClean="0">
+                          <a:latin typeface="+mn-lt"/>
+                        </a:rPr>
+                        <a:t>FAR: 0.32813</a:t>
+                      </a:r>
+                      <a:endParaRPr lang="en-US" dirty="0">
+                        <a:latin typeface="+mn-lt"/>
+                      </a:endParaRPr>
+                    </a:p>
+                  </a:txBody>
+                  <a:tcPr/>
+                </a:tc>
+                <a:tc>
+                  <a:txBody>
+                    <a:bodyPr/>
+                    <a:lstStyle/>
+                    <a:p>
+                      <a:r>
+                        <a:rPr lang="en-US" dirty="0" smtClean="0">
+                          <a:latin typeface="+mn-lt"/>
+                        </a:rPr>
+                        <a:t>FRR: 0.51807</a:t>
+                      </a:r>
+                    </a:p>
+                    <a:p>
+                      <a:r>
+                        <a:rPr lang="en-US" dirty="0" smtClean="0">
+                          <a:latin typeface="+mn-lt"/>
+                        </a:rPr>
+                        <a:t>FAR: 0.27532</a:t>
+                      </a:r>
+                      <a:endParaRPr lang="en-US" dirty="0">
+                        <a:latin typeface="+mn-lt"/>
+                      </a:endParaRPr>
+                    </a:p>
+                  </a:txBody>
+                  <a:tcPr/>
+                </a:tc>
+                <a:tc>
+                  <a:txBody>
+                    <a:bodyPr/>
+                    <a:lstStyle/>
+                    <a:p>
+                      <a:r>
+                        <a:rPr lang="en-US" dirty="0" smtClean="0">
+                          <a:latin typeface="+mn-lt"/>
+                        </a:rPr>
+                        <a:t>FRR: 0.46753</a:t>
+                      </a:r>
+                    </a:p>
+                    <a:p>
+                      <a:r>
+                        <a:rPr lang="en-US" dirty="0" smtClean="0">
+                          <a:latin typeface="+mn-lt"/>
+                        </a:rPr>
+                        <a:t>FAR: 0.25158</a:t>
+                      </a:r>
+                      <a:endParaRPr lang="en-US" dirty="0">
+                        <a:latin typeface="+mn-lt"/>
+                      </a:endParaRPr>
+                    </a:p>
+                  </a:txBody>
+                  <a:tcPr/>
+                </a:tc>
+                <a:tc>
+                  <a:txBody>
+                    <a:bodyPr/>
+                    <a:lstStyle/>
+                    <a:p>
+                      <a:r>
+                        <a:rPr lang="en-US" dirty="0" smtClean="0">
+                          <a:latin typeface="+mn-lt"/>
+                        </a:rPr>
+                        <a:t>FRR: 0.46512</a:t>
+                      </a:r>
+                    </a:p>
+                    <a:p>
+                      <a:r>
+                        <a:rPr lang="en-US" dirty="0" smtClean="0">
+                          <a:latin typeface="+mn-lt"/>
+                        </a:rPr>
+                        <a:t>FAR: 0.33215</a:t>
+                      </a:r>
+                      <a:endParaRPr lang="en-US" dirty="0">
+                        <a:latin typeface="+mn-lt"/>
+                      </a:endParaRPr>
+                    </a:p>
+                  </a:txBody>
+                  <a:tcPr/>
+                </a:tc>
+                <a:tc>
+                  <a:txBody>
+                    <a:bodyPr/>
+                    <a:lstStyle/>
+                    <a:p>
+                      <a:r>
+                        <a:rPr lang="en-US" dirty="0" smtClean="0">
+                          <a:latin typeface="+mn-lt"/>
+                        </a:rPr>
+                        <a:t>FRR: 0.54812</a:t>
+                      </a:r>
+                    </a:p>
+                    <a:p>
+                      <a:r>
+                        <a:rPr lang="en-US" dirty="0" smtClean="0">
+                          <a:latin typeface="+mn-lt"/>
+                        </a:rPr>
+                        <a:t>FAR: 0.15036</a:t>
                       </a:r>
                       <a:endParaRPr lang="en-US" dirty="0" smtClean="0">
                         <a:latin typeface="+mn-lt"/>
@@ -3830,116 +3752,119 @@
                         <a:rPr lang="en-US" dirty="0" smtClean="0">
                           <a:latin typeface="+mn-lt"/>
                         </a:rPr>
-                        <a:t>FRR: 0.37662</a:t>
-                      </a:r>
-                    </a:p>
-                    <a:p>
-                      <a:r>
-                        <a:rPr lang="en-US" dirty="0" smtClean="0">
-                          <a:latin typeface="+mn-lt"/>
-                        </a:rPr>
-                        <a:t>FAR: 0.51561 </a:t>
-                      </a:r>
-                    </a:p>
-                  </a:txBody>
-                  <a:tcPr/>
-                </a:tc>
-                <a:tc>
-                  <a:txBody>
-                    <a:bodyPr/>
-                    <a:lstStyle/>
-                    <a:p>
-                      <a:r>
-                        <a:rPr lang="en-US" dirty="0" smtClean="0">
-                          <a:latin typeface="+mn-lt"/>
-                        </a:rPr>
-                        <a:t>FRR: 0.49275</a:t>
-                      </a:r>
-                    </a:p>
-                    <a:p>
-                      <a:r>
-                        <a:rPr lang="en-US" dirty="0" smtClean="0">
-                          <a:latin typeface="+mn-lt"/>
-                        </a:rPr>
-                        <a:t>FAR: 0.5824</a:t>
-                      </a:r>
-                      <a:endParaRPr lang="en-US" dirty="0">
-                        <a:latin typeface="+mn-lt"/>
-                      </a:endParaRPr>
-                    </a:p>
-                  </a:txBody>
-                  <a:tcPr/>
-                </a:tc>
-                <a:tc>
-                  <a:txBody>
-                    <a:bodyPr/>
-                    <a:lstStyle/>
-                    <a:p>
-                      <a:r>
-                        <a:rPr lang="en-US" dirty="0" smtClean="0">
-                          <a:latin typeface="+mn-lt"/>
-                        </a:rPr>
-                        <a:t>FRR: 0.47058</a:t>
-                      </a:r>
-                    </a:p>
-                    <a:p>
-                      <a:r>
-                        <a:rPr lang="en-US" dirty="0" smtClean="0">
-                          <a:latin typeface="+mn-lt"/>
-                        </a:rPr>
-                        <a:t>FAR: 0.40168</a:t>
-                      </a:r>
-                      <a:endParaRPr lang="en-US" dirty="0">
-                        <a:latin typeface="+mn-lt"/>
-                      </a:endParaRPr>
-                    </a:p>
-                  </a:txBody>
-                  <a:tcPr/>
-                </a:tc>
-                <a:tc>
-                  <a:txBody>
-                    <a:bodyPr/>
-                    <a:lstStyle/>
-                    <a:p>
-                      <a:r>
-                        <a:rPr lang="en-US" dirty="0" smtClean="0">
-                          <a:latin typeface="+mn-lt"/>
-                        </a:rPr>
-                        <a:t>FRR: 0.50561</a:t>
-                      </a:r>
-                    </a:p>
-                    <a:p>
-                      <a:r>
-                        <a:rPr lang="en-US" dirty="0" smtClean="0">
-                          <a:latin typeface="+mn-lt"/>
-                        </a:rPr>
-                        <a:t>FAR: 0.50762</a:t>
-                      </a:r>
-                      <a:endParaRPr lang="en-US" dirty="0">
-                        <a:latin typeface="+mn-lt"/>
-                      </a:endParaRPr>
-                    </a:p>
-                  </a:txBody>
-                  <a:tcPr/>
-                </a:tc>
-                <a:tc>
-                  <a:txBody>
-                    <a:bodyPr/>
-                    <a:lstStyle/>
-                    <a:p>
-                      <a:r>
-                        <a:rPr lang="en-US" dirty="0" smtClean="0">
-                          <a:latin typeface="+mn-lt"/>
-                        </a:rPr>
-                        <a:t>FRR: 0.45763</a:t>
-                      </a:r>
-                    </a:p>
-                    <a:p>
-                      <a:r>
-                        <a:rPr lang="en-US" dirty="0" smtClean="0">
-                          <a:latin typeface="+mn-lt"/>
-                        </a:rPr>
-                        <a:t>FAR: 0.52042</a:t>
+                        <a:t>FRR: 0.56277</a:t>
+                      </a:r>
+                    </a:p>
+                    <a:p>
+                      <a:r>
+                        <a:rPr lang="en-US" dirty="0" smtClean="0">
+                          <a:latin typeface="+mn-lt"/>
+                        </a:rPr>
+                        <a:t>FAR: 0.35879</a:t>
+                      </a:r>
+                      <a:endParaRPr lang="en-US" dirty="0" smtClean="0">
+                        <a:latin typeface="+mn-lt"/>
+                      </a:endParaRPr>
+                    </a:p>
+                  </a:txBody>
+                  <a:tcPr/>
+                </a:tc>
+                <a:tc>
+                  <a:txBody>
+                    <a:bodyPr/>
+                    <a:lstStyle/>
+                    <a:p>
+                      <a:r>
+                        <a:rPr lang="en-US" dirty="0" smtClean="0">
+                          <a:latin typeface="+mn-lt"/>
+                        </a:rPr>
+                        <a:t>FRR: 0.47826</a:t>
+                      </a:r>
+                    </a:p>
+                    <a:p>
+                      <a:r>
+                        <a:rPr lang="en-US" dirty="0" smtClean="0">
+                          <a:latin typeface="+mn-lt"/>
+                        </a:rPr>
+                        <a:t>FAR: 0.36979</a:t>
+                      </a:r>
+                      <a:endParaRPr lang="en-US" dirty="0">
+                        <a:latin typeface="+mn-lt"/>
+                      </a:endParaRPr>
+                    </a:p>
+                  </a:txBody>
+                  <a:tcPr/>
+                </a:tc>
+                <a:tc>
+                  <a:txBody>
+                    <a:bodyPr/>
+                    <a:lstStyle/>
+                    <a:p>
+                      <a:r>
+                        <a:rPr lang="en-US" dirty="0" smtClean="0">
+                          <a:latin typeface="+mn-lt"/>
+                        </a:rPr>
+                        <a:t>FRR: 0.45882</a:t>
+                      </a:r>
+                    </a:p>
+                    <a:p>
+                      <a:r>
+                        <a:rPr lang="en-US" dirty="0" smtClean="0">
+                          <a:latin typeface="+mn-lt"/>
+                        </a:rPr>
+                        <a:t>FAR: 0.31947</a:t>
+                      </a:r>
+                      <a:endParaRPr lang="en-US" dirty="0">
+                        <a:latin typeface="+mn-lt"/>
+                      </a:endParaRPr>
+                    </a:p>
+                  </a:txBody>
+                  <a:tcPr/>
+                </a:tc>
+                <a:tc>
+                  <a:txBody>
+                    <a:bodyPr/>
+                    <a:lstStyle/>
+                    <a:p>
+                      <a:r>
+                        <a:rPr lang="en-US" dirty="0" smtClean="0">
+                          <a:latin typeface="+mn-lt"/>
+                        </a:rPr>
+                        <a:t>FRR: 0.47191</a:t>
+                      </a:r>
+                    </a:p>
+                    <a:p>
+                      <a:r>
+                        <a:rPr lang="en-US" dirty="0" smtClean="0">
+                          <a:latin typeface="+mn-lt"/>
+                        </a:rPr>
+                        <a:t>FAR: 0.53632</a:t>
+                      </a:r>
+                      <a:endParaRPr lang="en-US" dirty="0">
+                        <a:latin typeface="+mn-lt"/>
+                      </a:endParaRPr>
+                    </a:p>
+                  </a:txBody>
+                  <a:tcPr/>
+                </a:tc>
+                <a:tc>
+                  <a:txBody>
+                    <a:bodyPr/>
+                    <a:lstStyle/>
+                    <a:p>
+                      <a:r>
+                        <a:rPr lang="en-US" dirty="0" smtClean="0">
+                          <a:latin typeface="+mn-lt"/>
+                        </a:rPr>
+                        <a:t>FRR: 0.50847</a:t>
+                      </a:r>
+                    </a:p>
+                    <a:p>
+                      <a:r>
+                        <a:rPr lang="en-US" dirty="0" smtClean="0">
+                          <a:latin typeface="+mn-lt"/>
+                        </a:rPr>
+                        <a:t>FAR: 0.38482</a:t>
                       </a:r>
                       <a:endParaRPr lang="en-US" dirty="0">
                         <a:latin typeface="+mn-lt"/>
@@ -3982,121 +3907,121 @@
                         <a:rPr lang="en-US" dirty="0" smtClean="0">
                           <a:latin typeface="+mn-lt"/>
                         </a:rPr>
-                        <a:t>FRR: 0.46606</a:t>
-                      </a:r>
-                    </a:p>
-                    <a:p>
-                      <a:r>
-                        <a:rPr lang="en-US" dirty="0" smtClean="0">
-                          <a:latin typeface="+mn-lt"/>
-                        </a:rPr>
-                        <a:t>FAR: 0.63345</a:t>
-                      </a:r>
-                      <a:endParaRPr lang="en-US" dirty="0">
-                        <a:latin typeface="+mn-lt"/>
-                      </a:endParaRPr>
-                    </a:p>
-                  </a:txBody>
-                  <a:tcPr/>
-                </a:tc>
-                <a:tc>
-                  <a:txBody>
-                    <a:bodyPr/>
-                    <a:lstStyle/>
-                    <a:p>
-                      <a:r>
-                        <a:rPr lang="en-US" dirty="0" smtClean="0">
-                          <a:latin typeface="+mn-lt"/>
-                        </a:rPr>
-                        <a:t>FRR: 0.56716</a:t>
-                      </a:r>
-                    </a:p>
-                    <a:p>
-                      <a:r>
-                        <a:rPr lang="en-US" dirty="0" smtClean="0">
-                          <a:latin typeface="+mn-lt"/>
-                        </a:rPr>
-                        <a:t>FAR: 0.54274</a:t>
-                      </a:r>
-                      <a:endParaRPr lang="en-US" dirty="0">
-                        <a:latin typeface="+mn-lt"/>
-                      </a:endParaRPr>
-                    </a:p>
-                  </a:txBody>
-                  <a:tcPr/>
-                </a:tc>
-                <a:tc>
-                  <a:txBody>
-                    <a:bodyPr/>
-                    <a:lstStyle/>
-                    <a:p>
-                      <a:r>
-                        <a:rPr lang="en-US" dirty="0" smtClean="0">
-                          <a:latin typeface="+mn-lt"/>
-                        </a:rPr>
-                        <a:t>FRR: 0.5</a:t>
-                      </a:r>
-                    </a:p>
-                    <a:p>
-                      <a:r>
-                        <a:rPr lang="en-US" dirty="0" smtClean="0">
-                          <a:latin typeface="+mn-lt"/>
-                        </a:rPr>
-                        <a:t>FAR: 0.47941</a:t>
-                      </a:r>
-                      <a:endParaRPr lang="en-US" dirty="0">
-                        <a:latin typeface="+mn-lt"/>
-                      </a:endParaRPr>
-                    </a:p>
-                  </a:txBody>
-                  <a:tcPr/>
-                </a:tc>
-                <a:tc>
-                  <a:txBody>
-                    <a:bodyPr/>
-                    <a:lstStyle/>
-                    <a:p>
-                      <a:r>
-                        <a:rPr lang="en-US" dirty="0" smtClean="0">
-                          <a:latin typeface="+mn-lt"/>
-                        </a:rPr>
-                        <a:t>FRR: 0.48611</a:t>
-                      </a:r>
-                    </a:p>
-                    <a:p>
-                      <a:r>
-                        <a:rPr lang="en-US" dirty="0" smtClean="0">
-                          <a:latin typeface="+mn-lt"/>
-                        </a:rPr>
-                        <a:t>FAR: 0.49956</a:t>
-                      </a:r>
-                      <a:endParaRPr lang="en-US" dirty="0">
-                        <a:latin typeface="+mn-lt"/>
-                      </a:endParaRPr>
-                    </a:p>
-                  </a:txBody>
-                  <a:tcPr/>
-                </a:tc>
-                <a:tc>
-                  <a:txBody>
-                    <a:bodyPr/>
-                    <a:lstStyle/>
-                    <a:p>
-                      <a:r>
-                        <a:rPr lang="en-US" dirty="0" smtClean="0">
-                          <a:latin typeface="+mn-lt"/>
-                        </a:rPr>
-                        <a:t>FRR: 0.34978</a:t>
-                      </a:r>
-                    </a:p>
-                    <a:p>
-                      <a:r>
-                        <a:rPr lang="en-US" dirty="0" smtClean="0">
-                          <a:latin typeface="+mn-lt"/>
-                        </a:rPr>
-                        <a:t>FAR: 0.56251</a:t>
-                      </a:r>
-                      <a:endParaRPr lang="en-US" dirty="0">
+                        <a:t>FRR: 0.47964</a:t>
+                      </a:r>
+                    </a:p>
+                    <a:p>
+                      <a:r>
+                        <a:rPr lang="en-US" dirty="0" smtClean="0">
+                          <a:latin typeface="+mn-lt"/>
+                        </a:rPr>
+                        <a:t>FAR: 0.32481</a:t>
+                      </a:r>
+                      <a:endParaRPr lang="en-US" dirty="0">
+                        <a:latin typeface="+mn-lt"/>
+                      </a:endParaRPr>
+                    </a:p>
+                  </a:txBody>
+                  <a:tcPr/>
+                </a:tc>
+                <a:tc>
+                  <a:txBody>
+                    <a:bodyPr/>
+                    <a:lstStyle/>
+                    <a:p>
+                      <a:r>
+                        <a:rPr lang="en-US" dirty="0" smtClean="0">
+                          <a:latin typeface="+mn-lt"/>
+                        </a:rPr>
+                        <a:t>FRR: 0.46269</a:t>
+                      </a:r>
+                    </a:p>
+                    <a:p>
+                      <a:r>
+                        <a:rPr lang="en-US" dirty="0" smtClean="0">
+                          <a:latin typeface="+mn-lt"/>
+                        </a:rPr>
+                        <a:t>FAR: 0.20182</a:t>
+                      </a:r>
+                      <a:endParaRPr lang="en-US" dirty="0">
+                        <a:latin typeface="+mn-lt"/>
+                      </a:endParaRPr>
+                    </a:p>
+                  </a:txBody>
+                  <a:tcPr/>
+                </a:tc>
+                <a:tc>
+                  <a:txBody>
+                    <a:bodyPr/>
+                    <a:lstStyle/>
+                    <a:p>
+                      <a:r>
+                        <a:rPr lang="en-US" dirty="0" smtClean="0">
+                          <a:latin typeface="+mn-lt"/>
+                        </a:rPr>
+                        <a:t>FRR: 0.56061</a:t>
+                      </a:r>
+                    </a:p>
+                    <a:p>
+                      <a:r>
+                        <a:rPr lang="en-US" dirty="0" smtClean="0">
+                          <a:latin typeface="+mn-lt"/>
+                        </a:rPr>
+                        <a:t>FAR: 0.13914</a:t>
+                      </a:r>
+                      <a:endParaRPr lang="en-US" dirty="0">
+                        <a:latin typeface="+mn-lt"/>
+                      </a:endParaRPr>
+                    </a:p>
+                  </a:txBody>
+                  <a:tcPr/>
+                </a:tc>
+                <a:tc>
+                  <a:txBody>
+                    <a:bodyPr/>
+                    <a:lstStyle/>
+                    <a:p>
+                      <a:r>
+                        <a:rPr lang="en-US" dirty="0" smtClean="0">
+                          <a:latin typeface="+mn-lt"/>
+                        </a:rPr>
+                        <a:t>FRR: 0.58333</a:t>
+                      </a:r>
+                    </a:p>
+                    <a:p>
+                      <a:r>
+                        <a:rPr lang="en-US" dirty="0" smtClean="0">
+                          <a:latin typeface="+mn-lt"/>
+                        </a:rPr>
+                        <a:t>FAR: 0.41192</a:t>
+                      </a:r>
+                      <a:endParaRPr lang="en-US" dirty="0">
+                        <a:latin typeface="+mn-lt"/>
+                      </a:endParaRPr>
+                    </a:p>
+                  </a:txBody>
+                  <a:tcPr/>
+                </a:tc>
+                <a:tc>
+                  <a:txBody>
+                    <a:bodyPr/>
+                    <a:lstStyle/>
+                    <a:p>
+                      <a:r>
+                        <a:rPr lang="en-US" dirty="0" smtClean="0">
+                          <a:latin typeface="+mn-lt"/>
+                        </a:rPr>
+                        <a:t>FRR: 0.48879</a:t>
+                      </a:r>
+                    </a:p>
+                    <a:p>
+                      <a:r>
+                        <a:rPr lang="en-US" dirty="0" smtClean="0">
+                          <a:latin typeface="+mn-lt"/>
+                        </a:rPr>
+                        <a:t>FAR: 0.26317</a:t>
+                      </a:r>
+                      <a:endParaRPr lang="en-US" dirty="0" smtClean="0">
                         <a:latin typeface="+mn-lt"/>
                       </a:endParaRPr>
                     </a:p>
@@ -4151,119 +4076,119 @@
                         <a:rPr lang="en-US" dirty="0" smtClean="0">
                           <a:latin typeface="+mn-lt"/>
                         </a:rPr>
-                        <a:t>FRR: 0.4257</a:t>
-                      </a:r>
-                    </a:p>
-                    <a:p>
-                      <a:r>
-                        <a:rPr lang="en-US" dirty="0" smtClean="0">
-                          <a:latin typeface="+mn-lt"/>
-                        </a:rPr>
-                        <a:t>FAR: 0.47768</a:t>
-                      </a:r>
-                      <a:endParaRPr lang="en-US" dirty="0">
-                        <a:latin typeface="+mn-lt"/>
-                      </a:endParaRPr>
-                    </a:p>
-                  </a:txBody>
-                  <a:tcPr/>
-                </a:tc>
-                <a:tc>
-                  <a:txBody>
-                    <a:bodyPr/>
-                    <a:lstStyle/>
-                    <a:p>
-                      <a:r>
-                        <a:rPr lang="en-US" dirty="0" smtClean="0">
-                          <a:latin typeface="+mn-lt"/>
-                        </a:rPr>
-                        <a:t>FRR: 0.35106</a:t>
-                      </a:r>
-                    </a:p>
-                    <a:p>
-                      <a:r>
-                        <a:rPr lang="en-US" dirty="0" smtClean="0">
-                          <a:latin typeface="+mn-lt"/>
-                        </a:rPr>
-                        <a:t>FAR: 0.54021</a:t>
-                      </a:r>
-                      <a:endParaRPr lang="en-US" dirty="0">
-                        <a:latin typeface="+mn-lt"/>
-                      </a:endParaRPr>
-                    </a:p>
-                  </a:txBody>
-                  <a:tcPr/>
-                </a:tc>
-                <a:tc>
-                  <a:txBody>
-                    <a:bodyPr/>
-                    <a:lstStyle/>
-                    <a:p>
-                      <a:r>
-                        <a:rPr lang="en-US" dirty="0" smtClean="0">
-                          <a:latin typeface="+mn-lt"/>
-                        </a:rPr>
-                        <a:t>FRR: 0.34653</a:t>
-                      </a:r>
-                    </a:p>
-                    <a:p>
-                      <a:r>
-                        <a:rPr lang="en-US" dirty="0" smtClean="0">
-                          <a:latin typeface="+mn-lt"/>
-                        </a:rPr>
-                        <a:t>FAR: 0.60082</a:t>
-                      </a:r>
-                      <a:endParaRPr lang="en-US" dirty="0">
-                        <a:latin typeface="+mn-lt"/>
-                      </a:endParaRPr>
-                    </a:p>
-                  </a:txBody>
-                  <a:tcPr/>
-                </a:tc>
-                <a:tc>
-                  <a:txBody>
-                    <a:bodyPr/>
-                    <a:lstStyle/>
-                    <a:p>
-                      <a:r>
-                        <a:rPr lang="en-US" dirty="0" smtClean="0">
-                          <a:latin typeface="+mn-lt"/>
-                        </a:rPr>
-                        <a:t>FRR: 0.41904</a:t>
-                      </a:r>
-                    </a:p>
-                    <a:p>
-                      <a:r>
-                        <a:rPr lang="en-US" dirty="0" smtClean="0">
-                          <a:latin typeface="+mn-lt"/>
-                        </a:rPr>
-                        <a:t>FAR: 0.51602</a:t>
-                      </a:r>
-                      <a:endParaRPr lang="en-US" dirty="0">
-                        <a:latin typeface="+mn-lt"/>
-                      </a:endParaRPr>
-                    </a:p>
-                  </a:txBody>
-                  <a:tcPr/>
-                </a:tc>
-                <a:tc>
-                  <a:txBody>
-                    <a:bodyPr/>
-                    <a:lstStyle/>
-                    <a:p>
-                      <a:r>
-                        <a:rPr lang="en-US" dirty="0" smtClean="0">
-                          <a:latin typeface="+mn-lt"/>
-                        </a:rPr>
-                        <a:t>FRR: 0.47773</a:t>
-                      </a:r>
-                    </a:p>
-                    <a:p>
-                      <a:r>
-                        <a:rPr lang="en-US" dirty="0" smtClean="0">
-                          <a:latin typeface="+mn-lt"/>
-                        </a:rPr>
-                        <a:t>FAR: 0.48052</a:t>
+                        <a:t>FRR: 0.51406</a:t>
+                      </a:r>
+                    </a:p>
+                    <a:p>
+                      <a:r>
+                        <a:rPr lang="en-US" dirty="0" smtClean="0">
+                          <a:latin typeface="+mn-lt"/>
+                        </a:rPr>
+                        <a:t>FAR: 0.06376</a:t>
+                      </a:r>
+                      <a:endParaRPr lang="en-US" dirty="0">
+                        <a:latin typeface="+mn-lt"/>
+                      </a:endParaRPr>
+                    </a:p>
+                  </a:txBody>
+                  <a:tcPr/>
+                </a:tc>
+                <a:tc>
+                  <a:txBody>
+                    <a:bodyPr/>
+                    <a:lstStyle/>
+                    <a:p>
+                      <a:r>
+                        <a:rPr lang="en-US" dirty="0" smtClean="0">
+                          <a:latin typeface="+mn-lt"/>
+                        </a:rPr>
+                        <a:t>FRR: 0.51064</a:t>
+                      </a:r>
+                    </a:p>
+                    <a:p>
+                      <a:r>
+                        <a:rPr lang="en-US" dirty="0" smtClean="0">
+                          <a:latin typeface="+mn-lt"/>
+                        </a:rPr>
+                        <a:t>FAR: 0.09239</a:t>
+                      </a:r>
+                      <a:endParaRPr lang="en-US" dirty="0">
+                        <a:latin typeface="+mn-lt"/>
+                      </a:endParaRPr>
+                    </a:p>
+                  </a:txBody>
+                  <a:tcPr/>
+                </a:tc>
+                <a:tc>
+                  <a:txBody>
+                    <a:bodyPr/>
+                    <a:lstStyle/>
+                    <a:p>
+                      <a:r>
+                        <a:rPr lang="en-US" dirty="0" smtClean="0">
+                          <a:latin typeface="+mn-lt"/>
+                        </a:rPr>
+                        <a:t>FRR: 0.46535</a:t>
+                      </a:r>
+                    </a:p>
+                    <a:p>
+                      <a:r>
+                        <a:rPr lang="en-US" dirty="0" smtClean="0">
+                          <a:latin typeface="+mn-lt"/>
+                        </a:rPr>
+                        <a:t>FAR: 0.39608</a:t>
+                      </a:r>
+                      <a:endParaRPr lang="en-US" dirty="0">
+                        <a:latin typeface="+mn-lt"/>
+                      </a:endParaRPr>
+                    </a:p>
+                  </a:txBody>
+                  <a:tcPr/>
+                </a:tc>
+                <a:tc>
+                  <a:txBody>
+                    <a:bodyPr/>
+                    <a:lstStyle/>
+                    <a:p>
+                      <a:r>
+                        <a:rPr lang="en-US" dirty="0" smtClean="0">
+                          <a:latin typeface="+mn-lt"/>
+                        </a:rPr>
+                        <a:t>FRR: 0.52381</a:t>
+                      </a:r>
+                    </a:p>
+                    <a:p>
+                      <a:r>
+                        <a:rPr lang="en-US" dirty="0" smtClean="0">
+                          <a:latin typeface="+mn-lt"/>
+                        </a:rPr>
+                        <a:t>FAR: 0.26753</a:t>
+                      </a:r>
+                      <a:endParaRPr lang="en-US" dirty="0">
+                        <a:latin typeface="+mn-lt"/>
+                      </a:endParaRPr>
+                    </a:p>
+                  </a:txBody>
+                  <a:tcPr/>
+                </a:tc>
+                <a:tc>
+                  <a:txBody>
+                    <a:bodyPr/>
+                    <a:lstStyle/>
+                    <a:p>
+                      <a:r>
+                        <a:rPr lang="en-US" dirty="0" smtClean="0">
+                          <a:latin typeface="+mn-lt"/>
+                        </a:rPr>
+                        <a:t>FRR: 0.57085</a:t>
+                      </a:r>
+                    </a:p>
+                    <a:p>
+                      <a:r>
+                        <a:rPr lang="en-US" dirty="0" smtClean="0">
+                          <a:latin typeface="+mn-lt"/>
+                        </a:rPr>
+                        <a:t>FAR: 0.15073</a:t>
                       </a:r>
                       <a:endParaRPr lang="en-US" dirty="0">
                         <a:latin typeface="+mn-lt"/>
@@ -4312,15 +4237,15 @@
                         <a:rPr lang="en-US" dirty="0" smtClean="0">
                           <a:latin typeface="+mn-lt"/>
                         </a:rPr>
-                        <a:t>FRR: 0.39663</a:t>
-                      </a:r>
-                    </a:p>
-                    <a:p>
-                      <a:r>
-                        <a:rPr lang="en-US" dirty="0" smtClean="0">
-                          <a:latin typeface="+mn-lt"/>
-                        </a:rPr>
-                        <a:t>FAR: 0.53424</a:t>
+                        <a:t>FRR: 0.51800</a:t>
+                      </a:r>
+                    </a:p>
+                    <a:p>
+                      <a:r>
+                        <a:rPr lang="en-US" dirty="0" smtClean="0">
+                          <a:latin typeface="+mn-lt"/>
+                        </a:rPr>
+                        <a:t>FAR: 0.26825</a:t>
                       </a:r>
                       <a:endParaRPr lang="en-US" dirty="0">
                         <a:solidFill>
@@ -4341,15 +4266,15 @@
                         <a:rPr lang="en-US" dirty="0" smtClean="0">
                           <a:latin typeface="+mn-lt"/>
                         </a:rPr>
-                        <a:t>FRR: 0.46182</a:t>
-                      </a:r>
-                    </a:p>
-                    <a:p>
-                      <a:r>
-                        <a:rPr lang="en-US" dirty="0" smtClean="0">
-                          <a:latin typeface="+mn-lt"/>
-                        </a:rPr>
-                        <a:t>FAR: 0.53872</a:t>
+                        <a:t>FRR: 0.50390</a:t>
+                      </a:r>
+                    </a:p>
+                    <a:p>
+                      <a:r>
+                        <a:rPr lang="en-US" dirty="0" smtClean="0">
+                          <a:latin typeface="+mn-lt"/>
+                        </a:rPr>
+                        <a:t>FAR: 0.26070</a:t>
                       </a:r>
                       <a:endParaRPr lang="en-US" dirty="0">
                         <a:solidFill>
@@ -4370,15 +4295,41 @@
                         <a:rPr lang="en-US" dirty="0" smtClean="0">
                           <a:latin typeface="+mn-lt"/>
                         </a:rPr>
-                        <a:t>FRR: 0.42052</a:t>
-                      </a:r>
-                    </a:p>
-                    <a:p>
-                      <a:r>
-                        <a:rPr lang="en-US" dirty="0" smtClean="0">
-                          <a:latin typeface="+mn-lt"/>
-                        </a:rPr>
-                        <a:t>FAR: 0.46759</a:t>
+                        <a:t>FRR: 0.49396</a:t>
+                      </a:r>
+                    </a:p>
+                    <a:p>
+                      <a:r>
+                        <a:rPr lang="en-US" dirty="0" smtClean="0">
+                          <a:latin typeface="+mn-lt"/>
+                        </a:rPr>
+                        <a:t>FAR: 0.30994</a:t>
+                      </a:r>
+                      <a:endParaRPr lang="en-US" dirty="0" smtClean="0">
+                        <a:latin typeface="+mn-lt"/>
+                      </a:endParaRPr>
+                    </a:p>
+                  </a:txBody>
+                  <a:tcPr/>
+                </a:tc>
+                <a:tc>
+                  <a:txBody>
+                    <a:bodyPr/>
+                    <a:lstStyle/>
+                    <a:p>
+                      <a:r>
+                        <a:rPr lang="en-US" dirty="0" smtClean="0">
+                          <a:latin typeface="+mn-lt"/>
+                        </a:rPr>
+                        <a:t>FRR: 0.50981</a:t>
+                      </a:r>
+                    </a:p>
+                    <a:p>
+                      <a:r>
+                        <a:rPr lang="en-US" dirty="0" smtClean="0">
+                          <a:latin typeface="+mn-lt"/>
+                        </a:rPr>
+                        <a:t>FAR: 0.37124</a:t>
                       </a:r>
                       <a:endParaRPr lang="en-US" dirty="0">
                         <a:solidFill>
@@ -4399,44 +4350,15 @@
                         <a:rPr lang="en-US" dirty="0" smtClean="0">
                           <a:latin typeface="+mn-lt"/>
                         </a:rPr>
-                        <a:t>FRR: 0.45481</a:t>
-                      </a:r>
-                    </a:p>
-                    <a:p>
-                      <a:r>
-                        <a:rPr lang="en-US" dirty="0" smtClean="0">
-                          <a:latin typeface="+mn-lt"/>
-                        </a:rPr>
-                        <a:t>FAR: 0.48439</a:t>
-                      </a:r>
-                      <a:endParaRPr lang="en-US" dirty="0">
-                        <a:solidFill>
-                          <a:srgbClr val="FF0000"/>
-                        </a:solidFill>
-                        <a:latin typeface="+mn-lt"/>
-                      </a:endParaRPr>
-                    </a:p>
-                  </a:txBody>
-                  <a:tcPr/>
-                </a:tc>
-                <a:tc>
-                  <a:txBody>
-                    <a:bodyPr/>
-                    <a:lstStyle/>
-                    <a:p>
-                      <a:r>
-                        <a:rPr lang="en-US" dirty="0" smtClean="0">
-                          <a:latin typeface="+mn-lt"/>
-                        </a:rPr>
-                        <a:t>FRR: 0.45090</a:t>
-                      </a:r>
-                    </a:p>
-                    <a:p>
-                      <a:r>
-                        <a:rPr lang="en-US" dirty="0" smtClean="0">
-                          <a:latin typeface="+mn-lt"/>
-                        </a:rPr>
-                        <a:t>FAR: 0.48973</a:t>
+                        <a:t>FRR: 0.53060</a:t>
+                      </a:r>
+                    </a:p>
+                    <a:p>
+                      <a:r>
+                        <a:rPr lang="en-US" dirty="0" smtClean="0">
+                          <a:latin typeface="+mn-lt"/>
+                        </a:rPr>
+                        <a:t>FAR: 0.24034</a:t>
                       </a:r>
                       <a:endParaRPr lang="en-US" dirty="0">
                         <a:solidFill>
@@ -4561,7 +4483,7 @@
           <p:nvPr>
             <p:extLst>
               <p:ext uri="{D42A27DB-BD31-4B8C-83A1-F6EECF244321}">
-                <p14:modId xmlns:p14="http://schemas.microsoft.com/office/powerpoint/2010/main" val="3277411550"/>
+                <p14:modId xmlns:p14="http://schemas.microsoft.com/office/powerpoint/2010/main" val="1509492372"/>
               </p:ext>
             </p:extLst>
           </p:nvPr>
@@ -4772,96 +4694,67 @@
                         <a:rPr lang="en-US" dirty="0" smtClean="0">
                           <a:latin typeface="+mn-lt"/>
                         </a:rPr>
-                        <a:t>FRR: 0.46351 FAR:</a:t>
-                      </a:r>
-                      <a:r>
-                        <a:rPr lang="en-US" baseline="0" dirty="0" smtClean="0">
-                          <a:latin typeface="+mn-lt"/>
-                        </a:rPr>
-                        <a:t> </a:t>
-                      </a:r>
-                      <a:r>
-                        <a:rPr lang="en-US" dirty="0" smtClean="0">
-                          <a:latin typeface="+mn-lt"/>
-                        </a:rPr>
-                        <a:t>0.49039</a:t>
-                      </a:r>
-                      <a:endParaRPr lang="en-US" dirty="0">
-                        <a:latin typeface="+mn-lt"/>
-                      </a:endParaRPr>
-                    </a:p>
-                  </a:txBody>
-                  <a:tcPr/>
-                </a:tc>
-                <a:tc>
-                  <a:txBody>
-                    <a:bodyPr/>
-                    <a:lstStyle/>
-                    <a:p>
-                      <a:r>
-                        <a:rPr lang="en-US" dirty="0" smtClean="0">
-                          <a:latin typeface="+mn-lt"/>
-                        </a:rPr>
-                        <a:t>FRR: 0.54320 FAR:</a:t>
-                      </a:r>
-                      <a:r>
-                        <a:rPr lang="en-US" baseline="0" dirty="0" smtClean="0">
-                          <a:latin typeface="+mn-lt"/>
-                        </a:rPr>
-                        <a:t> </a:t>
-                      </a:r>
-                      <a:r>
-                        <a:rPr lang="en-US" dirty="0" smtClean="0">
-                          <a:latin typeface="+mn-lt"/>
-                        </a:rPr>
-                        <a:t>0.52333</a:t>
-                      </a:r>
-                      <a:endParaRPr lang="en-US" dirty="0">
-                        <a:latin typeface="+mn-lt"/>
-                      </a:endParaRPr>
-                    </a:p>
-                  </a:txBody>
-                  <a:tcPr/>
-                </a:tc>
-                <a:tc>
-                  <a:txBody>
-                    <a:bodyPr/>
-                    <a:lstStyle/>
-                    <a:p>
-                      <a:r>
-                        <a:rPr lang="en-US" dirty="0" smtClean="0">
-                          <a:latin typeface="+mn-lt"/>
-                        </a:rPr>
-                        <a:t>FRR: </a:t>
-                      </a:r>
-                      <a:r>
-                        <a:rPr lang="mr-IN" dirty="0" smtClean="0">
-                          <a:latin typeface="+mn-lt"/>
-                        </a:rPr>
-                        <a:t>0.375 </a:t>
+                        <a:t>FRR: 0.46352</a:t>
+                      </a:r>
+                    </a:p>
+                    <a:p>
+                      <a:r>
+                        <a:rPr lang="en-US" dirty="0" smtClean="0">
+                          <a:latin typeface="+mn-lt"/>
+                        </a:rPr>
+                        <a:t>FAR: 0.14504</a:t>
                       </a:r>
                       <a:endParaRPr lang="en-US" dirty="0" smtClean="0">
                         <a:latin typeface="+mn-lt"/>
                       </a:endParaRPr>
                     </a:p>
-                    <a:p>
-                      <a:r>
-                        <a:rPr lang="en-US" dirty="0" smtClean="0">
-                          <a:latin typeface="+mn-lt"/>
-                        </a:rPr>
-                        <a:t>FAR:</a:t>
-                      </a:r>
-                      <a:r>
-                        <a:rPr lang="en-US" baseline="0" dirty="0" smtClean="0">
-                          <a:latin typeface="+mn-lt"/>
-                        </a:rPr>
-                        <a:t> </a:t>
-                      </a:r>
-                      <a:r>
-                        <a:rPr lang="mr-IN" dirty="0" smtClean="0">
-                          <a:latin typeface="+mn-lt"/>
-                        </a:rPr>
-                        <a:t>0.57351</a:t>
+                  </a:txBody>
+                  <a:tcPr/>
+                </a:tc>
+                <a:tc>
+                  <a:txBody>
+                    <a:bodyPr/>
+                    <a:lstStyle/>
+                    <a:p>
+                      <a:r>
+                        <a:rPr lang="en-US" dirty="0" smtClean="0">
+                          <a:latin typeface="+mn-lt"/>
+                        </a:rPr>
+                        <a:t>FRR: 0.55556</a:t>
+                      </a:r>
+                    </a:p>
+                    <a:p>
+                      <a:r>
+                        <a:rPr lang="en-US" dirty="0" smtClean="0">
+                          <a:latin typeface="+mn-lt"/>
+                        </a:rPr>
+                        <a:t>FAR: 0.32722</a:t>
+                      </a:r>
+                      <a:endParaRPr lang="en-US" dirty="0">
+                        <a:latin typeface="+mn-lt"/>
+                      </a:endParaRPr>
+                    </a:p>
+                  </a:txBody>
+                  <a:tcPr/>
+                </a:tc>
+                <a:tc>
+                  <a:txBody>
+                    <a:bodyPr/>
+                    <a:lstStyle/>
+                    <a:p>
+                      <a:r>
+                        <a:rPr lang="en-US" dirty="0" smtClean="0">
+                          <a:latin typeface="+mn-lt"/>
+                        </a:rPr>
+                        <a:t>FRR: 0.46875</a:t>
+                      </a:r>
+                    </a:p>
+                    <a:p>
+                      <a:r>
+                        <a:rPr lang="en-US" dirty="0" smtClean="0">
+                          <a:latin typeface="+mn-lt"/>
+                        </a:rPr>
+                        <a:t>FAR: 0.32187</a:t>
                       </a:r>
                       <a:endParaRPr lang="en-US" dirty="0">
                         <a:latin typeface="Mangal (Основной текст)"/>
@@ -4879,36 +4772,15 @@
                         <a:rPr lang="en-US" dirty="0" smtClean="0">
                           <a:latin typeface="+mn-lt"/>
                         </a:rPr>
-                        <a:t>FRR: </a:t>
-                      </a:r>
-                      <a:r>
-                        <a:rPr lang="mr-IN" dirty="0" smtClean="0">
-                          <a:latin typeface="+mn-lt"/>
-                        </a:rPr>
-                        <a:t>0.49425 </a:t>
-                      </a:r>
-                      <a:endParaRPr lang="en-US" dirty="0" smtClean="0">
-                        <a:latin typeface="+mn-lt"/>
-                      </a:endParaRPr>
-                    </a:p>
-                    <a:p>
-                      <a:r>
-                        <a:rPr lang="en-US" dirty="0" smtClean="0">
-                          <a:latin typeface="+mn-lt"/>
-                        </a:rPr>
-                        <a:t>FAR:</a:t>
-                      </a:r>
-                      <a:r>
-                        <a:rPr lang="en-US" baseline="0" dirty="0" smtClean="0">
-                          <a:latin typeface="+mn-lt"/>
-                        </a:rPr>
-                        <a:t> </a:t>
-                      </a:r>
-                      <a:r>
-                        <a:rPr lang="mr-IN" dirty="0" smtClean="0">
-                          <a:latin typeface="+mn-lt"/>
-                        </a:rPr>
-                        <a:t>0.43080</a:t>
+                        <a:t>FRR: 0.48276</a:t>
+                      </a:r>
+                    </a:p>
+                    <a:p>
+                      <a:r>
+                        <a:rPr lang="en-US" dirty="0" smtClean="0">
+                          <a:latin typeface="+mn-lt"/>
+                        </a:rPr>
+                        <a:t>FAR: 0.28795</a:t>
                       </a:r>
                       <a:endParaRPr lang="en-US" dirty="0">
                         <a:latin typeface="Mangal (Основной текст)"/>
@@ -4926,15 +4798,15 @@
                         <a:rPr lang="en-US" dirty="0" smtClean="0">
                           <a:latin typeface="+mn-lt"/>
                         </a:rPr>
-                        <a:t>FRR: 0.48696</a:t>
-                      </a:r>
-                    </a:p>
-                    <a:p>
-                      <a:r>
-                        <a:rPr lang="en-US" dirty="0" smtClean="0">
-                          <a:latin typeface="+mn-lt"/>
-                        </a:rPr>
-                        <a:t>FAR: 0.56575</a:t>
+                        <a:t>FRR: 0.54348</a:t>
+                      </a:r>
+                    </a:p>
+                    <a:p>
+                      <a:r>
+                        <a:rPr lang="en-US" dirty="0" smtClean="0">
+                          <a:latin typeface="+mn-lt"/>
+                        </a:rPr>
+                        <a:t>FAR: 0.32527</a:t>
                       </a:r>
                       <a:endParaRPr lang="en-US" dirty="0">
                         <a:latin typeface="+mn-lt"/>
@@ -4977,50 +4849,15 @@
                         <a:rPr lang="en-US" dirty="0" smtClean="0">
                           <a:latin typeface="+mn-lt"/>
                         </a:rPr>
-                        <a:t>FRR: 0.44871</a:t>
-                      </a:r>
-                    </a:p>
-                    <a:p>
-                      <a:r>
-                        <a:rPr lang="en-US" dirty="0" smtClean="0">
-                          <a:latin typeface="+mn-lt"/>
-                        </a:rPr>
-                        <a:t>FAR: 0.54381</a:t>
-                      </a:r>
-                    </a:p>
-                  </a:txBody>
-                  <a:tcPr/>
-                </a:tc>
-                <a:tc>
-                  <a:txBody>
-                    <a:bodyPr/>
-                    <a:lstStyle/>
-                    <a:p>
-                      <a:r>
-                        <a:rPr lang="en-US" dirty="0" smtClean="0">
-                          <a:latin typeface="+mn-lt"/>
-                        </a:rPr>
-                        <a:t>FRR:</a:t>
-                      </a:r>
-                      <a:r>
-                        <a:rPr lang="en-US" baseline="0" dirty="0">
-                          <a:latin typeface="+mn-lt"/>
-                        </a:rPr>
-                        <a:t> </a:t>
-                      </a:r>
-                      <a:r>
-                        <a:rPr lang="en-US" baseline="0" dirty="0" smtClean="0">
-                          <a:latin typeface="+mn-lt"/>
-                        </a:rPr>
-                        <a:t>0.45070</a:t>
-                      </a:r>
-                    </a:p>
-                    <a:p>
-                      <a:r>
-                        <a:rPr lang="en-US" baseline="0" dirty="0" smtClean="0">
-                          <a:latin typeface="+mn-lt"/>
-                        </a:rPr>
-                        <a:t>FAR: 0.55885</a:t>
+                        <a:t>FRR: 0.53846</a:t>
+                      </a:r>
+                    </a:p>
+                    <a:p>
+                      <a:r>
+                        <a:rPr lang="en-US" dirty="0" smtClean="0">
+                          <a:latin typeface="+mn-lt"/>
+                        </a:rPr>
+                        <a:t>FAR: 0.40157</a:t>
                       </a:r>
                       <a:endParaRPr lang="en-US" dirty="0" smtClean="0">
                         <a:latin typeface="+mn-lt"/>
@@ -5038,27 +4875,15 @@
                         <a:rPr lang="en-US" dirty="0" smtClean="0">
                           <a:latin typeface="+mn-lt"/>
                         </a:rPr>
-                        <a:t>FRR: 0.39795</a:t>
-                      </a:r>
-                    </a:p>
-                    <a:p>
-                      <a:r>
-                        <a:rPr lang="en-US" dirty="0" smtClean="0">
-                          <a:latin typeface="+mn-lt"/>
-                        </a:rPr>
-                        <a:t>FAR:</a:t>
-                      </a:r>
-                      <a:r>
-                        <a:rPr lang="en-US" baseline="0" dirty="0">
-                          <a:latin typeface="+mn-lt"/>
-                        </a:rPr>
-                        <a:t> </a:t>
-                      </a:r>
-                      <a:r>
-                        <a:rPr lang="en-US" baseline="0" dirty="0" smtClean="0">
-                          <a:latin typeface="+mn-lt"/>
-                        </a:rPr>
-                        <a:t>0.47158</a:t>
+                        <a:t>FRR: 0.53521</a:t>
+                      </a:r>
+                    </a:p>
+                    <a:p>
+                      <a:r>
+                        <a:rPr lang="en-US" dirty="0" smtClean="0">
+                          <a:latin typeface="+mn-lt"/>
+                        </a:rPr>
+                        <a:t>FAR: 0.30757</a:t>
                       </a:r>
                       <a:endParaRPr lang="en-US" dirty="0" smtClean="0">
                         <a:latin typeface="+mn-lt"/>
@@ -5076,41 +4901,67 @@
                         <a:rPr lang="en-US" dirty="0" smtClean="0">
                           <a:latin typeface="+mn-lt"/>
                         </a:rPr>
-                        <a:t>FRR: 0.38775</a:t>
-                      </a:r>
-                    </a:p>
-                    <a:p>
-                      <a:r>
-                        <a:rPr lang="en-US" dirty="0" smtClean="0">
-                          <a:latin typeface="+mn-lt"/>
-                        </a:rPr>
-                        <a:t>FAR: 0.51441 </a:t>
-                      </a:r>
-                      <a:endParaRPr lang="en-US" dirty="0">
-                        <a:latin typeface="+mn-lt"/>
-                      </a:endParaRPr>
-                    </a:p>
-                  </a:txBody>
-                  <a:tcPr/>
-                </a:tc>
-                <a:tc>
-                  <a:txBody>
-                    <a:bodyPr/>
-                    <a:lstStyle/>
-                    <a:p>
-                      <a:r>
-                        <a:rPr lang="en-US" dirty="0" smtClean="0">
-                          <a:latin typeface="+mn-lt"/>
-                        </a:rPr>
-                        <a:t>FRR: 0.40756</a:t>
-                      </a:r>
-                    </a:p>
-                    <a:p>
-                      <a:r>
-                        <a:rPr lang="en-US" dirty="0" smtClean="0">
-                          <a:latin typeface="+mn-lt"/>
-                        </a:rPr>
-                        <a:t>FAR: 0.55751</a:t>
+                        <a:t>FRR: 0.52041</a:t>
+                      </a:r>
+                    </a:p>
+                    <a:p>
+                      <a:r>
+                        <a:rPr lang="en-US" dirty="0" smtClean="0">
+                          <a:latin typeface="+mn-lt"/>
+                        </a:rPr>
+                        <a:t>FAR: 0.46032</a:t>
+                      </a:r>
+                      <a:endParaRPr lang="en-US" dirty="0" smtClean="0">
+                        <a:latin typeface="+mn-lt"/>
+                      </a:endParaRPr>
+                    </a:p>
+                  </a:txBody>
+                  <a:tcPr/>
+                </a:tc>
+                <a:tc>
+                  <a:txBody>
+                    <a:bodyPr/>
+                    <a:lstStyle/>
+                    <a:p>
+                      <a:r>
+                        <a:rPr lang="en-US" dirty="0" smtClean="0">
+                          <a:latin typeface="+mn-lt"/>
+                        </a:rPr>
+                        <a:t>FRR: 0.61224</a:t>
+                      </a:r>
+                    </a:p>
+                    <a:p>
+                      <a:r>
+                        <a:rPr lang="en-US" dirty="0" smtClean="0">
+                          <a:latin typeface="+mn-lt"/>
+                        </a:rPr>
+                        <a:t>FAR: 0.42014</a:t>
+                      </a:r>
+                      <a:endParaRPr lang="en-US" dirty="0">
+                        <a:latin typeface="+mn-lt"/>
+                      </a:endParaRPr>
+                    </a:p>
+                  </a:txBody>
+                  <a:tcPr/>
+                </a:tc>
+                <a:tc>
+                  <a:txBody>
+                    <a:bodyPr/>
+                    <a:lstStyle/>
+                    <a:p>
+                      <a:r>
+                        <a:rPr lang="en-US" dirty="0" smtClean="0">
+                          <a:latin typeface="+mn-lt"/>
+                        </a:rPr>
+                        <a:t>FRR: 0.51261</a:t>
+                      </a:r>
+                    </a:p>
+                    <a:p>
+                      <a:r>
+                        <a:rPr lang="en-US" dirty="0" smtClean="0">
+                          <a:latin typeface="+mn-lt"/>
+                        </a:rPr>
+                        <a:t>FAR: 0.34742</a:t>
                       </a:r>
                       <a:endParaRPr lang="en-US" dirty="0" smtClean="0">
                         <a:latin typeface="+mn-lt"/>
@@ -5153,119 +5004,119 @@
                         <a:rPr lang="en-US" dirty="0" smtClean="0">
                           <a:latin typeface="+mn-lt"/>
                         </a:rPr>
-                        <a:t>FRR: 0.50617</a:t>
-                      </a:r>
-                    </a:p>
-                    <a:p>
-                      <a:r>
-                        <a:rPr lang="en-US" dirty="0" smtClean="0">
-                          <a:latin typeface="+mn-lt"/>
-                        </a:rPr>
-                        <a:t>FAR: 0.52984</a:t>
-                      </a:r>
-                      <a:endParaRPr lang="en-US" dirty="0">
-                        <a:latin typeface="+mn-lt"/>
-                      </a:endParaRPr>
-                    </a:p>
-                  </a:txBody>
-                  <a:tcPr/>
-                </a:tc>
-                <a:tc>
-                  <a:txBody>
-                    <a:bodyPr/>
-                    <a:lstStyle/>
-                    <a:p>
-                      <a:r>
-                        <a:rPr lang="en-US" dirty="0" smtClean="0">
-                          <a:latin typeface="+mn-lt"/>
-                        </a:rPr>
-                        <a:t>FRR: 0.48192</a:t>
-                      </a:r>
-                    </a:p>
-                    <a:p>
-                      <a:r>
-                        <a:rPr lang="en-US" dirty="0" smtClean="0">
-                          <a:latin typeface="+mn-lt"/>
-                        </a:rPr>
-                        <a:t>FAR: 0.46940</a:t>
-                      </a:r>
-                      <a:endParaRPr lang="en-US" dirty="0">
-                        <a:latin typeface="+mn-lt"/>
-                      </a:endParaRPr>
-                    </a:p>
-                  </a:txBody>
-                  <a:tcPr/>
-                </a:tc>
-                <a:tc>
-                  <a:txBody>
-                    <a:bodyPr/>
-                    <a:lstStyle/>
-                    <a:p>
-                      <a:r>
-                        <a:rPr lang="en-US" dirty="0" smtClean="0">
-                          <a:latin typeface="+mn-lt"/>
-                        </a:rPr>
-                        <a:t>FRR: 0.50649</a:t>
-                      </a:r>
-                    </a:p>
-                    <a:p>
-                      <a:r>
-                        <a:rPr lang="en-US" dirty="0" smtClean="0">
-                          <a:latin typeface="+mn-lt"/>
-                        </a:rPr>
-                        <a:t>FAR: 0.46770</a:t>
-                      </a:r>
-                      <a:endParaRPr lang="en-US" dirty="0">
-                        <a:latin typeface="+mn-lt"/>
-                      </a:endParaRPr>
-                    </a:p>
-                  </a:txBody>
-                  <a:tcPr/>
-                </a:tc>
-                <a:tc>
-                  <a:txBody>
-                    <a:bodyPr/>
-                    <a:lstStyle/>
-                    <a:p>
-                      <a:r>
-                        <a:rPr lang="en-US" dirty="0" smtClean="0">
-                          <a:latin typeface="+mn-lt"/>
-                        </a:rPr>
-                        <a:t>FRR: 0.45348</a:t>
-                      </a:r>
-                    </a:p>
-                    <a:p>
-                      <a:r>
-                        <a:rPr lang="en-US" dirty="0" smtClean="0">
-                          <a:latin typeface="+mn-lt"/>
-                        </a:rPr>
-                        <a:t>FAR: 0.48753</a:t>
-                      </a:r>
-                      <a:endParaRPr lang="en-US" dirty="0">
-                        <a:latin typeface="+mn-lt"/>
-                      </a:endParaRPr>
-                    </a:p>
-                  </a:txBody>
-                  <a:tcPr/>
-                </a:tc>
-                <a:tc>
-                  <a:txBody>
-                    <a:bodyPr/>
-                    <a:lstStyle/>
-                    <a:p>
-                      <a:r>
-                        <a:rPr lang="en-US" dirty="0" smtClean="0">
-                          <a:latin typeface="+mn-lt"/>
-                        </a:rPr>
-                        <a:t>FRR: 0.49791</a:t>
-                      </a:r>
-                    </a:p>
-                    <a:p>
-                      <a:r>
-                        <a:rPr lang="en-US" dirty="0" smtClean="0">
-                          <a:latin typeface="+mn-lt"/>
-                        </a:rPr>
-                        <a:t>FAR: 0.37112</a:t>
+                        <a:t>FRR: 0.47325</a:t>
+                      </a:r>
+                    </a:p>
+                    <a:p>
+                      <a:r>
+                        <a:rPr lang="en-US" dirty="0" smtClean="0">
+                          <a:latin typeface="+mn-lt"/>
+                        </a:rPr>
+                        <a:t>FAR: 0.40120</a:t>
+                      </a:r>
+                      <a:endParaRPr lang="en-US" dirty="0">
+                        <a:latin typeface="+mn-lt"/>
+                      </a:endParaRPr>
+                    </a:p>
+                  </a:txBody>
+                  <a:tcPr/>
+                </a:tc>
+                <a:tc>
+                  <a:txBody>
+                    <a:bodyPr/>
+                    <a:lstStyle/>
+                    <a:p>
+                      <a:r>
+                        <a:rPr lang="en-US" dirty="0" smtClean="0">
+                          <a:latin typeface="+mn-lt"/>
+                        </a:rPr>
+                        <a:t>FRR: 0.45783</a:t>
+                      </a:r>
+                    </a:p>
+                    <a:p>
+                      <a:r>
+                        <a:rPr lang="en-US" dirty="0" smtClean="0">
+                          <a:latin typeface="+mn-lt"/>
+                        </a:rPr>
+                        <a:t>FAR: 0.37342</a:t>
+                      </a:r>
+                      <a:endParaRPr lang="en-US" dirty="0">
+                        <a:latin typeface="+mn-lt"/>
+                      </a:endParaRPr>
+                    </a:p>
+                  </a:txBody>
+                  <a:tcPr/>
+                </a:tc>
+                <a:tc>
+                  <a:txBody>
+                    <a:bodyPr/>
+                    <a:lstStyle/>
+                    <a:p>
+                      <a:r>
+                        <a:rPr lang="en-US" dirty="0" smtClean="0">
+                          <a:latin typeface="+mn-lt"/>
+                        </a:rPr>
+                        <a:t>FRR: 0.41558</a:t>
+                      </a:r>
+                    </a:p>
+                    <a:p>
+                      <a:r>
+                        <a:rPr lang="en-US" dirty="0" smtClean="0">
+                          <a:latin typeface="+mn-lt"/>
+                        </a:rPr>
+                        <a:t>FAR: 0.29092</a:t>
+                      </a:r>
+                      <a:endParaRPr lang="en-US" dirty="0">
+                        <a:latin typeface="+mn-lt"/>
+                      </a:endParaRPr>
+                    </a:p>
+                  </a:txBody>
+                  <a:tcPr/>
+                </a:tc>
+                <a:tc>
+                  <a:txBody>
+                    <a:bodyPr/>
+                    <a:lstStyle/>
+                    <a:p>
+                      <a:r>
+                        <a:rPr lang="en-US" dirty="0" smtClean="0">
+                          <a:latin typeface="+mn-lt"/>
+                        </a:rPr>
+                        <a:t>FRR: 0.45349</a:t>
+                      </a:r>
+                    </a:p>
+                    <a:p>
+                      <a:r>
+                        <a:rPr lang="en-US" dirty="0" smtClean="0">
+                          <a:latin typeface="+mn-lt"/>
+                        </a:rPr>
+                        <a:t>FAR: 0.39314</a:t>
+                      </a:r>
+                      <a:endParaRPr lang="en-US" dirty="0">
+                        <a:latin typeface="+mn-lt"/>
+                      </a:endParaRPr>
+                    </a:p>
+                  </a:txBody>
+                  <a:tcPr/>
+                </a:tc>
+                <a:tc>
+                  <a:txBody>
+                    <a:bodyPr/>
+                    <a:lstStyle/>
+                    <a:p>
+                      <a:r>
+                        <a:rPr lang="en-US" dirty="0" smtClean="0">
+                          <a:latin typeface="+mn-lt"/>
+                        </a:rPr>
+                        <a:t>FRR: 0.42259</a:t>
+                      </a:r>
+                    </a:p>
+                    <a:p>
+                      <a:r>
+                        <a:rPr lang="en-US" dirty="0" smtClean="0">
+                          <a:latin typeface="+mn-lt"/>
+                        </a:rPr>
+                        <a:t>FAR: 0.18667</a:t>
                       </a:r>
                       <a:endParaRPr lang="en-US" dirty="0" smtClean="0">
                         <a:latin typeface="+mn-lt"/>
@@ -5308,116 +5159,119 @@
                         <a:rPr lang="en-US" dirty="0" smtClean="0">
                           <a:latin typeface="+mn-lt"/>
                         </a:rPr>
-                        <a:t>FRR: 0.45454</a:t>
-                      </a:r>
-                    </a:p>
-                    <a:p>
-                      <a:r>
-                        <a:rPr lang="en-US" dirty="0" smtClean="0">
-                          <a:latin typeface="+mn-lt"/>
-                        </a:rPr>
-                        <a:t>FAR: 0.46605 </a:t>
-                      </a:r>
-                    </a:p>
-                  </a:txBody>
-                  <a:tcPr/>
-                </a:tc>
-                <a:tc>
-                  <a:txBody>
-                    <a:bodyPr/>
-                    <a:lstStyle/>
-                    <a:p>
-                      <a:r>
-                        <a:rPr lang="en-US" dirty="0" smtClean="0">
-                          <a:latin typeface="+mn-lt"/>
-                        </a:rPr>
-                        <a:t>FRR: 0.49275</a:t>
-                      </a:r>
-                    </a:p>
-                    <a:p>
-                      <a:r>
-                        <a:rPr lang="en-US" dirty="0" smtClean="0">
-                          <a:latin typeface="+mn-lt"/>
-                        </a:rPr>
-                        <a:t>FAR: 0.41251</a:t>
-                      </a:r>
-                      <a:endParaRPr lang="en-US" dirty="0">
-                        <a:latin typeface="+mn-lt"/>
-                      </a:endParaRPr>
-                    </a:p>
-                  </a:txBody>
-                  <a:tcPr/>
-                </a:tc>
-                <a:tc>
-                  <a:txBody>
-                    <a:bodyPr/>
-                    <a:lstStyle/>
-                    <a:p>
-                      <a:r>
-                        <a:rPr lang="en-US" dirty="0" smtClean="0">
-                          <a:latin typeface="+mn-lt"/>
-                        </a:rPr>
-                        <a:t>FRR: 0.42352</a:t>
-                      </a:r>
-                    </a:p>
-                    <a:p>
-                      <a:r>
-                        <a:rPr lang="en-US" dirty="0" smtClean="0">
-                          <a:latin typeface="+mn-lt"/>
-                        </a:rPr>
-                        <a:t>FAR: 0.40416</a:t>
-                      </a:r>
-                      <a:endParaRPr lang="en-US" dirty="0">
-                        <a:latin typeface="+mn-lt"/>
-                      </a:endParaRPr>
-                    </a:p>
-                  </a:txBody>
-                  <a:tcPr/>
-                </a:tc>
-                <a:tc>
-                  <a:txBody>
-                    <a:bodyPr/>
-                    <a:lstStyle/>
-                    <a:p>
-                      <a:r>
-                        <a:rPr lang="en-US" dirty="0" smtClean="0">
-                          <a:latin typeface="+mn-lt"/>
-                        </a:rPr>
-                        <a:t>FRR: 0.43820</a:t>
-                      </a:r>
-                    </a:p>
-                    <a:p>
-                      <a:r>
-                        <a:rPr lang="en-US" dirty="0" smtClean="0">
-                          <a:latin typeface="+mn-lt"/>
-                        </a:rPr>
-                        <a:t>FAR: 0.61659</a:t>
-                      </a:r>
-                      <a:endParaRPr lang="en-US" dirty="0">
-                        <a:latin typeface="+mn-lt"/>
-                      </a:endParaRPr>
-                    </a:p>
-                  </a:txBody>
-                  <a:tcPr/>
-                </a:tc>
-                <a:tc>
-                  <a:txBody>
-                    <a:bodyPr/>
-                    <a:lstStyle/>
-                    <a:p>
-                      <a:r>
-                        <a:rPr lang="en-US" dirty="0" smtClean="0">
-                          <a:latin typeface="+mn-lt"/>
-                        </a:rPr>
-                        <a:t>FRR: 0.39831</a:t>
-                      </a:r>
-                    </a:p>
-                    <a:p>
-                      <a:r>
-                        <a:rPr lang="en-US" dirty="0" smtClean="0">
-                          <a:latin typeface="+mn-lt"/>
-                        </a:rPr>
-                        <a:t>FAR: 0.50629</a:t>
+                        <a:t>FRR: 0.54113</a:t>
+                      </a:r>
+                    </a:p>
+                    <a:p>
+                      <a:r>
+                        <a:rPr lang="en-US" dirty="0" smtClean="0">
+                          <a:latin typeface="+mn-lt"/>
+                        </a:rPr>
+                        <a:t>FAR: 0.36796</a:t>
+                      </a:r>
+                      <a:endParaRPr lang="en-US" dirty="0" smtClean="0">
+                        <a:latin typeface="+mn-lt"/>
+                      </a:endParaRPr>
+                    </a:p>
+                  </a:txBody>
+                  <a:tcPr/>
+                </a:tc>
+                <a:tc>
+                  <a:txBody>
+                    <a:bodyPr/>
+                    <a:lstStyle/>
+                    <a:p>
+                      <a:r>
+                        <a:rPr lang="en-US" dirty="0" smtClean="0">
+                          <a:latin typeface="+mn-lt"/>
+                        </a:rPr>
+                        <a:t>FRR: 0.52174</a:t>
+                      </a:r>
+                    </a:p>
+                    <a:p>
+                      <a:r>
+                        <a:rPr lang="en-US" dirty="0" smtClean="0">
+                          <a:latin typeface="+mn-lt"/>
+                        </a:rPr>
+                        <a:t>FAR: 0.43388</a:t>
+                      </a:r>
+                      <a:endParaRPr lang="en-US" dirty="0">
+                        <a:latin typeface="+mn-lt"/>
+                      </a:endParaRPr>
+                    </a:p>
+                  </a:txBody>
+                  <a:tcPr/>
+                </a:tc>
+                <a:tc>
+                  <a:txBody>
+                    <a:bodyPr/>
+                    <a:lstStyle/>
+                    <a:p>
+                      <a:r>
+                        <a:rPr lang="en-US" dirty="0" smtClean="0">
+                          <a:latin typeface="+mn-lt"/>
+                        </a:rPr>
+                        <a:t>FRR: 0.49412</a:t>
+                      </a:r>
+                    </a:p>
+                    <a:p>
+                      <a:r>
+                        <a:rPr lang="en-US" dirty="0" smtClean="0">
+                          <a:latin typeface="+mn-lt"/>
+                        </a:rPr>
+                        <a:t>FAR: 0.31798</a:t>
+                      </a:r>
+                      <a:endParaRPr lang="en-US" dirty="0">
+                        <a:latin typeface="+mn-lt"/>
+                      </a:endParaRPr>
+                    </a:p>
+                  </a:txBody>
+                  <a:tcPr/>
+                </a:tc>
+                <a:tc>
+                  <a:txBody>
+                    <a:bodyPr/>
+                    <a:lstStyle/>
+                    <a:p>
+                      <a:r>
+                        <a:rPr lang="en-US" smtClean="0">
+                          <a:latin typeface="+mn-lt"/>
+                        </a:rPr>
+                        <a:t>FRR: 0.49438</a:t>
+                      </a:r>
+                    </a:p>
+                    <a:p>
+                      <a:r>
+                        <a:rPr lang="en-US" smtClean="0">
+                          <a:latin typeface="+mn-lt"/>
+                        </a:rPr>
+                        <a:t>FAR: 0.49821</a:t>
+                      </a:r>
+                      <a:endParaRPr lang="en-US" dirty="0">
+                        <a:latin typeface="+mn-lt"/>
+                      </a:endParaRPr>
+                    </a:p>
+                  </a:txBody>
+                  <a:tcPr/>
+                </a:tc>
+                <a:tc>
+                  <a:txBody>
+                    <a:bodyPr/>
+                    <a:lstStyle/>
+                    <a:p>
+                      <a:r>
+                        <a:rPr lang="en-US" dirty="0" smtClean="0">
+                          <a:latin typeface="+mn-lt"/>
+                        </a:rPr>
+                        <a:t>FRR: 0.56356</a:t>
+                      </a:r>
+                    </a:p>
+                    <a:p>
+                      <a:r>
+                        <a:rPr lang="en-US" dirty="0" smtClean="0">
+                          <a:latin typeface="+mn-lt"/>
+                        </a:rPr>
+                        <a:t>FAR: 0.41783</a:t>
                       </a:r>
                       <a:endParaRPr lang="en-US" dirty="0">
                         <a:latin typeface="+mn-lt"/>
@@ -5460,119 +5314,119 @@
                         <a:rPr lang="en-US" dirty="0" smtClean="0">
                           <a:latin typeface="+mn-lt"/>
                         </a:rPr>
-                        <a:t>FRR: 0.41628</a:t>
-                      </a:r>
-                    </a:p>
-                    <a:p>
-                      <a:r>
-                        <a:rPr lang="en-US" dirty="0" smtClean="0">
-                          <a:latin typeface="+mn-lt"/>
-                        </a:rPr>
-                        <a:t>FAR: 0.61578</a:t>
-                      </a:r>
-                      <a:endParaRPr lang="en-US" dirty="0">
-                        <a:latin typeface="+mn-lt"/>
-                      </a:endParaRPr>
-                    </a:p>
-                  </a:txBody>
-                  <a:tcPr/>
-                </a:tc>
-                <a:tc>
-                  <a:txBody>
-                    <a:bodyPr/>
-                    <a:lstStyle/>
-                    <a:p>
-                      <a:r>
-                        <a:rPr lang="en-US" dirty="0" smtClean="0">
-                          <a:latin typeface="+mn-lt"/>
-                        </a:rPr>
-                        <a:t>FRR: 0.41791</a:t>
-                      </a:r>
-                    </a:p>
-                    <a:p>
-                      <a:r>
-                        <a:rPr lang="en-US" dirty="0" smtClean="0">
-                          <a:latin typeface="+mn-lt"/>
-                        </a:rPr>
-                        <a:t>FAR: 0.56449</a:t>
-                      </a:r>
-                      <a:endParaRPr lang="en-US" dirty="0">
-                        <a:latin typeface="+mn-lt"/>
-                      </a:endParaRPr>
-                    </a:p>
-                  </a:txBody>
-                  <a:tcPr/>
-                </a:tc>
-                <a:tc>
-                  <a:txBody>
-                    <a:bodyPr/>
-                    <a:lstStyle/>
-                    <a:p>
-                      <a:r>
-                        <a:rPr lang="en-US" dirty="0" smtClean="0">
-                          <a:latin typeface="+mn-lt"/>
-                        </a:rPr>
-                        <a:t>FRR: 0.42424</a:t>
-                      </a:r>
-                    </a:p>
-                    <a:p>
-                      <a:r>
-                        <a:rPr lang="en-US" dirty="0" smtClean="0">
-                          <a:latin typeface="+mn-lt"/>
-                        </a:rPr>
-                        <a:t>FAR: 0.47704</a:t>
-                      </a:r>
-                      <a:endParaRPr lang="en-US" dirty="0">
-                        <a:latin typeface="+mn-lt"/>
-                      </a:endParaRPr>
-                    </a:p>
-                  </a:txBody>
-                  <a:tcPr/>
-                </a:tc>
-                <a:tc>
-                  <a:txBody>
-                    <a:bodyPr/>
-                    <a:lstStyle/>
-                    <a:p>
-                      <a:r>
-                        <a:rPr lang="en-US" dirty="0" smtClean="0">
-                          <a:latin typeface="+mn-lt"/>
-                        </a:rPr>
-                        <a:t>FRR: 0.5</a:t>
-                      </a:r>
-                    </a:p>
-                    <a:p>
-                      <a:r>
-                        <a:rPr lang="en-US" dirty="0" smtClean="0">
-                          <a:latin typeface="+mn-lt"/>
-                        </a:rPr>
-                        <a:t>FAR: 0.51381</a:t>
-                      </a:r>
-                      <a:endParaRPr lang="en-US" dirty="0">
-                        <a:latin typeface="+mn-lt"/>
-                      </a:endParaRPr>
-                    </a:p>
-                  </a:txBody>
-                  <a:tcPr/>
-                </a:tc>
-                <a:tc>
-                  <a:txBody>
-                    <a:bodyPr/>
-                    <a:lstStyle/>
-                    <a:p>
-                      <a:r>
-                        <a:rPr lang="en-US" dirty="0" smtClean="0">
-                          <a:latin typeface="+mn-lt"/>
-                        </a:rPr>
-                        <a:t>FFRR: 0.45291</a:t>
-                      </a:r>
-                    </a:p>
-                    <a:p>
-                      <a:r>
-                        <a:rPr lang="en-US" dirty="0" smtClean="0">
-                          <a:latin typeface="+mn-lt"/>
-                        </a:rPr>
-                        <a:t>FAR: 0.53845</a:t>
+                        <a:t>FRR: 0.51131</a:t>
+                      </a:r>
+                    </a:p>
+                    <a:p>
+                      <a:r>
+                        <a:rPr lang="en-US" dirty="0" smtClean="0">
+                          <a:latin typeface="+mn-lt"/>
+                        </a:rPr>
+                        <a:t>FAR: 0.36335</a:t>
+                      </a:r>
+                      <a:endParaRPr lang="en-US" dirty="0">
+                        <a:latin typeface="+mn-lt"/>
+                      </a:endParaRPr>
+                    </a:p>
+                  </a:txBody>
+                  <a:tcPr/>
+                </a:tc>
+                <a:tc>
+                  <a:txBody>
+                    <a:bodyPr/>
+                    <a:lstStyle/>
+                    <a:p>
+                      <a:r>
+                        <a:rPr lang="en-US" dirty="0" smtClean="0">
+                          <a:latin typeface="+mn-lt"/>
+                        </a:rPr>
+                        <a:t>FRR: 0.47761</a:t>
+                      </a:r>
+                    </a:p>
+                    <a:p>
+                      <a:r>
+                        <a:rPr lang="en-US" dirty="0" smtClean="0">
+                          <a:latin typeface="+mn-lt"/>
+                        </a:rPr>
+                        <a:t>FAR: 0.16136</a:t>
+                      </a:r>
+                      <a:endParaRPr lang="en-US" dirty="0">
+                        <a:latin typeface="+mn-lt"/>
+                      </a:endParaRPr>
+                    </a:p>
+                  </a:txBody>
+                  <a:tcPr/>
+                </a:tc>
+                <a:tc>
+                  <a:txBody>
+                    <a:bodyPr/>
+                    <a:lstStyle/>
+                    <a:p>
+                      <a:r>
+                        <a:rPr lang="en-US" dirty="0" smtClean="0">
+                          <a:latin typeface="+mn-lt"/>
+                        </a:rPr>
+                        <a:t>FRR: 0.63636</a:t>
+                      </a:r>
+                    </a:p>
+                    <a:p>
+                      <a:r>
+                        <a:rPr lang="en-US" dirty="0" smtClean="0">
+                          <a:latin typeface="+mn-lt"/>
+                        </a:rPr>
+                        <a:t>FAR: 0.10743</a:t>
+                      </a:r>
+                      <a:endParaRPr lang="en-US" dirty="0">
+                        <a:latin typeface="+mn-lt"/>
+                      </a:endParaRPr>
+                    </a:p>
+                  </a:txBody>
+                  <a:tcPr/>
+                </a:tc>
+                <a:tc>
+                  <a:txBody>
+                    <a:bodyPr/>
+                    <a:lstStyle/>
+                    <a:p>
+                      <a:r>
+                        <a:rPr lang="en-US" dirty="0" smtClean="0">
+                          <a:latin typeface="+mn-lt"/>
+                        </a:rPr>
+                        <a:t>FRR: 0.54167</a:t>
+                      </a:r>
+                    </a:p>
+                    <a:p>
+                      <a:r>
+                        <a:rPr lang="en-US" dirty="0" smtClean="0">
+                          <a:latin typeface="+mn-lt"/>
+                        </a:rPr>
+                        <a:t>FAR: 0.47107</a:t>
+                      </a:r>
+                      <a:endParaRPr lang="en-US" dirty="0">
+                        <a:latin typeface="+mn-lt"/>
+                      </a:endParaRPr>
+                    </a:p>
+                  </a:txBody>
+                  <a:tcPr/>
+                </a:tc>
+                <a:tc>
+                  <a:txBody>
+                    <a:bodyPr/>
+                    <a:lstStyle/>
+                    <a:p>
+                      <a:r>
+                        <a:rPr lang="en-US" dirty="0" smtClean="0">
+                          <a:latin typeface="+mn-lt"/>
+                        </a:rPr>
+                        <a:t>FRR: 0.51121</a:t>
+                      </a:r>
+                    </a:p>
+                    <a:p>
+                      <a:r>
+                        <a:rPr lang="en-US" dirty="0" smtClean="0">
+                          <a:latin typeface="+mn-lt"/>
+                        </a:rPr>
+                        <a:t>FAR: 0.29850</a:t>
                       </a:r>
                       <a:endParaRPr lang="en-US" dirty="0">
                         <a:latin typeface="+mn-lt"/>
@@ -5629,119 +5483,119 @@
                         <a:rPr lang="en-US" dirty="0" smtClean="0">
                           <a:latin typeface="+mn-lt"/>
                         </a:rPr>
-                        <a:t>FRR: 0.3935</a:t>
-                      </a:r>
-                    </a:p>
-                    <a:p>
-                      <a:r>
-                        <a:rPr lang="en-US" dirty="0" smtClean="0">
-                          <a:latin typeface="+mn-lt"/>
-                        </a:rPr>
-                        <a:t>FAR: 0.48854</a:t>
-                      </a:r>
-                      <a:endParaRPr lang="en-US" dirty="0">
-                        <a:latin typeface="+mn-lt"/>
-                      </a:endParaRPr>
-                    </a:p>
-                  </a:txBody>
-                  <a:tcPr/>
-                </a:tc>
-                <a:tc>
-                  <a:txBody>
-                    <a:bodyPr/>
-                    <a:lstStyle/>
-                    <a:p>
-                      <a:r>
-                        <a:rPr lang="en-US" dirty="0" smtClean="0">
-                          <a:latin typeface="+mn-lt"/>
-                        </a:rPr>
-                        <a:t>FRR: 0.44680</a:t>
-                      </a:r>
-                    </a:p>
-                    <a:p>
-                      <a:r>
-                        <a:rPr lang="en-US" dirty="0" smtClean="0">
-                          <a:latin typeface="+mn-lt"/>
-                        </a:rPr>
-                        <a:t>FAR: 0.53206</a:t>
-                      </a:r>
-                      <a:endParaRPr lang="en-US" dirty="0">
-                        <a:latin typeface="+mn-lt"/>
-                      </a:endParaRPr>
-                    </a:p>
-                  </a:txBody>
-                  <a:tcPr/>
-                </a:tc>
-                <a:tc>
-                  <a:txBody>
-                    <a:bodyPr/>
-                    <a:lstStyle/>
-                    <a:p>
-                      <a:r>
-                        <a:rPr lang="en-US" dirty="0" smtClean="0">
-                          <a:latin typeface="+mn-lt"/>
-                        </a:rPr>
-                        <a:t>FRR: 0.36633</a:t>
-                      </a:r>
-                    </a:p>
-                    <a:p>
-                      <a:r>
-                        <a:rPr lang="en-US" dirty="0" smtClean="0">
-                          <a:latin typeface="+mn-lt"/>
-                        </a:rPr>
-                        <a:t>FAR: 0.54357</a:t>
-                      </a:r>
-                      <a:endParaRPr lang="en-US" dirty="0">
-                        <a:latin typeface="+mn-lt"/>
-                      </a:endParaRPr>
-                    </a:p>
-                  </a:txBody>
-                  <a:tcPr/>
-                </a:tc>
-                <a:tc>
-                  <a:txBody>
-                    <a:bodyPr/>
-                    <a:lstStyle/>
-                    <a:p>
-                      <a:r>
-                        <a:rPr lang="en-US" dirty="0" smtClean="0">
-                          <a:latin typeface="+mn-lt"/>
-                        </a:rPr>
-                        <a:t>FRR: 0.44761</a:t>
-                      </a:r>
-                    </a:p>
-                    <a:p>
-                      <a:r>
-                        <a:rPr lang="en-US" dirty="0" smtClean="0">
-                          <a:latin typeface="+mn-lt"/>
-                        </a:rPr>
-                        <a:t>FAR: 0.55225</a:t>
-                      </a:r>
-                      <a:endParaRPr lang="en-US" dirty="0">
-                        <a:latin typeface="+mn-lt"/>
-                      </a:endParaRPr>
-                    </a:p>
-                  </a:txBody>
-                  <a:tcPr/>
-                </a:tc>
-                <a:tc>
-                  <a:txBody>
-                    <a:bodyPr/>
-                    <a:lstStyle/>
-                    <a:p>
-                      <a:r>
-                        <a:rPr lang="en-US" dirty="0" smtClean="0">
-                          <a:latin typeface="+mn-lt"/>
-                        </a:rPr>
-                        <a:t>FRR: 0.36032</a:t>
-                      </a:r>
-                    </a:p>
-                    <a:p>
-                      <a:r>
-                        <a:rPr lang="en-US" dirty="0" smtClean="0">
-                          <a:latin typeface="+mn-lt"/>
-                        </a:rPr>
-                        <a:t>FAR: 0.52532</a:t>
+                        <a:t>FRR: 0.53012</a:t>
+                      </a:r>
+                    </a:p>
+                    <a:p>
+                      <a:r>
+                        <a:rPr lang="en-US" dirty="0" smtClean="0">
+                          <a:latin typeface="+mn-lt"/>
+                        </a:rPr>
+                        <a:t>FAR: 0.07496</a:t>
+                      </a:r>
+                      <a:endParaRPr lang="en-US" dirty="0">
+                        <a:latin typeface="+mn-lt"/>
+                      </a:endParaRPr>
+                    </a:p>
+                  </a:txBody>
+                  <a:tcPr/>
+                </a:tc>
+                <a:tc>
+                  <a:txBody>
+                    <a:bodyPr/>
+                    <a:lstStyle/>
+                    <a:p>
+                      <a:r>
+                        <a:rPr lang="en-US" dirty="0" smtClean="0">
+                          <a:latin typeface="+mn-lt"/>
+                        </a:rPr>
+                        <a:t>FRR: 0.52128</a:t>
+                      </a:r>
+                    </a:p>
+                    <a:p>
+                      <a:r>
+                        <a:rPr lang="en-US" dirty="0" smtClean="0">
+                          <a:latin typeface="+mn-lt"/>
+                        </a:rPr>
+                        <a:t>FAR: 0.07935</a:t>
+                      </a:r>
+                      <a:endParaRPr lang="en-US" dirty="0">
+                        <a:latin typeface="+mn-lt"/>
+                      </a:endParaRPr>
+                    </a:p>
+                  </a:txBody>
+                  <a:tcPr/>
+                </a:tc>
+                <a:tc>
+                  <a:txBody>
+                    <a:bodyPr/>
+                    <a:lstStyle/>
+                    <a:p>
+                      <a:r>
+                        <a:rPr lang="en-US" dirty="0" smtClean="0">
+                          <a:latin typeface="+mn-lt"/>
+                        </a:rPr>
+                        <a:t>FRR: 0.50495</a:t>
+                      </a:r>
+                    </a:p>
+                    <a:p>
+                      <a:r>
+                        <a:rPr lang="en-US" dirty="0" smtClean="0">
+                          <a:latin typeface="+mn-lt"/>
+                        </a:rPr>
+                        <a:t>FAR: 0.49923</a:t>
+                      </a:r>
+                      <a:endParaRPr lang="en-US" dirty="0">
+                        <a:latin typeface="+mn-lt"/>
+                      </a:endParaRPr>
+                    </a:p>
+                  </a:txBody>
+                  <a:tcPr/>
+                </a:tc>
+                <a:tc>
+                  <a:txBody>
+                    <a:bodyPr/>
+                    <a:lstStyle/>
+                    <a:p>
+                      <a:r>
+                        <a:rPr lang="en-US" dirty="0" smtClean="0">
+                          <a:latin typeface="+mn-lt"/>
+                        </a:rPr>
+                        <a:t>FRR: 0.50476</a:t>
+                      </a:r>
+                    </a:p>
+                    <a:p>
+                      <a:r>
+                        <a:rPr lang="en-US" dirty="0" smtClean="0">
+                          <a:latin typeface="+mn-lt"/>
+                        </a:rPr>
+                        <a:t>FAR: 0.31491</a:t>
+                      </a:r>
+                      <a:endParaRPr lang="en-US" dirty="0" smtClean="0">
+                        <a:latin typeface="+mn-lt"/>
+                      </a:endParaRPr>
+                    </a:p>
+                  </a:txBody>
+                  <a:tcPr/>
+                </a:tc>
+                <a:tc>
+                  <a:txBody>
+                    <a:bodyPr/>
+                    <a:lstStyle/>
+                    <a:p>
+                      <a:r>
+                        <a:rPr lang="en-US" dirty="0" smtClean="0">
+                          <a:latin typeface="+mn-lt"/>
+                        </a:rPr>
+                        <a:t>FRR: 0.51417</a:t>
+                      </a:r>
+                    </a:p>
+                    <a:p>
+                      <a:r>
+                        <a:rPr lang="en-US" dirty="0" smtClean="0">
+                          <a:latin typeface="+mn-lt"/>
+                        </a:rPr>
+                        <a:t>FAR: 0.25974</a:t>
                       </a:r>
                       <a:endParaRPr lang="en-US" dirty="0">
                         <a:latin typeface="+mn-lt"/>
@@ -5790,15 +5644,15 @@
                         <a:rPr lang="en-US" dirty="0" smtClean="0">
                           <a:latin typeface="+mn-lt"/>
                         </a:rPr>
-                        <a:t>FRR: 0.44713</a:t>
-                      </a:r>
-                    </a:p>
-                    <a:p>
-                      <a:r>
-                        <a:rPr lang="en-US" dirty="0" smtClean="0">
-                          <a:latin typeface="+mn-lt"/>
-                        </a:rPr>
-                        <a:t>FAR: 0.52240</a:t>
+                        <a:t>FRR: 0.50963</a:t>
+                      </a:r>
+                    </a:p>
+                    <a:p>
+                      <a:r>
+                        <a:rPr lang="en-US" dirty="0" smtClean="0">
+                          <a:latin typeface="+mn-lt"/>
+                        </a:rPr>
+                        <a:t>FAR: 0.29235</a:t>
                       </a:r>
                       <a:endParaRPr lang="en-US" dirty="0">
                         <a:solidFill>
@@ -5819,15 +5673,15 @@
                         <a:rPr lang="en-US" dirty="0" smtClean="0">
                           <a:latin typeface="+mn-lt"/>
                         </a:rPr>
-                        <a:t>FRR: 0.47221</a:t>
-                      </a:r>
-                    </a:p>
-                    <a:p>
-                      <a:r>
-                        <a:rPr lang="en-US" dirty="0" smtClean="0">
-                          <a:latin typeface="+mn-lt"/>
-                        </a:rPr>
-                        <a:t>FAR: 0.51011</a:t>
+                        <a:t>FRR: 0.51154</a:t>
+                      </a:r>
+                    </a:p>
+                    <a:p>
+                      <a:r>
+                        <a:rPr lang="en-US" dirty="0" smtClean="0">
+                          <a:latin typeface="+mn-lt"/>
+                        </a:rPr>
+                        <a:t>FAR: 0.28046</a:t>
                       </a:r>
                       <a:endParaRPr lang="en-US" dirty="0">
                         <a:solidFill>
@@ -5848,15 +5702,15 @@
                         <a:rPr lang="en-US" dirty="0" smtClean="0">
                           <a:latin typeface="+mn-lt"/>
                         </a:rPr>
-                        <a:t>FRR: 0.45355</a:t>
-                      </a:r>
-                    </a:p>
-                    <a:p>
-                      <a:r>
-                        <a:rPr lang="en-US" dirty="0" smtClean="0">
-                          <a:latin typeface="+mn-lt"/>
-                        </a:rPr>
-                        <a:t>FAR: 0.51923</a:t>
+                        <a:t>FRR: 0.50670</a:t>
+                      </a:r>
+                    </a:p>
+                    <a:p>
+                      <a:r>
+                        <a:rPr lang="en-US" dirty="0" smtClean="0">
+                          <a:latin typeface="+mn-lt"/>
+                        </a:rPr>
+                        <a:t>FAR: 0.33296</a:t>
                       </a:r>
                       <a:endParaRPr lang="en-US" dirty="0">
                         <a:solidFill>
@@ -5877,15 +5731,15 @@
                         <a:rPr lang="en-US" dirty="0" smtClean="0">
                           <a:latin typeface="+mn-lt"/>
                         </a:rPr>
-                        <a:t>FRR: 0.45481</a:t>
-                      </a:r>
-                    </a:p>
-                    <a:p>
-                      <a:r>
-                        <a:rPr lang="en-US" dirty="0" smtClean="0">
-                          <a:latin typeface="+mn-lt"/>
-                        </a:rPr>
-                        <a:t>FAR: 0.48439</a:t>
+                        <a:t>FRR: 0.51488</a:t>
+                      </a:r>
+                    </a:p>
+                    <a:p>
+                      <a:r>
+                        <a:rPr lang="en-US" dirty="0" smtClean="0">
+                          <a:latin typeface="+mn-lt"/>
+                        </a:rPr>
+                        <a:t>FAR: 0.39757</a:t>
                       </a:r>
                       <a:endParaRPr lang="en-US" dirty="0">
                         <a:solidFill>
@@ -5906,15 +5760,15 @@
                         <a:rPr lang="en-US" dirty="0" smtClean="0">
                           <a:latin typeface="+mn-lt"/>
                         </a:rPr>
-                        <a:t>FRR: 0.43400</a:t>
-                      </a:r>
-                    </a:p>
-                    <a:p>
-                      <a:r>
-                        <a:rPr lang="en-US" dirty="0" smtClean="0">
-                          <a:latin typeface="+mn-lt"/>
-                        </a:rPr>
-                        <a:t>FAR: 0.51074</a:t>
+                        <a:t>FRR: 0.51127</a:t>
+                      </a:r>
+                    </a:p>
+                    <a:p>
+                      <a:r>
+                        <a:rPr lang="en-US" dirty="0" smtClean="0">
+                          <a:latin typeface="+mn-lt"/>
+                        </a:rPr>
+                        <a:t>FAR: 0.30590</a:t>
                       </a:r>
                       <a:endParaRPr lang="en-US" dirty="0">
                         <a:solidFill>
@@ -6019,13 +5873,13 @@
           <p:nvPr>
             <p:extLst>
               <p:ext uri="{D42A27DB-BD31-4B8C-83A1-F6EECF244321}">
-                <p14:modId xmlns:p14="http://schemas.microsoft.com/office/powerpoint/2010/main" val="540581017"/>
+                <p14:modId xmlns:p14="http://schemas.microsoft.com/office/powerpoint/2010/main" val="1646413780"/>
               </p:ext>
             </p:extLst>
           </p:nvPr>
         </p:nvGraphicFramePr>
         <p:xfrm>
-          <a:off x="788894" y="1269813"/>
+          <a:off x="788894" y="1246707"/>
           <a:ext cx="11008658" cy="5120640"/>
         </p:xfrm>
         <a:graphic>
@@ -6230,119 +6084,119 @@
                         <a:rPr lang="en-US" dirty="0" smtClean="0">
                           <a:latin typeface="+mn-lt"/>
                         </a:rPr>
-                        <a:t>FRR: 0.48927</a:t>
-                      </a:r>
-                    </a:p>
-                    <a:p>
-                      <a:r>
-                        <a:rPr lang="en-US" dirty="0" smtClean="0">
-                          <a:latin typeface="+mn-lt"/>
-                        </a:rPr>
-                        <a:t>FAR: 0.56078</a:t>
-                      </a:r>
-                      <a:endParaRPr lang="en-US" dirty="0">
-                        <a:latin typeface="+mn-lt"/>
-                      </a:endParaRPr>
-                    </a:p>
-                  </a:txBody>
-                  <a:tcPr/>
-                </a:tc>
-                <a:tc>
-                  <a:txBody>
-                    <a:bodyPr/>
-                    <a:lstStyle/>
-                    <a:p>
-                      <a:r>
-                        <a:rPr lang="en-US" dirty="0" smtClean="0">
-                          <a:latin typeface="+mn-lt"/>
-                        </a:rPr>
-                        <a:t>FRR: 0.51851</a:t>
-                      </a:r>
-                    </a:p>
-                    <a:p>
-                      <a:r>
-                        <a:rPr lang="en-US" dirty="0" smtClean="0">
-                          <a:latin typeface="+mn-lt"/>
-                        </a:rPr>
-                        <a:t>FAR: 0.57524</a:t>
-                      </a:r>
-                      <a:endParaRPr lang="en-US" dirty="0">
-                        <a:latin typeface="+mn-lt"/>
-                      </a:endParaRPr>
-                    </a:p>
-                  </a:txBody>
-                  <a:tcPr/>
-                </a:tc>
-                <a:tc>
-                  <a:txBody>
-                    <a:bodyPr/>
-                    <a:lstStyle/>
-                    <a:p>
-                      <a:r>
-                        <a:rPr lang="en-US" dirty="0" smtClean="0">
-                          <a:latin typeface="+mn-lt"/>
-                        </a:rPr>
-                        <a:t>FRR: 0.51562</a:t>
-                      </a:r>
-                    </a:p>
-                    <a:p>
-                      <a:r>
-                        <a:rPr lang="en-US" dirty="0" smtClean="0">
-                          <a:latin typeface="+mn-lt"/>
-                        </a:rPr>
-                        <a:t>FAR: 0.55372</a:t>
-                      </a:r>
-                      <a:endParaRPr lang="en-US" dirty="0">
-                        <a:latin typeface="+mn-lt"/>
-                      </a:endParaRPr>
-                    </a:p>
-                  </a:txBody>
-                  <a:tcPr/>
-                </a:tc>
-                <a:tc>
-                  <a:txBody>
-                    <a:bodyPr/>
-                    <a:lstStyle/>
-                    <a:p>
-                      <a:r>
-                        <a:rPr lang="en-US" dirty="0" smtClean="0">
-                          <a:latin typeface="+mn-lt"/>
-                        </a:rPr>
-                        <a:t>FRR: 0.42528</a:t>
-                      </a:r>
-                    </a:p>
-                    <a:p>
-                      <a:r>
-                        <a:rPr lang="en-US" dirty="0" smtClean="0">
-                          <a:latin typeface="+mn-lt"/>
-                        </a:rPr>
-                        <a:t>FAR: 0.57455</a:t>
-                      </a:r>
-                      <a:endParaRPr lang="en-US" dirty="0">
-                        <a:latin typeface="+mn-lt"/>
-                      </a:endParaRPr>
-                    </a:p>
-                  </a:txBody>
-                  <a:tcPr/>
-                </a:tc>
-                <a:tc>
-                  <a:txBody>
-                    <a:bodyPr/>
-                    <a:lstStyle/>
-                    <a:p>
-                      <a:r>
-                        <a:rPr lang="en-US" dirty="0" smtClean="0">
-                          <a:latin typeface="+mn-lt"/>
-                        </a:rPr>
-                        <a:t>FRR: 0.39130</a:t>
-                      </a:r>
-                    </a:p>
-                    <a:p>
-                      <a:r>
-                        <a:rPr lang="en-US" dirty="0" smtClean="0">
-                          <a:latin typeface="+mn-lt"/>
-                        </a:rPr>
-                        <a:t>FAR: 0.60416</a:t>
+                        <a:t>FRR: 0.53219</a:t>
+                      </a:r>
+                    </a:p>
+                    <a:p>
+                      <a:r>
+                        <a:rPr lang="en-US" dirty="0" smtClean="0">
+                          <a:latin typeface="+mn-lt"/>
+                        </a:rPr>
+                        <a:t>FAR: 0.49991</a:t>
+                      </a:r>
+                      <a:endParaRPr lang="en-US" dirty="0">
+                        <a:latin typeface="+mn-lt"/>
+                      </a:endParaRPr>
+                    </a:p>
+                  </a:txBody>
+                  <a:tcPr/>
+                </a:tc>
+                <a:tc>
+                  <a:txBody>
+                    <a:bodyPr/>
+                    <a:lstStyle/>
+                    <a:p>
+                      <a:r>
+                        <a:rPr lang="en-US" dirty="0" smtClean="0">
+                          <a:latin typeface="+mn-lt"/>
+                        </a:rPr>
+                        <a:t>FRR: 0.54321</a:t>
+                      </a:r>
+                    </a:p>
+                    <a:p>
+                      <a:r>
+                        <a:rPr lang="en-US" dirty="0" smtClean="0">
+                          <a:latin typeface="+mn-lt"/>
+                        </a:rPr>
+                        <a:t>FAR: 0.49764</a:t>
+                      </a:r>
+                      <a:endParaRPr lang="en-US" dirty="0">
+                        <a:latin typeface="+mn-lt"/>
+                      </a:endParaRPr>
+                    </a:p>
+                  </a:txBody>
+                  <a:tcPr/>
+                </a:tc>
+                <a:tc>
+                  <a:txBody>
+                    <a:bodyPr/>
+                    <a:lstStyle/>
+                    <a:p>
+                      <a:r>
+                        <a:rPr lang="en-US" dirty="0" smtClean="0">
+                          <a:latin typeface="+mn-lt"/>
+                        </a:rPr>
+                        <a:t>FRR: 0.60938</a:t>
+                      </a:r>
+                    </a:p>
+                    <a:p>
+                      <a:r>
+                        <a:rPr lang="en-US" dirty="0" smtClean="0">
+                          <a:latin typeface="+mn-lt"/>
+                        </a:rPr>
+                        <a:t>FAR: 0.54524</a:t>
+                      </a:r>
+                      <a:endParaRPr lang="en-US" dirty="0">
+                        <a:latin typeface="+mn-lt"/>
+                      </a:endParaRPr>
+                    </a:p>
+                  </a:txBody>
+                  <a:tcPr/>
+                </a:tc>
+                <a:tc>
+                  <a:txBody>
+                    <a:bodyPr/>
+                    <a:lstStyle/>
+                    <a:p>
+                      <a:r>
+                        <a:rPr lang="en-US" dirty="0" smtClean="0">
+                          <a:latin typeface="+mn-lt"/>
+                        </a:rPr>
+                        <a:t>FRR: 0.54023</a:t>
+                      </a:r>
+                    </a:p>
+                    <a:p>
+                      <a:r>
+                        <a:rPr lang="en-US" dirty="0" smtClean="0">
+                          <a:latin typeface="+mn-lt"/>
+                        </a:rPr>
+                        <a:t>FAR: 0.45982</a:t>
+                      </a:r>
+                      <a:endParaRPr lang="en-US" dirty="0">
+                        <a:latin typeface="+mn-lt"/>
+                      </a:endParaRPr>
+                    </a:p>
+                  </a:txBody>
+                  <a:tcPr/>
+                </a:tc>
+                <a:tc>
+                  <a:txBody>
+                    <a:bodyPr/>
+                    <a:lstStyle/>
+                    <a:p>
+                      <a:r>
+                        <a:rPr lang="en-US" dirty="0" smtClean="0">
+                          <a:latin typeface="+mn-lt"/>
+                        </a:rPr>
+                        <a:t>FRR: 0.45217</a:t>
+                      </a:r>
+                    </a:p>
+                    <a:p>
+                      <a:r>
+                        <a:rPr lang="en-US" dirty="0" smtClean="0">
+                          <a:latin typeface="+mn-lt"/>
+                        </a:rPr>
+                        <a:t>FAR: 0.53190</a:t>
                       </a:r>
                       <a:endParaRPr lang="en-US" dirty="0">
                         <a:latin typeface="+mn-lt"/>
@@ -6385,119 +6239,119 @@
                         <a:rPr lang="en-US" dirty="0" smtClean="0">
                           <a:latin typeface="+mn-lt"/>
                         </a:rPr>
-                        <a:t>FRR: 0.39316</a:t>
-                      </a:r>
-                    </a:p>
-                    <a:p>
-                      <a:r>
-                        <a:rPr lang="en-US" dirty="0" smtClean="0">
-                          <a:latin typeface="+mn-lt"/>
-                        </a:rPr>
-                        <a:t>FAR: 0.61953</a:t>
-                      </a:r>
-                      <a:endParaRPr lang="en-US" dirty="0">
-                        <a:latin typeface="+mn-lt"/>
-                      </a:endParaRPr>
-                    </a:p>
-                  </a:txBody>
-                  <a:tcPr/>
-                </a:tc>
-                <a:tc>
-                  <a:txBody>
-                    <a:bodyPr/>
-                    <a:lstStyle/>
-                    <a:p>
-                      <a:r>
-                        <a:rPr lang="en-US" dirty="0" smtClean="0">
-                          <a:latin typeface="+mn-lt"/>
-                        </a:rPr>
-                        <a:t>FRR: 0.46478</a:t>
-                      </a:r>
-                    </a:p>
-                    <a:p>
-                      <a:r>
-                        <a:rPr lang="en-US" dirty="0" smtClean="0">
-                          <a:latin typeface="+mn-lt"/>
-                        </a:rPr>
-                        <a:t>FAR: 0.55731</a:t>
-                      </a:r>
-                      <a:endParaRPr lang="en-US" dirty="0">
-                        <a:latin typeface="+mn-lt"/>
-                      </a:endParaRPr>
-                    </a:p>
-                  </a:txBody>
-                  <a:tcPr/>
-                </a:tc>
-                <a:tc>
-                  <a:txBody>
-                    <a:bodyPr/>
-                    <a:lstStyle/>
-                    <a:p>
-                      <a:r>
-                        <a:rPr lang="en-US" dirty="0" smtClean="0">
-                          <a:latin typeface="+mn-lt"/>
-                        </a:rPr>
-                        <a:t>FRR: 0.38775</a:t>
-                      </a:r>
-                    </a:p>
-                    <a:p>
-                      <a:r>
-                        <a:rPr lang="en-US" dirty="0" smtClean="0">
-                          <a:latin typeface="+mn-lt"/>
-                        </a:rPr>
-                        <a:t>FAR: 0.60931</a:t>
-                      </a:r>
-                      <a:endParaRPr lang="en-US" dirty="0">
-                        <a:latin typeface="+mn-lt"/>
-                      </a:endParaRPr>
-                    </a:p>
-                  </a:txBody>
-                  <a:tcPr/>
-                </a:tc>
-                <a:tc>
-                  <a:txBody>
-                    <a:bodyPr/>
-                    <a:lstStyle/>
-                    <a:p>
-                      <a:r>
-                        <a:rPr lang="en-US" dirty="0" smtClean="0">
-                          <a:latin typeface="+mn-lt"/>
-                        </a:rPr>
-                        <a:t>FRR: 0.39795</a:t>
-                      </a:r>
-                    </a:p>
-                    <a:p>
-                      <a:r>
-                        <a:rPr lang="en-US" dirty="0" smtClean="0">
-                          <a:latin typeface="+mn-lt"/>
-                        </a:rPr>
-                        <a:t>FAR: 0.61830</a:t>
-                      </a:r>
-                      <a:endParaRPr lang="en-US" dirty="0">
-                        <a:latin typeface="+mn-lt"/>
-                      </a:endParaRPr>
-                    </a:p>
-                  </a:txBody>
-                  <a:tcPr/>
-                </a:tc>
-                <a:tc>
-                  <a:txBody>
-                    <a:bodyPr/>
-                    <a:lstStyle/>
-                    <a:p>
-                      <a:r>
-                        <a:rPr lang="en-US" dirty="0" smtClean="0">
-                          <a:latin typeface="+mn-lt"/>
-                        </a:rPr>
-                        <a:t>FRR: 0.47059</a:t>
-                      </a:r>
-                    </a:p>
-                    <a:p>
-                      <a:r>
-                        <a:rPr lang="en-US" dirty="0" smtClean="0">
-                          <a:latin typeface="+mn-lt"/>
-                        </a:rPr>
-                        <a:t>FAR: 0.55904</a:t>
+                        <a:t>FRR: 0.43590</a:t>
+                      </a:r>
+                    </a:p>
+                    <a:p>
+                      <a:r>
+                        <a:rPr lang="en-US" dirty="0" smtClean="0">
+                          <a:latin typeface="+mn-lt"/>
+                        </a:rPr>
+                        <a:t>FAR: 0.58788</a:t>
+                      </a:r>
+                      <a:endParaRPr lang="en-US" dirty="0">
+                        <a:latin typeface="+mn-lt"/>
+                      </a:endParaRPr>
+                    </a:p>
+                  </a:txBody>
+                  <a:tcPr/>
+                </a:tc>
+                <a:tc>
+                  <a:txBody>
+                    <a:bodyPr/>
+                    <a:lstStyle/>
+                    <a:p>
+                      <a:r>
+                        <a:rPr lang="en-US" dirty="0" smtClean="0">
+                          <a:latin typeface="+mn-lt"/>
+                        </a:rPr>
+                        <a:t>FRR: 0.54930</a:t>
+                      </a:r>
+                    </a:p>
+                    <a:p>
+                      <a:r>
+                        <a:rPr lang="en-US" dirty="0" smtClean="0">
+                          <a:latin typeface="+mn-lt"/>
+                        </a:rPr>
+                        <a:t>FAR: 0.50461</a:t>
+                      </a:r>
+                      <a:endParaRPr lang="en-US" dirty="0">
+                        <a:latin typeface="+mn-lt"/>
+                      </a:endParaRPr>
+                    </a:p>
+                  </a:txBody>
+                  <a:tcPr/>
+                </a:tc>
+                <a:tc>
+                  <a:txBody>
+                    <a:bodyPr/>
+                    <a:lstStyle/>
+                    <a:p>
+                      <a:r>
+                        <a:rPr lang="en-US" dirty="0" smtClean="0">
+                          <a:latin typeface="+mn-lt"/>
+                        </a:rPr>
+                        <a:t>FRR: 0.62245</a:t>
+                      </a:r>
+                    </a:p>
+                    <a:p>
+                      <a:r>
+                        <a:rPr lang="en-US" dirty="0" smtClean="0">
+                          <a:latin typeface="+mn-lt"/>
+                        </a:rPr>
+                        <a:t>FAR: 0.58167</a:t>
+                      </a:r>
+                      <a:endParaRPr lang="en-US" dirty="0">
+                        <a:latin typeface="+mn-lt"/>
+                      </a:endParaRPr>
+                    </a:p>
+                  </a:txBody>
+                  <a:tcPr/>
+                </a:tc>
+                <a:tc>
+                  <a:txBody>
+                    <a:bodyPr/>
+                    <a:lstStyle/>
+                    <a:p>
+                      <a:r>
+                        <a:rPr lang="en-US" dirty="0" smtClean="0">
+                          <a:latin typeface="+mn-lt"/>
+                        </a:rPr>
+                        <a:t>FRR: 0.53061</a:t>
+                      </a:r>
+                    </a:p>
+                    <a:p>
+                      <a:r>
+                        <a:rPr lang="en-US" dirty="0" smtClean="0">
+                          <a:latin typeface="+mn-lt"/>
+                        </a:rPr>
+                        <a:t>FAR: 0.54188</a:t>
+                      </a:r>
+                      <a:endParaRPr lang="en-US" dirty="0">
+                        <a:latin typeface="+mn-lt"/>
+                      </a:endParaRPr>
+                    </a:p>
+                  </a:txBody>
+                  <a:tcPr/>
+                </a:tc>
+                <a:tc>
+                  <a:txBody>
+                    <a:bodyPr/>
+                    <a:lstStyle/>
+                    <a:p>
+                      <a:r>
+                        <a:rPr lang="en-US" dirty="0" smtClean="0">
+                          <a:latin typeface="+mn-lt"/>
+                        </a:rPr>
+                        <a:t>FRR: 0.51681</a:t>
+                      </a:r>
+                    </a:p>
+                    <a:p>
+                      <a:r>
+                        <a:rPr lang="en-US" dirty="0" smtClean="0">
+                          <a:latin typeface="+mn-lt"/>
+                        </a:rPr>
+                        <a:t>FAR: 0.52411</a:t>
                       </a:r>
                       <a:endParaRPr lang="en-US" dirty="0">
                         <a:latin typeface="+mn-lt"/>
@@ -6540,41 +6394,41 @@
                         <a:rPr lang="en-US" dirty="0" smtClean="0">
                           <a:latin typeface="+mn-lt"/>
                         </a:rPr>
-                        <a:t>FRR: 0.56378</a:t>
-                      </a:r>
-                    </a:p>
-                    <a:p>
-                      <a:r>
-                        <a:rPr lang="en-US" dirty="0" smtClean="0">
-                          <a:latin typeface="+mn-lt"/>
-                        </a:rPr>
-                        <a:t>FAR: 0.50034</a:t>
-                      </a:r>
-                      <a:endParaRPr lang="en-US" dirty="0">
-                        <a:latin typeface="+mn-lt"/>
-                      </a:endParaRPr>
-                    </a:p>
-                  </a:txBody>
-                  <a:tcPr/>
-                </a:tc>
-                <a:tc>
-                  <a:txBody>
-                    <a:bodyPr/>
-                    <a:lstStyle/>
-                    <a:p>
-                      <a:r>
-                        <a:rPr lang="en-US" dirty="0" smtClean="0">
-                          <a:latin typeface="+mn-lt"/>
-                        </a:rPr>
-                        <a:t>FRR: 0.46987</a:t>
-                      </a:r>
-                    </a:p>
-                    <a:p>
-                      <a:r>
-                        <a:rPr lang="en-US" dirty="0" smtClean="0">
-                          <a:latin typeface="+mn-lt"/>
-                        </a:rPr>
-                        <a:t>FAR: 0.65348</a:t>
+                        <a:t>FRR: 0.56379</a:t>
+                      </a:r>
+                    </a:p>
+                    <a:p>
+                      <a:r>
+                        <a:rPr lang="en-US" dirty="0" smtClean="0">
+                          <a:latin typeface="+mn-lt"/>
+                        </a:rPr>
+                        <a:t>FAR: 0.44082</a:t>
+                      </a:r>
+                      <a:endParaRPr lang="en-US" dirty="0">
+                        <a:latin typeface="+mn-lt"/>
+                      </a:endParaRPr>
+                    </a:p>
+                  </a:txBody>
+                  <a:tcPr/>
+                </a:tc>
+                <a:tc>
+                  <a:txBody>
+                    <a:bodyPr/>
+                    <a:lstStyle/>
+                    <a:p>
+                      <a:r>
+                        <a:rPr lang="en-US" dirty="0" smtClean="0">
+                          <a:latin typeface="+mn-lt"/>
+                        </a:rPr>
+                        <a:t>FRR: 0.59036</a:t>
+                      </a:r>
+                    </a:p>
+                    <a:p>
+                      <a:r>
+                        <a:rPr lang="en-US" dirty="0" smtClean="0">
+                          <a:latin typeface="+mn-lt"/>
+                        </a:rPr>
+                        <a:t>FAR: 0.44146</a:t>
                       </a:r>
                       <a:endParaRPr lang="en-US" dirty="0">
                         <a:latin typeface="+mn-lt"/>
@@ -6600,59 +6454,59 @@
                         <a:rPr lang="en-US" dirty="0" smtClean="0">
                           <a:latin typeface="+mn-lt"/>
                         </a:rPr>
-                        <a:t>FAR: 0.55463</a:t>
-                      </a:r>
-                      <a:endParaRPr lang="en-US" dirty="0">
-                        <a:latin typeface="+mn-lt"/>
-                      </a:endParaRPr>
-                    </a:p>
-                  </a:txBody>
-                  <a:tcPr/>
-                </a:tc>
-                <a:tc>
-                  <a:txBody>
-                    <a:bodyPr/>
-                    <a:lstStyle/>
-                    <a:p>
-                      <a:r>
-                        <a:rPr lang="en-US" dirty="0" smtClean="0">
-                          <a:latin typeface="+mn-lt"/>
-                        </a:rPr>
-                        <a:t>FRR: 0.37209</a:t>
-                      </a:r>
-                    </a:p>
-                    <a:p>
-                      <a:r>
-                        <a:rPr lang="en-US" dirty="0" smtClean="0">
-                          <a:latin typeface="+mn-lt"/>
-                        </a:rPr>
-                        <a:t>FAR: 0.63668</a:t>
-                      </a:r>
-                      <a:endParaRPr lang="en-US" dirty="0">
-                        <a:latin typeface="+mn-lt"/>
-                      </a:endParaRPr>
-                    </a:p>
-                  </a:txBody>
-                  <a:tcPr/>
-                </a:tc>
-                <a:tc>
-                  <a:txBody>
-                    <a:bodyPr/>
-                    <a:lstStyle/>
-                    <a:p>
-                      <a:r>
-                        <a:rPr lang="en-US" dirty="0" smtClean="0">
-                          <a:latin typeface="+mn-lt"/>
-                        </a:rPr>
-                        <a:t>FRR: 0.65690</a:t>
-                      </a:r>
-                    </a:p>
-                    <a:p>
-                      <a:r>
-                        <a:rPr lang="en-US" dirty="0" smtClean="0">
-                          <a:latin typeface="+mn-lt"/>
-                        </a:rPr>
-                        <a:t>FAR: 0.44852</a:t>
+                        <a:t>FAR: 0.55367</a:t>
+                      </a:r>
+                      <a:endParaRPr lang="en-US" dirty="0">
+                        <a:latin typeface="+mn-lt"/>
+                      </a:endParaRPr>
+                    </a:p>
+                  </a:txBody>
+                  <a:tcPr/>
+                </a:tc>
+                <a:tc>
+                  <a:txBody>
+                    <a:bodyPr/>
+                    <a:lstStyle/>
+                    <a:p>
+                      <a:r>
+                        <a:rPr lang="en-US" dirty="0" smtClean="0">
+                          <a:latin typeface="+mn-lt"/>
+                        </a:rPr>
+                        <a:t>FRR: 0.46512</a:t>
+                      </a:r>
+                    </a:p>
+                    <a:p>
+                      <a:r>
+                        <a:rPr lang="en-US" dirty="0" smtClean="0">
+                          <a:latin typeface="+mn-lt"/>
+                        </a:rPr>
+                        <a:t>FAR: 0.55031</a:t>
+                      </a:r>
+                      <a:endParaRPr lang="en-US" dirty="0">
+                        <a:latin typeface="+mn-lt"/>
+                      </a:endParaRPr>
+                    </a:p>
+                  </a:txBody>
+                  <a:tcPr/>
+                </a:tc>
+                <a:tc>
+                  <a:txBody>
+                    <a:bodyPr/>
+                    <a:lstStyle/>
+                    <a:p>
+                      <a:r>
+                        <a:rPr lang="en-US" dirty="0" smtClean="0">
+                          <a:latin typeface="+mn-lt"/>
+                        </a:rPr>
+                        <a:t>FRR: 0.49791</a:t>
+                      </a:r>
+                    </a:p>
+                    <a:p>
+                      <a:r>
+                        <a:rPr lang="en-US" dirty="0" smtClean="0">
+                          <a:latin typeface="+mn-lt"/>
+                        </a:rPr>
+                        <a:t>FAR: 0.45363</a:t>
                       </a:r>
                       <a:endParaRPr lang="en-US" dirty="0" smtClean="0">
                         <a:latin typeface="+mn-lt"/>
@@ -6695,119 +6549,119 @@
                         <a:rPr lang="en-US" dirty="0" smtClean="0">
                           <a:latin typeface="+mn-lt"/>
                         </a:rPr>
-                        <a:t>FRR: 0.54545</a:t>
-                      </a:r>
-                    </a:p>
-                    <a:p>
-                      <a:r>
-                        <a:rPr lang="en-US" dirty="0" smtClean="0">
-                          <a:latin typeface="+mn-lt"/>
-                        </a:rPr>
-                        <a:t>FAR: 0.51527</a:t>
-                      </a:r>
-                      <a:endParaRPr lang="en-US" dirty="0">
-                        <a:latin typeface="+mn-lt"/>
-                      </a:endParaRPr>
-                    </a:p>
-                  </a:txBody>
-                  <a:tcPr/>
-                </a:tc>
-                <a:tc>
-                  <a:txBody>
-                    <a:bodyPr/>
-                    <a:lstStyle/>
-                    <a:p>
-                      <a:r>
-                        <a:rPr lang="en-US" dirty="0" smtClean="0">
-                          <a:latin typeface="+mn-lt"/>
-                        </a:rPr>
-                        <a:t>FRR: 0.49275</a:t>
-                      </a:r>
-                    </a:p>
-                    <a:p>
-                      <a:r>
-                        <a:rPr lang="en-US" dirty="0" smtClean="0">
-                          <a:latin typeface="+mn-lt"/>
-                        </a:rPr>
-                        <a:t>FAR: 0.57273</a:t>
-                      </a:r>
-                      <a:endParaRPr lang="en-US" dirty="0">
-                        <a:latin typeface="+mn-lt"/>
-                      </a:endParaRPr>
-                    </a:p>
-                  </a:txBody>
-                  <a:tcPr/>
-                </a:tc>
-                <a:tc>
-                  <a:txBody>
-                    <a:bodyPr/>
-                    <a:lstStyle/>
-                    <a:p>
-                      <a:r>
-                        <a:rPr lang="en-US" dirty="0" smtClean="0">
-                          <a:latin typeface="+mn-lt"/>
-                        </a:rPr>
-                        <a:t>FRR: 0.54117</a:t>
-                      </a:r>
-                    </a:p>
-                    <a:p>
-                      <a:r>
-                        <a:rPr lang="en-US" dirty="0" smtClean="0">
-                          <a:latin typeface="+mn-lt"/>
-                        </a:rPr>
-                        <a:t>FAR: 0.57751</a:t>
-                      </a:r>
-                      <a:endParaRPr lang="en-US" dirty="0">
-                        <a:latin typeface="+mn-lt"/>
-                      </a:endParaRPr>
-                    </a:p>
-                  </a:txBody>
-                  <a:tcPr/>
-                </a:tc>
-                <a:tc>
-                  <a:txBody>
-                    <a:bodyPr/>
-                    <a:lstStyle/>
-                    <a:p>
-                      <a:r>
-                        <a:rPr lang="en-US" dirty="0" smtClean="0">
-                          <a:latin typeface="+mn-lt"/>
-                        </a:rPr>
-                        <a:t>FRR: 0.44943</a:t>
-                      </a:r>
-                    </a:p>
-                    <a:p>
-                      <a:r>
-                        <a:rPr lang="en-US" dirty="0" smtClean="0">
-                          <a:latin typeface="+mn-lt"/>
-                        </a:rPr>
-                        <a:t>FAR: 0.56950</a:t>
-                      </a:r>
-                      <a:endParaRPr lang="en-US" dirty="0">
-                        <a:latin typeface="+mn-lt"/>
-                      </a:endParaRPr>
-                    </a:p>
-                  </a:txBody>
-                  <a:tcPr/>
-                </a:tc>
-                <a:tc>
-                  <a:txBody>
-                    <a:bodyPr/>
-                    <a:lstStyle/>
-                    <a:p>
-                      <a:r>
-                        <a:rPr lang="en-US" dirty="0" smtClean="0">
-                          <a:latin typeface="+mn-lt"/>
-                        </a:rPr>
-                        <a:t>FRR: 0.52119</a:t>
-                      </a:r>
-                    </a:p>
-                    <a:p>
-                      <a:r>
-                        <a:rPr lang="en-US" dirty="0" smtClean="0">
-                          <a:latin typeface="+mn-lt"/>
-                        </a:rPr>
-                        <a:t>FAR: 0.53760</a:t>
+                        <a:t>FRR: 0.46753</a:t>
+                      </a:r>
+                    </a:p>
+                    <a:p>
+                      <a:r>
+                        <a:rPr lang="en-US" dirty="0" smtClean="0">
+                          <a:latin typeface="+mn-lt"/>
+                        </a:rPr>
+                        <a:t>FAR: 0.51646</a:t>
+                      </a:r>
+                      <a:endParaRPr lang="en-US" dirty="0">
+                        <a:latin typeface="+mn-lt"/>
+                      </a:endParaRPr>
+                    </a:p>
+                  </a:txBody>
+                  <a:tcPr/>
+                </a:tc>
+                <a:tc>
+                  <a:txBody>
+                    <a:bodyPr/>
+                    <a:lstStyle/>
+                    <a:p>
+                      <a:r>
+                        <a:rPr lang="en-US" dirty="0" smtClean="0">
+                          <a:latin typeface="+mn-lt"/>
+                        </a:rPr>
+                        <a:t>FRR: 0.43478</a:t>
+                      </a:r>
+                    </a:p>
+                    <a:p>
+                      <a:r>
+                        <a:rPr lang="en-US" dirty="0" smtClean="0">
+                          <a:latin typeface="+mn-lt"/>
+                        </a:rPr>
+                        <a:t>FAR: 0.52950</a:t>
+                      </a:r>
+                      <a:endParaRPr lang="en-US" dirty="0">
+                        <a:latin typeface="+mn-lt"/>
+                      </a:endParaRPr>
+                    </a:p>
+                  </a:txBody>
+                  <a:tcPr/>
+                </a:tc>
+                <a:tc>
+                  <a:txBody>
+                    <a:bodyPr/>
+                    <a:lstStyle/>
+                    <a:p>
+                      <a:r>
+                        <a:rPr lang="en-US" dirty="0" smtClean="0">
+                          <a:latin typeface="+mn-lt"/>
+                        </a:rPr>
+                        <a:t>FRR: 0.50588</a:t>
+                      </a:r>
+                    </a:p>
+                    <a:p>
+                      <a:r>
+                        <a:rPr lang="en-US" dirty="0" smtClean="0">
+                          <a:latin typeface="+mn-lt"/>
+                        </a:rPr>
+                        <a:t>FAR: 0.47152</a:t>
+                      </a:r>
+                      <a:endParaRPr lang="en-US" dirty="0">
+                        <a:latin typeface="+mn-lt"/>
+                      </a:endParaRPr>
+                    </a:p>
+                  </a:txBody>
+                  <a:tcPr/>
+                </a:tc>
+                <a:tc>
+                  <a:txBody>
+                    <a:bodyPr/>
+                    <a:lstStyle/>
+                    <a:p>
+                      <a:r>
+                        <a:rPr lang="en-US" dirty="0" smtClean="0">
+                          <a:latin typeface="+mn-lt"/>
+                        </a:rPr>
+                        <a:t>FRR: 0.50562</a:t>
+                      </a:r>
+                    </a:p>
+                    <a:p>
+                      <a:r>
+                        <a:rPr lang="en-US" dirty="0" smtClean="0">
+                          <a:latin typeface="+mn-lt"/>
+                        </a:rPr>
+                        <a:t>FAR: 0.55112</a:t>
+                      </a:r>
+                      <a:endParaRPr lang="en-US" dirty="0">
+                        <a:latin typeface="+mn-lt"/>
+                      </a:endParaRPr>
+                    </a:p>
+                  </a:txBody>
+                  <a:tcPr/>
+                </a:tc>
+                <a:tc>
+                  <a:txBody>
+                    <a:bodyPr/>
+                    <a:lstStyle/>
+                    <a:p>
+                      <a:r>
+                        <a:rPr lang="en-US" dirty="0" smtClean="0">
+                          <a:latin typeface="+mn-lt"/>
+                        </a:rPr>
+                        <a:t>FRR: 0.41949</a:t>
+                      </a:r>
+                    </a:p>
+                    <a:p>
+                      <a:r>
+                        <a:rPr lang="en-US" dirty="0" smtClean="0">
+                          <a:latin typeface="+mn-lt"/>
+                        </a:rPr>
+                        <a:t>FAR: 0.54202</a:t>
                       </a:r>
                       <a:endParaRPr lang="en-US" dirty="0">
                         <a:latin typeface="+mn-lt"/>
@@ -6858,111 +6712,111 @@
                         <a:rPr lang="en-US" dirty="0" smtClean="0">
                           <a:latin typeface="+mn-lt"/>
                         </a:rPr>
-                        <a:t>FAR: 0.51127</a:t>
-                      </a:r>
-                      <a:endParaRPr lang="en-US" dirty="0">
-                        <a:latin typeface="+mn-lt"/>
-                      </a:endParaRPr>
-                    </a:p>
-                  </a:txBody>
-                  <a:tcPr/>
-                </a:tc>
-                <a:tc>
-                  <a:txBody>
-                    <a:bodyPr/>
-                    <a:lstStyle/>
-                    <a:p>
-                      <a:r>
-                        <a:rPr lang="en-US" dirty="0" smtClean="0">
-                          <a:latin typeface="+mn-lt"/>
-                        </a:rPr>
-                        <a:t>FRR: 0.41791</a:t>
-                      </a:r>
-                    </a:p>
-                    <a:p>
-                      <a:r>
-                        <a:rPr lang="en-US" dirty="0" smtClean="0">
-                          <a:latin typeface="+mn-lt"/>
-                        </a:rPr>
-                        <a:t>FAR: 0.62468</a:t>
-                      </a:r>
-                      <a:endParaRPr lang="en-US" dirty="0">
-                        <a:latin typeface="+mn-lt"/>
-                      </a:endParaRPr>
-                    </a:p>
-                  </a:txBody>
-                  <a:tcPr/>
-                </a:tc>
-                <a:tc>
-                  <a:txBody>
-                    <a:bodyPr/>
-                    <a:lstStyle/>
-                    <a:p>
-                      <a:r>
-                        <a:rPr lang="en-US" dirty="0" smtClean="0">
-                          <a:latin typeface="+mn-lt"/>
-                        </a:rPr>
-                        <a:t>FRR: 0.60606</a:t>
-                      </a:r>
-                    </a:p>
-                    <a:p>
-                      <a:r>
-                        <a:rPr lang="en-US" dirty="0" smtClean="0">
-                          <a:latin typeface="+mn-lt"/>
-                        </a:rPr>
-                        <a:t>FAR: 0.56601</a:t>
-                      </a:r>
-                      <a:endParaRPr lang="en-US" dirty="0">
-                        <a:latin typeface="+mn-lt"/>
-                      </a:endParaRPr>
-                    </a:p>
-                  </a:txBody>
-                  <a:tcPr/>
-                </a:tc>
-                <a:tc>
-                  <a:txBody>
-                    <a:bodyPr/>
-                    <a:lstStyle/>
-                    <a:p>
-                      <a:r>
-                        <a:rPr lang="en-US" dirty="0" smtClean="0">
-                          <a:latin typeface="+mn-lt"/>
-                        </a:rPr>
-                        <a:t>FRR: 0.43055</a:t>
-                      </a:r>
-                    </a:p>
-                    <a:p>
-                      <a:r>
-                        <a:rPr lang="en-US" dirty="0" smtClean="0">
-                          <a:latin typeface="+mn-lt"/>
-                        </a:rPr>
-                        <a:t>FAR: 0.56476</a:t>
-                      </a:r>
-                      <a:endParaRPr lang="en-US" dirty="0">
-                        <a:latin typeface="+mn-lt"/>
-                      </a:endParaRPr>
-                    </a:p>
-                  </a:txBody>
-                  <a:tcPr/>
-                </a:tc>
-                <a:tc>
-                  <a:txBody>
-                    <a:bodyPr/>
-                    <a:lstStyle/>
-                    <a:p>
-                      <a:r>
-                        <a:rPr lang="en-US" dirty="0" smtClean="0">
-                          <a:latin typeface="+mn-lt"/>
-                        </a:rPr>
-                        <a:t>FRR: 0.48879</a:t>
-                      </a:r>
-                    </a:p>
-                    <a:p>
-                      <a:r>
-                        <a:rPr lang="en-US" dirty="0" smtClean="0">
-                          <a:latin typeface="+mn-lt"/>
-                        </a:rPr>
-                        <a:t>FAR: 0.54989</a:t>
+                        <a:t>FAR: 0.48502</a:t>
+                      </a:r>
+                      <a:endParaRPr lang="en-US" dirty="0">
+                        <a:latin typeface="+mn-lt"/>
+                      </a:endParaRPr>
+                    </a:p>
+                  </a:txBody>
+                  <a:tcPr/>
+                </a:tc>
+                <a:tc>
+                  <a:txBody>
+                    <a:bodyPr/>
+                    <a:lstStyle/>
+                    <a:p>
+                      <a:r>
+                        <a:rPr lang="en-US" dirty="0" smtClean="0">
+                          <a:latin typeface="+mn-lt"/>
+                        </a:rPr>
+                        <a:t>FRR: 0.46269</a:t>
+                      </a:r>
+                    </a:p>
+                    <a:p>
+                      <a:r>
+                        <a:rPr lang="en-US" dirty="0" smtClean="0">
+                          <a:latin typeface="+mn-lt"/>
+                        </a:rPr>
+                        <a:t>FAR: 0.49418</a:t>
+                      </a:r>
+                      <a:endParaRPr lang="en-US" dirty="0">
+                        <a:latin typeface="+mn-lt"/>
+                      </a:endParaRPr>
+                    </a:p>
+                  </a:txBody>
+                  <a:tcPr/>
+                </a:tc>
+                <a:tc>
+                  <a:txBody>
+                    <a:bodyPr/>
+                    <a:lstStyle/>
+                    <a:p>
+                      <a:r>
+                        <a:rPr lang="en-US" dirty="0" smtClean="0">
+                          <a:latin typeface="+mn-lt"/>
+                        </a:rPr>
+                        <a:t>FRR: 0.42424</a:t>
+                      </a:r>
+                    </a:p>
+                    <a:p>
+                      <a:r>
+                        <a:rPr lang="en-US" dirty="0" smtClean="0">
+                          <a:latin typeface="+mn-lt"/>
+                        </a:rPr>
+                        <a:t>FAR: 0.54946</a:t>
+                      </a:r>
+                      <a:endParaRPr lang="en-US" dirty="0">
+                        <a:latin typeface="+mn-lt"/>
+                      </a:endParaRPr>
+                    </a:p>
+                  </a:txBody>
+                  <a:tcPr/>
+                </a:tc>
+                <a:tc>
+                  <a:txBody>
+                    <a:bodyPr/>
+                    <a:lstStyle/>
+                    <a:p>
+                      <a:r>
+                        <a:rPr lang="en-US" dirty="0" smtClean="0">
+                          <a:latin typeface="+mn-lt"/>
+                        </a:rPr>
+                        <a:t>FRR: 0.54167</a:t>
+                      </a:r>
+                    </a:p>
+                    <a:p>
+                      <a:r>
+                        <a:rPr lang="en-US" dirty="0" smtClean="0">
+                          <a:latin typeface="+mn-lt"/>
+                        </a:rPr>
+                        <a:t>FAR: 0.58938</a:t>
+                      </a:r>
+                      <a:endParaRPr lang="en-US" dirty="0">
+                        <a:latin typeface="+mn-lt"/>
+                      </a:endParaRPr>
+                    </a:p>
+                  </a:txBody>
+                  <a:tcPr/>
+                </a:tc>
+                <a:tc>
+                  <a:txBody>
+                    <a:bodyPr/>
+                    <a:lstStyle/>
+                    <a:p>
+                      <a:r>
+                        <a:rPr lang="en-US" dirty="0" smtClean="0">
+                          <a:latin typeface="+mn-lt"/>
+                        </a:rPr>
+                        <a:t>FRR: 0.52915</a:t>
+                      </a:r>
+                    </a:p>
+                    <a:p>
+                      <a:r>
+                        <a:rPr lang="en-US" dirty="0" smtClean="0">
+                          <a:latin typeface="+mn-lt"/>
+                        </a:rPr>
+                        <a:t>FAR: 0.57732</a:t>
                       </a:r>
                       <a:endParaRPr lang="en-US" dirty="0">
                         <a:latin typeface="+mn-lt"/>
@@ -7019,119 +6873,119 @@
                         <a:rPr lang="en-US" dirty="0" smtClean="0">
                           <a:latin typeface="+mn-lt"/>
                         </a:rPr>
-                        <a:t>FRR: 0.48192</a:t>
-                      </a:r>
-                    </a:p>
-                    <a:p>
-                      <a:r>
-                        <a:rPr lang="en-US" dirty="0" smtClean="0">
-                          <a:latin typeface="+mn-lt"/>
-                        </a:rPr>
-                        <a:t>FAR: 0.53213</a:t>
-                      </a:r>
-                      <a:endParaRPr lang="en-US" dirty="0">
-                        <a:latin typeface="+mn-lt"/>
-                      </a:endParaRPr>
-                    </a:p>
-                  </a:txBody>
-                  <a:tcPr/>
-                </a:tc>
-                <a:tc>
-                  <a:txBody>
-                    <a:bodyPr/>
-                    <a:lstStyle/>
-                    <a:p>
-                      <a:r>
-                        <a:rPr lang="en-US" dirty="0" smtClean="0">
-                          <a:latin typeface="+mn-lt"/>
-                        </a:rPr>
-                        <a:t>FRR: 0.45744</a:t>
-                      </a:r>
-                    </a:p>
-                    <a:p>
-                      <a:r>
-                        <a:rPr lang="en-US" dirty="0" smtClean="0">
-                          <a:latin typeface="+mn-lt"/>
-                        </a:rPr>
-                        <a:t>FAR: 0.64565</a:t>
-                      </a:r>
-                      <a:endParaRPr lang="en-US" dirty="0">
-                        <a:latin typeface="+mn-lt"/>
-                      </a:endParaRPr>
-                    </a:p>
-                  </a:txBody>
-                  <a:tcPr/>
-                </a:tc>
-                <a:tc>
-                  <a:txBody>
-                    <a:bodyPr/>
-                    <a:lstStyle/>
-                    <a:p>
-                      <a:r>
-                        <a:rPr lang="en-US" dirty="0" smtClean="0">
-                          <a:latin typeface="+mn-lt"/>
-                        </a:rPr>
-                        <a:t>FRR: 0.56435</a:t>
-                      </a:r>
-                    </a:p>
-                    <a:p>
-                      <a:r>
-                        <a:rPr lang="en-US" dirty="0" smtClean="0">
-                          <a:latin typeface="+mn-lt"/>
-                        </a:rPr>
-                        <a:t>FAR: 0.63847</a:t>
-                      </a:r>
-                      <a:endParaRPr lang="en-US" dirty="0">
-                        <a:latin typeface="+mn-lt"/>
-                      </a:endParaRPr>
-                    </a:p>
-                  </a:txBody>
-                  <a:tcPr/>
-                </a:tc>
-                <a:tc>
-                  <a:txBody>
-                    <a:bodyPr/>
-                    <a:lstStyle/>
-                    <a:p>
-                      <a:r>
-                        <a:rPr lang="en-US" dirty="0" smtClean="0">
-                          <a:latin typeface="+mn-lt"/>
-                        </a:rPr>
-                        <a:t>FRR: 0.55238</a:t>
-                      </a:r>
-                    </a:p>
-                    <a:p>
-                      <a:r>
-                        <a:rPr lang="en-US" dirty="0" smtClean="0">
-                          <a:latin typeface="+mn-lt"/>
-                        </a:rPr>
-                        <a:t>FAR: 0.55039</a:t>
-                      </a:r>
-                      <a:endParaRPr lang="en-US" dirty="0">
-                        <a:latin typeface="+mn-lt"/>
-                      </a:endParaRPr>
-                    </a:p>
-                  </a:txBody>
-                  <a:tcPr/>
-                </a:tc>
-                <a:tc>
-                  <a:txBody>
-                    <a:bodyPr/>
-                    <a:lstStyle/>
-                    <a:p>
-                      <a:r>
-                        <a:rPr lang="en-US" dirty="0" smtClean="0">
-                          <a:latin typeface="+mn-lt"/>
-                        </a:rPr>
-                        <a:t>FRR: 0.33198</a:t>
-                      </a:r>
-                    </a:p>
-                    <a:p>
-                      <a:r>
-                        <a:rPr lang="en-US" dirty="0" smtClean="0">
-                          <a:latin typeface="+mn-lt"/>
-                        </a:rPr>
-                        <a:t>FAR: 0.57511</a:t>
+                        <a:t>FRR: 0.53815</a:t>
+                      </a:r>
+                    </a:p>
+                    <a:p>
+                      <a:r>
+                        <a:rPr lang="en-US" dirty="0" smtClean="0">
+                          <a:latin typeface="+mn-lt"/>
+                        </a:rPr>
+                        <a:t>FAR: 0.49802</a:t>
+                      </a:r>
+                      <a:endParaRPr lang="en-US" dirty="0">
+                        <a:latin typeface="+mn-lt"/>
+                      </a:endParaRPr>
+                    </a:p>
+                  </a:txBody>
+                  <a:tcPr/>
+                </a:tc>
+                <a:tc>
+                  <a:txBody>
+                    <a:bodyPr/>
+                    <a:lstStyle/>
+                    <a:p>
+                      <a:r>
+                        <a:rPr lang="en-US" dirty="0" smtClean="0">
+                          <a:latin typeface="+mn-lt"/>
+                        </a:rPr>
+                        <a:t>FRR: 0.44681</a:t>
+                      </a:r>
+                    </a:p>
+                    <a:p>
+                      <a:r>
+                        <a:rPr lang="en-US" dirty="0" smtClean="0">
+                          <a:latin typeface="+mn-lt"/>
+                        </a:rPr>
+                        <a:t>FAR: 0.46630</a:t>
+                      </a:r>
+                      <a:endParaRPr lang="en-US" dirty="0">
+                        <a:latin typeface="+mn-lt"/>
+                      </a:endParaRPr>
+                    </a:p>
+                  </a:txBody>
+                  <a:tcPr/>
+                </a:tc>
+                <a:tc>
+                  <a:txBody>
+                    <a:bodyPr/>
+                    <a:lstStyle/>
+                    <a:p>
+                      <a:r>
+                        <a:rPr lang="en-US" dirty="0" smtClean="0">
+                          <a:latin typeface="+mn-lt"/>
+                        </a:rPr>
+                        <a:t>FRR: 0.51485</a:t>
+                      </a:r>
+                    </a:p>
+                    <a:p>
+                      <a:r>
+                        <a:rPr lang="en-US" dirty="0" smtClean="0">
+                          <a:latin typeface="+mn-lt"/>
+                        </a:rPr>
+                        <a:t>FAR: 0.63125</a:t>
+                      </a:r>
+                      <a:endParaRPr lang="en-US" dirty="0">
+                        <a:latin typeface="+mn-lt"/>
+                      </a:endParaRPr>
+                    </a:p>
+                  </a:txBody>
+                  <a:tcPr/>
+                </a:tc>
+                <a:tc>
+                  <a:txBody>
+                    <a:bodyPr/>
+                    <a:lstStyle/>
+                    <a:p>
+                      <a:r>
+                        <a:rPr lang="en-US" dirty="0" smtClean="0">
+                          <a:latin typeface="+mn-lt"/>
+                        </a:rPr>
+                        <a:t>FRR: 0.52381</a:t>
+                      </a:r>
+                    </a:p>
+                    <a:p>
+                      <a:r>
+                        <a:rPr lang="en-US" dirty="0" smtClean="0">
+                          <a:latin typeface="+mn-lt"/>
+                        </a:rPr>
+                        <a:t>FAR: 0.49373</a:t>
+                      </a:r>
+                      <a:endParaRPr lang="en-US" dirty="0">
+                        <a:latin typeface="+mn-lt"/>
+                      </a:endParaRPr>
+                    </a:p>
+                  </a:txBody>
+                  <a:tcPr/>
+                </a:tc>
+                <a:tc>
+                  <a:txBody>
+                    <a:bodyPr/>
+                    <a:lstStyle/>
+                    <a:p>
+                      <a:r>
+                        <a:rPr lang="en-US" dirty="0" smtClean="0">
+                          <a:latin typeface="+mn-lt"/>
+                        </a:rPr>
+                        <a:t>FRR: 0.50607</a:t>
+                      </a:r>
+                    </a:p>
+                    <a:p>
+                      <a:r>
+                        <a:rPr lang="en-US" dirty="0" smtClean="0">
+                          <a:latin typeface="+mn-lt"/>
+                        </a:rPr>
+                        <a:t>FAR: 0.59845</a:t>
                       </a:r>
                       <a:endParaRPr lang="en-US" dirty="0">
                         <a:latin typeface="+mn-lt"/>
@@ -7146,7 +7000,7 @@
                   </a:ext>
                 </a:extLst>
               </a:tr>
-              <a:tr h="370840">
+              <a:tr h="616973">
                 <a:tc>
                   <a:txBody>
                     <a:bodyPr/>
@@ -7180,119 +7034,119 @@
                         <a:rPr lang="en-US" dirty="0" smtClean="0">
                           <a:latin typeface="+mn-lt"/>
                         </a:rPr>
-                        <a:t>FRR: 0.49748</a:t>
-                      </a:r>
-                    </a:p>
-                    <a:p>
-                      <a:r>
-                        <a:rPr lang="en-US" dirty="0" smtClean="0">
-                          <a:latin typeface="+mn-lt"/>
-                        </a:rPr>
-                        <a:t>FAR: 0.53989</a:t>
-                      </a:r>
-                      <a:endParaRPr lang="en-US" dirty="0">
-                        <a:latin typeface="+mn-lt"/>
-                      </a:endParaRPr>
-                    </a:p>
-                  </a:txBody>
-                  <a:tcPr/>
-                </a:tc>
-                <a:tc>
-                  <a:txBody>
-                    <a:bodyPr/>
-                    <a:lstStyle/>
-                    <a:p>
-                      <a:r>
-                        <a:rPr lang="en-US" dirty="0" smtClean="0">
-                          <a:latin typeface="+mn-lt"/>
-                        </a:rPr>
-                        <a:t>FRR: 0.47021</a:t>
-                      </a:r>
-                    </a:p>
-                    <a:p>
-                      <a:r>
-                        <a:rPr lang="en-US" dirty="0" smtClean="0">
-                          <a:latin typeface="+mn-lt"/>
-                        </a:rPr>
-                        <a:t>FAR: 0.60485</a:t>
-                      </a:r>
-                      <a:endParaRPr lang="en-US" dirty="0">
-                        <a:latin typeface="+mn-lt"/>
-                      </a:endParaRPr>
-                    </a:p>
-                  </a:txBody>
-                  <a:tcPr/>
-                </a:tc>
-                <a:tc>
-                  <a:txBody>
-                    <a:bodyPr/>
-                    <a:lstStyle/>
-                    <a:p>
-                      <a:r>
-                        <a:rPr lang="en-US" dirty="0" smtClean="0">
-                          <a:latin typeface="+mn-lt"/>
-                        </a:rPr>
-                        <a:t>FRR: 0.52240</a:t>
-                      </a:r>
-                    </a:p>
-                    <a:p>
-                      <a:r>
-                        <a:rPr lang="en-US" dirty="0" smtClean="0">
-                          <a:latin typeface="+mn-lt"/>
-                        </a:rPr>
-                        <a:t>FAR: 0.58328</a:t>
-                      </a:r>
-                      <a:endParaRPr lang="en-US" dirty="0">
-                        <a:latin typeface="+mn-lt"/>
-                      </a:endParaRPr>
-                    </a:p>
-                  </a:txBody>
-                  <a:tcPr/>
-                </a:tc>
-                <a:tc>
-                  <a:txBody>
-                    <a:bodyPr/>
-                    <a:lstStyle/>
-                    <a:p>
-                      <a:r>
-                        <a:rPr lang="en-US" dirty="0" smtClean="0">
-                          <a:latin typeface="+mn-lt"/>
-                        </a:rPr>
-                        <a:t>FRR: 0.43795</a:t>
-                      </a:r>
-                    </a:p>
-                    <a:p>
-                      <a:r>
-                        <a:rPr lang="en-US" dirty="0" smtClean="0">
-                          <a:latin typeface="+mn-lt"/>
-                        </a:rPr>
-                        <a:t>FAR: 0.58570</a:t>
-                      </a:r>
-                      <a:endParaRPr lang="en-US" dirty="0">
-                        <a:latin typeface="+mn-lt"/>
-                      </a:endParaRPr>
-                    </a:p>
-                  </a:txBody>
-                  <a:tcPr/>
-                </a:tc>
-                <a:tc>
-                  <a:txBody>
-                    <a:bodyPr/>
-                    <a:lstStyle/>
-                    <a:p>
-                      <a:r>
-                        <a:rPr lang="en-US" dirty="0" smtClean="0">
-                          <a:latin typeface="+mn-lt"/>
-                        </a:rPr>
-                        <a:t>FRR: 0.47679</a:t>
-                      </a:r>
-                    </a:p>
-                    <a:p>
-                      <a:r>
-                        <a:rPr lang="en-US" dirty="0" smtClean="0">
-                          <a:latin typeface="+mn-lt"/>
-                        </a:rPr>
-                        <a:t>FAR: 0.54572</a:t>
+                        <a:t>FRR: 0.50814</a:t>
+                      </a:r>
+                    </a:p>
+                    <a:p>
+                      <a:r>
+                        <a:rPr lang="en-US" dirty="0" smtClean="0">
+                          <a:latin typeface="+mn-lt"/>
+                        </a:rPr>
+                        <a:t>FAR: 0.50469</a:t>
+                      </a:r>
+                      <a:endParaRPr lang="en-US" dirty="0">
+                        <a:latin typeface="+mn-lt"/>
+                      </a:endParaRPr>
+                    </a:p>
+                  </a:txBody>
+                  <a:tcPr/>
+                </a:tc>
+                <a:tc>
+                  <a:txBody>
+                    <a:bodyPr/>
+                    <a:lstStyle/>
+                    <a:p>
+                      <a:r>
+                        <a:rPr lang="en-US" dirty="0" smtClean="0">
+                          <a:latin typeface="+mn-lt"/>
+                        </a:rPr>
+                        <a:t>FRR: 0.50452</a:t>
+                      </a:r>
+                    </a:p>
+                    <a:p>
+                      <a:r>
+                        <a:rPr lang="en-US" dirty="0" smtClean="0">
+                          <a:latin typeface="+mn-lt"/>
+                        </a:rPr>
+                        <a:t>FAR: 0.48895</a:t>
+                      </a:r>
+                      <a:endParaRPr lang="en-US" dirty="0">
+                        <a:latin typeface="+mn-lt"/>
+                      </a:endParaRPr>
+                    </a:p>
+                  </a:txBody>
+                  <a:tcPr/>
+                </a:tc>
+                <a:tc>
+                  <a:txBody>
+                    <a:bodyPr/>
+                    <a:lstStyle/>
+                    <a:p>
+                      <a:r>
+                        <a:rPr lang="en-US" dirty="0" smtClean="0">
+                          <a:latin typeface="+mn-lt"/>
+                        </a:rPr>
+                        <a:t>FRR: 0.53271</a:t>
+                      </a:r>
+                    </a:p>
+                    <a:p>
+                      <a:r>
+                        <a:rPr lang="en-US" dirty="0" smtClean="0">
+                          <a:latin typeface="+mn-lt"/>
+                        </a:rPr>
+                        <a:t>FAR: 0.55547</a:t>
+                      </a:r>
+                      <a:endParaRPr lang="en-US" dirty="0" smtClean="0">
+                        <a:latin typeface="+mn-lt"/>
+                      </a:endParaRPr>
+                    </a:p>
+                  </a:txBody>
+                  <a:tcPr/>
+                </a:tc>
+                <a:tc>
+                  <a:txBody>
+                    <a:bodyPr/>
+                    <a:lstStyle/>
+                    <a:p>
+                      <a:r>
+                        <a:rPr lang="en-US" dirty="0" smtClean="0">
+                          <a:latin typeface="+mn-lt"/>
+                        </a:rPr>
+                        <a:t>FRR: 0.51784</a:t>
+                      </a:r>
+                    </a:p>
+                    <a:p>
+                      <a:r>
+                        <a:rPr lang="en-US" dirty="0" smtClean="0">
+                          <a:latin typeface="+mn-lt"/>
+                        </a:rPr>
+                        <a:t>FAR: 0.53104</a:t>
+                      </a:r>
+                      <a:endParaRPr lang="en-US" dirty="0">
+                        <a:latin typeface="+mn-lt"/>
+                      </a:endParaRPr>
+                    </a:p>
+                  </a:txBody>
+                  <a:tcPr/>
+                </a:tc>
+                <a:tc>
+                  <a:txBody>
+                    <a:bodyPr/>
+                    <a:lstStyle/>
+                    <a:p>
+                      <a:r>
+                        <a:rPr lang="en-US" dirty="0" smtClean="0">
+                          <a:latin typeface="+mn-lt"/>
+                        </a:rPr>
+                        <a:t>FRR: 0.48693</a:t>
+                      </a:r>
+                    </a:p>
+                    <a:p>
+                      <a:r>
+                        <a:rPr lang="en-US" dirty="0" smtClean="0">
+                          <a:latin typeface="+mn-lt"/>
+                        </a:rPr>
+                        <a:t>FAR: 0.53791</a:t>
                       </a:r>
                       <a:endParaRPr lang="en-US" dirty="0">
                         <a:latin typeface="+mn-lt"/>
@@ -7394,7 +7248,7 @@
           <p:nvPr>
             <p:extLst>
               <p:ext uri="{D42A27DB-BD31-4B8C-83A1-F6EECF244321}">
-                <p14:modId xmlns:p14="http://schemas.microsoft.com/office/powerpoint/2010/main" val="3977228536"/>
+                <p14:modId xmlns:p14="http://schemas.microsoft.com/office/powerpoint/2010/main" val="106835297"/>
               </p:ext>
             </p:extLst>
           </p:nvPr>
@@ -7605,15 +7459,15 @@
                         <a:rPr lang="en-US" dirty="0" smtClean="0">
                           <a:latin typeface="+mn-lt"/>
                         </a:rPr>
-                        <a:t>FRR: 0.52789</a:t>
-                      </a:r>
-                    </a:p>
-                    <a:p>
-                      <a:r>
-                        <a:rPr lang="en-US" dirty="0" smtClean="0">
-                          <a:latin typeface="+mn-lt"/>
-                        </a:rPr>
-                        <a:t>FAR: 0.47900</a:t>
+                        <a:t>FRR: 0.56652</a:t>
+                      </a:r>
+                    </a:p>
+                    <a:p>
+                      <a:r>
+                        <a:rPr lang="en-US" dirty="0" smtClean="0">
+                          <a:latin typeface="+mn-lt"/>
+                        </a:rPr>
+                        <a:t>FAR: 0.49175</a:t>
                       </a:r>
                       <a:endParaRPr lang="en-US" dirty="0">
                         <a:latin typeface="+mn-lt"/>
@@ -7639,85 +7493,85 @@
                         <a:rPr lang="en-US" dirty="0" smtClean="0">
                           <a:latin typeface="+mn-lt"/>
                         </a:rPr>
-                        <a:t>FAR: 0.54640</a:t>
-                      </a:r>
-                      <a:endParaRPr lang="en-US" dirty="0">
-                        <a:latin typeface="+mn-lt"/>
-                      </a:endParaRPr>
-                    </a:p>
-                  </a:txBody>
-                  <a:tcPr/>
-                </a:tc>
-                <a:tc>
-                  <a:txBody>
-                    <a:bodyPr/>
-                    <a:lstStyle/>
-                    <a:p>
-                      <a:r>
-                        <a:rPr lang="en-US" dirty="0" smtClean="0">
-                          <a:latin typeface="+mn-lt"/>
-                        </a:rPr>
-                        <a:t>FRR: 0.46875</a:t>
-                      </a:r>
-                    </a:p>
-                    <a:p>
-                      <a:r>
-                        <a:rPr lang="en-US" dirty="0" smtClean="0">
-                          <a:latin typeface="+mn-lt"/>
-                        </a:rPr>
-                        <a:t>FAR: 0.58341</a:t>
-                      </a:r>
-                      <a:endParaRPr lang="en-US" dirty="0">
-                        <a:latin typeface="+mn-lt"/>
-                      </a:endParaRPr>
-                    </a:p>
-                  </a:txBody>
-                  <a:tcPr/>
-                </a:tc>
-                <a:tc>
-                  <a:txBody>
-                    <a:bodyPr/>
-                    <a:lstStyle/>
-                    <a:p>
-                      <a:r>
-                        <a:rPr lang="en-US" dirty="0" smtClean="0">
-                          <a:latin typeface="+mn-lt"/>
-                        </a:rPr>
-                        <a:t>FRR: 0.72413</a:t>
-                      </a:r>
-                    </a:p>
-                    <a:p>
-                      <a:r>
-                        <a:rPr lang="en-US" dirty="0" smtClean="0">
-                          <a:latin typeface="+mn-lt"/>
-                        </a:rPr>
-                        <a:t>FAR: 0.46741</a:t>
-                      </a:r>
-                      <a:endParaRPr lang="en-US" dirty="0">
-                        <a:latin typeface="+mn-lt"/>
-                      </a:endParaRPr>
-                    </a:p>
-                  </a:txBody>
-                  <a:tcPr/>
-                </a:tc>
-                <a:tc>
-                  <a:txBody>
-                    <a:bodyPr/>
-                    <a:lstStyle/>
-                    <a:p>
-                      <a:r>
-                        <a:rPr lang="en-US" dirty="0" smtClean="0">
-                          <a:latin typeface="+mn-lt"/>
-                        </a:rPr>
-                        <a:t>FRR: 0.42174</a:t>
-                      </a:r>
-                    </a:p>
-                    <a:p>
-                      <a:r>
-                        <a:rPr lang="en-US" dirty="0" smtClean="0">
-                          <a:latin typeface="+mn-lt"/>
-                        </a:rPr>
-                        <a:t>FAR: 0.60264</a:t>
+                        <a:t>FAR: 0.52019</a:t>
+                      </a:r>
+                      <a:endParaRPr lang="en-US" dirty="0">
+                        <a:latin typeface="+mn-lt"/>
+                      </a:endParaRPr>
+                    </a:p>
+                  </a:txBody>
+                  <a:tcPr/>
+                </a:tc>
+                <a:tc>
+                  <a:txBody>
+                    <a:bodyPr/>
+                    <a:lstStyle/>
+                    <a:p>
+                      <a:r>
+                        <a:rPr lang="en-US" dirty="0" smtClean="0">
+                          <a:latin typeface="+mn-lt"/>
+                        </a:rPr>
+                        <a:t>FRR: 0.67188</a:t>
+                      </a:r>
+                    </a:p>
+                    <a:p>
+                      <a:r>
+                        <a:rPr lang="en-US" dirty="0" smtClean="0">
+                          <a:latin typeface="+mn-lt"/>
+                        </a:rPr>
+                        <a:t>FAR: 0.51272</a:t>
+                      </a:r>
+                      <a:endParaRPr lang="en-US" dirty="0">
+                        <a:latin typeface="+mn-lt"/>
+                      </a:endParaRPr>
+                    </a:p>
+                  </a:txBody>
+                  <a:tcPr/>
+                </a:tc>
+                <a:tc>
+                  <a:txBody>
+                    <a:bodyPr/>
+                    <a:lstStyle/>
+                    <a:p>
+                      <a:r>
+                        <a:rPr lang="en-US" dirty="0" smtClean="0">
+                          <a:latin typeface="+mn-lt"/>
+                        </a:rPr>
+                        <a:t>FRR: 0.35632</a:t>
+                      </a:r>
+                    </a:p>
+                    <a:p>
+                      <a:r>
+                        <a:rPr lang="en-US" dirty="0" smtClean="0">
+                          <a:latin typeface="+mn-lt"/>
+                        </a:rPr>
+                        <a:t>FAR: 0.49018</a:t>
+                      </a:r>
+                      <a:endParaRPr lang="en-US" dirty="0">
+                        <a:latin typeface="+mn-lt"/>
+                      </a:endParaRPr>
+                    </a:p>
+                  </a:txBody>
+                  <a:tcPr/>
+                </a:tc>
+                <a:tc>
+                  <a:txBody>
+                    <a:bodyPr/>
+                    <a:lstStyle/>
+                    <a:p>
+                      <a:r>
+                        <a:rPr lang="en-US" dirty="0" smtClean="0">
+                          <a:latin typeface="+mn-lt"/>
+                        </a:rPr>
+                        <a:t>FRR: 0.50870</a:t>
+                      </a:r>
+                    </a:p>
+                    <a:p>
+                      <a:r>
+                        <a:rPr lang="en-US" dirty="0" smtClean="0">
+                          <a:latin typeface="+mn-lt"/>
+                        </a:rPr>
+                        <a:t>FAR: 0.55069</a:t>
                       </a:r>
                       <a:endParaRPr lang="en-US" dirty="0">
                         <a:latin typeface="+mn-lt"/>
@@ -7760,119 +7614,119 @@
                         <a:rPr lang="en-US" dirty="0" smtClean="0">
                           <a:latin typeface="+mn-lt"/>
                         </a:rPr>
-                        <a:t>FRR: 0.52564</a:t>
-                      </a:r>
-                    </a:p>
-                    <a:p>
-                      <a:r>
-                        <a:rPr lang="en-US" dirty="0" smtClean="0">
-                          <a:latin typeface="+mn-lt"/>
-                        </a:rPr>
-                        <a:t>FAR: 0.48221</a:t>
-                      </a:r>
-                      <a:endParaRPr lang="en-US" dirty="0">
-                        <a:latin typeface="+mn-lt"/>
-                      </a:endParaRPr>
-                    </a:p>
-                  </a:txBody>
-                  <a:tcPr/>
-                </a:tc>
-                <a:tc>
-                  <a:txBody>
-                    <a:bodyPr/>
-                    <a:lstStyle/>
-                    <a:p>
-                      <a:r>
-                        <a:rPr lang="en-US" dirty="0" smtClean="0">
-                          <a:latin typeface="+mn-lt"/>
-                        </a:rPr>
-                        <a:t>FRR: 0.47887</a:t>
-                      </a:r>
-                    </a:p>
-                    <a:p>
-                      <a:r>
-                        <a:rPr lang="en-US" dirty="0" smtClean="0">
-                          <a:latin typeface="+mn-lt"/>
-                        </a:rPr>
-                        <a:t>FAR: 0.60491</a:t>
-                      </a:r>
-                      <a:endParaRPr lang="en-US" dirty="0">
-                        <a:latin typeface="+mn-lt"/>
-                      </a:endParaRPr>
-                    </a:p>
-                  </a:txBody>
-                  <a:tcPr/>
-                </a:tc>
-                <a:tc>
-                  <a:txBody>
-                    <a:bodyPr/>
-                    <a:lstStyle/>
-                    <a:p>
-                      <a:r>
-                        <a:rPr lang="en-US" dirty="0" smtClean="0">
-                          <a:latin typeface="+mn-lt"/>
-                        </a:rPr>
-                        <a:t>FRR: 0.39795</a:t>
-                      </a:r>
-                    </a:p>
-                    <a:p>
-                      <a:r>
-                        <a:rPr lang="en-US" dirty="0" smtClean="0">
-                          <a:latin typeface="+mn-lt"/>
-                        </a:rPr>
-                        <a:t>FAR: 0.62928</a:t>
-                      </a:r>
-                      <a:endParaRPr lang="en-US" dirty="0">
-                        <a:latin typeface="+mn-lt"/>
-                      </a:endParaRPr>
-                    </a:p>
-                  </a:txBody>
-                  <a:tcPr/>
-                </a:tc>
-                <a:tc>
-                  <a:txBody>
-                    <a:bodyPr/>
-                    <a:lstStyle/>
-                    <a:p>
-                      <a:r>
-                        <a:rPr lang="en-US" dirty="0" smtClean="0">
-                          <a:latin typeface="+mn-lt"/>
-                        </a:rPr>
-                        <a:t>FRR: 0.39795</a:t>
-                      </a:r>
-                    </a:p>
-                    <a:p>
-                      <a:r>
-                        <a:rPr lang="en-US" dirty="0" smtClean="0">
-                          <a:latin typeface="+mn-lt"/>
-                        </a:rPr>
-                        <a:t>FAR: 0.57757</a:t>
-                      </a:r>
-                      <a:endParaRPr lang="en-US" dirty="0">
-                        <a:latin typeface="+mn-lt"/>
-                      </a:endParaRPr>
-                    </a:p>
-                  </a:txBody>
-                  <a:tcPr/>
-                </a:tc>
-                <a:tc>
-                  <a:txBody>
-                    <a:bodyPr/>
-                    <a:lstStyle/>
-                    <a:p>
-                      <a:r>
-                        <a:rPr lang="en-US" dirty="0" smtClean="0">
-                          <a:latin typeface="+mn-lt"/>
-                        </a:rPr>
-                        <a:t>FRR: 0.48739</a:t>
-                      </a:r>
-                    </a:p>
-                    <a:p>
-                      <a:r>
-                        <a:rPr lang="en-US" dirty="0" smtClean="0">
-                          <a:latin typeface="+mn-lt"/>
-                        </a:rPr>
-                        <a:t>FAR: 0.57693</a:t>
+                        <a:t>FRR: 0.46581</a:t>
+                      </a:r>
+                    </a:p>
+                    <a:p>
+                      <a:r>
+                        <a:rPr lang="en-US" dirty="0" smtClean="0">
+                          <a:latin typeface="+mn-lt"/>
+                        </a:rPr>
+                        <a:t>FAR: 0.57751</a:t>
+                      </a:r>
+                      <a:endParaRPr lang="en-US" dirty="0">
+                        <a:latin typeface="+mn-lt"/>
+                      </a:endParaRPr>
+                    </a:p>
+                  </a:txBody>
+                  <a:tcPr/>
+                </a:tc>
+                <a:tc>
+                  <a:txBody>
+                    <a:bodyPr/>
+                    <a:lstStyle/>
+                    <a:p>
+                      <a:r>
+                        <a:rPr lang="en-US" dirty="0" smtClean="0">
+                          <a:latin typeface="+mn-lt"/>
+                        </a:rPr>
+                        <a:t>FRR: 0.45070</a:t>
+                      </a:r>
+                    </a:p>
+                    <a:p>
+                      <a:r>
+                        <a:rPr lang="en-US" dirty="0" smtClean="0">
+                          <a:latin typeface="+mn-lt"/>
+                        </a:rPr>
+                        <a:t>FAR: 0.49642</a:t>
+                      </a:r>
+                      <a:endParaRPr lang="en-US" dirty="0">
+                        <a:latin typeface="+mn-lt"/>
+                      </a:endParaRPr>
+                    </a:p>
+                  </a:txBody>
+                  <a:tcPr/>
+                </a:tc>
+                <a:tc>
+                  <a:txBody>
+                    <a:bodyPr/>
+                    <a:lstStyle/>
+                    <a:p>
+                      <a:r>
+                        <a:rPr lang="en-US" dirty="0" smtClean="0">
+                          <a:latin typeface="+mn-lt"/>
+                        </a:rPr>
+                        <a:t>FRR: 0.46939</a:t>
+                      </a:r>
+                    </a:p>
+                    <a:p>
+                      <a:r>
+                        <a:rPr lang="en-US" dirty="0" smtClean="0">
+                          <a:latin typeface="+mn-lt"/>
+                        </a:rPr>
+                        <a:t>FAR: 0.55556</a:t>
+                      </a:r>
+                      <a:endParaRPr lang="en-US" dirty="0">
+                        <a:latin typeface="+mn-lt"/>
+                      </a:endParaRPr>
+                    </a:p>
+                  </a:txBody>
+                  <a:tcPr/>
+                </a:tc>
+                <a:tc>
+                  <a:txBody>
+                    <a:bodyPr/>
+                    <a:lstStyle/>
+                    <a:p>
+                      <a:r>
+                        <a:rPr lang="en-US" dirty="0" smtClean="0">
+                          <a:latin typeface="+mn-lt"/>
+                        </a:rPr>
+                        <a:t>FRR: 0.54082</a:t>
+                      </a:r>
+                    </a:p>
+                    <a:p>
+                      <a:r>
+                        <a:rPr lang="en-US" dirty="0" smtClean="0">
+                          <a:latin typeface="+mn-lt"/>
+                        </a:rPr>
+                        <a:t>FAR: 0.56247</a:t>
+                      </a:r>
+                      <a:endParaRPr lang="en-US" dirty="0">
+                        <a:latin typeface="+mn-lt"/>
+                      </a:endParaRPr>
+                    </a:p>
+                  </a:txBody>
+                  <a:tcPr/>
+                </a:tc>
+                <a:tc>
+                  <a:txBody>
+                    <a:bodyPr/>
+                    <a:lstStyle/>
+                    <a:p>
+                      <a:r>
+                        <a:rPr lang="en-US" dirty="0" smtClean="0">
+                          <a:latin typeface="+mn-lt"/>
+                        </a:rPr>
+                        <a:t>FRR: 0.56303</a:t>
+                      </a:r>
+                    </a:p>
+                    <a:p>
+                      <a:r>
+                        <a:rPr lang="en-US" dirty="0" smtClean="0">
+                          <a:latin typeface="+mn-lt"/>
+                        </a:rPr>
+                        <a:t>FAR: 0.51934</a:t>
                       </a:r>
                       <a:endParaRPr lang="en-US" dirty="0">
                         <a:latin typeface="+mn-lt"/>
@@ -7915,93 +7769,93 @@
                         <a:rPr lang="en-US" dirty="0" smtClean="0">
                           <a:latin typeface="+mn-lt"/>
                         </a:rPr>
-                        <a:t>FRR: 0.48148</a:t>
-                      </a:r>
-                    </a:p>
-                    <a:p>
-                      <a:r>
-                        <a:rPr lang="en-US" dirty="0" smtClean="0">
-                          <a:latin typeface="+mn-lt"/>
-                        </a:rPr>
-                        <a:t>FAR: 0.61320</a:t>
-                      </a:r>
-                      <a:endParaRPr lang="en-US" dirty="0">
-                        <a:latin typeface="+mn-lt"/>
-                      </a:endParaRPr>
-                    </a:p>
-                  </a:txBody>
-                  <a:tcPr/>
-                </a:tc>
-                <a:tc>
-                  <a:txBody>
-                    <a:bodyPr/>
-                    <a:lstStyle/>
-                    <a:p>
-                      <a:r>
-                        <a:rPr lang="en-US" dirty="0" smtClean="0">
-                          <a:latin typeface="+mn-lt"/>
-                        </a:rPr>
-                        <a:t>FRR: 0.46987</a:t>
-                      </a:r>
-                    </a:p>
-                    <a:p>
-                      <a:r>
-                        <a:rPr lang="en-US" dirty="0" smtClean="0">
-                          <a:latin typeface="+mn-lt"/>
-                        </a:rPr>
-                        <a:t>FAR: 0.59229</a:t>
-                      </a:r>
-                      <a:endParaRPr lang="en-US" dirty="0">
-                        <a:latin typeface="+mn-lt"/>
-                      </a:endParaRPr>
-                    </a:p>
-                  </a:txBody>
-                  <a:tcPr/>
-                </a:tc>
-                <a:tc>
-                  <a:txBody>
-                    <a:bodyPr/>
-                    <a:lstStyle/>
-                    <a:p>
-                      <a:r>
-                        <a:rPr lang="en-US" dirty="0" smtClean="0">
-                          <a:latin typeface="+mn-lt"/>
-                        </a:rPr>
-                        <a:t>FRR: 0.44155</a:t>
-                      </a:r>
-                    </a:p>
-                    <a:p>
-                      <a:r>
-                        <a:rPr lang="en-US" dirty="0" smtClean="0">
-                          <a:latin typeface="+mn-lt"/>
-                        </a:rPr>
-                        <a:t>FAR: 0.64400</a:t>
-                      </a:r>
-                      <a:endParaRPr lang="en-US" dirty="0">
-                        <a:latin typeface="+mn-lt"/>
-                      </a:endParaRPr>
-                    </a:p>
-                  </a:txBody>
-                  <a:tcPr/>
-                </a:tc>
-                <a:tc>
-                  <a:txBody>
-                    <a:bodyPr/>
-                    <a:lstStyle/>
-                    <a:p>
-                      <a:r>
-                        <a:rPr lang="en-US" dirty="0" smtClean="0">
-                          <a:latin typeface="+mn-lt"/>
-                        </a:rPr>
-                        <a:t>FRR: 0.45348</a:t>
-                      </a:r>
-                    </a:p>
-                    <a:p>
-                      <a:r>
-                        <a:rPr lang="en-US" dirty="0" smtClean="0">
-                          <a:latin typeface="+mn-lt"/>
-                        </a:rPr>
-                        <a:t>FAR: 0.62733</a:t>
+                        <a:t>FRR: 0.52263</a:t>
+                      </a:r>
+                    </a:p>
+                    <a:p>
+                      <a:r>
+                        <a:rPr lang="en-US" dirty="0" smtClean="0">
+                          <a:latin typeface="+mn-lt"/>
+                        </a:rPr>
+                        <a:t>FAR: 0.45146</a:t>
+                      </a:r>
+                      <a:endParaRPr lang="en-US" dirty="0">
+                        <a:latin typeface="+mn-lt"/>
+                      </a:endParaRPr>
+                    </a:p>
+                  </a:txBody>
+                  <a:tcPr/>
+                </a:tc>
+                <a:tc>
+                  <a:txBody>
+                    <a:bodyPr/>
+                    <a:lstStyle/>
+                    <a:p>
+                      <a:r>
+                        <a:rPr lang="en-US" dirty="0" smtClean="0">
+                          <a:latin typeface="+mn-lt"/>
+                        </a:rPr>
+                        <a:t>FRR: 0.46988</a:t>
+                      </a:r>
+                    </a:p>
+                    <a:p>
+                      <a:r>
+                        <a:rPr lang="en-US" dirty="0" smtClean="0">
+                          <a:latin typeface="+mn-lt"/>
+                        </a:rPr>
+                        <a:t>FAR: 0.50158</a:t>
+                      </a:r>
+                      <a:endParaRPr lang="en-US" dirty="0">
+                        <a:latin typeface="+mn-lt"/>
+                      </a:endParaRPr>
+                    </a:p>
+                  </a:txBody>
+                  <a:tcPr/>
+                </a:tc>
+                <a:tc>
+                  <a:txBody>
+                    <a:bodyPr/>
+                    <a:lstStyle/>
+                    <a:p>
+                      <a:r>
+                        <a:rPr lang="en-US" dirty="0" smtClean="0">
+                          <a:latin typeface="+mn-lt"/>
+                        </a:rPr>
+                        <a:t>FRR: 0.46753</a:t>
+                      </a:r>
+                    </a:p>
+                    <a:p>
+                      <a:r>
+                        <a:rPr lang="en-US" dirty="0" smtClean="0">
+                          <a:latin typeface="+mn-lt"/>
+                        </a:rPr>
+                        <a:t>FAR: 0.54687</a:t>
+                      </a:r>
+                      <a:endParaRPr lang="en-US" dirty="0">
+                        <a:latin typeface="+mn-lt"/>
+                      </a:endParaRPr>
+                    </a:p>
+                  </a:txBody>
+                  <a:tcPr/>
+                </a:tc>
+                <a:tc>
+                  <a:txBody>
+                    <a:bodyPr/>
+                    <a:lstStyle/>
+                    <a:p>
+                      <a:r>
+                        <a:rPr lang="en-US" dirty="0" smtClean="0">
+                          <a:latin typeface="+mn-lt"/>
+                        </a:rPr>
+                        <a:t>FRR: 0.46512</a:t>
+                      </a:r>
+                    </a:p>
+                    <a:p>
+                      <a:r>
+                        <a:rPr lang="en-US" dirty="0" smtClean="0">
+                          <a:latin typeface="+mn-lt"/>
+                        </a:rPr>
+                        <a:t>FAR: 0.56411</a:t>
                       </a:r>
                       <a:endParaRPr lang="en-US" dirty="0">
                         <a:latin typeface="+mn-lt"/>
@@ -8027,7 +7881,7 @@
                         <a:rPr lang="en-US" dirty="0" smtClean="0">
                           <a:latin typeface="+mn-lt"/>
                         </a:rPr>
-                        <a:t>FAR: 0.54330</a:t>
+                        <a:t>FAR: 0.43778</a:t>
                       </a:r>
                       <a:endParaRPr lang="en-US" dirty="0" smtClean="0">
                         <a:latin typeface="+mn-lt"/>
@@ -8070,119 +7924,119 @@
                         <a:rPr lang="en-US" dirty="0" smtClean="0">
                           <a:latin typeface="+mn-lt"/>
                         </a:rPr>
-                        <a:t>FRR: 0.54545</a:t>
-                      </a:r>
-                    </a:p>
-                    <a:p>
-                      <a:r>
-                        <a:rPr lang="en-US" dirty="0" smtClean="0">
-                          <a:latin typeface="+mn-lt"/>
-                        </a:rPr>
-                        <a:t>FAR: 0.47929</a:t>
-                      </a:r>
-                      <a:endParaRPr lang="en-US" dirty="0">
-                        <a:latin typeface="+mn-lt"/>
-                      </a:endParaRPr>
-                    </a:p>
-                  </a:txBody>
-                  <a:tcPr/>
-                </a:tc>
-                <a:tc>
-                  <a:txBody>
-                    <a:bodyPr/>
-                    <a:lstStyle/>
-                    <a:p>
-                      <a:r>
-                        <a:rPr lang="en-US" dirty="0" smtClean="0">
-                          <a:latin typeface="+mn-lt"/>
-                        </a:rPr>
-                        <a:t>FRR: 0.42028</a:t>
-                      </a:r>
-                    </a:p>
-                    <a:p>
-                      <a:r>
-                        <a:rPr lang="en-US" dirty="0" smtClean="0">
-                          <a:latin typeface="+mn-lt"/>
-                        </a:rPr>
-                        <a:t>FAR: 0.65157</a:t>
-                      </a:r>
-                      <a:endParaRPr lang="en-US" dirty="0">
-                        <a:latin typeface="+mn-lt"/>
-                      </a:endParaRPr>
-                    </a:p>
-                  </a:txBody>
-                  <a:tcPr/>
-                </a:tc>
-                <a:tc>
-                  <a:txBody>
-                    <a:bodyPr/>
-                    <a:lstStyle/>
-                    <a:p>
-                      <a:r>
-                        <a:rPr lang="en-US" dirty="0" smtClean="0">
-                          <a:latin typeface="+mn-lt"/>
-                        </a:rPr>
-                        <a:t>FRR: 0.52941</a:t>
-                      </a:r>
-                    </a:p>
-                    <a:p>
-                      <a:r>
-                        <a:rPr lang="en-US" dirty="0" smtClean="0">
-                          <a:latin typeface="+mn-lt"/>
-                        </a:rPr>
-                        <a:t>FAR: 0.56215</a:t>
-                      </a:r>
-                      <a:endParaRPr lang="en-US" dirty="0">
-                        <a:latin typeface="+mn-lt"/>
-                      </a:endParaRPr>
-                    </a:p>
-                  </a:txBody>
-                  <a:tcPr/>
-                </a:tc>
-                <a:tc>
-                  <a:txBody>
-                    <a:bodyPr/>
-                    <a:lstStyle/>
-                    <a:p>
-                      <a:r>
-                        <a:rPr lang="en-US" dirty="0" smtClean="0">
-                          <a:latin typeface="+mn-lt"/>
-                        </a:rPr>
-                        <a:t>FRR: 0.39325</a:t>
-                      </a:r>
-                    </a:p>
-                    <a:p>
-                      <a:r>
-                        <a:rPr lang="en-US" dirty="0" smtClean="0">
-                          <a:latin typeface="+mn-lt"/>
-                        </a:rPr>
-                        <a:t>FAR: 0.61928</a:t>
-                      </a:r>
-                      <a:endParaRPr lang="en-US" dirty="0">
-                        <a:latin typeface="+mn-lt"/>
-                      </a:endParaRPr>
-                    </a:p>
-                  </a:txBody>
-                  <a:tcPr/>
-                </a:tc>
-                <a:tc>
-                  <a:txBody>
-                    <a:bodyPr/>
-                    <a:lstStyle/>
-                    <a:p>
-                      <a:r>
-                        <a:rPr lang="en-US" dirty="0" smtClean="0">
-                          <a:latin typeface="+mn-lt"/>
-                        </a:rPr>
-                        <a:t>FRR: 0.55085</a:t>
-                      </a:r>
-                    </a:p>
-                    <a:p>
-                      <a:r>
-                        <a:rPr lang="en-US" dirty="0" smtClean="0">
-                          <a:latin typeface="+mn-lt"/>
-                        </a:rPr>
-                        <a:t>FAR: 0.51106</a:t>
+                        <a:t>FRR: 0.48485</a:t>
+                      </a:r>
+                    </a:p>
+                    <a:p>
+                      <a:r>
+                        <a:rPr lang="en-US" dirty="0" smtClean="0">
+                          <a:latin typeface="+mn-lt"/>
+                        </a:rPr>
+                        <a:t>FAR: 0.51358</a:t>
+                      </a:r>
+                      <a:endParaRPr lang="en-US" dirty="0">
+                        <a:latin typeface="+mn-lt"/>
+                      </a:endParaRPr>
+                    </a:p>
+                  </a:txBody>
+                  <a:tcPr/>
+                </a:tc>
+                <a:tc>
+                  <a:txBody>
+                    <a:bodyPr/>
+                    <a:lstStyle/>
+                    <a:p>
+                      <a:r>
+                        <a:rPr lang="en-US" dirty="0" smtClean="0">
+                          <a:latin typeface="+mn-lt"/>
+                        </a:rPr>
+                        <a:t>FRR: 0.56522</a:t>
+                      </a:r>
+                    </a:p>
+                    <a:p>
+                      <a:r>
+                        <a:rPr lang="en-US" dirty="0" smtClean="0">
+                          <a:latin typeface="+mn-lt"/>
+                        </a:rPr>
+                        <a:t>FAR: 0.50153</a:t>
+                      </a:r>
+                      <a:endParaRPr lang="en-US" dirty="0">
+                        <a:latin typeface="+mn-lt"/>
+                      </a:endParaRPr>
+                    </a:p>
+                  </a:txBody>
+                  <a:tcPr/>
+                </a:tc>
+                <a:tc>
+                  <a:txBody>
+                    <a:bodyPr/>
+                    <a:lstStyle/>
+                    <a:p>
+                      <a:r>
+                        <a:rPr lang="en-US" dirty="0" smtClean="0">
+                          <a:latin typeface="+mn-lt"/>
+                        </a:rPr>
+                        <a:t>FRR: 0.58824</a:t>
+                      </a:r>
+                    </a:p>
+                    <a:p>
+                      <a:r>
+                        <a:rPr lang="en-US" dirty="0" smtClean="0">
+                          <a:latin typeface="+mn-lt"/>
+                        </a:rPr>
+                        <a:t>FAR: 0.47003</a:t>
+                      </a:r>
+                      <a:endParaRPr lang="en-US" dirty="0" smtClean="0">
+                        <a:latin typeface="+mn-lt"/>
+                      </a:endParaRPr>
+                    </a:p>
+                  </a:txBody>
+                  <a:tcPr/>
+                </a:tc>
+                <a:tc>
+                  <a:txBody>
+                    <a:bodyPr/>
+                    <a:lstStyle/>
+                    <a:p>
+                      <a:r>
+                        <a:rPr lang="en-US" dirty="0" smtClean="0">
+                          <a:latin typeface="+mn-lt"/>
+                        </a:rPr>
+                        <a:t>FRR: 0.51685</a:t>
+                      </a:r>
+                    </a:p>
+                    <a:p>
+                      <a:r>
+                        <a:rPr lang="en-US" dirty="0" smtClean="0">
+                          <a:latin typeface="+mn-lt"/>
+                        </a:rPr>
+                        <a:t>FAR: 0.55336</a:t>
+                      </a:r>
+                      <a:endParaRPr lang="en-US" dirty="0">
+                        <a:latin typeface="+mn-lt"/>
+                      </a:endParaRPr>
+                    </a:p>
+                  </a:txBody>
+                  <a:tcPr/>
+                </a:tc>
+                <a:tc>
+                  <a:txBody>
+                    <a:bodyPr/>
+                    <a:lstStyle/>
+                    <a:p>
+                      <a:r>
+                        <a:rPr lang="en-US" dirty="0" smtClean="0">
+                          <a:latin typeface="+mn-lt"/>
+                        </a:rPr>
+                        <a:t>FRR: 0.50847</a:t>
+                      </a:r>
+                    </a:p>
+                    <a:p>
+                      <a:r>
+                        <a:rPr lang="en-US" dirty="0" smtClean="0">
+                          <a:latin typeface="+mn-lt"/>
+                        </a:rPr>
+                        <a:t>FAR: 0.54627</a:t>
                       </a:r>
                       <a:endParaRPr lang="en-US" dirty="0">
                         <a:latin typeface="+mn-lt"/>
@@ -8225,119 +8079,119 @@
                         <a:rPr lang="en-US" dirty="0" smtClean="0">
                           <a:latin typeface="+mn-lt"/>
                         </a:rPr>
-                        <a:t>FRR: 0.5565</a:t>
-                      </a:r>
-                    </a:p>
-                    <a:p>
-                      <a:r>
-                        <a:rPr lang="en-US" dirty="0" smtClean="0">
-                          <a:latin typeface="+mn-lt"/>
-                        </a:rPr>
-                        <a:t>FAR: 0.55604</a:t>
-                      </a:r>
-                      <a:endParaRPr lang="en-US" dirty="0">
-                        <a:latin typeface="+mn-lt"/>
-                      </a:endParaRPr>
-                    </a:p>
-                  </a:txBody>
-                  <a:tcPr/>
-                </a:tc>
-                <a:tc>
-                  <a:txBody>
-                    <a:bodyPr/>
-                    <a:lstStyle/>
-                    <a:p>
-                      <a:r>
-                        <a:rPr lang="en-US" dirty="0" smtClean="0">
-                          <a:latin typeface="+mn-lt"/>
-                        </a:rPr>
-                        <a:t>FRR: 0.41791</a:t>
-                      </a:r>
-                    </a:p>
-                    <a:p>
-                      <a:r>
-                        <a:rPr lang="en-US" dirty="0" smtClean="0">
-                          <a:latin typeface="+mn-lt"/>
-                        </a:rPr>
-                        <a:t>FAR: 0.65098</a:t>
-                      </a:r>
-                      <a:endParaRPr lang="en-US" dirty="0">
-                        <a:latin typeface="+mn-lt"/>
-                      </a:endParaRPr>
-                    </a:p>
-                  </a:txBody>
-                  <a:tcPr/>
-                </a:tc>
-                <a:tc>
-                  <a:txBody>
-                    <a:bodyPr/>
-                    <a:lstStyle/>
-                    <a:p>
-                      <a:r>
-                        <a:rPr lang="en-US" dirty="0" smtClean="0">
-                          <a:latin typeface="+mn-lt"/>
-                        </a:rPr>
-                        <a:t>FRR: 0.48484</a:t>
-                      </a:r>
-                    </a:p>
-                    <a:p>
-                      <a:r>
-                        <a:rPr lang="en-US" dirty="0" smtClean="0">
-                          <a:latin typeface="+mn-lt"/>
-                        </a:rPr>
-                        <a:t>FAR: 0.53620</a:t>
-                      </a:r>
-                      <a:endParaRPr lang="en-US" dirty="0">
-                        <a:latin typeface="+mn-lt"/>
-                      </a:endParaRPr>
-                    </a:p>
-                  </a:txBody>
-                  <a:tcPr/>
-                </a:tc>
-                <a:tc>
-                  <a:txBody>
-                    <a:bodyPr/>
-                    <a:lstStyle/>
-                    <a:p>
-                      <a:r>
-                        <a:rPr lang="en-US" dirty="0" smtClean="0">
-                          <a:latin typeface="+mn-lt"/>
-                        </a:rPr>
-                        <a:t>FRR: 0.48611</a:t>
-                      </a:r>
-                    </a:p>
-                    <a:p>
-                      <a:r>
-                        <a:rPr lang="en-US" dirty="0" smtClean="0">
-                          <a:latin typeface="+mn-lt"/>
-                        </a:rPr>
-                        <a:t>FAR: 0.58074</a:t>
-                      </a:r>
-                      <a:endParaRPr lang="en-US" dirty="0">
-                        <a:latin typeface="+mn-lt"/>
-                      </a:endParaRPr>
-                    </a:p>
-                  </a:txBody>
-                  <a:tcPr/>
-                </a:tc>
-                <a:tc>
-                  <a:txBody>
-                    <a:bodyPr/>
-                    <a:lstStyle/>
-                    <a:p>
-                      <a:r>
-                        <a:rPr lang="en-US" dirty="0" smtClean="0">
-                          <a:latin typeface="+mn-lt"/>
-                        </a:rPr>
-                        <a:t>FRR: 0.49327</a:t>
-                      </a:r>
-                    </a:p>
-                    <a:p>
-                      <a:r>
-                        <a:rPr lang="en-US" dirty="0" smtClean="0">
-                          <a:latin typeface="+mn-lt"/>
-                        </a:rPr>
-                        <a:t>FAR: 0.54215</a:t>
+                        <a:t>FRR: 0.57466</a:t>
+                      </a:r>
+                    </a:p>
+                    <a:p>
+                      <a:r>
+                        <a:rPr lang="en-US" dirty="0" smtClean="0">
+                          <a:latin typeface="+mn-lt"/>
+                        </a:rPr>
+                        <a:t>FAR: 0.47930</a:t>
+                      </a:r>
+                      <a:endParaRPr lang="en-US" dirty="0">
+                        <a:latin typeface="+mn-lt"/>
+                      </a:endParaRPr>
+                    </a:p>
+                  </a:txBody>
+                  <a:tcPr/>
+                </a:tc>
+                <a:tc>
+                  <a:txBody>
+                    <a:bodyPr/>
+                    <a:lstStyle/>
+                    <a:p>
+                      <a:r>
+                        <a:rPr lang="en-US" dirty="0" smtClean="0">
+                          <a:latin typeface="+mn-lt"/>
+                        </a:rPr>
+                        <a:t>FRR: 0.49254</a:t>
+                      </a:r>
+                    </a:p>
+                    <a:p>
+                      <a:r>
+                        <a:rPr lang="en-US" dirty="0" smtClean="0">
+                          <a:latin typeface="+mn-lt"/>
+                        </a:rPr>
+                        <a:t>FAR: 0.47597</a:t>
+                      </a:r>
+                      <a:endParaRPr lang="en-US" dirty="0">
+                        <a:latin typeface="+mn-lt"/>
+                      </a:endParaRPr>
+                    </a:p>
+                  </a:txBody>
+                  <a:tcPr/>
+                </a:tc>
+                <a:tc>
+                  <a:txBody>
+                    <a:bodyPr/>
+                    <a:lstStyle/>
+                    <a:p>
+                      <a:r>
+                        <a:rPr lang="en-US" dirty="0" smtClean="0">
+                          <a:latin typeface="+mn-lt"/>
+                        </a:rPr>
+                        <a:t>FRR: 0.60606</a:t>
+                      </a:r>
+                    </a:p>
+                    <a:p>
+                      <a:r>
+                        <a:rPr lang="en-US" dirty="0" smtClean="0">
+                          <a:latin typeface="+mn-lt"/>
+                        </a:rPr>
+                        <a:t>FAR: 0.47326</a:t>
+                      </a:r>
+                      <a:endParaRPr lang="en-US" dirty="0">
+                        <a:latin typeface="+mn-lt"/>
+                      </a:endParaRPr>
+                    </a:p>
+                  </a:txBody>
+                  <a:tcPr/>
+                </a:tc>
+                <a:tc>
+                  <a:txBody>
+                    <a:bodyPr/>
+                    <a:lstStyle/>
+                    <a:p>
+                      <a:r>
+                        <a:rPr lang="en-US" dirty="0" smtClean="0">
+                          <a:latin typeface="+mn-lt"/>
+                        </a:rPr>
+                        <a:t>FRR: 0.55556</a:t>
+                      </a:r>
+                    </a:p>
+                    <a:p>
+                      <a:r>
+                        <a:rPr lang="en-US" dirty="0" smtClean="0">
+                          <a:latin typeface="+mn-lt"/>
+                        </a:rPr>
+                        <a:t>FAR: 0.58463</a:t>
+                      </a:r>
+                      <a:endParaRPr lang="en-US" dirty="0">
+                        <a:latin typeface="+mn-lt"/>
+                      </a:endParaRPr>
+                    </a:p>
+                  </a:txBody>
+                  <a:tcPr/>
+                </a:tc>
+                <a:tc>
+                  <a:txBody>
+                    <a:bodyPr/>
+                    <a:lstStyle/>
+                    <a:p>
+                      <a:r>
+                        <a:rPr lang="en-US" dirty="0" smtClean="0">
+                          <a:latin typeface="+mn-lt"/>
+                        </a:rPr>
+                        <a:t>FRR: 0.50673</a:t>
+                      </a:r>
+                    </a:p>
+                    <a:p>
+                      <a:r>
+                        <a:rPr lang="en-US" dirty="0" smtClean="0">
+                          <a:latin typeface="+mn-lt"/>
+                        </a:rPr>
+                        <a:t>FAR: 0.56402</a:t>
                       </a:r>
                       <a:endParaRPr lang="en-US" dirty="0">
                         <a:latin typeface="+mn-lt"/>
@@ -8394,119 +8248,119 @@
                         <a:rPr lang="en-US" dirty="0" smtClean="0">
                           <a:latin typeface="+mn-lt"/>
                         </a:rPr>
-                        <a:t>FRR: 0.49799</a:t>
-                      </a:r>
-                    </a:p>
-                    <a:p>
-                      <a:r>
-                        <a:rPr lang="en-US" dirty="0" smtClean="0">
-                          <a:latin typeface="+mn-lt"/>
-                        </a:rPr>
-                        <a:t>FAR: 0.49629</a:t>
-                      </a:r>
-                      <a:endParaRPr lang="en-US" dirty="0">
-                        <a:latin typeface="+mn-lt"/>
-                      </a:endParaRPr>
-                    </a:p>
-                  </a:txBody>
-                  <a:tcPr/>
-                </a:tc>
-                <a:tc>
-                  <a:txBody>
-                    <a:bodyPr/>
-                    <a:lstStyle/>
-                    <a:p>
-                      <a:r>
-                        <a:rPr lang="en-US" dirty="0" smtClean="0">
-                          <a:latin typeface="+mn-lt"/>
-                        </a:rPr>
-                        <a:t>FRR: 0.52127</a:t>
-                      </a:r>
-                    </a:p>
-                    <a:p>
-                      <a:r>
-                        <a:rPr lang="en-US" dirty="0" smtClean="0">
-                          <a:latin typeface="+mn-lt"/>
-                        </a:rPr>
-                        <a:t>FAR: 0.61413</a:t>
-                      </a:r>
-                      <a:endParaRPr lang="en-US" dirty="0">
-                        <a:latin typeface="+mn-lt"/>
-                      </a:endParaRPr>
-                    </a:p>
-                  </a:txBody>
-                  <a:tcPr/>
-                </a:tc>
-                <a:tc>
-                  <a:txBody>
-                    <a:bodyPr/>
-                    <a:lstStyle/>
-                    <a:p>
-                      <a:r>
-                        <a:rPr lang="en-US" dirty="0" smtClean="0">
-                          <a:latin typeface="+mn-lt"/>
-                        </a:rPr>
-                        <a:t>FRR: 0.40594</a:t>
-                      </a:r>
-                    </a:p>
-                    <a:p>
-                      <a:r>
-                        <a:rPr lang="en-US" dirty="0" smtClean="0">
-                          <a:latin typeface="+mn-lt"/>
-                        </a:rPr>
-                        <a:t>FAR: 0.63176</a:t>
-                      </a:r>
-                      <a:endParaRPr lang="en-US" dirty="0">
-                        <a:latin typeface="+mn-lt"/>
-                      </a:endParaRPr>
-                    </a:p>
-                  </a:txBody>
-                  <a:tcPr/>
-                </a:tc>
-                <a:tc>
-                  <a:txBody>
-                    <a:bodyPr/>
-                    <a:lstStyle/>
-                    <a:p>
-                      <a:r>
-                        <a:rPr lang="en-US" dirty="0" smtClean="0">
-                          <a:latin typeface="+mn-lt"/>
-                        </a:rPr>
-                        <a:t>FRR: 0.34285</a:t>
-                      </a:r>
-                    </a:p>
-                    <a:p>
-                      <a:r>
-                        <a:rPr lang="en-US" dirty="0" smtClean="0">
-                          <a:latin typeface="+mn-lt"/>
-                        </a:rPr>
-                        <a:t>FAR: 0.61634</a:t>
-                      </a:r>
-                      <a:endParaRPr lang="en-US" dirty="0">
-                        <a:latin typeface="+mn-lt"/>
-                      </a:endParaRPr>
-                    </a:p>
-                  </a:txBody>
-                  <a:tcPr/>
-                </a:tc>
-                <a:tc>
-                  <a:txBody>
-                    <a:bodyPr/>
-                    <a:lstStyle/>
-                    <a:p>
-                      <a:r>
-                        <a:rPr lang="en-US" dirty="0" smtClean="0">
-                          <a:latin typeface="+mn-lt"/>
-                        </a:rPr>
-                        <a:t>FRR: 0.53846</a:t>
-                      </a:r>
-                    </a:p>
-                    <a:p>
-                      <a:r>
-                        <a:rPr lang="en-US" dirty="0" smtClean="0">
-                          <a:latin typeface="+mn-lt"/>
-                        </a:rPr>
-                        <a:t>FAR: 0.51931</a:t>
+                        <a:t>FRR: 0.55823</a:t>
+                      </a:r>
+                    </a:p>
+                    <a:p>
+                      <a:r>
+                        <a:rPr lang="en-US" dirty="0" smtClean="0">
+                          <a:latin typeface="+mn-lt"/>
+                        </a:rPr>
+                        <a:t>FAR: 0.46510</a:t>
+                      </a:r>
+                      <a:endParaRPr lang="en-US" dirty="0">
+                        <a:latin typeface="+mn-lt"/>
+                      </a:endParaRPr>
+                    </a:p>
+                  </a:txBody>
+                  <a:tcPr/>
+                </a:tc>
+                <a:tc>
+                  <a:txBody>
+                    <a:bodyPr/>
+                    <a:lstStyle/>
+                    <a:p>
+                      <a:r>
+                        <a:rPr lang="en-US" dirty="0" smtClean="0">
+                          <a:latin typeface="+mn-lt"/>
+                        </a:rPr>
+                        <a:t>FRR: 0.56383</a:t>
+                      </a:r>
+                    </a:p>
+                    <a:p>
+                      <a:r>
+                        <a:rPr lang="en-US" dirty="0" smtClean="0">
+                          <a:latin typeface="+mn-lt"/>
+                        </a:rPr>
+                        <a:t>FAR: 0.43424</a:t>
+                      </a:r>
+                      <a:endParaRPr lang="en-US" dirty="0">
+                        <a:latin typeface="+mn-lt"/>
+                      </a:endParaRPr>
+                    </a:p>
+                  </a:txBody>
+                  <a:tcPr/>
+                </a:tc>
+                <a:tc>
+                  <a:txBody>
+                    <a:bodyPr/>
+                    <a:lstStyle/>
+                    <a:p>
+                      <a:r>
+                        <a:rPr lang="en-US" dirty="0" smtClean="0">
+                          <a:latin typeface="+mn-lt"/>
+                        </a:rPr>
+                        <a:t>FRR: 0.65347</a:t>
+                      </a:r>
+                    </a:p>
+                    <a:p>
+                      <a:r>
+                        <a:rPr lang="en-US" dirty="0" smtClean="0">
+                          <a:latin typeface="+mn-lt"/>
+                        </a:rPr>
+                        <a:t>FAR: 0.59618</a:t>
+                      </a:r>
+                      <a:endParaRPr lang="en-US" dirty="0">
+                        <a:latin typeface="+mn-lt"/>
+                      </a:endParaRPr>
+                    </a:p>
+                  </a:txBody>
+                  <a:tcPr/>
+                </a:tc>
+                <a:tc>
+                  <a:txBody>
+                    <a:bodyPr/>
+                    <a:lstStyle/>
+                    <a:p>
+                      <a:r>
+                        <a:rPr lang="en-US" dirty="0" smtClean="0">
+                          <a:latin typeface="+mn-lt"/>
+                        </a:rPr>
+                        <a:t>FRR: 0.50476</a:t>
+                      </a:r>
+                    </a:p>
+                    <a:p>
+                      <a:r>
+                        <a:rPr lang="en-US" dirty="0" smtClean="0">
+                          <a:latin typeface="+mn-lt"/>
+                        </a:rPr>
+                        <a:t>FAR: 0.52949</a:t>
+                      </a:r>
+                      <a:endParaRPr lang="en-US" dirty="0">
+                        <a:latin typeface="+mn-lt"/>
+                      </a:endParaRPr>
+                    </a:p>
+                  </a:txBody>
+                  <a:tcPr/>
+                </a:tc>
+                <a:tc>
+                  <a:txBody>
+                    <a:bodyPr/>
+                    <a:lstStyle/>
+                    <a:p>
+                      <a:r>
+                        <a:rPr lang="en-US" dirty="0" smtClean="0">
+                          <a:latin typeface="+mn-lt"/>
+                        </a:rPr>
+                        <a:t>FRR: 0.53441</a:t>
+                      </a:r>
+                    </a:p>
+                    <a:p>
+                      <a:r>
+                        <a:rPr lang="en-US" dirty="0" smtClean="0">
+                          <a:latin typeface="+mn-lt"/>
+                        </a:rPr>
+                        <a:t>FAR: 0.59107</a:t>
                       </a:r>
                       <a:endParaRPr lang="en-US" dirty="0">
                         <a:latin typeface="+mn-lt"/>
@@ -8555,119 +8409,119 @@
                         <a:rPr lang="en-US" dirty="0" smtClean="0">
                           <a:latin typeface="+mn-lt"/>
                         </a:rPr>
-                        <a:t>FRR: 0.52250</a:t>
-                      </a:r>
-                    </a:p>
-                    <a:p>
-                      <a:r>
-                        <a:rPr lang="en-US" dirty="0" smtClean="0">
-                          <a:latin typeface="+mn-lt"/>
-                        </a:rPr>
-                        <a:t>FAR: 0.51767</a:t>
-                      </a:r>
-                      <a:endParaRPr lang="en-US" dirty="0">
-                        <a:latin typeface="+mn-lt"/>
-                      </a:endParaRPr>
-                    </a:p>
-                  </a:txBody>
-                  <a:tcPr/>
-                </a:tc>
-                <a:tc>
-                  <a:txBody>
-                    <a:bodyPr/>
-                    <a:lstStyle/>
-                    <a:p>
-                      <a:r>
-                        <a:rPr lang="en-US" dirty="0" smtClean="0">
-                          <a:latin typeface="+mn-lt"/>
-                        </a:rPr>
-                        <a:t>FRR: 0.47318</a:t>
-                      </a:r>
-                    </a:p>
-                    <a:p>
-                      <a:r>
-                        <a:rPr lang="en-US" dirty="0" smtClean="0">
-                          <a:latin typeface="+mn-lt"/>
-                        </a:rPr>
-                        <a:t>FAR: 0.61005</a:t>
-                      </a:r>
-                      <a:endParaRPr lang="en-US" dirty="0">
-                        <a:latin typeface="+mn-lt"/>
-                      </a:endParaRPr>
-                    </a:p>
-                  </a:txBody>
-                  <a:tcPr/>
-                </a:tc>
-                <a:tc>
-                  <a:txBody>
-                    <a:bodyPr/>
-                    <a:lstStyle/>
-                    <a:p>
-                      <a:r>
-                        <a:rPr lang="en-US" dirty="0" smtClean="0">
-                          <a:latin typeface="+mn-lt"/>
-                        </a:rPr>
-                        <a:t>FRR: 0.45474</a:t>
-                      </a:r>
-                    </a:p>
-                    <a:p>
-                      <a:r>
-                        <a:rPr lang="en-US" dirty="0" smtClean="0">
-                          <a:latin typeface="+mn-lt"/>
-                        </a:rPr>
-                        <a:t>FAR: 0.59780</a:t>
-                      </a:r>
-                      <a:endParaRPr lang="en-US" dirty="0">
-                        <a:latin typeface="+mn-lt"/>
-                      </a:endParaRPr>
-                    </a:p>
-                  </a:txBody>
-                  <a:tcPr/>
-                </a:tc>
-                <a:tc>
-                  <a:txBody>
-                    <a:bodyPr/>
-                    <a:lstStyle/>
-                    <a:p>
-                      <a:r>
-                        <a:rPr lang="en-US" dirty="0" smtClean="0">
-                          <a:latin typeface="+mn-lt"/>
-                        </a:rPr>
-                        <a:t>FRR: 0.46630</a:t>
-                      </a:r>
-                    </a:p>
-                    <a:p>
-                      <a:r>
-                        <a:rPr lang="en-US" dirty="0" smtClean="0">
-                          <a:latin typeface="+mn-lt"/>
-                        </a:rPr>
-                        <a:t>FAR: 0.58144</a:t>
-                      </a:r>
-                      <a:endParaRPr lang="en-US" dirty="0">
-                        <a:latin typeface="+mn-lt"/>
-                      </a:endParaRPr>
-                    </a:p>
-                  </a:txBody>
-                  <a:tcPr/>
-                </a:tc>
-                <a:tc>
-                  <a:txBody>
-                    <a:bodyPr/>
-                    <a:lstStyle/>
-                    <a:p>
-                      <a:r>
-                        <a:rPr lang="en-US" dirty="0" smtClean="0">
-                          <a:latin typeface="+mn-lt"/>
-                        </a:rPr>
-                        <a:t>FRR: 0.50106</a:t>
-                      </a:r>
-                    </a:p>
-                    <a:p>
-                      <a:r>
-                        <a:rPr lang="en-US" dirty="0" smtClean="0">
-                          <a:latin typeface="+mn-lt"/>
-                        </a:rPr>
-                        <a:t>FAR: 0.54923</a:t>
+                        <a:t>FRR: 0.52879</a:t>
+                      </a:r>
+                    </a:p>
+                    <a:p>
+                      <a:r>
+                        <a:rPr lang="en-US" dirty="0" smtClean="0">
+                          <a:latin typeface="+mn-lt"/>
+                        </a:rPr>
+                        <a:t>FAR: 0.49645</a:t>
+                      </a:r>
+                      <a:endParaRPr lang="en-US" dirty="0">
+                        <a:latin typeface="+mn-lt"/>
+                      </a:endParaRPr>
+                    </a:p>
+                  </a:txBody>
+                  <a:tcPr/>
+                </a:tc>
+                <a:tc>
+                  <a:txBody>
+                    <a:bodyPr/>
+                    <a:lstStyle/>
+                    <a:p>
+                      <a:r>
+                        <a:rPr lang="en-US" dirty="0" smtClean="0">
+                          <a:latin typeface="+mn-lt"/>
+                        </a:rPr>
+                        <a:t>FRR: 0.51217</a:t>
+                      </a:r>
+                    </a:p>
+                    <a:p>
+                      <a:r>
+                        <a:rPr lang="en-US" dirty="0" smtClean="0">
+                          <a:latin typeface="+mn-lt"/>
+                        </a:rPr>
+                        <a:t>FAR: 0.48832</a:t>
+                      </a:r>
+                      <a:endParaRPr lang="en-US" dirty="0">
+                        <a:latin typeface="+mn-lt"/>
+                      </a:endParaRPr>
+                    </a:p>
+                  </a:txBody>
+                  <a:tcPr/>
+                </a:tc>
+                <a:tc>
+                  <a:txBody>
+                    <a:bodyPr/>
+                    <a:lstStyle/>
+                    <a:p>
+                      <a:r>
+                        <a:rPr lang="en-US" dirty="0" smtClean="0">
+                          <a:latin typeface="+mn-lt"/>
+                        </a:rPr>
+                        <a:t>FRR: 0.57609</a:t>
+                      </a:r>
+                    </a:p>
+                    <a:p>
+                      <a:r>
+                        <a:rPr lang="en-US" dirty="0" smtClean="0">
+                          <a:latin typeface="+mn-lt"/>
+                        </a:rPr>
+                        <a:t>FAR: 0.52577</a:t>
+                      </a:r>
+                      <a:endParaRPr lang="en-US" dirty="0">
+                        <a:latin typeface="+mn-lt"/>
+                      </a:endParaRPr>
+                    </a:p>
+                  </a:txBody>
+                  <a:tcPr/>
+                </a:tc>
+                <a:tc>
+                  <a:txBody>
+                    <a:bodyPr/>
+                    <a:lstStyle/>
+                    <a:p>
+                      <a:r>
+                        <a:rPr lang="en-US" dirty="0" smtClean="0">
+                          <a:latin typeface="+mn-lt"/>
+                        </a:rPr>
+                        <a:t>FRR: 0.48990</a:t>
+                      </a:r>
+                    </a:p>
+                    <a:p>
+                      <a:r>
+                        <a:rPr lang="en-US" dirty="0" smtClean="0">
+                          <a:latin typeface="+mn-lt"/>
+                        </a:rPr>
+                        <a:t>FAR: 0.54737</a:t>
+                      </a:r>
+                      <a:endParaRPr lang="en-US" dirty="0">
+                        <a:latin typeface="+mn-lt"/>
+                      </a:endParaRPr>
+                    </a:p>
+                  </a:txBody>
+                  <a:tcPr/>
+                </a:tc>
+                <a:tc>
+                  <a:txBody>
+                    <a:bodyPr/>
+                    <a:lstStyle/>
+                    <a:p>
+                      <a:r>
+                        <a:rPr lang="en-US" dirty="0" smtClean="0">
+                          <a:latin typeface="+mn-lt"/>
+                        </a:rPr>
+                        <a:t>FRR: 0.52266</a:t>
+                      </a:r>
+                    </a:p>
+                    <a:p>
+                      <a:r>
+                        <a:rPr lang="en-US" dirty="0" smtClean="0">
+                          <a:latin typeface="+mn-lt"/>
+                        </a:rPr>
+                        <a:t>FAR: 0.53486</a:t>
                       </a:r>
                       <a:endParaRPr lang="en-US" dirty="0">
                         <a:latin typeface="+mn-lt"/>
@@ -8769,7 +8623,7 @@
           <p:nvPr>
             <p:extLst>
               <p:ext uri="{D42A27DB-BD31-4B8C-83A1-F6EECF244321}">
-                <p14:modId xmlns:p14="http://schemas.microsoft.com/office/powerpoint/2010/main" val="3539006386"/>
+                <p14:modId xmlns:p14="http://schemas.microsoft.com/office/powerpoint/2010/main" val="4034511276"/>
               </p:ext>
             </p:extLst>
           </p:nvPr>
@@ -8980,119 +8834,119 @@
                         <a:rPr lang="en-US" dirty="0" smtClean="0">
                           <a:latin typeface="+mn-lt"/>
                         </a:rPr>
-                        <a:t>FRR: 0.56223</a:t>
-                      </a:r>
-                    </a:p>
-                    <a:p>
-                      <a:r>
-                        <a:rPr lang="en-US" dirty="0" smtClean="0">
-                          <a:latin typeface="+mn-lt"/>
-                        </a:rPr>
-                        <a:t>FAR: 0.49651</a:t>
-                      </a:r>
-                      <a:endParaRPr lang="en-US" dirty="0">
-                        <a:latin typeface="+mn-lt"/>
-                      </a:endParaRPr>
-                    </a:p>
-                  </a:txBody>
-                  <a:tcPr/>
-                </a:tc>
-                <a:tc>
-                  <a:txBody>
-                    <a:bodyPr/>
-                    <a:lstStyle/>
-                    <a:p>
-                      <a:r>
-                        <a:rPr lang="en-US" dirty="0" smtClean="0">
-                          <a:latin typeface="+mn-lt"/>
-                        </a:rPr>
-                        <a:t>FRR: 0.56790</a:t>
-                      </a:r>
-                    </a:p>
-                    <a:p>
-                      <a:r>
-                        <a:rPr lang="en-US" dirty="0" smtClean="0">
-                          <a:latin typeface="+mn-lt"/>
-                        </a:rPr>
-                        <a:t>FAR: 0.56738</a:t>
-                      </a:r>
-                      <a:endParaRPr lang="en-US" dirty="0">
-                        <a:latin typeface="+mn-lt"/>
-                      </a:endParaRPr>
-                    </a:p>
-                  </a:txBody>
-                  <a:tcPr/>
-                </a:tc>
-                <a:tc>
-                  <a:txBody>
-                    <a:bodyPr/>
-                    <a:lstStyle/>
-                    <a:p>
-                      <a:r>
-                        <a:rPr lang="en-US" dirty="0" smtClean="0">
-                          <a:latin typeface="+mn-lt"/>
-                        </a:rPr>
-                        <a:t>FRR: 0.64062</a:t>
-                      </a:r>
-                    </a:p>
-                    <a:p>
-                      <a:r>
-                        <a:rPr lang="en-US" dirty="0" smtClean="0">
-                          <a:latin typeface="+mn-lt"/>
-                        </a:rPr>
-                        <a:t>FAR: 0.61545</a:t>
-                      </a:r>
-                      <a:endParaRPr lang="en-US" dirty="0">
-                        <a:latin typeface="+mn-lt"/>
-                      </a:endParaRPr>
-                    </a:p>
-                  </a:txBody>
-                  <a:tcPr/>
-                </a:tc>
-                <a:tc>
-                  <a:txBody>
-                    <a:bodyPr/>
-                    <a:lstStyle/>
-                    <a:p>
-                      <a:r>
-                        <a:rPr lang="en-US" dirty="0" smtClean="0">
-                          <a:latin typeface="+mn-lt"/>
-                        </a:rPr>
-                        <a:t>FRR: 0.41379</a:t>
-                      </a:r>
-                    </a:p>
-                    <a:p>
-                      <a:r>
-                        <a:rPr lang="en-US" dirty="0" smtClean="0">
-                          <a:latin typeface="+mn-lt"/>
-                        </a:rPr>
-                        <a:t>FAR: 0.60223</a:t>
-                      </a:r>
-                      <a:endParaRPr lang="en-US" dirty="0">
-                        <a:latin typeface="+mn-lt"/>
-                      </a:endParaRPr>
-                    </a:p>
-                  </a:txBody>
-                  <a:tcPr/>
-                </a:tc>
-                <a:tc>
-                  <a:txBody>
-                    <a:bodyPr/>
-                    <a:lstStyle/>
-                    <a:p>
-                      <a:r>
-                        <a:rPr lang="en-US" dirty="0" smtClean="0">
-                          <a:latin typeface="+mn-lt"/>
-                        </a:rPr>
-                        <a:t>FRR: 0.46087</a:t>
-                      </a:r>
-                    </a:p>
-                    <a:p>
-                      <a:r>
-                        <a:rPr lang="en-US" dirty="0" smtClean="0">
-                          <a:latin typeface="+mn-lt"/>
-                        </a:rPr>
-                        <a:t>FAR: 0.55001</a:t>
+                        <a:t>FRR: 0.52361</a:t>
+                      </a:r>
+                    </a:p>
+                    <a:p>
+                      <a:r>
+                        <a:rPr lang="en-US" dirty="0" smtClean="0">
+                          <a:latin typeface="+mn-lt"/>
+                        </a:rPr>
+                        <a:t>FAR: 0.50604</a:t>
+                      </a:r>
+                      <a:endParaRPr lang="en-US" dirty="0">
+                        <a:latin typeface="+mn-lt"/>
+                      </a:endParaRPr>
+                    </a:p>
+                  </a:txBody>
+                  <a:tcPr/>
+                </a:tc>
+                <a:tc>
+                  <a:txBody>
+                    <a:bodyPr/>
+                    <a:lstStyle/>
+                    <a:p>
+                      <a:r>
+                        <a:rPr lang="en-US" dirty="0" smtClean="0">
+                          <a:latin typeface="+mn-lt"/>
+                        </a:rPr>
+                        <a:t>FRR: 0.54321</a:t>
+                      </a:r>
+                    </a:p>
+                    <a:p>
+                      <a:r>
+                        <a:rPr lang="en-US" dirty="0" smtClean="0">
+                          <a:latin typeface="+mn-lt"/>
+                        </a:rPr>
+                        <a:t>FAR: 0.51547</a:t>
+                      </a:r>
+                      <a:endParaRPr lang="en-US" dirty="0">
+                        <a:latin typeface="+mn-lt"/>
+                      </a:endParaRPr>
+                    </a:p>
+                  </a:txBody>
+                  <a:tcPr/>
+                </a:tc>
+                <a:tc>
+                  <a:txBody>
+                    <a:bodyPr/>
+                    <a:lstStyle/>
+                    <a:p>
+                      <a:r>
+                        <a:rPr lang="en-US" dirty="0" smtClean="0">
+                          <a:latin typeface="+mn-lt"/>
+                        </a:rPr>
+                        <a:t>FRR: 0.48438</a:t>
+                      </a:r>
+                    </a:p>
+                    <a:p>
+                      <a:r>
+                        <a:rPr lang="en-US" dirty="0" smtClean="0">
+                          <a:latin typeface="+mn-lt"/>
+                        </a:rPr>
+                        <a:t>FAR: 0.55467</a:t>
+                      </a:r>
+                      <a:endParaRPr lang="en-US" dirty="0">
+                        <a:latin typeface="+mn-lt"/>
+                      </a:endParaRPr>
+                    </a:p>
+                  </a:txBody>
+                  <a:tcPr/>
+                </a:tc>
+                <a:tc>
+                  <a:txBody>
+                    <a:bodyPr/>
+                    <a:lstStyle/>
+                    <a:p>
+                      <a:r>
+                        <a:rPr lang="en-US" dirty="0" smtClean="0">
+                          <a:latin typeface="+mn-lt"/>
+                        </a:rPr>
+                        <a:t>FRR: 0.37931</a:t>
+                      </a:r>
+                    </a:p>
+                    <a:p>
+                      <a:r>
+                        <a:rPr lang="en-US" dirty="0" smtClean="0">
+                          <a:latin typeface="+mn-lt"/>
+                        </a:rPr>
+                        <a:t>FAR: 0.52277</a:t>
+                      </a:r>
+                      <a:endParaRPr lang="en-US" dirty="0" smtClean="0">
+                        <a:latin typeface="+mn-lt"/>
+                      </a:endParaRPr>
+                    </a:p>
+                  </a:txBody>
+                  <a:tcPr/>
+                </a:tc>
+                <a:tc>
+                  <a:txBody>
+                    <a:bodyPr/>
+                    <a:lstStyle/>
+                    <a:p>
+                      <a:r>
+                        <a:rPr lang="en-US" dirty="0" smtClean="0">
+                          <a:latin typeface="+mn-lt"/>
+                        </a:rPr>
+                        <a:t>FRR: 0.55217</a:t>
+                      </a:r>
+                    </a:p>
+                    <a:p>
+                      <a:r>
+                        <a:rPr lang="en-US" dirty="0" smtClean="0">
+                          <a:latin typeface="+mn-lt"/>
+                        </a:rPr>
+                        <a:t>FAR: 0.52293</a:t>
                       </a:r>
                       <a:endParaRPr lang="en-US" dirty="0" smtClean="0">
                         <a:latin typeface="+mn-lt"/>
@@ -9135,119 +8989,119 @@
                         <a:rPr lang="en-US" dirty="0" smtClean="0">
                           <a:latin typeface="+mn-lt"/>
                         </a:rPr>
-                        <a:t>FRR: 0.55982</a:t>
-                      </a:r>
-                    </a:p>
-                    <a:p>
-                      <a:r>
-                        <a:rPr lang="en-US" dirty="0" smtClean="0">
-                          <a:latin typeface="+mn-lt"/>
-                        </a:rPr>
-                        <a:t>FAR: 0.52799</a:t>
-                      </a:r>
-                      <a:endParaRPr lang="en-US" dirty="0">
-                        <a:latin typeface="+mn-lt"/>
-                      </a:endParaRPr>
-                    </a:p>
-                  </a:txBody>
-                  <a:tcPr/>
-                </a:tc>
-                <a:tc>
-                  <a:txBody>
-                    <a:bodyPr/>
-                    <a:lstStyle/>
-                    <a:p>
-                      <a:r>
-                        <a:rPr lang="en-US" dirty="0" smtClean="0">
-                          <a:latin typeface="+mn-lt"/>
-                        </a:rPr>
-                        <a:t>FRR: 0.45070</a:t>
-                      </a:r>
-                    </a:p>
-                    <a:p>
-                      <a:r>
-                        <a:rPr lang="en-US" dirty="0" smtClean="0">
-                          <a:latin typeface="+mn-lt"/>
-                        </a:rPr>
-                        <a:t>FAR: 0.63664</a:t>
-                      </a:r>
-                      <a:endParaRPr lang="en-US" dirty="0">
-                        <a:latin typeface="+mn-lt"/>
-                      </a:endParaRPr>
-                    </a:p>
-                  </a:txBody>
-                  <a:tcPr/>
-                </a:tc>
-                <a:tc>
-                  <a:txBody>
-                    <a:bodyPr/>
-                    <a:lstStyle/>
-                    <a:p>
-                      <a:r>
-                        <a:rPr lang="en-US" dirty="0" smtClean="0">
-                          <a:latin typeface="+mn-lt"/>
-                        </a:rPr>
-                        <a:t>FRR: 0.45918</a:t>
-                      </a:r>
-                    </a:p>
-                    <a:p>
-                      <a:r>
-                        <a:rPr lang="en-US" dirty="0" smtClean="0">
-                          <a:latin typeface="+mn-lt"/>
-                        </a:rPr>
-                        <a:t>FAR: 0.57245</a:t>
-                      </a:r>
-                      <a:endParaRPr lang="en-US" dirty="0">
-                        <a:latin typeface="+mn-lt"/>
-                      </a:endParaRPr>
-                    </a:p>
-                  </a:txBody>
-                  <a:tcPr/>
-                </a:tc>
-                <a:tc>
-                  <a:txBody>
-                    <a:bodyPr/>
-                    <a:lstStyle/>
-                    <a:p>
-                      <a:r>
-                        <a:rPr lang="en-US" dirty="0" smtClean="0">
-                          <a:latin typeface="+mn-lt"/>
-                        </a:rPr>
-                        <a:t>FRR: 0.40816 </a:t>
-                      </a:r>
-                    </a:p>
-                    <a:p>
-                      <a:r>
-                        <a:rPr lang="en-US" dirty="0" smtClean="0">
-                          <a:latin typeface="+mn-lt"/>
-                        </a:rPr>
-                        <a:t>FAR: 0.57894</a:t>
-                      </a:r>
-                      <a:endParaRPr lang="en-US" dirty="0">
-                        <a:latin typeface="+mn-lt"/>
-                      </a:endParaRPr>
-                    </a:p>
-                  </a:txBody>
-                  <a:tcPr/>
-                </a:tc>
-                <a:tc>
-                  <a:txBody>
-                    <a:bodyPr/>
-                    <a:lstStyle/>
-                    <a:p>
-                      <a:r>
-                        <a:rPr lang="en-US" dirty="0" smtClean="0">
-                          <a:latin typeface="+mn-lt"/>
-                        </a:rPr>
-                        <a:t>FRR: 0.50000</a:t>
-                      </a:r>
-                    </a:p>
-                    <a:p>
-                      <a:r>
-                        <a:rPr lang="en-US" dirty="0" smtClean="0">
-                          <a:latin typeface="+mn-lt"/>
-                        </a:rPr>
-                        <a:t>FAR: 0.59380</a:t>
+                        <a:t>FRR: 0.49573</a:t>
+                      </a:r>
+                    </a:p>
+                    <a:p>
+                      <a:r>
+                        <a:rPr lang="en-US" dirty="0" smtClean="0">
+                          <a:latin typeface="+mn-lt"/>
+                        </a:rPr>
+                        <a:t>FAR: 0.57563</a:t>
+                      </a:r>
+                      <a:endParaRPr lang="en-US" dirty="0">
+                        <a:latin typeface="+mn-lt"/>
+                      </a:endParaRPr>
+                    </a:p>
+                  </a:txBody>
+                  <a:tcPr/>
+                </a:tc>
+                <a:tc>
+                  <a:txBody>
+                    <a:bodyPr/>
+                    <a:lstStyle/>
+                    <a:p>
+                      <a:r>
+                        <a:rPr lang="en-US" dirty="0" smtClean="0">
+                          <a:latin typeface="+mn-lt"/>
+                        </a:rPr>
+                        <a:t>FRR: 0.56338</a:t>
+                      </a:r>
+                    </a:p>
+                    <a:p>
+                      <a:r>
+                        <a:rPr lang="en-US" dirty="0" smtClean="0">
+                          <a:latin typeface="+mn-lt"/>
+                        </a:rPr>
+                        <a:t>FAR: 0.51894</a:t>
+                      </a:r>
+                      <a:endParaRPr lang="en-US" dirty="0">
+                        <a:latin typeface="+mn-lt"/>
+                      </a:endParaRPr>
+                    </a:p>
+                  </a:txBody>
+                  <a:tcPr/>
+                </a:tc>
+                <a:tc>
+                  <a:txBody>
+                    <a:bodyPr/>
+                    <a:lstStyle/>
+                    <a:p>
+                      <a:r>
+                        <a:rPr lang="en-US" dirty="0" smtClean="0">
+                          <a:latin typeface="+mn-lt"/>
+                        </a:rPr>
+                        <a:t>FRR: 0.48980</a:t>
+                      </a:r>
+                    </a:p>
+                    <a:p>
+                      <a:r>
+                        <a:rPr lang="en-US" dirty="0" smtClean="0">
+                          <a:latin typeface="+mn-lt"/>
+                        </a:rPr>
+                        <a:t>FAR: 0.55914</a:t>
+                      </a:r>
+                      <a:endParaRPr lang="en-US" dirty="0">
+                        <a:latin typeface="+mn-lt"/>
+                      </a:endParaRPr>
+                    </a:p>
+                  </a:txBody>
+                  <a:tcPr/>
+                </a:tc>
+                <a:tc>
+                  <a:txBody>
+                    <a:bodyPr/>
+                    <a:lstStyle/>
+                    <a:p>
+                      <a:r>
+                        <a:rPr lang="en-US" dirty="0" smtClean="0">
+                          <a:latin typeface="+mn-lt"/>
+                        </a:rPr>
+                        <a:t>FRR: 0.51020</a:t>
+                      </a:r>
+                    </a:p>
+                    <a:p>
+                      <a:r>
+                        <a:rPr lang="en-US" dirty="0" smtClean="0">
+                          <a:latin typeface="+mn-lt"/>
+                        </a:rPr>
+                        <a:t>FAR: 0.55469</a:t>
+                      </a:r>
+                      <a:endParaRPr lang="en-US" dirty="0">
+                        <a:latin typeface="+mn-lt"/>
+                      </a:endParaRPr>
+                    </a:p>
+                  </a:txBody>
+                  <a:tcPr/>
+                </a:tc>
+                <a:tc>
+                  <a:txBody>
+                    <a:bodyPr/>
+                    <a:lstStyle/>
+                    <a:p>
+                      <a:r>
+                        <a:rPr lang="en-US" dirty="0" smtClean="0">
+                          <a:latin typeface="+mn-lt"/>
+                        </a:rPr>
+                        <a:t>FRR: 0.47479</a:t>
+                      </a:r>
+                    </a:p>
+                    <a:p>
+                      <a:r>
+                        <a:rPr lang="en-US" dirty="0" smtClean="0">
+                          <a:latin typeface="+mn-lt"/>
+                        </a:rPr>
+                        <a:t>FAR: 0.51474</a:t>
                       </a:r>
                       <a:endParaRPr lang="en-US" dirty="0">
                         <a:latin typeface="+mn-lt"/>
@@ -9290,119 +9144,119 @@
                         <a:rPr lang="en-US" dirty="0" smtClean="0">
                           <a:latin typeface="+mn-lt"/>
                         </a:rPr>
-                        <a:t>FRR: 0.44855</a:t>
-                      </a:r>
-                    </a:p>
-                    <a:p>
-                      <a:r>
-                        <a:rPr lang="en-US" dirty="0" smtClean="0">
-                          <a:latin typeface="+mn-lt"/>
-                        </a:rPr>
-                        <a:t>FAR: 0.56277</a:t>
-                      </a:r>
-                      <a:endParaRPr lang="en-US" dirty="0">
-                        <a:latin typeface="+mn-lt"/>
-                      </a:endParaRPr>
-                    </a:p>
-                  </a:txBody>
-                  <a:tcPr/>
-                </a:tc>
-                <a:tc>
-                  <a:txBody>
-                    <a:bodyPr/>
-                    <a:lstStyle/>
-                    <a:p>
-                      <a:r>
-                        <a:rPr lang="en-US" dirty="0" smtClean="0">
-                          <a:latin typeface="+mn-lt"/>
-                        </a:rPr>
-                        <a:t>FRR: 0.45783</a:t>
-                      </a:r>
-                    </a:p>
-                    <a:p>
-                      <a:r>
-                        <a:rPr lang="en-US" dirty="0" smtClean="0">
-                          <a:latin typeface="+mn-lt"/>
-                        </a:rPr>
-                        <a:t>FAR: 0.60759</a:t>
-                      </a:r>
-                      <a:endParaRPr lang="en-US" dirty="0">
-                        <a:latin typeface="+mn-lt"/>
-                      </a:endParaRPr>
-                    </a:p>
-                  </a:txBody>
-                  <a:tcPr/>
-                </a:tc>
-                <a:tc>
-                  <a:txBody>
-                    <a:bodyPr/>
-                    <a:lstStyle/>
-                    <a:p>
-                      <a:r>
-                        <a:rPr lang="en-US" dirty="0" smtClean="0">
-                          <a:latin typeface="+mn-lt"/>
-                        </a:rPr>
-                        <a:t>FRR: 0.54545</a:t>
-                      </a:r>
-                    </a:p>
-                    <a:p>
-                      <a:r>
-                        <a:rPr lang="en-US" dirty="0" smtClean="0">
-                          <a:latin typeface="+mn-lt"/>
-                        </a:rPr>
-                        <a:t>FAR: 0.59494</a:t>
-                      </a:r>
-                      <a:endParaRPr lang="en-US" dirty="0">
-                        <a:latin typeface="+mn-lt"/>
-                      </a:endParaRPr>
-                    </a:p>
-                  </a:txBody>
-                  <a:tcPr/>
-                </a:tc>
-                <a:tc>
-                  <a:txBody>
-                    <a:bodyPr/>
-                    <a:lstStyle/>
-                    <a:p>
-                      <a:r>
-                        <a:rPr lang="en-US" dirty="0" smtClean="0">
-                          <a:latin typeface="+mn-lt"/>
-                        </a:rPr>
-                        <a:t>FRR: 0.36046</a:t>
-                      </a:r>
-                    </a:p>
-                    <a:p>
-                      <a:r>
-                        <a:rPr lang="en-US" dirty="0" smtClean="0">
-                          <a:latin typeface="+mn-lt"/>
-                        </a:rPr>
-                        <a:t>FAR: 0.59260</a:t>
-                      </a:r>
-                      <a:endParaRPr lang="en-US" dirty="0">
-                        <a:latin typeface="+mn-lt"/>
-                      </a:endParaRPr>
-                    </a:p>
-                  </a:txBody>
-                  <a:tcPr/>
-                </a:tc>
-                <a:tc>
-                  <a:txBody>
-                    <a:bodyPr/>
-                    <a:lstStyle/>
-                    <a:p>
-                      <a:r>
-                        <a:rPr lang="en-US" dirty="0" smtClean="0">
-                          <a:latin typeface="+mn-lt"/>
-                        </a:rPr>
-                        <a:t>FRR: 0.41841</a:t>
-                      </a:r>
-                    </a:p>
-                    <a:p>
-                      <a:r>
-                        <a:rPr lang="en-US" dirty="0" smtClean="0">
-                          <a:latin typeface="+mn-lt"/>
-                        </a:rPr>
-                        <a:t>FAR: 0.56734</a:t>
+                        <a:t>FRR: 0.51440</a:t>
+                      </a:r>
+                    </a:p>
+                    <a:p>
+                      <a:r>
+                        <a:rPr lang="en-US" dirty="0" smtClean="0">
+                          <a:latin typeface="+mn-lt"/>
+                        </a:rPr>
+                        <a:t>FAR: 0.43877</a:t>
+                      </a:r>
+                      <a:endParaRPr lang="en-US" dirty="0">
+                        <a:latin typeface="+mn-lt"/>
+                      </a:endParaRPr>
+                    </a:p>
+                  </a:txBody>
+                  <a:tcPr/>
+                </a:tc>
+                <a:tc>
+                  <a:txBody>
+                    <a:bodyPr/>
+                    <a:lstStyle/>
+                    <a:p>
+                      <a:r>
+                        <a:rPr lang="en-US" dirty="0" smtClean="0">
+                          <a:latin typeface="+mn-lt"/>
+                        </a:rPr>
+                        <a:t>FRR: 0.50602</a:t>
+                      </a:r>
+                    </a:p>
+                    <a:p>
+                      <a:r>
+                        <a:rPr lang="en-US" dirty="0" smtClean="0">
+                          <a:latin typeface="+mn-lt"/>
+                        </a:rPr>
+                        <a:t>FAR: 0.42352</a:t>
+                      </a:r>
+                      <a:endParaRPr lang="en-US" dirty="0">
+                        <a:latin typeface="+mn-lt"/>
+                      </a:endParaRPr>
+                    </a:p>
+                  </a:txBody>
+                  <a:tcPr/>
+                </a:tc>
+                <a:tc>
+                  <a:txBody>
+                    <a:bodyPr/>
+                    <a:lstStyle/>
+                    <a:p>
+                      <a:r>
+                        <a:rPr lang="en-US" dirty="0" smtClean="0">
+                          <a:latin typeface="+mn-lt"/>
+                        </a:rPr>
+                        <a:t>FRR: 0.67532</a:t>
+                      </a:r>
+                    </a:p>
+                    <a:p>
+                      <a:r>
+                        <a:rPr lang="en-US" dirty="0" smtClean="0">
+                          <a:latin typeface="+mn-lt"/>
+                        </a:rPr>
+                        <a:t>FAR: 0.50704</a:t>
+                      </a:r>
+                      <a:endParaRPr lang="en-US" dirty="0" smtClean="0">
+                        <a:latin typeface="+mn-lt"/>
+                      </a:endParaRPr>
+                    </a:p>
+                  </a:txBody>
+                  <a:tcPr/>
+                </a:tc>
+                <a:tc>
+                  <a:txBody>
+                    <a:bodyPr/>
+                    <a:lstStyle/>
+                    <a:p>
+                      <a:r>
+                        <a:rPr lang="en-US" dirty="0" smtClean="0">
+                          <a:latin typeface="+mn-lt"/>
+                        </a:rPr>
+                        <a:t>FRR: 0.47674</a:t>
+                      </a:r>
+                    </a:p>
+                    <a:p>
+                      <a:r>
+                        <a:rPr lang="en-US" dirty="0" smtClean="0">
+                          <a:latin typeface="+mn-lt"/>
+                        </a:rPr>
+                        <a:t>FAR: 0.54230</a:t>
+                      </a:r>
+                      <a:endParaRPr lang="en-US" dirty="0" smtClean="0">
+                        <a:latin typeface="+mn-lt"/>
+                      </a:endParaRPr>
+                    </a:p>
+                  </a:txBody>
+                  <a:tcPr/>
+                </a:tc>
+                <a:tc>
+                  <a:txBody>
+                    <a:bodyPr/>
+                    <a:lstStyle/>
+                    <a:p>
+                      <a:r>
+                        <a:rPr lang="en-US" dirty="0" smtClean="0">
+                          <a:latin typeface="+mn-lt"/>
+                        </a:rPr>
+                        <a:t>FRR: 0.46444</a:t>
+                      </a:r>
+                    </a:p>
+                    <a:p>
+                      <a:r>
+                        <a:rPr lang="en-US" dirty="0" smtClean="0">
+                          <a:latin typeface="+mn-lt"/>
+                        </a:rPr>
+                        <a:t>FAR: 0.44732</a:t>
                       </a:r>
                       <a:endParaRPr lang="en-US" dirty="0">
                         <a:latin typeface="+mn-lt"/>
@@ -9445,119 +9299,119 @@
                         <a:rPr lang="en-US" dirty="0" smtClean="0">
                           <a:latin typeface="+mn-lt"/>
                         </a:rPr>
-                        <a:t>FRR: 0.41558</a:t>
-                      </a:r>
-                    </a:p>
-                    <a:p>
-                      <a:r>
-                        <a:rPr lang="en-US" dirty="0" smtClean="0">
-                          <a:latin typeface="+mn-lt"/>
-                        </a:rPr>
-                        <a:t>FAR: 0.57433</a:t>
-                      </a:r>
-                      <a:endParaRPr lang="en-US" dirty="0">
-                        <a:latin typeface="+mn-lt"/>
-                      </a:endParaRPr>
-                    </a:p>
-                  </a:txBody>
-                  <a:tcPr/>
-                </a:tc>
-                <a:tc>
-                  <a:txBody>
-                    <a:bodyPr/>
-                    <a:lstStyle/>
-                    <a:p>
-                      <a:r>
-                        <a:rPr lang="en-US" dirty="0" smtClean="0">
-                          <a:latin typeface="+mn-lt"/>
-                        </a:rPr>
-                        <a:t>FRR: 0.44927</a:t>
-                      </a:r>
-                    </a:p>
-                    <a:p>
-                      <a:r>
-                        <a:rPr lang="en-US" dirty="0" smtClean="0">
-                          <a:latin typeface="+mn-lt"/>
-                        </a:rPr>
-                        <a:t>FAR: 0.59664</a:t>
-                      </a:r>
-                      <a:endParaRPr lang="en-US" dirty="0">
-                        <a:latin typeface="+mn-lt"/>
-                      </a:endParaRPr>
-                    </a:p>
-                  </a:txBody>
-                  <a:tcPr/>
-                </a:tc>
-                <a:tc>
-                  <a:txBody>
-                    <a:bodyPr/>
-                    <a:lstStyle/>
-                    <a:p>
-                      <a:r>
-                        <a:rPr lang="en-US" dirty="0" smtClean="0">
-                          <a:latin typeface="+mn-lt"/>
-                        </a:rPr>
-                        <a:t>FRR: 0.38823</a:t>
-                      </a:r>
-                    </a:p>
-                    <a:p>
-                      <a:r>
-                        <a:rPr lang="en-US" dirty="0" smtClean="0">
-                          <a:latin typeface="+mn-lt"/>
-                        </a:rPr>
-                        <a:t>FAR: 0.57355</a:t>
-                      </a:r>
-                      <a:endParaRPr lang="en-US" dirty="0">
-                        <a:latin typeface="+mn-lt"/>
-                      </a:endParaRPr>
-                    </a:p>
-                  </a:txBody>
-                  <a:tcPr/>
-                </a:tc>
-                <a:tc>
-                  <a:txBody>
-                    <a:bodyPr/>
-                    <a:lstStyle/>
-                    <a:p>
-                      <a:r>
-                        <a:rPr lang="en-US" dirty="0" smtClean="0">
-                          <a:latin typeface="+mn-lt"/>
-                        </a:rPr>
-                        <a:t>FRR: 0.35955</a:t>
-                      </a:r>
-                    </a:p>
-                    <a:p>
-                      <a:r>
-                        <a:rPr lang="en-US" dirty="0" smtClean="0">
-                          <a:latin typeface="+mn-lt"/>
-                        </a:rPr>
-                        <a:t>FAR: 0.62914</a:t>
-                      </a:r>
-                      <a:endParaRPr lang="en-US" dirty="0">
-                        <a:latin typeface="+mn-lt"/>
-                      </a:endParaRPr>
-                    </a:p>
-                  </a:txBody>
-                  <a:tcPr/>
-                </a:tc>
-                <a:tc>
-                  <a:txBody>
-                    <a:bodyPr/>
-                    <a:lstStyle/>
-                    <a:p>
-                      <a:r>
-                        <a:rPr lang="en-US" dirty="0" smtClean="0">
-                          <a:latin typeface="+mn-lt"/>
-                        </a:rPr>
-                        <a:t>FRR: 0.43644</a:t>
-                      </a:r>
-                    </a:p>
-                    <a:p>
-                      <a:r>
-                        <a:rPr lang="en-US" dirty="0" smtClean="0">
-                          <a:latin typeface="+mn-lt"/>
-                        </a:rPr>
-                        <a:t>FAR: 0.62436</a:t>
+                        <a:t>FRR: 0.52814</a:t>
+                      </a:r>
+                    </a:p>
+                    <a:p>
+                      <a:r>
+                        <a:rPr lang="en-US" dirty="0" smtClean="0">
+                          <a:latin typeface="+mn-lt"/>
+                        </a:rPr>
+                        <a:t>FAR: 0.47641</a:t>
+                      </a:r>
+                      <a:endParaRPr lang="en-US" dirty="0">
+                        <a:latin typeface="+mn-lt"/>
+                      </a:endParaRPr>
+                    </a:p>
+                  </a:txBody>
+                  <a:tcPr/>
+                </a:tc>
+                <a:tc>
+                  <a:txBody>
+                    <a:bodyPr/>
+                    <a:lstStyle/>
+                    <a:p>
+                      <a:r>
+                        <a:rPr lang="en-US" dirty="0" smtClean="0">
+                          <a:latin typeface="+mn-lt"/>
+                        </a:rPr>
+                        <a:t>FRR: 0.50725</a:t>
+                      </a:r>
+                    </a:p>
+                    <a:p>
+                      <a:r>
+                        <a:rPr lang="en-US" dirty="0" smtClean="0">
+                          <a:latin typeface="+mn-lt"/>
+                        </a:rPr>
+                        <a:t>FAR: 0.53662</a:t>
+                      </a:r>
+                      <a:endParaRPr lang="en-US" dirty="0">
+                        <a:latin typeface="+mn-lt"/>
+                      </a:endParaRPr>
+                    </a:p>
+                  </a:txBody>
+                  <a:tcPr/>
+                </a:tc>
+                <a:tc>
+                  <a:txBody>
+                    <a:bodyPr/>
+                    <a:lstStyle/>
+                    <a:p>
+                      <a:r>
+                        <a:rPr lang="en-US" dirty="0" smtClean="0">
+                          <a:latin typeface="+mn-lt"/>
+                        </a:rPr>
+                        <a:t>FRR: 0.54118</a:t>
+                      </a:r>
+                    </a:p>
+                    <a:p>
+                      <a:r>
+                        <a:rPr lang="en-US" dirty="0" smtClean="0">
+                          <a:latin typeface="+mn-lt"/>
+                        </a:rPr>
+                        <a:t>FAR: 0.46112</a:t>
+                      </a:r>
+                      <a:endParaRPr lang="en-US" dirty="0">
+                        <a:latin typeface="+mn-lt"/>
+                      </a:endParaRPr>
+                    </a:p>
+                  </a:txBody>
+                  <a:tcPr/>
+                </a:tc>
+                <a:tc>
+                  <a:txBody>
+                    <a:bodyPr/>
+                    <a:lstStyle/>
+                    <a:p>
+                      <a:r>
+                        <a:rPr lang="en-US" dirty="0" smtClean="0">
+                          <a:latin typeface="+mn-lt"/>
+                        </a:rPr>
+                        <a:t>FRR: 0.42697</a:t>
+                      </a:r>
+                    </a:p>
+                    <a:p>
+                      <a:r>
+                        <a:rPr lang="en-US" dirty="0" smtClean="0">
+                          <a:latin typeface="+mn-lt"/>
+                        </a:rPr>
+                        <a:t>FAR: 0.57309</a:t>
+                      </a:r>
+                      <a:endParaRPr lang="en-US" dirty="0">
+                        <a:latin typeface="+mn-lt"/>
+                      </a:endParaRPr>
+                    </a:p>
+                  </a:txBody>
+                  <a:tcPr/>
+                </a:tc>
+                <a:tc>
+                  <a:txBody>
+                    <a:bodyPr/>
+                    <a:lstStyle/>
+                    <a:p>
+                      <a:r>
+                        <a:rPr lang="en-US" dirty="0" smtClean="0">
+                          <a:latin typeface="+mn-lt"/>
+                        </a:rPr>
+                        <a:t>FRR: 0.53814</a:t>
+                      </a:r>
+                    </a:p>
+                    <a:p>
+                      <a:r>
+                        <a:rPr lang="en-US" dirty="0" smtClean="0">
+                          <a:latin typeface="+mn-lt"/>
+                        </a:rPr>
+                        <a:t>FAR: 0.52042</a:t>
                       </a:r>
                       <a:endParaRPr lang="en-US" dirty="0">
                         <a:latin typeface="+mn-lt"/>
@@ -9600,121 +9454,121 @@
                         <a:rPr lang="en-US" dirty="0" smtClean="0">
                           <a:latin typeface="+mn-lt"/>
                         </a:rPr>
-                        <a:t>FRR: 0.57013</a:t>
-                      </a:r>
-                    </a:p>
-                    <a:p>
-                      <a:r>
-                        <a:rPr lang="en-US" dirty="0" smtClean="0">
-                          <a:latin typeface="+mn-lt"/>
-                        </a:rPr>
-                        <a:t>FAR: 0.52170</a:t>
-                      </a:r>
-                      <a:endParaRPr lang="en-US" dirty="0">
-                        <a:latin typeface="+mn-lt"/>
-                      </a:endParaRPr>
-                    </a:p>
-                  </a:txBody>
-                  <a:tcPr/>
-                </a:tc>
-                <a:tc>
-                  <a:txBody>
-                    <a:bodyPr/>
-                    <a:lstStyle/>
-                    <a:p>
-                      <a:r>
-                        <a:rPr lang="en-US" dirty="0" smtClean="0">
-                          <a:latin typeface="+mn-lt"/>
-                        </a:rPr>
-                        <a:t>FRR: 0.37313</a:t>
-                      </a:r>
-                    </a:p>
-                    <a:p>
-                      <a:r>
-                        <a:rPr lang="en-US" dirty="0" smtClean="0">
-                          <a:latin typeface="+mn-lt"/>
-                        </a:rPr>
-                        <a:t>FAR: 0.57511</a:t>
-                      </a:r>
-                      <a:endParaRPr lang="en-US" dirty="0">
-                        <a:latin typeface="+mn-lt"/>
-                      </a:endParaRPr>
-                    </a:p>
-                  </a:txBody>
-                  <a:tcPr/>
-                </a:tc>
-                <a:tc>
-                  <a:txBody>
-                    <a:bodyPr/>
-                    <a:lstStyle/>
-                    <a:p>
-                      <a:r>
-                        <a:rPr lang="en-US" dirty="0" smtClean="0">
-                          <a:latin typeface="+mn-lt"/>
-                        </a:rPr>
-                        <a:t>FRR: 0.45454</a:t>
-                      </a:r>
-                    </a:p>
-                    <a:p>
-                      <a:r>
-                        <a:rPr lang="en-US" dirty="0" smtClean="0">
-                          <a:latin typeface="+mn-lt"/>
-                        </a:rPr>
-                        <a:t>FAR: 0.57075</a:t>
-                      </a:r>
-                      <a:endParaRPr lang="en-US" dirty="0">
-                        <a:latin typeface="+mn-lt"/>
-                      </a:endParaRPr>
-                    </a:p>
-                  </a:txBody>
-                  <a:tcPr/>
-                </a:tc>
-                <a:tc>
-                  <a:txBody>
-                    <a:bodyPr/>
-                    <a:lstStyle/>
-                    <a:p>
-                      <a:r>
-                        <a:rPr lang="en-US" dirty="0" smtClean="0">
-                          <a:latin typeface="+mn-lt"/>
-                        </a:rPr>
-                        <a:t>FRR: 0.44444</a:t>
-                      </a:r>
-                    </a:p>
-                    <a:p>
-                      <a:r>
-                        <a:rPr lang="en-US" dirty="0" smtClean="0">
-                          <a:latin typeface="+mn-lt"/>
-                        </a:rPr>
-                        <a:t>FAR: 0.62867</a:t>
-                      </a:r>
-                      <a:endParaRPr lang="en-US" dirty="0">
-                        <a:latin typeface="+mn-lt"/>
-                      </a:endParaRPr>
-                    </a:p>
-                  </a:txBody>
-                  <a:tcPr/>
-                </a:tc>
-                <a:tc>
-                  <a:txBody>
-                    <a:bodyPr/>
-                    <a:lstStyle/>
-                    <a:p>
-                      <a:r>
-                        <a:rPr lang="en-US" dirty="0" smtClean="0">
-                          <a:latin typeface="+mn-lt"/>
-                        </a:rPr>
-                        <a:t>FRR: 0.34978</a:t>
-                      </a:r>
-                    </a:p>
-                    <a:p>
-                      <a:r>
-                        <a:rPr lang="en-US" dirty="0" smtClean="0">
-                          <a:latin typeface="+mn-lt"/>
-                        </a:rPr>
-                        <a:t>FAR: 0.59465</a:t>
-                      </a:r>
-                      <a:endParaRPr lang="en-US" dirty="0">
+                        <a:t>FRR: 0.47964</a:t>
+                      </a:r>
+                    </a:p>
+                    <a:p>
+                      <a:r>
+                        <a:rPr lang="en-US" dirty="0" smtClean="0">
+                          <a:latin typeface="+mn-lt"/>
+                        </a:rPr>
+                        <a:t>FAR: 0.47762</a:t>
+                      </a:r>
+                      <a:endParaRPr lang="en-US" dirty="0">
+                        <a:latin typeface="+mn-lt"/>
+                      </a:endParaRPr>
+                    </a:p>
+                  </a:txBody>
+                  <a:tcPr/>
+                </a:tc>
+                <a:tc>
+                  <a:txBody>
+                    <a:bodyPr/>
+                    <a:lstStyle/>
+                    <a:p>
+                      <a:r>
+                        <a:rPr lang="en-US" dirty="0" smtClean="0">
+                          <a:latin typeface="+mn-lt"/>
+                        </a:rPr>
+                        <a:t>FRR: 0.50746</a:t>
+                      </a:r>
+                    </a:p>
+                    <a:p>
+                      <a:r>
+                        <a:rPr lang="en-US" dirty="0" smtClean="0">
+                          <a:latin typeface="+mn-lt"/>
+                        </a:rPr>
+                        <a:t>FAR: 0.46788</a:t>
+                      </a:r>
+                      <a:endParaRPr lang="en-US" dirty="0">
+                        <a:latin typeface="+mn-lt"/>
+                      </a:endParaRPr>
+                    </a:p>
+                  </a:txBody>
+                  <a:tcPr/>
+                </a:tc>
+                <a:tc>
+                  <a:txBody>
+                    <a:bodyPr/>
+                    <a:lstStyle/>
+                    <a:p>
+                      <a:r>
+                        <a:rPr lang="en-US" dirty="0" smtClean="0">
+                          <a:latin typeface="+mn-lt"/>
+                        </a:rPr>
+                        <a:t>FRR: 0.60606</a:t>
+                      </a:r>
+                    </a:p>
+                    <a:p>
+                      <a:r>
+                        <a:rPr lang="en-US" dirty="0" smtClean="0">
+                          <a:latin typeface="+mn-lt"/>
+                        </a:rPr>
+                        <a:t>FAR: 0.47799</a:t>
+                      </a:r>
+                      <a:endParaRPr lang="en-US" dirty="0">
+                        <a:latin typeface="+mn-lt"/>
+                      </a:endParaRPr>
+                    </a:p>
+                  </a:txBody>
+                  <a:tcPr/>
+                </a:tc>
+                <a:tc>
+                  <a:txBody>
+                    <a:bodyPr/>
+                    <a:lstStyle/>
+                    <a:p>
+                      <a:r>
+                        <a:rPr lang="en-US" dirty="0" smtClean="0">
+                          <a:latin typeface="+mn-lt"/>
+                        </a:rPr>
+                        <a:t>FRR: 0.54167</a:t>
+                      </a:r>
+                    </a:p>
+                    <a:p>
+                      <a:r>
+                        <a:rPr lang="en-US" dirty="0" smtClean="0">
+                          <a:latin typeface="+mn-lt"/>
+                        </a:rPr>
+                        <a:t>FAR: 0.58765</a:t>
+                      </a:r>
+                      <a:endParaRPr lang="en-US" dirty="0">
+                        <a:latin typeface="+mn-lt"/>
+                      </a:endParaRPr>
+                    </a:p>
+                  </a:txBody>
+                  <a:tcPr/>
+                </a:tc>
+                <a:tc>
+                  <a:txBody>
+                    <a:bodyPr/>
+                    <a:lstStyle/>
+                    <a:p>
+                      <a:r>
+                        <a:rPr lang="en-US" dirty="0" smtClean="0">
+                          <a:latin typeface="+mn-lt"/>
+                        </a:rPr>
+                        <a:t>FRR: 0.48430</a:t>
+                      </a:r>
+                    </a:p>
+                    <a:p>
+                      <a:r>
+                        <a:rPr lang="en-US" dirty="0" smtClean="0">
+                          <a:latin typeface="+mn-lt"/>
+                        </a:rPr>
+                        <a:t>FAR: 0.54939</a:t>
+                      </a:r>
+                      <a:endParaRPr lang="en-US" dirty="0" smtClean="0">
                         <a:latin typeface="+mn-lt"/>
                       </a:endParaRPr>
                     </a:p>
@@ -9769,119 +9623,119 @@
                         <a:rPr lang="en-US" dirty="0" smtClean="0">
                           <a:latin typeface="+mn-lt"/>
                         </a:rPr>
-                        <a:t>FRR: 0.42570</a:t>
-                      </a:r>
-                    </a:p>
-                    <a:p>
-                      <a:r>
-                        <a:rPr lang="en-US" dirty="0" smtClean="0">
-                          <a:latin typeface="+mn-lt"/>
-                        </a:rPr>
-                        <a:t>FAR: 0.53524</a:t>
-                      </a:r>
-                      <a:endParaRPr lang="en-US" dirty="0">
-                        <a:latin typeface="+mn-lt"/>
-                      </a:endParaRPr>
-                    </a:p>
-                  </a:txBody>
-                  <a:tcPr/>
-                </a:tc>
-                <a:tc>
-                  <a:txBody>
-                    <a:bodyPr/>
-                    <a:lstStyle/>
-                    <a:p>
-                      <a:r>
-                        <a:rPr lang="en-US" dirty="0" smtClean="0">
-                          <a:latin typeface="+mn-lt"/>
-                        </a:rPr>
-                        <a:t>FRR: 0.45744</a:t>
-                      </a:r>
-                    </a:p>
-                    <a:p>
-                      <a:r>
-                        <a:rPr lang="en-US" dirty="0" smtClean="0">
-                          <a:latin typeface="+mn-lt"/>
-                        </a:rPr>
-                        <a:t>FAR: 0.61358</a:t>
-                      </a:r>
-                      <a:endParaRPr lang="en-US" dirty="0">
-                        <a:latin typeface="+mn-lt"/>
-                      </a:endParaRPr>
-                    </a:p>
-                  </a:txBody>
-                  <a:tcPr/>
-                </a:tc>
-                <a:tc>
-                  <a:txBody>
-                    <a:bodyPr/>
-                    <a:lstStyle/>
-                    <a:p>
-                      <a:r>
-                        <a:rPr lang="en-US" dirty="0" smtClean="0">
-                          <a:latin typeface="+mn-lt"/>
-                        </a:rPr>
-                        <a:t>FRR: 0.38613</a:t>
-                      </a:r>
-                    </a:p>
-                    <a:p>
-                      <a:r>
-                        <a:rPr lang="en-US" dirty="0" smtClean="0">
-                          <a:latin typeface="+mn-lt"/>
-                        </a:rPr>
-                        <a:t>FAR: 0.63847</a:t>
-                      </a:r>
-                      <a:endParaRPr lang="en-US" dirty="0">
-                        <a:latin typeface="+mn-lt"/>
-                      </a:endParaRPr>
-                    </a:p>
-                  </a:txBody>
-                  <a:tcPr/>
-                </a:tc>
-                <a:tc>
-                  <a:txBody>
-                    <a:bodyPr/>
-                    <a:lstStyle/>
-                    <a:p>
-                      <a:r>
-                        <a:rPr lang="en-US" dirty="0" smtClean="0">
-                          <a:latin typeface="+mn-lt"/>
-                        </a:rPr>
-                        <a:t>FRR: 0.41904</a:t>
-                      </a:r>
-                    </a:p>
-                    <a:p>
-                      <a:r>
-                        <a:rPr lang="en-US" dirty="0" smtClean="0">
-                          <a:latin typeface="+mn-lt"/>
-                        </a:rPr>
-                        <a:t>FAR: 0.61449</a:t>
-                      </a:r>
-                      <a:endParaRPr lang="en-US" dirty="0">
-                        <a:latin typeface="+mn-lt"/>
-                      </a:endParaRPr>
-                    </a:p>
-                  </a:txBody>
-                  <a:tcPr/>
-                </a:tc>
-                <a:tc>
-                  <a:txBody>
-                    <a:bodyPr/>
-                    <a:lstStyle/>
-                    <a:p>
-                      <a:r>
-                        <a:rPr lang="en-US" dirty="0" smtClean="0">
-                          <a:latin typeface="+mn-lt"/>
-                        </a:rPr>
-                        <a:t>FRR: 0.44130</a:t>
-                      </a:r>
-                    </a:p>
-                    <a:p>
-                      <a:r>
-                        <a:rPr lang="en-US" dirty="0" smtClean="0">
-                          <a:latin typeface="+mn-lt"/>
-                        </a:rPr>
-                        <a:t>FAR: 0.60258</a:t>
+                        <a:t>FRR: 0.48594</a:t>
+                      </a:r>
+                    </a:p>
+                    <a:p>
+                      <a:r>
+                        <a:rPr lang="en-US" dirty="0" smtClean="0">
+                          <a:latin typeface="+mn-lt"/>
+                        </a:rPr>
+                        <a:t>FAR: 0.48733</a:t>
+                      </a:r>
+                      <a:endParaRPr lang="en-US" dirty="0">
+                        <a:latin typeface="+mn-lt"/>
+                      </a:endParaRPr>
+                    </a:p>
+                  </a:txBody>
+                  <a:tcPr/>
+                </a:tc>
+                <a:tc>
+                  <a:txBody>
+                    <a:bodyPr/>
+                    <a:lstStyle/>
+                    <a:p>
+                      <a:r>
+                        <a:rPr lang="en-US" dirty="0" smtClean="0">
+                          <a:latin typeface="+mn-lt"/>
+                        </a:rPr>
+                        <a:t>FRR: 0.52128</a:t>
+                      </a:r>
+                    </a:p>
+                    <a:p>
+                      <a:r>
+                        <a:rPr lang="en-US" dirty="0" smtClean="0">
+                          <a:latin typeface="+mn-lt"/>
+                        </a:rPr>
+                        <a:t>FAR: 0.47880</a:t>
+                      </a:r>
+                      <a:endParaRPr lang="en-US" dirty="0">
+                        <a:latin typeface="+mn-lt"/>
+                      </a:endParaRPr>
+                    </a:p>
+                  </a:txBody>
+                  <a:tcPr/>
+                </a:tc>
+                <a:tc>
+                  <a:txBody>
+                    <a:bodyPr/>
+                    <a:lstStyle/>
+                    <a:p>
+                      <a:r>
+                        <a:rPr lang="en-US" dirty="0" smtClean="0">
+                          <a:latin typeface="+mn-lt"/>
+                        </a:rPr>
+                        <a:t>FRR: 0.50495</a:t>
+                      </a:r>
+                    </a:p>
+                    <a:p>
+                      <a:r>
+                        <a:rPr lang="en-US" dirty="0" smtClean="0">
+                          <a:latin typeface="+mn-lt"/>
+                        </a:rPr>
+                        <a:t>FAR: 0.59722</a:t>
+                      </a:r>
+                      <a:endParaRPr lang="en-US" dirty="0">
+                        <a:latin typeface="+mn-lt"/>
+                      </a:endParaRPr>
+                    </a:p>
+                  </a:txBody>
+                  <a:tcPr/>
+                </a:tc>
+                <a:tc>
+                  <a:txBody>
+                    <a:bodyPr/>
+                    <a:lstStyle/>
+                    <a:p>
+                      <a:r>
+                        <a:rPr lang="en-US" dirty="0" smtClean="0">
+                          <a:latin typeface="+mn-lt"/>
+                        </a:rPr>
+                        <a:t>FRR: 0.45714</a:t>
+                      </a:r>
+                    </a:p>
+                    <a:p>
+                      <a:r>
+                        <a:rPr lang="en-US" dirty="0" smtClean="0">
+                          <a:latin typeface="+mn-lt"/>
+                        </a:rPr>
+                        <a:t>FAR: 0.49187</a:t>
+                      </a:r>
+                      <a:endParaRPr lang="en-US" dirty="0">
+                        <a:latin typeface="+mn-lt"/>
+                      </a:endParaRPr>
+                    </a:p>
+                  </a:txBody>
+                  <a:tcPr/>
+                </a:tc>
+                <a:tc>
+                  <a:txBody>
+                    <a:bodyPr/>
+                    <a:lstStyle/>
+                    <a:p>
+                      <a:r>
+                        <a:rPr lang="en-US" dirty="0" smtClean="0">
+                          <a:latin typeface="+mn-lt"/>
+                        </a:rPr>
+                        <a:t>FRR: 0.53036</a:t>
+                      </a:r>
+                    </a:p>
+                    <a:p>
+                      <a:r>
+                        <a:rPr lang="en-US" dirty="0" smtClean="0">
+                          <a:latin typeface="+mn-lt"/>
+                        </a:rPr>
+                        <a:t>FAR: 0.59657</a:t>
                       </a:r>
                       <a:endParaRPr lang="en-US" dirty="0">
                         <a:latin typeface="+mn-lt"/>
@@ -9930,119 +9784,119 @@
                         <a:rPr lang="en-US" dirty="0" smtClean="0">
                           <a:latin typeface="+mn-lt"/>
                         </a:rPr>
-                        <a:t>FRR: 0.49700 </a:t>
-                      </a:r>
-                    </a:p>
-                    <a:p>
-                      <a:r>
-                        <a:rPr lang="en-US" dirty="0" smtClean="0">
-                          <a:latin typeface="+mn-lt"/>
-                        </a:rPr>
-                        <a:t>FAR: 0.53642</a:t>
-                      </a:r>
-                      <a:endParaRPr lang="en-US" dirty="0">
-                        <a:latin typeface="+mn-lt"/>
-                      </a:endParaRPr>
-                    </a:p>
-                  </a:txBody>
-                  <a:tcPr/>
-                </a:tc>
-                <a:tc>
-                  <a:txBody>
-                    <a:bodyPr/>
-                    <a:lstStyle/>
-                    <a:p>
-                      <a:r>
-                        <a:rPr lang="en-US" dirty="0" smtClean="0">
-                          <a:latin typeface="+mn-lt"/>
-                        </a:rPr>
-                        <a:t>FRR: 0.45938</a:t>
-                      </a:r>
-                    </a:p>
-                    <a:p>
-                      <a:r>
-                        <a:rPr lang="en-US" dirty="0" smtClean="0">
-                          <a:latin typeface="+mn-lt"/>
-                        </a:rPr>
-                        <a:t>FAR: 0.59949</a:t>
-                      </a:r>
-                      <a:endParaRPr lang="en-US" dirty="0">
-                        <a:latin typeface="+mn-lt"/>
-                      </a:endParaRPr>
-                    </a:p>
-                  </a:txBody>
-                  <a:tcPr/>
-                </a:tc>
-                <a:tc>
-                  <a:txBody>
-                    <a:bodyPr/>
-                    <a:lstStyle/>
-                    <a:p>
-                      <a:r>
-                        <a:rPr lang="en-US" dirty="0" smtClean="0">
-                          <a:latin typeface="+mn-lt"/>
-                        </a:rPr>
-                        <a:t>FRR: 0.47903</a:t>
-                      </a:r>
-                    </a:p>
-                    <a:p>
-                      <a:r>
-                        <a:rPr lang="en-US" dirty="0" smtClean="0">
-                          <a:latin typeface="+mn-lt"/>
-                        </a:rPr>
-                        <a:t>FAR: 0.59427</a:t>
-                      </a:r>
-                      <a:endParaRPr lang="en-US" dirty="0">
-                        <a:latin typeface="+mn-lt"/>
-                      </a:endParaRPr>
-                    </a:p>
-                  </a:txBody>
-                  <a:tcPr/>
-                </a:tc>
-                <a:tc>
-                  <a:txBody>
-                    <a:bodyPr/>
-                    <a:lstStyle/>
-                    <a:p>
-                      <a:r>
-                        <a:rPr lang="en-US" dirty="0" smtClean="0">
-                          <a:latin typeface="+mn-lt"/>
-                        </a:rPr>
-                        <a:t>FRR: 0.40091</a:t>
-                      </a:r>
-                    </a:p>
-                    <a:p>
-                      <a:r>
-                        <a:rPr lang="en-US" dirty="0" smtClean="0">
-                          <a:latin typeface="+mn-lt"/>
-                        </a:rPr>
-                        <a:t>FAR: 0.60768</a:t>
-                      </a:r>
-                      <a:endParaRPr lang="en-US" dirty="0">
-                        <a:latin typeface="+mn-lt"/>
-                      </a:endParaRPr>
-                    </a:p>
-                  </a:txBody>
-                  <a:tcPr/>
-                </a:tc>
-                <a:tc>
-                  <a:txBody>
-                    <a:bodyPr/>
-                    <a:lstStyle/>
-                    <a:p>
-                      <a:r>
-                        <a:rPr lang="en-US" dirty="0" smtClean="0">
-                          <a:latin typeface="+mn-lt"/>
-                        </a:rPr>
-                        <a:t>FRR: 0.43447</a:t>
-                      </a:r>
-                    </a:p>
-                    <a:p>
-                      <a:r>
-                        <a:rPr lang="en-US" dirty="0" smtClean="0">
-                          <a:latin typeface="+mn-lt"/>
-                        </a:rPr>
-                        <a:t>FAR: 0.58879</a:t>
+                        <a:t>FRR: 0.50458</a:t>
+                      </a:r>
+                    </a:p>
+                    <a:p>
+                      <a:r>
+                        <a:rPr lang="en-US" dirty="0" smtClean="0">
+                          <a:latin typeface="+mn-lt"/>
+                        </a:rPr>
+                        <a:t>FAR: 0.49363</a:t>
+                      </a:r>
+                      <a:endParaRPr lang="en-US" dirty="0">
+                        <a:latin typeface="+mn-lt"/>
+                      </a:endParaRPr>
+                    </a:p>
+                  </a:txBody>
+                  <a:tcPr/>
+                </a:tc>
+                <a:tc>
+                  <a:txBody>
+                    <a:bodyPr/>
+                    <a:lstStyle/>
+                    <a:p>
+                      <a:r>
+                        <a:rPr lang="en-US" dirty="0" smtClean="0">
+                          <a:latin typeface="+mn-lt"/>
+                        </a:rPr>
+                        <a:t>FRR: 0.52477</a:t>
+                      </a:r>
+                    </a:p>
+                    <a:p>
+                      <a:r>
+                        <a:rPr lang="en-US" dirty="0" smtClean="0">
+                          <a:latin typeface="+mn-lt"/>
+                        </a:rPr>
+                        <a:t>FAR: 0.49021</a:t>
+                      </a:r>
+                      <a:endParaRPr lang="en-US" dirty="0" smtClean="0">
+                        <a:latin typeface="+mn-lt"/>
+                      </a:endParaRPr>
+                    </a:p>
+                  </a:txBody>
+                  <a:tcPr/>
+                </a:tc>
+                <a:tc>
+                  <a:txBody>
+                    <a:bodyPr/>
+                    <a:lstStyle/>
+                    <a:p>
+                      <a:r>
+                        <a:rPr lang="en-US" dirty="0" smtClean="0">
+                          <a:latin typeface="+mn-lt"/>
+                        </a:rPr>
+                        <a:t>FRR: 0.55028</a:t>
+                      </a:r>
+                    </a:p>
+                    <a:p>
+                      <a:r>
+                        <a:rPr lang="en-US" dirty="0" smtClean="0">
+                          <a:latin typeface="+mn-lt"/>
+                        </a:rPr>
+                        <a:t>FAR: 0.52620</a:t>
+                      </a:r>
+                      <a:endParaRPr lang="en-US" dirty="0">
+                        <a:latin typeface="+mn-lt"/>
+                      </a:endParaRPr>
+                    </a:p>
+                  </a:txBody>
+                  <a:tcPr/>
+                </a:tc>
+                <a:tc>
+                  <a:txBody>
+                    <a:bodyPr/>
+                    <a:lstStyle/>
+                    <a:p>
+                      <a:r>
+                        <a:rPr lang="en-US" dirty="0" smtClean="0">
+                          <a:latin typeface="+mn-lt"/>
+                        </a:rPr>
+                        <a:t>FRR: 0.46534</a:t>
+                      </a:r>
+                    </a:p>
+                    <a:p>
+                      <a:r>
+                        <a:rPr lang="en-US" dirty="0" smtClean="0">
+                          <a:latin typeface="+mn-lt"/>
+                        </a:rPr>
+                        <a:t>FAR: 0.54540</a:t>
+                      </a:r>
+                      <a:endParaRPr lang="en-US" dirty="0">
+                        <a:latin typeface="+mn-lt"/>
+                      </a:endParaRPr>
+                    </a:p>
+                  </a:txBody>
+                  <a:tcPr/>
+                </a:tc>
+                <a:tc>
+                  <a:txBody>
+                    <a:bodyPr/>
+                    <a:lstStyle/>
+                    <a:p>
+                      <a:r>
+                        <a:rPr lang="en-US" dirty="0" smtClean="0">
+                          <a:latin typeface="+mn-lt"/>
+                        </a:rPr>
+                        <a:t>FRR: 0.50737</a:t>
+                      </a:r>
+                    </a:p>
+                    <a:p>
+                      <a:r>
+                        <a:rPr lang="en-US" dirty="0" smtClean="0">
+                          <a:latin typeface="+mn-lt"/>
+                        </a:rPr>
+                        <a:t>FAR: 0.52523</a:t>
                       </a:r>
                       <a:endParaRPr lang="en-US" dirty="0">
                         <a:latin typeface="+mn-lt"/>
@@ -10144,7 +9998,7 @@
           <p:nvPr>
             <p:extLst>
               <p:ext uri="{D42A27DB-BD31-4B8C-83A1-F6EECF244321}">
-                <p14:modId xmlns:p14="http://schemas.microsoft.com/office/powerpoint/2010/main" val="1925303498"/>
+                <p14:modId xmlns:p14="http://schemas.microsoft.com/office/powerpoint/2010/main" val="795987064"/>
               </p:ext>
             </p:extLst>
           </p:nvPr>
@@ -10167,14 +10021,14 @@
                     </a:ext>
                   </a:extLst>
                 </a:gridCol>
-                <a:gridCol w="1680247">
+                <a:gridCol w="1693039">
                   <a:extLst>
                     <a:ext uri="{9D8B030D-6E8A-4147-A177-3AD203B41FA5}">
                       <a16:colId xmlns:a16="http://schemas.microsoft.com/office/drawing/2014/main" val="20001"/>
                     </a:ext>
                   </a:extLst>
                 </a:gridCol>
-                <a:gridCol w="1685365">
+                <a:gridCol w="1672573">
                   <a:extLst>
                     <a:ext uri="{9D8B030D-6E8A-4147-A177-3AD203B41FA5}">
                       <a16:colId xmlns:a16="http://schemas.microsoft.com/office/drawing/2014/main" val="20002"/>
@@ -10355,119 +10209,119 @@
                         <a:rPr lang="en-US" dirty="0" smtClean="0">
                           <a:latin typeface="+mn-lt"/>
                         </a:rPr>
-                        <a:t>FRR: 0.31759</a:t>
-                      </a:r>
-                    </a:p>
-                    <a:p>
-                      <a:r>
-                        <a:rPr lang="en-US" dirty="0" smtClean="0">
-                          <a:latin typeface="+mn-lt"/>
-                        </a:rPr>
-                        <a:t>FAR: 0.56555</a:t>
-                      </a:r>
-                      <a:endParaRPr lang="en-US" dirty="0">
-                        <a:latin typeface="+mn-lt"/>
-                      </a:endParaRPr>
-                    </a:p>
-                  </a:txBody>
-                  <a:tcPr/>
-                </a:tc>
-                <a:tc>
-                  <a:txBody>
-                    <a:bodyPr/>
-                    <a:lstStyle/>
-                    <a:p>
-                      <a:r>
-                        <a:rPr lang="en-US" dirty="0" smtClean="0">
-                          <a:latin typeface="+mn-lt"/>
-                        </a:rPr>
-                        <a:t>FRR: 0.40740</a:t>
-                      </a:r>
-                    </a:p>
-                    <a:p>
-                      <a:r>
-                        <a:rPr lang="en-US" dirty="0" smtClean="0">
-                          <a:latin typeface="+mn-lt"/>
-                        </a:rPr>
-                        <a:t>FAR: 0.61510</a:t>
-                      </a:r>
-                      <a:endParaRPr lang="en-US" dirty="0">
-                        <a:latin typeface="+mn-lt"/>
-                      </a:endParaRPr>
-                    </a:p>
-                  </a:txBody>
-                  <a:tcPr/>
-                </a:tc>
-                <a:tc>
-                  <a:txBody>
-                    <a:bodyPr/>
-                    <a:lstStyle/>
-                    <a:p>
-                      <a:r>
-                        <a:rPr lang="en-US" dirty="0" smtClean="0">
-                          <a:latin typeface="+mn-lt"/>
-                        </a:rPr>
-                        <a:t>FRR: 0.4375</a:t>
-                      </a:r>
-                    </a:p>
-                    <a:p>
-                      <a:r>
-                        <a:rPr lang="en-US" dirty="0" smtClean="0">
-                          <a:latin typeface="+mn-lt"/>
-                        </a:rPr>
-                        <a:t>FAR: 0.51083</a:t>
-                      </a:r>
-                      <a:endParaRPr lang="en-US" dirty="0">
-                        <a:latin typeface="+mn-lt"/>
-                      </a:endParaRPr>
-                    </a:p>
-                  </a:txBody>
-                  <a:tcPr/>
-                </a:tc>
-                <a:tc>
-                  <a:txBody>
-                    <a:bodyPr/>
-                    <a:lstStyle/>
-                    <a:p>
-                      <a:r>
-                        <a:rPr lang="en-US" dirty="0" smtClean="0">
-                          <a:latin typeface="+mn-lt"/>
-                        </a:rPr>
-                        <a:t>FRR: 0.50574</a:t>
-                      </a:r>
-                    </a:p>
-                    <a:p>
-                      <a:r>
-                        <a:rPr lang="en-US" dirty="0" smtClean="0">
-                          <a:latin typeface="+mn-lt"/>
-                        </a:rPr>
-                        <a:t>FAR: 0.56473</a:t>
-                      </a:r>
-                      <a:endParaRPr lang="en-US" dirty="0">
-                        <a:latin typeface="+mn-lt"/>
-                      </a:endParaRPr>
-                    </a:p>
-                  </a:txBody>
-                  <a:tcPr/>
-                </a:tc>
-                <a:tc>
-                  <a:txBody>
-                    <a:bodyPr/>
-                    <a:lstStyle/>
-                    <a:p>
-                      <a:r>
-                        <a:rPr lang="en-US" dirty="0" smtClean="0">
-                          <a:latin typeface="+mn-lt"/>
-                        </a:rPr>
-                        <a:t>FRR: 0.40000</a:t>
-                      </a:r>
-                    </a:p>
-                    <a:p>
-                      <a:r>
-                        <a:rPr lang="en-US" dirty="0" smtClean="0">
-                          <a:latin typeface="+mn-lt"/>
-                        </a:rPr>
-                        <a:t>FAR: 0.61550</a:t>
+                        <a:t>FRR: 0.47639</a:t>
+                      </a:r>
+                    </a:p>
+                    <a:p>
+                      <a:r>
+                        <a:rPr lang="en-US" dirty="0" smtClean="0">
+                          <a:latin typeface="+mn-lt"/>
+                        </a:rPr>
+                        <a:t>FAR: 0.46506</a:t>
+                      </a:r>
+                      <a:endParaRPr lang="en-US" dirty="0">
+                        <a:latin typeface="+mn-lt"/>
+                      </a:endParaRPr>
+                    </a:p>
+                  </a:txBody>
+                  <a:tcPr/>
+                </a:tc>
+                <a:tc>
+                  <a:txBody>
+                    <a:bodyPr/>
+                    <a:lstStyle/>
+                    <a:p>
+                      <a:r>
+                        <a:rPr lang="en-US" dirty="0" smtClean="0">
+                          <a:latin typeface="+mn-lt"/>
+                        </a:rPr>
+                        <a:t>FFRR: 0.43210</a:t>
+                      </a:r>
+                    </a:p>
+                    <a:p>
+                      <a:r>
+                        <a:rPr lang="en-US" dirty="0" smtClean="0">
+                          <a:latin typeface="+mn-lt"/>
+                        </a:rPr>
+                        <a:t>FAR: 0.57682</a:t>
+                      </a:r>
+                      <a:endParaRPr lang="en-US" dirty="0">
+                        <a:latin typeface="+mn-lt"/>
+                      </a:endParaRPr>
+                    </a:p>
+                  </a:txBody>
+                  <a:tcPr/>
+                </a:tc>
+                <a:tc>
+                  <a:txBody>
+                    <a:bodyPr/>
+                    <a:lstStyle/>
+                    <a:p>
+                      <a:r>
+                        <a:rPr lang="en-US" dirty="0" smtClean="0">
+                          <a:latin typeface="+mn-lt"/>
+                        </a:rPr>
+                        <a:t>FRR: 0.53125</a:t>
+                      </a:r>
+                    </a:p>
+                    <a:p>
+                      <a:r>
+                        <a:rPr lang="en-US" dirty="0" smtClean="0">
+                          <a:latin typeface="+mn-lt"/>
+                        </a:rPr>
+                        <a:t>FAR: 0.53770</a:t>
+                      </a:r>
+                      <a:endParaRPr lang="en-US" dirty="0">
+                        <a:latin typeface="+mn-lt"/>
+                      </a:endParaRPr>
+                    </a:p>
+                  </a:txBody>
+                  <a:tcPr/>
+                </a:tc>
+                <a:tc>
+                  <a:txBody>
+                    <a:bodyPr/>
+                    <a:lstStyle/>
+                    <a:p>
+                      <a:r>
+                        <a:rPr lang="en-US" dirty="0" smtClean="0">
+                          <a:latin typeface="+mn-lt"/>
+                        </a:rPr>
+                        <a:t>FRR: 0.44828</a:t>
+                      </a:r>
+                    </a:p>
+                    <a:p>
+                      <a:r>
+                        <a:rPr lang="en-US" dirty="0" smtClean="0">
+                          <a:latin typeface="+mn-lt"/>
+                        </a:rPr>
+                        <a:t>FAR: 0.48616</a:t>
+                      </a:r>
+                      <a:endParaRPr lang="en-US" dirty="0">
+                        <a:latin typeface="+mn-lt"/>
+                      </a:endParaRPr>
+                    </a:p>
+                  </a:txBody>
+                  <a:tcPr/>
+                </a:tc>
+                <a:tc>
+                  <a:txBody>
+                    <a:bodyPr/>
+                    <a:lstStyle/>
+                    <a:p>
+                      <a:r>
+                        <a:rPr lang="en-US" dirty="0" smtClean="0">
+                          <a:latin typeface="+mn-lt"/>
+                        </a:rPr>
+                        <a:t>FRR: 0.58696</a:t>
+                      </a:r>
+                    </a:p>
+                    <a:p>
+                      <a:r>
+                        <a:rPr lang="en-US" dirty="0" smtClean="0">
+                          <a:latin typeface="+mn-lt"/>
+                        </a:rPr>
+                        <a:t>FAR: 0.53782</a:t>
                       </a:r>
                       <a:endParaRPr lang="en-US" dirty="0">
                         <a:latin typeface="+mn-lt"/>
@@ -10489,7 +10343,7 @@
                     <a:lstStyle/>
                     <a:p>
                       <a:r>
-                        <a:rPr lang="en-US" dirty="0" smtClean="0">
+                        <a:rPr lang="en-US" smtClean="0">
                           <a:latin typeface="+mn-lt"/>
                         </a:rPr>
                         <a:t>User 2</a:t>
@@ -10510,119 +10364,119 @@
                         <a:rPr lang="en-US" dirty="0" smtClean="0">
                           <a:latin typeface="+mn-lt"/>
                         </a:rPr>
-                        <a:t>FRR: 0.52136</a:t>
-                      </a:r>
-                    </a:p>
-                    <a:p>
-                      <a:r>
-                        <a:rPr lang="en-US" dirty="0" smtClean="0">
-                          <a:latin typeface="+mn-lt"/>
-                        </a:rPr>
-                        <a:t>FAR: 0.50604</a:t>
-                      </a:r>
-                      <a:endParaRPr lang="en-US" dirty="0">
-                        <a:latin typeface="+mn-lt"/>
-                      </a:endParaRPr>
-                    </a:p>
-                  </a:txBody>
-                  <a:tcPr/>
-                </a:tc>
-                <a:tc>
-                  <a:txBody>
-                    <a:bodyPr/>
-                    <a:lstStyle/>
-                    <a:p>
-                      <a:r>
-                        <a:rPr lang="en-US" dirty="0" smtClean="0">
-                          <a:latin typeface="+mn-lt"/>
-                        </a:rPr>
-                        <a:t>FRR: 0.45070</a:t>
-                      </a:r>
-                    </a:p>
-                    <a:p>
-                      <a:r>
-                        <a:rPr lang="en-US" dirty="0" smtClean="0">
-                          <a:latin typeface="+mn-lt"/>
-                        </a:rPr>
-                        <a:t>FAR: 0.65967</a:t>
-                      </a:r>
-                      <a:endParaRPr lang="en-US" dirty="0">
-                        <a:latin typeface="+mn-lt"/>
-                      </a:endParaRPr>
-                    </a:p>
-                  </a:txBody>
-                  <a:tcPr/>
-                </a:tc>
-                <a:tc>
-                  <a:txBody>
-                    <a:bodyPr/>
-                    <a:lstStyle/>
-                    <a:p>
-                      <a:r>
-                        <a:rPr lang="en-US" dirty="0" smtClean="0">
-                          <a:latin typeface="+mn-lt"/>
-                        </a:rPr>
-                        <a:t>FRR: 0.35714</a:t>
-                      </a:r>
-                    </a:p>
-                    <a:p>
-                      <a:r>
-                        <a:rPr lang="en-US" dirty="0" smtClean="0">
-                          <a:latin typeface="+mn-lt"/>
-                        </a:rPr>
-                        <a:t>FAR: 0.50076</a:t>
-                      </a:r>
-                      <a:endParaRPr lang="en-US" dirty="0">
-                        <a:latin typeface="+mn-lt"/>
-                      </a:endParaRPr>
-                    </a:p>
-                  </a:txBody>
-                  <a:tcPr/>
-                </a:tc>
-                <a:tc>
-                  <a:txBody>
-                    <a:bodyPr/>
-                    <a:lstStyle/>
-                    <a:p>
-                      <a:r>
-                        <a:rPr lang="en-US" dirty="0" smtClean="0">
-                          <a:latin typeface="+mn-lt"/>
-                        </a:rPr>
-                        <a:t>FRR: 0.46938</a:t>
-                      </a:r>
-                    </a:p>
-                    <a:p>
-                      <a:r>
-                        <a:rPr lang="en-US" dirty="0" smtClean="0">
-                          <a:latin typeface="+mn-lt"/>
-                        </a:rPr>
-                        <a:t>FAR: 0.56384</a:t>
-                      </a:r>
-                      <a:endParaRPr lang="en-US" dirty="0">
-                        <a:latin typeface="+mn-lt"/>
-                      </a:endParaRPr>
-                    </a:p>
-                  </a:txBody>
-                  <a:tcPr/>
-                </a:tc>
-                <a:tc>
-                  <a:txBody>
-                    <a:bodyPr/>
-                    <a:lstStyle/>
-                    <a:p>
-                      <a:r>
-                        <a:rPr lang="en-US" dirty="0" smtClean="0">
-                          <a:latin typeface="+mn-lt"/>
-                        </a:rPr>
-                        <a:t>FRR: 0.38235</a:t>
-                      </a:r>
-                    </a:p>
-                    <a:p>
-                      <a:r>
-                        <a:rPr lang="en-US" dirty="0" smtClean="0">
-                          <a:latin typeface="+mn-lt"/>
-                        </a:rPr>
-                        <a:t>FAR: 0.60828</a:t>
+                        <a:t>FRR: 0.50427</a:t>
+                      </a:r>
+                    </a:p>
+                    <a:p>
+                      <a:r>
+                        <a:rPr lang="en-US" dirty="0" smtClean="0">
+                          <a:latin typeface="+mn-lt"/>
+                        </a:rPr>
+                        <a:t>FAR: 0.55300</a:t>
+                      </a:r>
+                      <a:endParaRPr lang="en-US" dirty="0">
+                        <a:latin typeface="+mn-lt"/>
+                      </a:endParaRPr>
+                    </a:p>
+                  </a:txBody>
+                  <a:tcPr/>
+                </a:tc>
+                <a:tc>
+                  <a:txBody>
+                    <a:bodyPr/>
+                    <a:lstStyle/>
+                    <a:p>
+                      <a:r>
+                        <a:rPr lang="en-US" dirty="0" smtClean="0">
+                          <a:latin typeface="+mn-lt"/>
+                        </a:rPr>
+                        <a:t>FRR: 0.47887</a:t>
+                      </a:r>
+                    </a:p>
+                    <a:p>
+                      <a:r>
+                        <a:rPr lang="en-US" dirty="0" smtClean="0">
+                          <a:latin typeface="+mn-lt"/>
+                        </a:rPr>
+                        <a:t>FAR: 0.48669</a:t>
+                      </a:r>
+                      <a:endParaRPr lang="en-US" dirty="0">
+                        <a:latin typeface="+mn-lt"/>
+                      </a:endParaRPr>
+                    </a:p>
+                  </a:txBody>
+                  <a:tcPr/>
+                </a:tc>
+                <a:tc>
+                  <a:txBody>
+                    <a:bodyPr/>
+                    <a:lstStyle/>
+                    <a:p>
+                      <a:r>
+                        <a:rPr lang="en-US" dirty="0" smtClean="0">
+                          <a:latin typeface="+mn-lt"/>
+                        </a:rPr>
+                        <a:t>FRR: 0.56122</a:t>
+                      </a:r>
+                    </a:p>
+                    <a:p>
+                      <a:r>
+                        <a:rPr lang="en-US" dirty="0" smtClean="0">
+                          <a:latin typeface="+mn-lt"/>
+                        </a:rPr>
+                        <a:t>FAR: 0.54531</a:t>
+                      </a:r>
+                      <a:endParaRPr lang="en-US" dirty="0">
+                        <a:latin typeface="+mn-lt"/>
+                      </a:endParaRPr>
+                    </a:p>
+                  </a:txBody>
+                  <a:tcPr/>
+                </a:tc>
+                <a:tc>
+                  <a:txBody>
+                    <a:bodyPr/>
+                    <a:lstStyle/>
+                    <a:p>
+                      <a:r>
+                        <a:rPr lang="en-US" dirty="0" smtClean="0">
+                          <a:latin typeface="+mn-lt"/>
+                        </a:rPr>
+                        <a:t>FRR: 0.53061</a:t>
+                      </a:r>
+                    </a:p>
+                    <a:p>
+                      <a:r>
+                        <a:rPr lang="en-US" dirty="0" smtClean="0">
+                          <a:latin typeface="+mn-lt"/>
+                        </a:rPr>
+                        <a:t>FAR: 0.56568</a:t>
+                      </a:r>
+                      <a:endParaRPr lang="en-US" dirty="0">
+                        <a:latin typeface="+mn-lt"/>
+                      </a:endParaRPr>
+                    </a:p>
+                  </a:txBody>
+                  <a:tcPr/>
+                </a:tc>
+                <a:tc>
+                  <a:txBody>
+                    <a:bodyPr/>
+                    <a:lstStyle/>
+                    <a:p>
+                      <a:r>
+                        <a:rPr lang="en-US" dirty="0" smtClean="0">
+                          <a:latin typeface="+mn-lt"/>
+                        </a:rPr>
+                        <a:t>FRR: 0.50840</a:t>
+                      </a:r>
+                    </a:p>
+                    <a:p>
+                      <a:r>
+                        <a:rPr lang="en-US" dirty="0" smtClean="0">
+                          <a:latin typeface="+mn-lt"/>
+                        </a:rPr>
+                        <a:t>FAR: 0.53058</a:t>
                       </a:r>
                       <a:endParaRPr lang="en-US" dirty="0" smtClean="0">
                         <a:latin typeface="+mn-lt"/>
@@ -10665,119 +10519,119 @@
                         <a:rPr lang="en-US" dirty="0" smtClean="0">
                           <a:latin typeface="+mn-lt"/>
                         </a:rPr>
-                        <a:t>FRR: 0.46913</a:t>
-                      </a:r>
-                    </a:p>
-                    <a:p>
-                      <a:r>
-                        <a:rPr lang="en-US" dirty="0" smtClean="0">
-                          <a:latin typeface="+mn-lt"/>
-                        </a:rPr>
-                        <a:t>FAR: 0.56346</a:t>
-                      </a:r>
-                      <a:endParaRPr lang="en-US" dirty="0">
-                        <a:latin typeface="+mn-lt"/>
-                      </a:endParaRPr>
-                    </a:p>
-                  </a:txBody>
-                  <a:tcPr/>
-                </a:tc>
-                <a:tc>
-                  <a:txBody>
-                    <a:bodyPr/>
-                    <a:lstStyle/>
-                    <a:p>
-                      <a:r>
-                        <a:rPr lang="en-US" dirty="0" smtClean="0">
-                          <a:latin typeface="+mn-lt"/>
-                        </a:rPr>
-                        <a:t>FRR: 0.48192</a:t>
-                      </a:r>
-                    </a:p>
-                    <a:p>
-                      <a:r>
-                        <a:rPr lang="en-US" dirty="0" smtClean="0">
-                          <a:latin typeface="+mn-lt"/>
-                        </a:rPr>
-                        <a:t>FAR: 0.61181</a:t>
-                      </a:r>
-                      <a:endParaRPr lang="en-US" dirty="0">
-                        <a:latin typeface="+mn-lt"/>
-                      </a:endParaRPr>
-                    </a:p>
-                  </a:txBody>
-                  <a:tcPr/>
-                </a:tc>
-                <a:tc>
-                  <a:txBody>
-                    <a:bodyPr/>
-                    <a:lstStyle/>
-                    <a:p>
-                      <a:r>
-                        <a:rPr lang="en-US" dirty="0" smtClean="0">
-                          <a:latin typeface="+mn-lt"/>
-                        </a:rPr>
-                        <a:t>FRR: 0.49350</a:t>
-                      </a:r>
-                    </a:p>
-                    <a:p>
-                      <a:r>
-                        <a:rPr lang="en-US" dirty="0" smtClean="0">
-                          <a:latin typeface="+mn-lt"/>
-                        </a:rPr>
-                        <a:t>FAR: 0.57357</a:t>
-                      </a:r>
-                      <a:endParaRPr lang="en-US" dirty="0">
-                        <a:latin typeface="+mn-lt"/>
-                      </a:endParaRPr>
-                    </a:p>
-                  </a:txBody>
-                  <a:tcPr/>
-                </a:tc>
-                <a:tc>
-                  <a:txBody>
-                    <a:bodyPr/>
-                    <a:lstStyle/>
-                    <a:p>
-                      <a:r>
-                        <a:rPr lang="en-US" dirty="0" smtClean="0">
-                          <a:latin typeface="+mn-lt"/>
-                        </a:rPr>
-                        <a:t>FRR: 0.53488</a:t>
-                      </a:r>
-                    </a:p>
-                    <a:p>
-                      <a:r>
-                        <a:rPr lang="en-US" dirty="0" smtClean="0">
-                          <a:latin typeface="+mn-lt"/>
-                        </a:rPr>
-                        <a:t>FAR: 0.55921</a:t>
-                      </a:r>
-                      <a:endParaRPr lang="en-US" dirty="0">
-                        <a:latin typeface="+mn-lt"/>
-                      </a:endParaRPr>
-                    </a:p>
-                  </a:txBody>
-                  <a:tcPr/>
-                </a:tc>
-                <a:tc>
-                  <a:txBody>
-                    <a:bodyPr/>
-                    <a:lstStyle/>
-                    <a:p>
-                      <a:r>
-                        <a:rPr lang="en-US" dirty="0" smtClean="0">
-                          <a:latin typeface="+mn-lt"/>
-                        </a:rPr>
-                        <a:t>FRR: 0.57322</a:t>
-                      </a:r>
-                    </a:p>
-                    <a:p>
-                      <a:r>
-                        <a:rPr lang="en-US" dirty="0" smtClean="0">
-                          <a:latin typeface="+mn-lt"/>
-                        </a:rPr>
-                        <a:t>FAR: 0.53290</a:t>
+                        <a:t>FRR: 0.51029</a:t>
+                      </a:r>
+                    </a:p>
+                    <a:p>
+                      <a:r>
+                        <a:rPr lang="en-US" dirty="0" smtClean="0">
+                          <a:latin typeface="+mn-lt"/>
+                        </a:rPr>
+                        <a:t>FAR: 0.45163</a:t>
+                      </a:r>
+                      <a:endParaRPr lang="en-US" dirty="0">
+                        <a:latin typeface="+mn-lt"/>
+                      </a:endParaRPr>
+                    </a:p>
+                  </a:txBody>
+                  <a:tcPr/>
+                </a:tc>
+                <a:tc>
+                  <a:txBody>
+                    <a:bodyPr/>
+                    <a:lstStyle/>
+                    <a:p>
+                      <a:r>
+                        <a:rPr lang="en-US" dirty="0" smtClean="0">
+                          <a:latin typeface="+mn-lt"/>
+                        </a:rPr>
+                        <a:t>FRR: 0.50602</a:t>
+                      </a:r>
+                    </a:p>
+                    <a:p>
+                      <a:r>
+                        <a:rPr lang="en-US" dirty="0" smtClean="0">
+                          <a:latin typeface="+mn-lt"/>
+                        </a:rPr>
+                        <a:t>FAR: 0.46255</a:t>
+                      </a:r>
+                      <a:endParaRPr lang="en-US" dirty="0">
+                        <a:latin typeface="+mn-lt"/>
+                      </a:endParaRPr>
+                    </a:p>
+                  </a:txBody>
+                  <a:tcPr/>
+                </a:tc>
+                <a:tc>
+                  <a:txBody>
+                    <a:bodyPr/>
+                    <a:lstStyle/>
+                    <a:p>
+                      <a:r>
+                        <a:rPr lang="en-US" dirty="0" smtClean="0">
+                          <a:latin typeface="+mn-lt"/>
+                        </a:rPr>
+                        <a:t>FRR: 0.38961</a:t>
+                      </a:r>
+                    </a:p>
+                    <a:p>
+                      <a:r>
+                        <a:rPr lang="en-US" dirty="0" smtClean="0">
+                          <a:latin typeface="+mn-lt"/>
+                        </a:rPr>
+                        <a:t>FAR: 0.53473</a:t>
+                      </a:r>
+                      <a:endParaRPr lang="en-US" dirty="0">
+                        <a:latin typeface="+mn-lt"/>
+                      </a:endParaRPr>
+                    </a:p>
+                  </a:txBody>
+                  <a:tcPr/>
+                </a:tc>
+                <a:tc>
+                  <a:txBody>
+                    <a:bodyPr/>
+                    <a:lstStyle/>
+                    <a:p>
+                      <a:r>
+                        <a:rPr lang="en-US" dirty="0" smtClean="0">
+                          <a:latin typeface="+mn-lt"/>
+                        </a:rPr>
+                        <a:t>FRR: 0.44186</a:t>
+                      </a:r>
+                    </a:p>
+                    <a:p>
+                      <a:r>
+                        <a:rPr lang="en-US" dirty="0" smtClean="0">
+                          <a:latin typeface="+mn-lt"/>
+                        </a:rPr>
+                        <a:t>FAR: 0.54987</a:t>
+                      </a:r>
+                      <a:endParaRPr lang="en-US" dirty="0">
+                        <a:latin typeface="+mn-lt"/>
+                      </a:endParaRPr>
+                    </a:p>
+                  </a:txBody>
+                  <a:tcPr/>
+                </a:tc>
+                <a:tc>
+                  <a:txBody>
+                    <a:bodyPr/>
+                    <a:lstStyle/>
+                    <a:p>
+                      <a:r>
+                        <a:rPr lang="en-US" dirty="0" smtClean="0">
+                          <a:latin typeface="+mn-lt"/>
+                        </a:rPr>
+                        <a:t>FRR: 0.53556</a:t>
+                      </a:r>
+                    </a:p>
+                    <a:p>
+                      <a:r>
+                        <a:rPr lang="en-US" dirty="0" smtClean="0">
+                          <a:latin typeface="+mn-lt"/>
+                        </a:rPr>
+                        <a:t>FAR: 0.43488</a:t>
                       </a:r>
                       <a:endParaRPr lang="en-US" dirty="0">
                         <a:latin typeface="+mn-lt"/>
@@ -10820,119 +10674,119 @@
                         <a:rPr lang="en-US" dirty="0" smtClean="0">
                           <a:latin typeface="+mn-lt"/>
                         </a:rPr>
-                        <a:t>FRR: 0.56709</a:t>
-                      </a:r>
-                    </a:p>
-                    <a:p>
-                      <a:r>
-                        <a:rPr lang="en-US" dirty="0" smtClean="0">
-                          <a:latin typeface="+mn-lt"/>
-                        </a:rPr>
-                        <a:t>FAR: 0.51154</a:t>
-                      </a:r>
-                      <a:endParaRPr lang="en-US" dirty="0">
-                        <a:latin typeface="+mn-lt"/>
-                      </a:endParaRPr>
-                    </a:p>
-                  </a:txBody>
-                  <a:tcPr/>
-                </a:tc>
-                <a:tc>
-                  <a:txBody>
-                    <a:bodyPr/>
-                    <a:lstStyle/>
-                    <a:p>
-                      <a:r>
-                        <a:rPr lang="en-US" dirty="0" smtClean="0">
-                          <a:latin typeface="+mn-lt"/>
-                        </a:rPr>
-                        <a:t>FRR: 0.36231</a:t>
-                      </a:r>
-                    </a:p>
-                    <a:p>
-                      <a:r>
-                        <a:rPr lang="en-US" dirty="0" smtClean="0">
-                          <a:latin typeface="+mn-lt"/>
-                        </a:rPr>
-                        <a:t>FAR: 0.51525</a:t>
-                      </a:r>
-                      <a:endParaRPr lang="en-US" dirty="0">
-                        <a:latin typeface="+mn-lt"/>
-                      </a:endParaRPr>
-                    </a:p>
-                  </a:txBody>
-                  <a:tcPr/>
-                </a:tc>
-                <a:tc>
-                  <a:txBody>
-                    <a:bodyPr/>
-                    <a:lstStyle/>
-                    <a:p>
-                      <a:r>
-                        <a:rPr lang="en-US" dirty="0" smtClean="0">
-                          <a:latin typeface="+mn-lt"/>
-                        </a:rPr>
-                        <a:t>FRR: 0.36470</a:t>
-                      </a:r>
-                    </a:p>
-                    <a:p>
-                      <a:r>
-                        <a:rPr lang="en-US" dirty="0" smtClean="0">
-                          <a:latin typeface="+mn-lt"/>
-                        </a:rPr>
-                        <a:t>FAR: 0.61664</a:t>
-                      </a:r>
-                      <a:endParaRPr lang="en-US" dirty="0">
-                        <a:latin typeface="+mn-lt"/>
-                      </a:endParaRPr>
-                    </a:p>
-                  </a:txBody>
-                  <a:tcPr/>
-                </a:tc>
-                <a:tc>
-                  <a:txBody>
-                    <a:bodyPr/>
-                    <a:lstStyle/>
-                    <a:p>
-                      <a:r>
-                        <a:rPr lang="en-US" dirty="0" smtClean="0">
-                          <a:latin typeface="+mn-lt"/>
-                        </a:rPr>
-                        <a:t>FRR: 0.37078</a:t>
-                      </a:r>
-                    </a:p>
-                    <a:p>
-                      <a:r>
-                        <a:rPr lang="en-US" dirty="0" smtClean="0">
-                          <a:latin typeface="+mn-lt"/>
-                        </a:rPr>
-                        <a:t>FAR: 0.65784 </a:t>
-                      </a:r>
-                      <a:endParaRPr lang="en-US" dirty="0">
-                        <a:latin typeface="+mn-lt"/>
-                      </a:endParaRPr>
-                    </a:p>
-                  </a:txBody>
-                  <a:tcPr/>
-                </a:tc>
-                <a:tc>
-                  <a:txBody>
-                    <a:bodyPr/>
-                    <a:lstStyle/>
-                    <a:p>
-                      <a:r>
-                        <a:rPr lang="en-US" dirty="0" smtClean="0">
-                          <a:latin typeface="+mn-lt"/>
-                        </a:rPr>
-                        <a:t>FRR: 0.48729</a:t>
-                      </a:r>
-                    </a:p>
-                    <a:p>
-                      <a:r>
-                        <a:rPr lang="en-US" dirty="0" smtClean="0">
-                          <a:latin typeface="+mn-lt"/>
-                        </a:rPr>
-                        <a:t>FAR: 0.57639</a:t>
+                        <a:t>FRR: 0.45022</a:t>
+                      </a:r>
+                    </a:p>
+                    <a:p>
+                      <a:r>
+                        <a:rPr lang="en-US" dirty="0" smtClean="0">
+                          <a:latin typeface="+mn-lt"/>
+                        </a:rPr>
+                        <a:t>FAR: 0.50170</a:t>
+                      </a:r>
+                      <a:endParaRPr lang="en-US" dirty="0" smtClean="0">
+                        <a:latin typeface="+mn-lt"/>
+                      </a:endParaRPr>
+                    </a:p>
+                  </a:txBody>
+                  <a:tcPr/>
+                </a:tc>
+                <a:tc>
+                  <a:txBody>
+                    <a:bodyPr/>
+                    <a:lstStyle/>
+                    <a:p>
+                      <a:r>
+                        <a:rPr lang="en-US" dirty="0" smtClean="0">
+                          <a:latin typeface="+mn-lt"/>
+                        </a:rPr>
+                        <a:t>FRR: 0.52174</a:t>
+                      </a:r>
+                    </a:p>
+                    <a:p>
+                      <a:r>
+                        <a:rPr lang="en-US" dirty="0" smtClean="0">
+                          <a:latin typeface="+mn-lt"/>
+                        </a:rPr>
+                        <a:t>FAR: 0.53510</a:t>
+                      </a:r>
+                      <a:endParaRPr lang="en-US" dirty="0">
+                        <a:latin typeface="+mn-lt"/>
+                      </a:endParaRPr>
+                    </a:p>
+                  </a:txBody>
+                  <a:tcPr/>
+                </a:tc>
+                <a:tc>
+                  <a:txBody>
+                    <a:bodyPr/>
+                    <a:lstStyle/>
+                    <a:p>
+                      <a:r>
+                        <a:rPr lang="en-US" dirty="0" smtClean="0">
+                          <a:latin typeface="+mn-lt"/>
+                        </a:rPr>
+                        <a:t>FRR: 0.52941</a:t>
+                      </a:r>
+                    </a:p>
+                    <a:p>
+                      <a:r>
+                        <a:rPr lang="en-US" dirty="0" smtClean="0">
+                          <a:latin typeface="+mn-lt"/>
+                        </a:rPr>
+                        <a:t>FAR: 0.45815</a:t>
+                      </a:r>
+                      <a:endParaRPr lang="en-US" dirty="0">
+                        <a:latin typeface="+mn-lt"/>
+                      </a:endParaRPr>
+                    </a:p>
+                  </a:txBody>
+                  <a:tcPr/>
+                </a:tc>
+                <a:tc>
+                  <a:txBody>
+                    <a:bodyPr/>
+                    <a:lstStyle/>
+                    <a:p>
+                      <a:r>
+                        <a:rPr lang="en-US" dirty="0" smtClean="0">
+                          <a:latin typeface="+mn-lt"/>
+                        </a:rPr>
+                        <a:t>FRR: 0.57303</a:t>
+                      </a:r>
+                    </a:p>
+                    <a:p>
+                      <a:r>
+                        <a:rPr lang="en-US" dirty="0" smtClean="0">
+                          <a:latin typeface="+mn-lt"/>
+                        </a:rPr>
+                        <a:t>FAR: 0.55919</a:t>
+                      </a:r>
+                      <a:endParaRPr lang="en-US" dirty="0">
+                        <a:latin typeface="+mn-lt"/>
+                      </a:endParaRPr>
+                    </a:p>
+                  </a:txBody>
+                  <a:tcPr/>
+                </a:tc>
+                <a:tc>
+                  <a:txBody>
+                    <a:bodyPr/>
+                    <a:lstStyle/>
+                    <a:p>
+                      <a:r>
+                        <a:rPr lang="en-US" dirty="0" smtClean="0">
+                          <a:latin typeface="+mn-lt"/>
+                        </a:rPr>
+                        <a:t>FRR: 0.55085</a:t>
+                      </a:r>
+                    </a:p>
+                    <a:p>
+                      <a:r>
+                        <a:rPr lang="en-US" dirty="0" smtClean="0">
+                          <a:latin typeface="+mn-lt"/>
+                        </a:rPr>
+                        <a:t>FAR: 0.52943</a:t>
                       </a:r>
                       <a:endParaRPr lang="en-US" dirty="0">
                         <a:latin typeface="+mn-lt"/>
@@ -10975,119 +10829,119 @@
                         <a:rPr lang="en-US" dirty="0" smtClean="0">
                           <a:latin typeface="+mn-lt"/>
                         </a:rPr>
-                        <a:t>FRR: 0.56108</a:t>
-                      </a:r>
-                    </a:p>
-                    <a:p>
-                      <a:r>
-                        <a:rPr lang="en-US" dirty="0" smtClean="0">
-                          <a:latin typeface="+mn-lt"/>
-                        </a:rPr>
-                        <a:t>FAR: 0.49225</a:t>
-                      </a:r>
-                      <a:endParaRPr lang="en-US" dirty="0">
-                        <a:latin typeface="+mn-lt"/>
-                      </a:endParaRPr>
-                    </a:p>
-                  </a:txBody>
-                  <a:tcPr/>
-                </a:tc>
-                <a:tc>
-                  <a:txBody>
-                    <a:bodyPr/>
-                    <a:lstStyle/>
-                    <a:p>
-                      <a:r>
-                        <a:rPr lang="en-US" dirty="0" smtClean="0">
-                          <a:latin typeface="+mn-lt"/>
-                        </a:rPr>
-                        <a:t>FRR: 0.49253</a:t>
-                      </a:r>
-                    </a:p>
-                    <a:p>
-                      <a:r>
-                        <a:rPr lang="en-US" dirty="0" smtClean="0">
-                          <a:latin typeface="+mn-lt"/>
-                        </a:rPr>
-                        <a:t>FAR: 0.58472</a:t>
-                      </a:r>
-                      <a:endParaRPr lang="en-US" dirty="0">
-                        <a:latin typeface="+mn-lt"/>
-                      </a:endParaRPr>
-                    </a:p>
-                  </a:txBody>
-                  <a:tcPr/>
-                </a:tc>
-                <a:tc>
-                  <a:txBody>
-                    <a:bodyPr/>
-                    <a:lstStyle/>
-                    <a:p>
-                      <a:r>
-                        <a:rPr lang="en-US" dirty="0" smtClean="0">
-                          <a:latin typeface="+mn-lt"/>
-                        </a:rPr>
-                        <a:t>FRR: 0.57575</a:t>
-                      </a:r>
-                    </a:p>
-                    <a:p>
-                      <a:r>
-                        <a:rPr lang="en-US" dirty="0" smtClean="0">
-                          <a:latin typeface="+mn-lt"/>
-                        </a:rPr>
-                        <a:t>FAR: 0.54945</a:t>
-                      </a:r>
-                      <a:endParaRPr lang="en-US" dirty="0">
-                        <a:latin typeface="+mn-lt"/>
-                      </a:endParaRPr>
-                    </a:p>
-                  </a:txBody>
-                  <a:tcPr/>
-                </a:tc>
-                <a:tc>
-                  <a:txBody>
-                    <a:bodyPr/>
-                    <a:lstStyle/>
-                    <a:p>
-                      <a:r>
-                        <a:rPr lang="en-US" dirty="0" smtClean="0">
-                          <a:latin typeface="+mn-lt"/>
-                        </a:rPr>
-                        <a:t>FRR: 0.55555</a:t>
-                      </a:r>
-                    </a:p>
-                    <a:p>
-                      <a:r>
-                        <a:rPr lang="en-US" dirty="0" smtClean="0">
-                          <a:latin typeface="+mn-lt"/>
-                        </a:rPr>
-                        <a:t>FAR: 0.57685</a:t>
-                      </a:r>
-                      <a:endParaRPr lang="en-US" dirty="0">
-                        <a:latin typeface="+mn-lt"/>
-                      </a:endParaRPr>
-                    </a:p>
-                  </a:txBody>
-                  <a:tcPr/>
-                </a:tc>
-                <a:tc>
-                  <a:txBody>
-                    <a:bodyPr/>
-                    <a:lstStyle/>
-                    <a:p>
-                      <a:r>
-                        <a:rPr lang="en-US" dirty="0" smtClean="0">
-                          <a:latin typeface="+mn-lt"/>
-                        </a:rPr>
-                        <a:t>FRR: 0.43946</a:t>
-                      </a:r>
-                    </a:p>
-                    <a:p>
-                      <a:r>
-                        <a:rPr lang="en-US" dirty="0" smtClean="0">
-                          <a:latin typeface="+mn-lt"/>
-                        </a:rPr>
-                        <a:t>FAR: 0.62460</a:t>
+                        <a:t>FRR: 0.49774</a:t>
+                      </a:r>
+                    </a:p>
+                    <a:p>
+                      <a:r>
+                        <a:rPr lang="en-US" dirty="0" smtClean="0">
+                          <a:latin typeface="+mn-lt"/>
+                        </a:rPr>
+                        <a:t>FAR: 0.49445</a:t>
+                      </a:r>
+                      <a:endParaRPr lang="en-US" dirty="0">
+                        <a:latin typeface="+mn-lt"/>
+                      </a:endParaRPr>
+                    </a:p>
+                  </a:txBody>
+                  <a:tcPr/>
+                </a:tc>
+                <a:tc>
+                  <a:txBody>
+                    <a:bodyPr/>
+                    <a:lstStyle/>
+                    <a:p>
+                      <a:r>
+                        <a:rPr lang="en-US" dirty="0" smtClean="0">
+                          <a:latin typeface="+mn-lt"/>
+                        </a:rPr>
+                        <a:t>FRR: 0.56716</a:t>
+                      </a:r>
+                    </a:p>
+                    <a:p>
+                      <a:r>
+                        <a:rPr lang="en-US" dirty="0" smtClean="0">
+                          <a:latin typeface="+mn-lt"/>
+                        </a:rPr>
+                        <a:t>FAR: 0.42994</a:t>
+                      </a:r>
+                      <a:endParaRPr lang="en-US" dirty="0">
+                        <a:latin typeface="+mn-lt"/>
+                      </a:endParaRPr>
+                    </a:p>
+                  </a:txBody>
+                  <a:tcPr/>
+                </a:tc>
+                <a:tc>
+                  <a:txBody>
+                    <a:bodyPr/>
+                    <a:lstStyle/>
+                    <a:p>
+                      <a:r>
+                        <a:rPr lang="en-US" dirty="0" smtClean="0">
+                          <a:latin typeface="+mn-lt"/>
+                        </a:rPr>
+                        <a:t>FRR: 0.54545</a:t>
+                      </a:r>
+                    </a:p>
+                    <a:p>
+                      <a:r>
+                        <a:rPr lang="en-US" dirty="0" smtClean="0">
+                          <a:latin typeface="+mn-lt"/>
+                        </a:rPr>
+                        <a:t>FAR: 0.48131</a:t>
+                      </a:r>
+                      <a:endParaRPr lang="en-US" dirty="0">
+                        <a:latin typeface="+mn-lt"/>
+                      </a:endParaRPr>
+                    </a:p>
+                  </a:txBody>
+                  <a:tcPr/>
+                </a:tc>
+                <a:tc>
+                  <a:txBody>
+                    <a:bodyPr/>
+                    <a:lstStyle/>
+                    <a:p>
+                      <a:r>
+                        <a:rPr lang="en-US" dirty="0" smtClean="0">
+                          <a:latin typeface="+mn-lt"/>
+                        </a:rPr>
+                        <a:t>FRR: 0.58333</a:t>
+                      </a:r>
+                    </a:p>
+                    <a:p>
+                      <a:r>
+                        <a:rPr lang="en-US" dirty="0" smtClean="0">
+                          <a:latin typeface="+mn-lt"/>
+                        </a:rPr>
+                        <a:t>FAR: 0.57858</a:t>
+                      </a:r>
+                      <a:endParaRPr lang="en-US" dirty="0">
+                        <a:latin typeface="+mn-lt"/>
+                      </a:endParaRPr>
+                    </a:p>
+                  </a:txBody>
+                  <a:tcPr/>
+                </a:tc>
+                <a:tc>
+                  <a:txBody>
+                    <a:bodyPr/>
+                    <a:lstStyle/>
+                    <a:p>
+                      <a:r>
+                        <a:rPr lang="en-US" dirty="0" smtClean="0">
+                          <a:latin typeface="+mn-lt"/>
+                        </a:rPr>
+                        <a:t>FRR: 0.51121</a:t>
+                      </a:r>
+                    </a:p>
+                    <a:p>
+                      <a:r>
+                        <a:rPr lang="en-US" dirty="0" smtClean="0">
+                          <a:latin typeface="+mn-lt"/>
+                        </a:rPr>
+                        <a:t>FAR: 0.54737</a:t>
                       </a:r>
                       <a:endParaRPr lang="en-US" dirty="0">
                         <a:latin typeface="+mn-lt"/>
@@ -11144,119 +10998,119 @@
                         <a:rPr lang="en-US" dirty="0" smtClean="0">
                           <a:latin typeface="+mn-lt"/>
                         </a:rPr>
-                        <a:t>FRR: 0.52610</a:t>
-                      </a:r>
-                    </a:p>
-                    <a:p>
-                      <a:r>
-                        <a:rPr lang="en-US" dirty="0" smtClean="0">
-                          <a:latin typeface="+mn-lt"/>
-                        </a:rPr>
-                        <a:t>FAR: 0.53144</a:t>
-                      </a:r>
-                      <a:endParaRPr lang="en-US" dirty="0">
-                        <a:latin typeface="+mn-lt"/>
-                      </a:endParaRPr>
-                    </a:p>
-                  </a:txBody>
-                  <a:tcPr/>
-                </a:tc>
-                <a:tc>
-                  <a:txBody>
-                    <a:bodyPr/>
-                    <a:lstStyle/>
-                    <a:p>
-                      <a:r>
-                        <a:rPr lang="en-US" dirty="0" smtClean="0">
-                          <a:latin typeface="+mn-lt"/>
-                        </a:rPr>
-                        <a:t>FRR: 0.38297</a:t>
-                      </a:r>
-                    </a:p>
-                    <a:p>
-                      <a:r>
-                        <a:rPr lang="en-US" dirty="0" smtClean="0">
-                          <a:latin typeface="+mn-lt"/>
-                        </a:rPr>
-                        <a:t>FAR: 0.63152</a:t>
-                      </a:r>
-                      <a:endParaRPr lang="en-US" dirty="0">
-                        <a:latin typeface="+mn-lt"/>
-                      </a:endParaRPr>
-                    </a:p>
-                  </a:txBody>
-                  <a:tcPr/>
-                </a:tc>
-                <a:tc>
-                  <a:txBody>
-                    <a:bodyPr/>
-                    <a:lstStyle/>
-                    <a:p>
-                      <a:r>
-                        <a:rPr lang="en-US" dirty="0" smtClean="0">
-                          <a:latin typeface="+mn-lt"/>
-                        </a:rPr>
-                        <a:t>FRR: 0.49504</a:t>
-                      </a:r>
-                    </a:p>
-                    <a:p>
-                      <a:r>
-                        <a:rPr lang="en-US" dirty="0" smtClean="0">
-                          <a:latin typeface="+mn-lt"/>
-                        </a:rPr>
-                        <a:t>FAR: 0.61320</a:t>
-                      </a:r>
-                      <a:endParaRPr lang="en-US" dirty="0">
-                        <a:latin typeface="+mn-lt"/>
-                      </a:endParaRPr>
-                    </a:p>
-                  </a:txBody>
-                  <a:tcPr/>
-                </a:tc>
-                <a:tc>
-                  <a:txBody>
-                    <a:bodyPr/>
-                    <a:lstStyle/>
-                    <a:p>
-                      <a:r>
-                        <a:rPr lang="en-US" dirty="0" smtClean="0">
-                          <a:latin typeface="+mn-lt"/>
-                        </a:rPr>
-                        <a:t>FRR: 0.50476</a:t>
-                      </a:r>
-                    </a:p>
-                    <a:p>
-                      <a:r>
-                        <a:rPr lang="en-US" dirty="0" smtClean="0">
-                          <a:latin typeface="+mn-lt"/>
-                        </a:rPr>
-                        <a:t>FAR: 0.61774</a:t>
-                      </a:r>
-                      <a:endParaRPr lang="en-US" dirty="0">
-                        <a:latin typeface="+mn-lt"/>
-                      </a:endParaRPr>
-                    </a:p>
-                  </a:txBody>
-                  <a:tcPr/>
-                </a:tc>
-                <a:tc>
-                  <a:txBody>
-                    <a:bodyPr/>
-                    <a:lstStyle/>
-                    <a:p>
-                      <a:r>
-                        <a:rPr lang="en-US" dirty="0" smtClean="0">
-                          <a:latin typeface="+mn-lt"/>
-                        </a:rPr>
-                        <a:t>FRR: 0.45344</a:t>
-                      </a:r>
-                    </a:p>
-                    <a:p>
-                      <a:r>
-                        <a:rPr lang="en-US" dirty="0" smtClean="0">
-                          <a:latin typeface="+mn-lt"/>
-                        </a:rPr>
-                        <a:t>FAR: 0.59193</a:t>
+                        <a:t>FRR: 0.55422</a:t>
+                      </a:r>
+                    </a:p>
+                    <a:p>
+                      <a:r>
+                        <a:rPr lang="en-US" dirty="0" smtClean="0">
+                          <a:latin typeface="+mn-lt"/>
+                        </a:rPr>
+                        <a:t>FAR: 0.50112</a:t>
+                      </a:r>
+                      <a:endParaRPr lang="en-US" dirty="0">
+                        <a:latin typeface="+mn-lt"/>
+                      </a:endParaRPr>
+                    </a:p>
+                  </a:txBody>
+                  <a:tcPr/>
+                </a:tc>
+                <a:tc>
+                  <a:txBody>
+                    <a:bodyPr/>
+                    <a:lstStyle/>
+                    <a:p>
+                      <a:r>
+                        <a:rPr lang="en-US" dirty="0" smtClean="0">
+                          <a:latin typeface="+mn-lt"/>
+                        </a:rPr>
+                        <a:t>FRR: 0.42553</a:t>
+                      </a:r>
+                    </a:p>
+                    <a:p>
+                      <a:r>
+                        <a:rPr lang="en-US" dirty="0" smtClean="0">
+                          <a:latin typeface="+mn-lt"/>
+                        </a:rPr>
+                        <a:t>FAR: 0.42826</a:t>
+                      </a:r>
+                      <a:endParaRPr lang="en-US" dirty="0" smtClean="0">
+                        <a:latin typeface="+mn-lt"/>
+                      </a:endParaRPr>
+                    </a:p>
+                  </a:txBody>
+                  <a:tcPr/>
+                </a:tc>
+                <a:tc>
+                  <a:txBody>
+                    <a:bodyPr/>
+                    <a:lstStyle/>
+                    <a:p>
+                      <a:r>
+                        <a:rPr lang="en-US" dirty="0" smtClean="0">
+                          <a:latin typeface="+mn-lt"/>
+                        </a:rPr>
+                        <a:t>FRR: 0.55446</a:t>
+                      </a:r>
+                    </a:p>
+                    <a:p>
+                      <a:r>
+                        <a:rPr lang="en-US" dirty="0" smtClean="0">
+                          <a:latin typeface="+mn-lt"/>
+                        </a:rPr>
+                        <a:t>FAR: 0.58793</a:t>
+                      </a:r>
+                      <a:endParaRPr lang="en-US" dirty="0">
+                        <a:latin typeface="+mn-lt"/>
+                      </a:endParaRPr>
+                    </a:p>
+                  </a:txBody>
+                  <a:tcPr/>
+                </a:tc>
+                <a:tc>
+                  <a:txBody>
+                    <a:bodyPr/>
+                    <a:lstStyle/>
+                    <a:p>
+                      <a:r>
+                        <a:rPr lang="en-US" dirty="0" smtClean="0">
+                          <a:latin typeface="+mn-lt"/>
+                        </a:rPr>
+                        <a:t>FRR: 0.47619</a:t>
+                      </a:r>
+                    </a:p>
+                    <a:p>
+                      <a:r>
+                        <a:rPr lang="en-US" dirty="0" smtClean="0">
+                          <a:latin typeface="+mn-lt"/>
+                        </a:rPr>
+                        <a:t>FAR: 0.48816</a:t>
+                      </a:r>
+                      <a:endParaRPr lang="en-US" dirty="0">
+                        <a:latin typeface="+mn-lt"/>
+                      </a:endParaRPr>
+                    </a:p>
+                  </a:txBody>
+                  <a:tcPr/>
+                </a:tc>
+                <a:tc>
+                  <a:txBody>
+                    <a:bodyPr/>
+                    <a:lstStyle/>
+                    <a:p>
+                      <a:r>
+                        <a:rPr lang="en-US" dirty="0" smtClean="0">
+                          <a:latin typeface="+mn-lt"/>
+                        </a:rPr>
+                        <a:t>FRR: 0.48988</a:t>
+                      </a:r>
+                    </a:p>
+                    <a:p>
+                      <a:r>
+                        <a:rPr lang="en-US" dirty="0" smtClean="0">
+                          <a:latin typeface="+mn-lt"/>
+                        </a:rPr>
+                        <a:t>FAR: 0.59210</a:t>
                       </a:r>
                       <a:endParaRPr lang="en-US" dirty="0">
                         <a:latin typeface="+mn-lt"/>
@@ -11305,119 +11159,119 @@
                         <a:rPr lang="en-US" dirty="0" smtClean="0">
                           <a:latin typeface="+mn-lt"/>
                         </a:rPr>
-                        <a:t>FRR: 0.49373</a:t>
-                      </a:r>
-                    </a:p>
-                    <a:p>
-                      <a:r>
-                        <a:rPr lang="en-US" dirty="0" smtClean="0">
-                          <a:latin typeface="+mn-lt"/>
-                        </a:rPr>
-                        <a:t>FAR: 0.52838</a:t>
-                      </a:r>
-                      <a:endParaRPr lang="en-US" dirty="0">
-                        <a:latin typeface="+mn-lt"/>
-                      </a:endParaRPr>
-                    </a:p>
-                  </a:txBody>
-                  <a:tcPr/>
-                </a:tc>
-                <a:tc>
-                  <a:txBody>
-                    <a:bodyPr/>
-                    <a:lstStyle/>
-                    <a:p>
-                      <a:r>
-                        <a:rPr lang="en-US" dirty="0" smtClean="0">
-                          <a:latin typeface="+mn-lt"/>
-                        </a:rPr>
-                        <a:t>FRR: 0.42964</a:t>
-                      </a:r>
-                    </a:p>
-                    <a:p>
-                      <a:r>
-                        <a:rPr lang="en-US" dirty="0" smtClean="0">
-                          <a:latin typeface="+mn-lt"/>
-                        </a:rPr>
-                        <a:t>FAR: 0.60301</a:t>
-                      </a:r>
-                      <a:endParaRPr lang="en-US" dirty="0">
-                        <a:latin typeface="+mn-lt"/>
-                      </a:endParaRPr>
-                    </a:p>
-                  </a:txBody>
-                  <a:tcPr/>
-                </a:tc>
-                <a:tc>
-                  <a:txBody>
-                    <a:bodyPr/>
-                    <a:lstStyle/>
-                    <a:p>
-                      <a:r>
-                        <a:rPr lang="en-US" dirty="0" smtClean="0">
-                          <a:latin typeface="+mn-lt"/>
-                        </a:rPr>
-                        <a:t>FRR: 0.45394</a:t>
-                      </a:r>
-                    </a:p>
-                    <a:p>
-                      <a:r>
-                        <a:rPr lang="en-US" dirty="0" smtClean="0">
-                          <a:latin typeface="+mn-lt"/>
-                        </a:rPr>
-                        <a:t>FAR: 0.56074</a:t>
-                      </a:r>
-                      <a:endParaRPr lang="en-US" dirty="0">
-                        <a:latin typeface="+mn-lt"/>
-                      </a:endParaRPr>
-                    </a:p>
-                  </a:txBody>
-                  <a:tcPr/>
-                </a:tc>
-                <a:tc>
-                  <a:txBody>
-                    <a:bodyPr/>
-                    <a:lstStyle/>
-                    <a:p>
-                      <a:r>
-                        <a:rPr lang="en-US" dirty="0" smtClean="0">
-                          <a:latin typeface="+mn-lt"/>
-                        </a:rPr>
-                        <a:t>FRR: 0.49018</a:t>
-                      </a:r>
-                    </a:p>
-                    <a:p>
-                      <a:r>
-                        <a:rPr lang="en-US" dirty="0" smtClean="0">
-                          <a:latin typeface="+mn-lt"/>
-                        </a:rPr>
-                        <a:t>FAR: 0.59003</a:t>
-                      </a:r>
-                      <a:endParaRPr lang="en-US" dirty="0">
-                        <a:latin typeface="+mn-lt"/>
-                      </a:endParaRPr>
-                    </a:p>
-                  </a:txBody>
-                  <a:tcPr/>
-                </a:tc>
-                <a:tc>
-                  <a:txBody>
-                    <a:bodyPr/>
-                    <a:lstStyle/>
-                    <a:p>
-                      <a:r>
-                        <a:rPr lang="en-US" dirty="0" smtClean="0">
-                          <a:latin typeface="+mn-lt"/>
-                        </a:rPr>
-                        <a:t>FRR: 0.45596</a:t>
-                      </a:r>
-                    </a:p>
-                    <a:p>
-                      <a:r>
-                        <a:rPr lang="en-US" smtClean="0">
-                          <a:latin typeface="+mn-lt"/>
-                        </a:rPr>
-                        <a:t>FAR: 0.59160</a:t>
+                        <a:t>FRR: 0.49885</a:t>
+                      </a:r>
+                    </a:p>
+                    <a:p>
+                      <a:r>
+                        <a:rPr lang="en-US" dirty="0" smtClean="0">
+                          <a:latin typeface="+mn-lt"/>
+                        </a:rPr>
+                        <a:t>FAR: 0.49449</a:t>
+                      </a:r>
+                      <a:endParaRPr lang="en-US" dirty="0">
+                        <a:latin typeface="+mn-lt"/>
+                      </a:endParaRPr>
+                    </a:p>
+                  </a:txBody>
+                  <a:tcPr/>
+                </a:tc>
+                <a:tc>
+                  <a:txBody>
+                    <a:bodyPr/>
+                    <a:lstStyle/>
+                    <a:p>
+                      <a:r>
+                        <a:rPr lang="en-US" dirty="0" smtClean="0">
+                          <a:latin typeface="+mn-lt"/>
+                        </a:rPr>
+                        <a:t>FRR: 0.48857</a:t>
+                      </a:r>
+                    </a:p>
+                    <a:p>
+                      <a:r>
+                        <a:rPr lang="en-US" dirty="0" smtClean="0">
+                          <a:latin typeface="+mn-lt"/>
+                        </a:rPr>
+                        <a:t>FAR: 0.48656</a:t>
+                      </a:r>
+                      <a:endParaRPr lang="en-US" dirty="0">
+                        <a:latin typeface="+mn-lt"/>
+                      </a:endParaRPr>
+                    </a:p>
+                  </a:txBody>
+                  <a:tcPr/>
+                </a:tc>
+                <a:tc>
+                  <a:txBody>
+                    <a:bodyPr/>
+                    <a:lstStyle/>
+                    <a:p>
+                      <a:r>
+                        <a:rPr lang="en-US" dirty="0" smtClean="0">
+                          <a:latin typeface="+mn-lt"/>
+                        </a:rPr>
+                        <a:t>FFRR: 0.51857</a:t>
+                      </a:r>
+                    </a:p>
+                    <a:p>
+                      <a:r>
+                        <a:rPr lang="en-US" dirty="0" smtClean="0">
+                          <a:latin typeface="+mn-lt"/>
+                        </a:rPr>
+                        <a:t>FAR: 0.52419</a:t>
+                      </a:r>
+                      <a:endParaRPr lang="en-US" dirty="0">
+                        <a:latin typeface="+mn-lt"/>
+                      </a:endParaRPr>
+                    </a:p>
+                  </a:txBody>
+                  <a:tcPr/>
+                </a:tc>
+                <a:tc>
+                  <a:txBody>
+                    <a:bodyPr/>
+                    <a:lstStyle/>
+                    <a:p>
+                      <a:r>
+                        <a:rPr lang="en-US" dirty="0" smtClean="0">
+                          <a:latin typeface="+mn-lt"/>
+                        </a:rPr>
+                        <a:t>FRR: 0.50888</a:t>
+                      </a:r>
+                    </a:p>
+                    <a:p>
+                      <a:r>
+                        <a:rPr lang="en-US" dirty="0" smtClean="0">
+                          <a:latin typeface="+mn-lt"/>
+                        </a:rPr>
+                        <a:t>FAR: 0.53794</a:t>
+                      </a:r>
+                      <a:endParaRPr lang="en-US" dirty="0">
+                        <a:latin typeface="+mn-lt"/>
+                      </a:endParaRPr>
+                    </a:p>
+                  </a:txBody>
+                  <a:tcPr/>
+                </a:tc>
+                <a:tc>
+                  <a:txBody>
+                    <a:bodyPr/>
+                    <a:lstStyle/>
+                    <a:p>
+                      <a:r>
+                        <a:rPr lang="en-US" dirty="0" smtClean="0">
+                          <a:latin typeface="+mn-lt"/>
+                        </a:rPr>
+                        <a:t>FRR: 0.53048</a:t>
+                      </a:r>
+                    </a:p>
+                    <a:p>
+                      <a:r>
+                        <a:rPr lang="en-US" dirty="0" smtClean="0">
+                          <a:latin typeface="+mn-lt"/>
+                        </a:rPr>
+                        <a:t>FAR: 0.52870</a:t>
                       </a:r>
                       <a:endParaRPr lang="en-US" dirty="0">
                         <a:latin typeface="+mn-lt"/>
